--- a/doc/partial presentation/partial_presentation.pptx
+++ b/doc/partial presentation/partial_presentation.pptx
@@ -18,15 +18,15 @@
     <p:sldId id="293" r:id="rId6"/>
     <p:sldId id="292" r:id="rId7"/>
     <p:sldId id="281" r:id="rId8"/>
-    <p:sldId id="282" r:id="rId9"/>
-    <p:sldId id="286" r:id="rId10"/>
-    <p:sldId id="287" r:id="rId11"/>
-    <p:sldId id="289" r:id="rId12"/>
-    <p:sldId id="290" r:id="rId13"/>
-    <p:sldId id="288" r:id="rId14"/>
-    <p:sldId id="291" r:id="rId15"/>
-    <p:sldId id="284" r:id="rId16"/>
-    <p:sldId id="285" r:id="rId17"/>
+    <p:sldId id="286" r:id="rId9"/>
+    <p:sldId id="287" r:id="rId10"/>
+    <p:sldId id="289" r:id="rId11"/>
+    <p:sldId id="294" r:id="rId12"/>
+    <p:sldId id="295" r:id="rId13"/>
+    <p:sldId id="296" r:id="rId14"/>
+    <p:sldId id="288" r:id="rId15"/>
+    <p:sldId id="291" r:id="rId16"/>
+    <p:sldId id="284" r:id="rId17"/>
     <p:sldId id="278" r:id="rId18"/>
   </p:sldIdLst>
   <p:sldSz cx="9144000" cy="6858000" type="screen4x3"/>
@@ -142,24 +142,59 @@
       <c:style val="18"/>
     </mc:Fallback>
   </mc:AlternateContent>
+  <c:clrMapOvr bg1="lt1" tx1="dk1" bg2="lt2" tx2="dk2" accent1="accent1" accent2="accent2" accent3="accent3" accent4="accent4" accent5="accent5" accent6="accent6" hlink="hlink" folHlink="folHlink"/>
   <c:chart>
+    <c:title>
+      <c:tx>
+        <c:rich>
+          <a:bodyPr/>
+          <a:lstStyle/>
+          <a:p>
+            <a:pPr>
+              <a:defRPr/>
+            </a:pPr>
+            <a:r>
+              <a:rPr lang="en-US" dirty="0" smtClean="0"/>
+              <a:t>Execution</a:t>
+            </a:r>
+            <a:r>
+              <a:rPr lang="en-US" baseline="0" dirty="0" smtClean="0"/>
+              <a:t> time</a:t>
+            </a:r>
+            <a:endParaRPr lang="en-US" dirty="0"/>
+          </a:p>
+        </c:rich>
+      </c:tx>
+      <c:layout/>
+      <c:overlay val="1"/>
+    </c:title>
     <c:autoTitleDeleted val="0"/>
     <c:plotArea>
-      <c:layout/>
+      <c:layout>
+        <c:manualLayout>
+          <c:layoutTarget val="inner"/>
+          <c:xMode val="edge"/>
+          <c:yMode val="edge"/>
+          <c:x val="0.129978611801419"/>
+          <c:y val="0.0449118737092257"/>
+          <c:w val="0.831555947277106"/>
+          <c:h val="0.867521669775043"/>
+        </c:manualLayout>
+      </c:layout>
       <c:barChart>
         <c:barDir val="col"/>
-        <c:grouping val="percentStacked"/>
+        <c:grouping val="stacked"/>
         <c:varyColors val="0"/>
         <c:ser>
           <c:idx val="0"/>
           <c:order val="0"/>
           <c:tx>
-            <c:v>Parallelizable section of ttDKF</c:v>
+            <c:v>Rest of the cuts</c:v>
           </c:tx>
           <c:invertIfNegative val="0"/>
           <c:cat>
             <c:numRef>
-              <c:f>'Efficiency 701'!$D$34:$M$34</c:f>
+              <c:f>'Efficiency 701'!$R$75:$AA$75</c:f>
               <c:numCache>
                 <c:formatCode>General</c:formatCode>
                 <c:ptCount val="10"/>
@@ -198,39 +233,39 @@
           </c:cat>
           <c:val>
             <c:numRef>
-              <c:f>'Efficiency 701'!$D$35:$M$35</c:f>
+              <c:f>'Efficiency 701'!$R$77:$AA$77</c:f>
               <c:numCache>
-                <c:formatCode>0.00</c:formatCode>
+                <c:formatCode>General</c:formatCode>
                 <c:ptCount val="10"/>
                 <c:pt idx="0">
-                  <c:v>0.259932768160684</c:v>
+                  <c:v>1.991641</c:v>
                 </c:pt>
                 <c:pt idx="1">
-                  <c:v>0.412484680101293</c:v>
+                  <c:v>1.949046</c:v>
                 </c:pt>
                 <c:pt idx="2">
-                  <c:v>0.578641561672325</c:v>
+                  <c:v>1.893227</c:v>
                 </c:pt>
                 <c:pt idx="3">
-                  <c:v>0.730637019879336</c:v>
+                  <c:v>1.890236</c:v>
                 </c:pt>
                 <c:pt idx="4">
-                  <c:v>0.847430433310115</c:v>
+                  <c:v>1.944026</c:v>
                 </c:pt>
                 <c:pt idx="5">
-                  <c:v>0.919909371203368</c:v>
+                  <c:v>1.980342</c:v>
                 </c:pt>
                 <c:pt idx="6">
-                  <c:v>0.965019868975207</c:v>
+                  <c:v>2.06879</c:v>
                 </c:pt>
                 <c:pt idx="7">
-                  <c:v>0.979826546252363</c:v>
+                  <c:v>2.198381</c:v>
                 </c:pt>
                 <c:pt idx="8">
-                  <c:v>0.989099256347805</c:v>
+                  <c:v>2.405855</c:v>
                 </c:pt>
                 <c:pt idx="9">
-                  <c:v>0.988501253094597</c:v>
+                  <c:v>2.64023</c:v>
                 </c:pt>
               </c:numCache>
             </c:numRef>
@@ -240,44 +275,83 @@
           <c:idx val="1"/>
           <c:order val="1"/>
           <c:tx>
-            <c:v>Sequential section of ttDKF</c:v>
+            <c:v>Read inputs</c:v>
           </c:tx>
           <c:invertIfNegative val="0"/>
+          <c:cat>
+            <c:numRef>
+              <c:f>'Efficiency 701'!$R$75:$AA$75</c:f>
+              <c:numCache>
+                <c:formatCode>General</c:formatCode>
+                <c:ptCount val="10"/>
+                <c:pt idx="0">
+                  <c:v>1.0</c:v>
+                </c:pt>
+                <c:pt idx="1">
+                  <c:v>2.0</c:v>
+                </c:pt>
+                <c:pt idx="2">
+                  <c:v>4.0</c:v>
+                </c:pt>
+                <c:pt idx="3">
+                  <c:v>8.0</c:v>
+                </c:pt>
+                <c:pt idx="4">
+                  <c:v>16.0</c:v>
+                </c:pt>
+                <c:pt idx="5">
+                  <c:v>32.0</c:v>
+                </c:pt>
+                <c:pt idx="6">
+                  <c:v>64.0</c:v>
+                </c:pt>
+                <c:pt idx="7">
+                  <c:v>128.0</c:v>
+                </c:pt>
+                <c:pt idx="8">
+                  <c:v>256.0</c:v>
+                </c:pt>
+                <c:pt idx="9">
+                  <c:v>512.0</c:v>
+                </c:pt>
+              </c:numCache>
+            </c:numRef>
+          </c:cat>
           <c:val>
             <c:numRef>
-              <c:f>'Efficiency 701'!$D$36:$M$36</c:f>
+              <c:f>'Efficiency 701'!$R$79:$AA$79</c:f>
               <c:numCache>
-                <c:formatCode>0.00</c:formatCode>
+                <c:formatCode>General</c:formatCode>
                 <c:ptCount val="10"/>
                 <c:pt idx="0">
-                  <c:v>0.479040469478346</c:v>
+                  <c:v>0.280504</c:v>
                 </c:pt>
                 <c:pt idx="1">
-                  <c:v>0.377185748238547</c:v>
+                  <c:v>0.280504</c:v>
                 </c:pt>
                 <c:pt idx="2">
-                  <c:v>0.272634805131707</c:v>
+                  <c:v>0.280504</c:v>
                 </c:pt>
                 <c:pt idx="3">
-                  <c:v>0.17558383168809</c:v>
+                  <c:v>0.280504</c:v>
                 </c:pt>
                 <c:pt idx="4">
-                  <c:v>0.098341617607445</c:v>
+                  <c:v>0.280504</c:v>
                 </c:pt>
                 <c:pt idx="5">
-                  <c:v>0.0500162295988947</c:v>
+                  <c:v>0.280504</c:v>
                 </c:pt>
                 <c:pt idx="6">
-                  <c:v>0.018497518018479</c:v>
+                  <c:v>0.280504</c:v>
                 </c:pt>
                 <c:pt idx="7">
-                  <c:v>0.0115425765963599</c:v>
+                  <c:v>0.280504</c:v>
                 </c:pt>
                 <c:pt idx="8">
-                  <c:v>0.00571612446136036</c:v>
+                  <c:v>0.280504</c:v>
                 </c:pt>
                 <c:pt idx="9">
-                  <c:v>0.00913505321218391</c:v>
+                  <c:v>0.280504</c:v>
                 </c:pt>
               </c:numCache>
             </c:numRef>
@@ -287,44 +361,83 @@
           <c:idx val="2"/>
           <c:order val="2"/>
           <c:tx>
-            <c:v>Rest of ttH_dilep</c:v>
+            <c:v>KinFit</c:v>
           </c:tx>
           <c:invertIfNegative val="0"/>
+          <c:cat>
+            <c:numRef>
+              <c:f>'Efficiency 701'!$R$75:$AA$75</c:f>
+              <c:numCache>
+                <c:formatCode>General</c:formatCode>
+                <c:ptCount val="10"/>
+                <c:pt idx="0">
+                  <c:v>1.0</c:v>
+                </c:pt>
+                <c:pt idx="1">
+                  <c:v>2.0</c:v>
+                </c:pt>
+                <c:pt idx="2">
+                  <c:v>4.0</c:v>
+                </c:pt>
+                <c:pt idx="3">
+                  <c:v>8.0</c:v>
+                </c:pt>
+                <c:pt idx="4">
+                  <c:v>16.0</c:v>
+                </c:pt>
+                <c:pt idx="5">
+                  <c:v>32.0</c:v>
+                </c:pt>
+                <c:pt idx="6">
+                  <c:v>64.0</c:v>
+                </c:pt>
+                <c:pt idx="7">
+                  <c:v>128.0</c:v>
+                </c:pt>
+                <c:pt idx="8">
+                  <c:v>256.0</c:v>
+                </c:pt>
+                <c:pt idx="9">
+                  <c:v>512.0</c:v>
+                </c:pt>
+              </c:numCache>
+            </c:numRef>
+          </c:cat>
           <c:val>
             <c:numRef>
-              <c:f>'Efficiency 701'!$D$39:$M$39</c:f>
+              <c:f>'Efficiency 701'!$R$76:$AA$76</c:f>
               <c:numCache>
-                <c:formatCode>0.00</c:formatCode>
+                <c:formatCode>General</c:formatCode>
                 <c:ptCount val="10"/>
                 <c:pt idx="0">
-                  <c:v>0.261026762360969</c:v>
+                  <c:v>1.812077</c:v>
                 </c:pt>
                 <c:pt idx="1">
-                  <c:v>0.21032957166016</c:v>
+                  <c:v>3.64018</c:v>
                 </c:pt>
                 <c:pt idx="2">
-                  <c:v>0.148723633195968</c:v>
+                  <c:v>7.248018</c:v>
                 </c:pt>
                 <c:pt idx="3">
-                  <c:v>0.0937791484325747</c:v>
+                  <c:v>14.537184</c:v>
                 </c:pt>
                 <c:pt idx="4">
-                  <c:v>0.0542279490824398</c:v>
+                  <c:v>29.087227</c:v>
                 </c:pt>
                 <c:pt idx="5">
-                  <c:v>0.0300743991977377</c:v>
+                  <c:v>58.127282</c:v>
                 </c:pt>
                 <c:pt idx="6">
-                  <c:v>0.0164826130063137</c:v>
+                  <c:v>117.454836</c:v>
                 </c:pt>
                 <c:pt idx="7">
-                  <c:v>0.00863087715127719</c:v>
+                  <c:v>237.474029</c:v>
                 </c:pt>
                 <c:pt idx="8">
-                  <c:v>0.00518461919083439</c:v>
+                  <c:v>479.72257</c:v>
                 </c:pt>
                 <c:pt idx="9">
-                  <c:v>0.0023636936932186</c:v>
+                  <c:v>977.571781</c:v>
                 </c:pt>
               </c:numCache>
             </c:numRef>
@@ -340,11 +453,11 @@
         </c:dLbls>
         <c:gapWidth val="150"/>
         <c:overlap val="100"/>
-        <c:axId val="2061438184"/>
-        <c:axId val="2061442472"/>
+        <c:axId val="100740104"/>
+        <c:axId val="100743080"/>
       </c:barChart>
       <c:catAx>
-        <c:axId val="2061438184"/>
+        <c:axId val="100740104"/>
         <c:scaling>
           <c:orientation val="minMax"/>
         </c:scaling>
@@ -354,7 +467,7 @@
         <c:majorTickMark val="out"/>
         <c:minorTickMark val="none"/>
         <c:tickLblPos val="nextTo"/>
-        <c:crossAx val="2061442472"/>
+        <c:crossAx val="100743080"/>
         <c:crosses val="autoZero"/>
         <c:auto val="1"/>
         <c:lblAlgn val="ctr"/>
@@ -362,7 +475,369 @@
         <c:noMultiLvlLbl val="0"/>
       </c:catAx>
       <c:valAx>
-        <c:axId val="2061442472"/>
+        <c:axId val="100743080"/>
+        <c:scaling>
+          <c:logBase val="2.0"/>
+          <c:orientation val="minMax"/>
+        </c:scaling>
+        <c:delete val="0"/>
+        <c:axPos val="l"/>
+        <c:majorGridlines/>
+        <c:title>
+          <c:tx>
+            <c:rich>
+              <a:bodyPr rot="-5400000" vert="horz"/>
+              <a:lstStyle/>
+              <a:p>
+                <a:pPr>
+                  <a:defRPr/>
+                </a:pPr>
+                <a:r>
+                  <a:rPr lang="en-US" dirty="0" smtClean="0"/>
+                  <a:t>Execution</a:t>
+                </a:r>
+                <a:r>
+                  <a:rPr lang="en-US" baseline="0" dirty="0" smtClean="0"/>
+                  <a:t> time (</a:t>
+                </a:r>
+                <a:r>
+                  <a:rPr lang="en-US" baseline="0" dirty="0" err="1" smtClean="0"/>
+                  <a:t>secs</a:t>
+                </a:r>
+                <a:r>
+                  <a:rPr lang="en-US" baseline="0" dirty="0" smtClean="0"/>
+                  <a:t>)</a:t>
+                </a:r>
+              </a:p>
+            </c:rich>
+          </c:tx>
+          <c:layout>
+            <c:manualLayout>
+              <c:xMode val="edge"/>
+              <c:yMode val="edge"/>
+              <c:x val="0.0"/>
+              <c:y val="0.306312580112337"/>
+            </c:manualLayout>
+          </c:layout>
+          <c:overlay val="0"/>
+        </c:title>
+        <c:numFmt formatCode="General" sourceLinked="1"/>
+        <c:majorTickMark val="out"/>
+        <c:minorTickMark val="none"/>
+        <c:tickLblPos val="nextTo"/>
+        <c:crossAx val="100740104"/>
+        <c:crosses val="autoZero"/>
+        <c:crossBetween val="between"/>
+      </c:valAx>
+    </c:plotArea>
+    <c:plotVisOnly val="1"/>
+    <c:dispBlanksAs val="gap"/>
+    <c:showDLblsOverMax val="0"/>
+  </c:chart>
+  <c:externalData r:id="rId2">
+    <c:autoUpdate val="0"/>
+  </c:externalData>
+</c:chartSpace>
+</file>
+
+<file path=ppt/charts/chart2.xml><?xml version="1.0" encoding="utf-8"?>
+<c:chartSpace xmlns:c="http://schemas.openxmlformats.org/drawingml/2006/chart" xmlns:a="http://schemas.openxmlformats.org/drawingml/2006/main" xmlns:r="http://schemas.openxmlformats.org/officeDocument/2006/relationships">
+  <c:date1904 val="0"/>
+  <c:lang val="en-US"/>
+  <c:roundedCorners val="0"/>
+  <mc:AlternateContent xmlns:mc="http://schemas.openxmlformats.org/markup-compatibility/2006">
+    <mc:Choice xmlns:c14="http://schemas.microsoft.com/office/drawing/2007/8/2/chart" Requires="c14">
+      <c14:style val="118"/>
+    </mc:Choice>
+    <mc:Fallback>
+      <c:style val="18"/>
+    </mc:Fallback>
+  </mc:AlternateContent>
+  <c:clrMapOvr bg1="lt1" tx1="dk1" bg2="lt2" tx2="dk2" accent1="accent1" accent2="accent2" accent3="accent3" accent4="accent4" accent5="accent5" accent6="accent6" hlink="hlink" folHlink="folHlink"/>
+  <c:chart>
+    <c:title>
+      <c:tx>
+        <c:rich>
+          <a:bodyPr/>
+          <a:lstStyle/>
+          <a:p>
+            <a:pPr>
+              <a:defRPr/>
+            </a:pPr>
+            <a:r>
+              <a:rPr lang="en-US" dirty="0" smtClean="0"/>
+              <a:t>Relative</a:t>
+            </a:r>
+            <a:r>
+              <a:rPr lang="en-US" baseline="0" dirty="0" smtClean="0"/>
+              <a:t> execution time</a:t>
+            </a:r>
+            <a:endParaRPr lang="en-US" dirty="0"/>
+          </a:p>
+        </c:rich>
+      </c:tx>
+      <c:layout/>
+      <c:overlay val="1"/>
+    </c:title>
+    <c:autoTitleDeleted val="0"/>
+    <c:plotArea>
+      <c:layout/>
+      <c:barChart>
+        <c:barDir val="col"/>
+        <c:grouping val="percentStacked"/>
+        <c:varyColors val="0"/>
+        <c:ser>
+          <c:idx val="0"/>
+          <c:order val="0"/>
+          <c:tx>
+            <c:v>Rest of the cuts</c:v>
+          </c:tx>
+          <c:invertIfNegative val="0"/>
+          <c:cat>
+            <c:numRef>
+              <c:f>'Efficiency 701'!$R$85:$AA$85</c:f>
+              <c:numCache>
+                <c:formatCode>General</c:formatCode>
+                <c:ptCount val="10"/>
+                <c:pt idx="0">
+                  <c:v>1.0</c:v>
+                </c:pt>
+                <c:pt idx="1">
+                  <c:v>2.0</c:v>
+                </c:pt>
+                <c:pt idx="2">
+                  <c:v>4.0</c:v>
+                </c:pt>
+                <c:pt idx="3">
+                  <c:v>8.0</c:v>
+                </c:pt>
+                <c:pt idx="4">
+                  <c:v>16.0</c:v>
+                </c:pt>
+                <c:pt idx="5">
+                  <c:v>32.0</c:v>
+                </c:pt>
+                <c:pt idx="6">
+                  <c:v>64.0</c:v>
+                </c:pt>
+                <c:pt idx="7">
+                  <c:v>128.0</c:v>
+                </c:pt>
+                <c:pt idx="8">
+                  <c:v>256.0</c:v>
+                </c:pt>
+                <c:pt idx="9">
+                  <c:v>512.0</c:v>
+                </c:pt>
+              </c:numCache>
+            </c:numRef>
+          </c:cat>
+          <c:val>
+            <c:numRef>
+              <c:f>'Efficiency 701'!$R$87:$AA$87</c:f>
+              <c:numCache>
+                <c:formatCode>General</c:formatCode>
+                <c:ptCount val="10"/>
+                <c:pt idx="0">
+                  <c:v>0.487642689354301</c:v>
+                </c:pt>
+                <c:pt idx="1">
+                  <c:v>0.332050366882293</c:v>
+                </c:pt>
+                <c:pt idx="2">
+                  <c:v>0.200942202981633</c:v>
+                </c:pt>
+                <c:pt idx="3">
+                  <c:v>0.113134103315289</c:v>
+                </c:pt>
+                <c:pt idx="4">
+                  <c:v>0.0620861358881905</c:v>
+                </c:pt>
+                <c:pt idx="5">
+                  <c:v>0.0327935649868133</c:v>
+                </c:pt>
+                <c:pt idx="6">
+                  <c:v>0.0172681025270164</c:v>
+                </c:pt>
+                <c:pt idx="7">
+                  <c:v>0.00916171828611341</c:v>
+                </c:pt>
+                <c:pt idx="8">
+                  <c:v>0.0049871692984356</c:v>
+                </c:pt>
+                <c:pt idx="9">
+                  <c:v>0.00269275895492175</c:v>
+                </c:pt>
+              </c:numCache>
+            </c:numRef>
+          </c:val>
+        </c:ser>
+        <c:ser>
+          <c:idx val="1"/>
+          <c:order val="1"/>
+          <c:tx>
+            <c:v>Read inputs</c:v>
+          </c:tx>
+          <c:invertIfNegative val="0"/>
+          <c:cat>
+            <c:numRef>
+              <c:f>'Efficiency 701'!$R$85:$AA$85</c:f>
+              <c:numCache>
+                <c:formatCode>General</c:formatCode>
+                <c:ptCount val="10"/>
+                <c:pt idx="0">
+                  <c:v>1.0</c:v>
+                </c:pt>
+                <c:pt idx="1">
+                  <c:v>2.0</c:v>
+                </c:pt>
+                <c:pt idx="2">
+                  <c:v>4.0</c:v>
+                </c:pt>
+                <c:pt idx="3">
+                  <c:v>8.0</c:v>
+                </c:pt>
+                <c:pt idx="4">
+                  <c:v>16.0</c:v>
+                </c:pt>
+                <c:pt idx="5">
+                  <c:v>32.0</c:v>
+                </c:pt>
+                <c:pt idx="6">
+                  <c:v>64.0</c:v>
+                </c:pt>
+                <c:pt idx="7">
+                  <c:v>128.0</c:v>
+                </c:pt>
+                <c:pt idx="8">
+                  <c:v>256.0</c:v>
+                </c:pt>
+                <c:pt idx="9">
+                  <c:v>512.0</c:v>
+                </c:pt>
+              </c:numCache>
+            </c:numRef>
+          </c:cat>
+          <c:val>
+            <c:numRef>
+              <c:f>'Efficiency 701'!$R$88:$AA$88</c:f>
+              <c:numCache>
+                <c:formatCode>General</c:formatCode>
+                <c:ptCount val="10"/>
+                <c:pt idx="0">
+                  <c:v>0.0686799101517988</c:v>
+                </c:pt>
+                <c:pt idx="1">
+                  <c:v>0.0477882287600963</c:v>
+                </c:pt>
+                <c:pt idx="2">
+                  <c:v>0.0297719669670674</c:v>
+                </c:pt>
+                <c:pt idx="3">
+                  <c:v>0.0167886806284252</c:v>
+                </c:pt>
+                <c:pt idx="4">
+                  <c:v>0.00895842414719812</c:v>
+                </c:pt>
+                <c:pt idx="5">
+                  <c:v>0.00464501896796668</c:v>
+                </c:pt>
+                <c:pt idx="6">
+                  <c:v>0.00234135501004848</c:v>
+                </c:pt>
+                <c:pt idx="7">
+                  <c:v>0.00116899601394297</c:v>
+                </c:pt>
+                <c:pt idx="8">
+                  <c:v>0.000581465190914822</c:v>
+                </c:pt>
+                <c:pt idx="9">
+                  <c:v>0.00028608479484415</c:v>
+                </c:pt>
+              </c:numCache>
+            </c:numRef>
+          </c:val>
+        </c:ser>
+        <c:ser>
+          <c:idx val="2"/>
+          <c:order val="2"/>
+          <c:tx>
+            <c:v>KinFit</c:v>
+          </c:tx>
+          <c:invertIfNegative val="0"/>
+          <c:val>
+            <c:numRef>
+              <c:f>'Efficiency 701'!$R$86:$AA$86</c:f>
+              <c:numCache>
+                <c:formatCode>General</c:formatCode>
+                <c:ptCount val="10"/>
+                <c:pt idx="0">
+                  <c:v>0.443677400493901</c:v>
+                </c:pt>
+                <c:pt idx="1">
+                  <c:v>0.620161404357611</c:v>
+                </c:pt>
+                <c:pt idx="2">
+                  <c:v>0.769285830051299</c:v>
+                </c:pt>
+                <c:pt idx="3">
+                  <c:v>0.870077216056286</c:v>
+                </c:pt>
+                <c:pt idx="4">
+                  <c:v>0.928955439964611</c:v>
+                </c:pt>
+                <c:pt idx="5">
+                  <c:v>0.96256141604522</c:v>
+                </c:pt>
+                <c:pt idx="6">
+                  <c:v>0.980390542462935</c:v>
+                </c:pt>
+                <c:pt idx="7">
+                  <c:v>0.989669285699944</c:v>
+                </c:pt>
+                <c:pt idx="8">
+                  <c:v>0.99443136551065</c:v>
+                </c:pt>
+                <c:pt idx="9">
+                  <c:v>0.997021156250234</c:v>
+                </c:pt>
+              </c:numCache>
+            </c:numRef>
+          </c:val>
+        </c:ser>
+        <c:dLbls>
+          <c:showLegendKey val="0"/>
+          <c:showVal val="0"/>
+          <c:showCatName val="0"/>
+          <c:showSerName val="0"/>
+          <c:showPercent val="0"/>
+          <c:showBubbleSize val="0"/>
+        </c:dLbls>
+        <c:gapWidth val="150"/>
+        <c:overlap val="100"/>
+        <c:axId val="1871355256"/>
+        <c:axId val="1870566136"/>
+      </c:barChart>
+      <c:catAx>
+        <c:axId val="1871355256"/>
+        <c:scaling>
+          <c:orientation val="minMax"/>
+        </c:scaling>
+        <c:delete val="0"/>
+        <c:axPos val="b"/>
+        <c:numFmt formatCode="General" sourceLinked="1"/>
+        <c:majorTickMark val="out"/>
+        <c:minorTickMark val="none"/>
+        <c:tickLblPos val="nextTo"/>
+        <c:crossAx val="1870566136"/>
+        <c:crosses val="autoZero"/>
+        <c:auto val="1"/>
+        <c:lblAlgn val="ctr"/>
+        <c:lblOffset val="100"/>
+        <c:noMultiLvlLbl val="0"/>
+      </c:catAx>
+      <c:valAx>
+        <c:axId val="1870566136"/>
         <c:scaling>
           <c:orientation val="minMax"/>
         </c:scaling>
@@ -373,7 +848,7 @@
         <c:majorTickMark val="out"/>
         <c:minorTickMark val="none"/>
         <c:tickLblPos val="nextTo"/>
-        <c:crossAx val="2061438184"/>
+        <c:crossAx val="1871355256"/>
         <c:crosses val="autoZero"/>
         <c:crossBetween val="between"/>
       </c:valAx>
@@ -382,22 +857,3714 @@
       <c:legendPos val="r"/>
       <c:layout/>
       <c:overlay val="0"/>
-      <c:txPr>
-        <a:bodyPr/>
-        <a:lstStyle/>
-        <a:p>
-          <a:pPr>
-            <a:defRPr sz="1400"/>
-          </a:pPr>
-          <a:endParaRPr lang="en-US"/>
-        </a:p>
-      </c:txPr>
     </c:legend>
     <c:plotVisOnly val="1"/>
     <c:dispBlanksAs val="gap"/>
     <c:showDLblsOverMax val="0"/>
   </c:chart>
-  <c:externalData r:id="rId1">
+  <c:externalData r:id="rId2">
+    <c:autoUpdate val="0"/>
+  </c:externalData>
+</c:chartSpace>
+</file>
+
+<file path=ppt/charts/chart3.xml><?xml version="1.0" encoding="utf-8"?>
+<c:chartSpace xmlns:c="http://schemas.openxmlformats.org/drawingml/2006/chart" xmlns:a="http://schemas.openxmlformats.org/drawingml/2006/main" xmlns:r="http://schemas.openxmlformats.org/officeDocument/2006/relationships">
+  <c:date1904 val="0"/>
+  <c:lang val="en-US"/>
+  <c:roundedCorners val="0"/>
+  <mc:AlternateContent xmlns:mc="http://schemas.openxmlformats.org/markup-compatibility/2006">
+    <mc:Choice xmlns:c14="http://schemas.microsoft.com/office/drawing/2007/8/2/chart" Requires="c14">
+      <c14:style val="118"/>
+    </mc:Choice>
+    <mc:Fallback>
+      <c:style val="18"/>
+    </mc:Fallback>
+  </mc:AlternateContent>
+  <c:clrMapOvr bg1="lt1" tx1="dk1" bg2="lt2" tx2="dk2" accent1="accent1" accent2="accent2" accent3="accent3" accent4="accent4" accent5="accent5" accent6="accent6" hlink="hlink" folHlink="folHlink"/>
+  <c:chart>
+    <c:title>
+      <c:tx>
+        <c:rich>
+          <a:bodyPr/>
+          <a:lstStyle/>
+          <a:p>
+            <a:pPr>
+              <a:defRPr/>
+            </a:pPr>
+            <a:r>
+              <a:rPr lang="en-US"/>
+              <a:t>Shared Mem</a:t>
+            </a:r>
+            <a:r>
+              <a:rPr lang="en-US" baseline="0"/>
+              <a:t> - </a:t>
+            </a:r>
+            <a:r>
+              <a:rPr lang="en-US"/>
+              <a:t>Pointer</a:t>
+            </a:r>
+            <a:r>
+              <a:rPr lang="en-US" baseline="0"/>
+              <a:t> version</a:t>
+            </a:r>
+            <a:endParaRPr lang="en-US"/>
+          </a:p>
+        </c:rich>
+      </c:tx>
+      <c:layout/>
+      <c:overlay val="1"/>
+    </c:title>
+    <c:autoTitleDeleted val="0"/>
+    <c:plotArea>
+      <c:layout/>
+      <c:lineChart>
+        <c:grouping val="standard"/>
+        <c:varyColors val="0"/>
+        <c:ser>
+          <c:idx val="0"/>
+          <c:order val="0"/>
+          <c:tx>
+            <c:v>1t</c:v>
+          </c:tx>
+          <c:spPr>
+            <a:ln w="12700" cmpd="sng"/>
+          </c:spPr>
+          <c:marker>
+            <c:spPr>
+              <a:ln w="12700" cmpd="sng"/>
+            </c:spPr>
+          </c:marker>
+          <c:cat>
+            <c:numRef>
+              <c:f>'Speedups 701'!$P$101:$Y$101</c:f>
+              <c:numCache>
+                <c:formatCode>General</c:formatCode>
+                <c:ptCount val="10"/>
+                <c:pt idx="0">
+                  <c:v>1.0</c:v>
+                </c:pt>
+                <c:pt idx="1">
+                  <c:v>2.0</c:v>
+                </c:pt>
+                <c:pt idx="2">
+                  <c:v>4.0</c:v>
+                </c:pt>
+                <c:pt idx="3">
+                  <c:v>8.0</c:v>
+                </c:pt>
+                <c:pt idx="4">
+                  <c:v>16.0</c:v>
+                </c:pt>
+                <c:pt idx="5">
+                  <c:v>32.0</c:v>
+                </c:pt>
+                <c:pt idx="6">
+                  <c:v>64.0</c:v>
+                </c:pt>
+                <c:pt idx="7">
+                  <c:v>128.0</c:v>
+                </c:pt>
+                <c:pt idx="8">
+                  <c:v>256.0</c:v>
+                </c:pt>
+                <c:pt idx="9">
+                  <c:v>512.0</c:v>
+                </c:pt>
+              </c:numCache>
+            </c:numRef>
+          </c:cat>
+          <c:val>
+            <c:numRef>
+              <c:f>'Speedups 701'!$P$102:$Y$102</c:f>
+              <c:numCache>
+                <c:formatCode>General</c:formatCode>
+                <c:ptCount val="10"/>
+                <c:pt idx="0">
+                  <c:v>1.110391321654734</c:v>
+                </c:pt>
+                <c:pt idx="1">
+                  <c:v>1.172978139631261</c:v>
+                </c:pt>
+                <c:pt idx="2">
+                  <c:v>1.236867440243767</c:v>
+                </c:pt>
+                <c:pt idx="3">
+                  <c:v>1.327714311134341</c:v>
+                </c:pt>
+                <c:pt idx="4">
+                  <c:v>1.400201519821818</c:v>
+                </c:pt>
+                <c:pt idx="5">
+                  <c:v>1.487243718543645</c:v>
+                </c:pt>
+                <c:pt idx="6">
+                  <c:v>1.574630156315598</c:v>
+                </c:pt>
+                <c:pt idx="7">
+                  <c:v>1.66599025450706</c:v>
+                </c:pt>
+                <c:pt idx="8">
+                  <c:v>1.781516091840244</c:v>
+                </c:pt>
+                <c:pt idx="9">
+                  <c:v>1.881134381872466</c:v>
+                </c:pt>
+              </c:numCache>
+            </c:numRef>
+          </c:val>
+          <c:smooth val="0"/>
+        </c:ser>
+        <c:ser>
+          <c:idx val="1"/>
+          <c:order val="1"/>
+          <c:tx>
+            <c:v>2t</c:v>
+          </c:tx>
+          <c:spPr>
+            <a:ln w="12700" cmpd="sng"/>
+          </c:spPr>
+          <c:marker>
+            <c:spPr>
+              <a:ln w="12700" cmpd="sng"/>
+            </c:spPr>
+          </c:marker>
+          <c:cat>
+            <c:numRef>
+              <c:f>'Speedups 701'!$P$101:$Y$101</c:f>
+              <c:numCache>
+                <c:formatCode>General</c:formatCode>
+                <c:ptCount val="10"/>
+                <c:pt idx="0">
+                  <c:v>1.0</c:v>
+                </c:pt>
+                <c:pt idx="1">
+                  <c:v>2.0</c:v>
+                </c:pt>
+                <c:pt idx="2">
+                  <c:v>4.0</c:v>
+                </c:pt>
+                <c:pt idx="3">
+                  <c:v>8.0</c:v>
+                </c:pt>
+                <c:pt idx="4">
+                  <c:v>16.0</c:v>
+                </c:pt>
+                <c:pt idx="5">
+                  <c:v>32.0</c:v>
+                </c:pt>
+                <c:pt idx="6">
+                  <c:v>64.0</c:v>
+                </c:pt>
+                <c:pt idx="7">
+                  <c:v>128.0</c:v>
+                </c:pt>
+                <c:pt idx="8">
+                  <c:v>256.0</c:v>
+                </c:pt>
+                <c:pt idx="9">
+                  <c:v>512.0</c:v>
+                </c:pt>
+              </c:numCache>
+            </c:numRef>
+          </c:cat>
+          <c:val>
+            <c:numRef>
+              <c:f>'Speedups 701'!$P$103:$Y$103</c:f>
+              <c:numCache>
+                <c:formatCode>General</c:formatCode>
+                <c:ptCount val="10"/>
+                <c:pt idx="0">
+                  <c:v>1.34420741332027</c:v>
+                </c:pt>
+                <c:pt idx="1">
+                  <c:v>1.600650570555768</c:v>
+                </c:pt>
+                <c:pt idx="2">
+                  <c:v>1.884157802015306</c:v>
+                </c:pt>
+                <c:pt idx="3">
+                  <c:v>2.244477583227561</c:v>
+                </c:pt>
+                <c:pt idx="4">
+                  <c:v>2.439063664457949</c:v>
+                </c:pt>
+                <c:pt idx="5">
+                  <c:v>2.635139429203618</c:v>
+                </c:pt>
+                <c:pt idx="6">
+                  <c:v>2.87843145098217</c:v>
+                </c:pt>
+                <c:pt idx="7">
+                  <c:v>3.114995419144399</c:v>
+                </c:pt>
+                <c:pt idx="8">
+                  <c:v>3.387894554816817</c:v>
+                </c:pt>
+                <c:pt idx="9">
+                  <c:v>3.60323824714064</c:v>
+                </c:pt>
+              </c:numCache>
+            </c:numRef>
+          </c:val>
+          <c:smooth val="0"/>
+        </c:ser>
+        <c:ser>
+          <c:idx val="2"/>
+          <c:order val="2"/>
+          <c:tx>
+            <c:v>4t</c:v>
+          </c:tx>
+          <c:spPr>
+            <a:ln w="12700" cmpd="sng"/>
+          </c:spPr>
+          <c:marker>
+            <c:spPr>
+              <a:ln w="12700" cmpd="sng"/>
+            </c:spPr>
+          </c:marker>
+          <c:cat>
+            <c:numRef>
+              <c:f>'Speedups 701'!$P$101:$Y$101</c:f>
+              <c:numCache>
+                <c:formatCode>General</c:formatCode>
+                <c:ptCount val="10"/>
+                <c:pt idx="0">
+                  <c:v>1.0</c:v>
+                </c:pt>
+                <c:pt idx="1">
+                  <c:v>2.0</c:v>
+                </c:pt>
+                <c:pt idx="2">
+                  <c:v>4.0</c:v>
+                </c:pt>
+                <c:pt idx="3">
+                  <c:v>8.0</c:v>
+                </c:pt>
+                <c:pt idx="4">
+                  <c:v>16.0</c:v>
+                </c:pt>
+                <c:pt idx="5">
+                  <c:v>32.0</c:v>
+                </c:pt>
+                <c:pt idx="6">
+                  <c:v>64.0</c:v>
+                </c:pt>
+                <c:pt idx="7">
+                  <c:v>128.0</c:v>
+                </c:pt>
+                <c:pt idx="8">
+                  <c:v>256.0</c:v>
+                </c:pt>
+                <c:pt idx="9">
+                  <c:v>512.0</c:v>
+                </c:pt>
+              </c:numCache>
+            </c:numRef>
+          </c:cat>
+          <c:val>
+            <c:numRef>
+              <c:f>'Speedups 701'!$P$104:$Y$104</c:f>
+              <c:numCache>
+                <c:formatCode>General</c:formatCode>
+                <c:ptCount val="10"/>
+                <c:pt idx="0">
+                  <c:v>1.482532472240655</c:v>
+                </c:pt>
+                <c:pt idx="1">
+                  <c:v>1.908366881400532</c:v>
+                </c:pt>
+                <c:pt idx="2">
+                  <c:v>2.523069909515982</c:v>
+                </c:pt>
+                <c:pt idx="3">
+                  <c:v>3.285612838022527</c:v>
+                </c:pt>
+                <c:pt idx="4">
+                  <c:v>4.082449136052857</c:v>
+                </c:pt>
+                <c:pt idx="5">
+                  <c:v>4.815173452312604</c:v>
+                </c:pt>
+                <c:pt idx="6">
+                  <c:v>5.363101148981613</c:v>
+                </c:pt>
+                <c:pt idx="7">
+                  <c:v>5.861726526450464</c:v>
+                </c:pt>
+                <c:pt idx="8">
+                  <c:v>6.22909533965106</c:v>
+                </c:pt>
+                <c:pt idx="9">
+                  <c:v>6.56074143082501</c:v>
+                </c:pt>
+              </c:numCache>
+            </c:numRef>
+          </c:val>
+          <c:smooth val="0"/>
+        </c:ser>
+        <c:ser>
+          <c:idx val="3"/>
+          <c:order val="3"/>
+          <c:tx>
+            <c:v>8t</c:v>
+          </c:tx>
+          <c:spPr>
+            <a:ln w="12700" cmpd="sng"/>
+          </c:spPr>
+          <c:marker>
+            <c:spPr>
+              <a:ln w="12700" cmpd="sng"/>
+            </c:spPr>
+          </c:marker>
+          <c:cat>
+            <c:numRef>
+              <c:f>'Speedups 701'!$P$101:$Y$101</c:f>
+              <c:numCache>
+                <c:formatCode>General</c:formatCode>
+                <c:ptCount val="10"/>
+                <c:pt idx="0">
+                  <c:v>1.0</c:v>
+                </c:pt>
+                <c:pt idx="1">
+                  <c:v>2.0</c:v>
+                </c:pt>
+                <c:pt idx="2">
+                  <c:v>4.0</c:v>
+                </c:pt>
+                <c:pt idx="3">
+                  <c:v>8.0</c:v>
+                </c:pt>
+                <c:pt idx="4">
+                  <c:v>16.0</c:v>
+                </c:pt>
+                <c:pt idx="5">
+                  <c:v>32.0</c:v>
+                </c:pt>
+                <c:pt idx="6">
+                  <c:v>64.0</c:v>
+                </c:pt>
+                <c:pt idx="7">
+                  <c:v>128.0</c:v>
+                </c:pt>
+                <c:pt idx="8">
+                  <c:v>256.0</c:v>
+                </c:pt>
+                <c:pt idx="9">
+                  <c:v>512.0</c:v>
+                </c:pt>
+              </c:numCache>
+            </c:numRef>
+          </c:cat>
+          <c:val>
+            <c:numRef>
+              <c:f>'Speedups 701'!$P$105:$Y$105</c:f>
+              <c:numCache>
+                <c:formatCode>General</c:formatCode>
+                <c:ptCount val="10"/>
+                <c:pt idx="0">
+                  <c:v>1.449951153068358</c:v>
+                </c:pt>
+                <c:pt idx="1">
+                  <c:v>1.942315535947568</c:v>
+                </c:pt>
+                <c:pt idx="2">
+                  <c:v>2.721008652855048</c:v>
+                </c:pt>
+                <c:pt idx="3">
+                  <c:v>3.962856561264062</c:v>
+                </c:pt>
+                <c:pt idx="4">
+                  <c:v>5.511917097166895</c:v>
+                </c:pt>
+                <c:pt idx="5">
+                  <c:v>6.862040162496255</c:v>
+                </c:pt>
+                <c:pt idx="6">
+                  <c:v>8.01382079176982</c:v>
+                </c:pt>
+                <c:pt idx="7">
+                  <c:v>9.029982309635821</c:v>
+                </c:pt>
+                <c:pt idx="8">
+                  <c:v>9.93401557019892</c:v>
+                </c:pt>
+                <c:pt idx="9">
+                  <c:v>10.25889166805444</c:v>
+                </c:pt>
+              </c:numCache>
+            </c:numRef>
+          </c:val>
+          <c:smooth val="0"/>
+        </c:ser>
+        <c:ser>
+          <c:idx val="4"/>
+          <c:order val="4"/>
+          <c:tx>
+            <c:v>16t</c:v>
+          </c:tx>
+          <c:spPr>
+            <a:ln w="12700" cmpd="sng"/>
+          </c:spPr>
+          <c:marker>
+            <c:spPr>
+              <a:ln w="12700" cmpd="sng"/>
+            </c:spPr>
+          </c:marker>
+          <c:cat>
+            <c:numRef>
+              <c:f>'Speedups 701'!$P$101:$Y$101</c:f>
+              <c:numCache>
+                <c:formatCode>General</c:formatCode>
+                <c:ptCount val="10"/>
+                <c:pt idx="0">
+                  <c:v>1.0</c:v>
+                </c:pt>
+                <c:pt idx="1">
+                  <c:v>2.0</c:v>
+                </c:pt>
+                <c:pt idx="2">
+                  <c:v>4.0</c:v>
+                </c:pt>
+                <c:pt idx="3">
+                  <c:v>8.0</c:v>
+                </c:pt>
+                <c:pt idx="4">
+                  <c:v>16.0</c:v>
+                </c:pt>
+                <c:pt idx="5">
+                  <c:v>32.0</c:v>
+                </c:pt>
+                <c:pt idx="6">
+                  <c:v>64.0</c:v>
+                </c:pt>
+                <c:pt idx="7">
+                  <c:v>128.0</c:v>
+                </c:pt>
+                <c:pt idx="8">
+                  <c:v>256.0</c:v>
+                </c:pt>
+                <c:pt idx="9">
+                  <c:v>512.0</c:v>
+                </c:pt>
+              </c:numCache>
+            </c:numRef>
+          </c:cat>
+          <c:val>
+            <c:numRef>
+              <c:f>'Speedups 701'!$P$106:$Y$106</c:f>
+              <c:numCache>
+                <c:formatCode>General</c:formatCode>
+                <c:ptCount val="10"/>
+                <c:pt idx="0">
+                  <c:v>1.373397669759379</c:v>
+                </c:pt>
+                <c:pt idx="1">
+                  <c:v>1.670315785606321</c:v>
+                </c:pt>
+                <c:pt idx="2">
+                  <c:v>2.588147815000594</c:v>
+                </c:pt>
+                <c:pt idx="3">
+                  <c:v>3.730807348525437</c:v>
+                </c:pt>
+                <c:pt idx="4">
+                  <c:v>4.657034017682487</c:v>
+                </c:pt>
+                <c:pt idx="5">
+                  <c:v>5.890220720496759</c:v>
+                </c:pt>
+                <c:pt idx="6">
+                  <c:v>7.043998387422507</c:v>
+                </c:pt>
+                <c:pt idx="7">
+                  <c:v>7.8696220170046</c:v>
+                </c:pt>
+                <c:pt idx="8">
+                  <c:v>8.32888157819668</c:v>
+                </c:pt>
+                <c:pt idx="9">
+                  <c:v>9.157154711911572</c:v>
+                </c:pt>
+              </c:numCache>
+            </c:numRef>
+          </c:val>
+          <c:smooth val="0"/>
+        </c:ser>
+        <c:ser>
+          <c:idx val="5"/>
+          <c:order val="5"/>
+          <c:tx>
+            <c:v>32t</c:v>
+          </c:tx>
+          <c:spPr>
+            <a:ln w="12700" cmpd="sng"/>
+          </c:spPr>
+          <c:marker>
+            <c:spPr>
+              <a:ln w="12700" cmpd="sng"/>
+            </c:spPr>
+          </c:marker>
+          <c:cat>
+            <c:numRef>
+              <c:f>'Speedups 701'!$P$101:$Y$101</c:f>
+              <c:numCache>
+                <c:formatCode>General</c:formatCode>
+                <c:ptCount val="10"/>
+                <c:pt idx="0">
+                  <c:v>1.0</c:v>
+                </c:pt>
+                <c:pt idx="1">
+                  <c:v>2.0</c:v>
+                </c:pt>
+                <c:pt idx="2">
+                  <c:v>4.0</c:v>
+                </c:pt>
+                <c:pt idx="3">
+                  <c:v>8.0</c:v>
+                </c:pt>
+                <c:pt idx="4">
+                  <c:v>16.0</c:v>
+                </c:pt>
+                <c:pt idx="5">
+                  <c:v>32.0</c:v>
+                </c:pt>
+                <c:pt idx="6">
+                  <c:v>64.0</c:v>
+                </c:pt>
+                <c:pt idx="7">
+                  <c:v>128.0</c:v>
+                </c:pt>
+                <c:pt idx="8">
+                  <c:v>256.0</c:v>
+                </c:pt>
+                <c:pt idx="9">
+                  <c:v>512.0</c:v>
+                </c:pt>
+              </c:numCache>
+            </c:numRef>
+          </c:cat>
+          <c:val>
+            <c:numRef>
+              <c:f>'Speedups 701'!$P$107:$Y$107</c:f>
+              <c:numCache>
+                <c:formatCode>General</c:formatCode>
+                <c:ptCount val="10"/>
+                <c:pt idx="0">
+                  <c:v>0.933940462877927</c:v>
+                </c:pt>
+                <c:pt idx="1">
+                  <c:v>1.358357708558441</c:v>
+                </c:pt>
+                <c:pt idx="2">
+                  <c:v>2.092398635492765</c:v>
+                </c:pt>
+                <c:pt idx="3">
+                  <c:v>2.70532665425352</c:v>
+                </c:pt>
+                <c:pt idx="4">
+                  <c:v>3.855303453437347</c:v>
+                </c:pt>
+                <c:pt idx="5">
+                  <c:v>4.8471197165151</c:v>
+                </c:pt>
+                <c:pt idx="6">
+                  <c:v>5.785744295397386</c:v>
+                </c:pt>
+                <c:pt idx="7">
+                  <c:v>6.402843774006861</c:v>
+                </c:pt>
+                <c:pt idx="8">
+                  <c:v>6.873221603153063</c:v>
+                </c:pt>
+                <c:pt idx="9">
+                  <c:v>7.119409511852735</c:v>
+                </c:pt>
+              </c:numCache>
+            </c:numRef>
+          </c:val>
+          <c:smooth val="0"/>
+        </c:ser>
+        <c:ser>
+          <c:idx val="6"/>
+          <c:order val="6"/>
+          <c:tx>
+            <c:v>64t</c:v>
+          </c:tx>
+          <c:spPr>
+            <a:ln w="12700" cmpd="sng"/>
+          </c:spPr>
+          <c:marker>
+            <c:spPr>
+              <a:ln w="12700" cmpd="sng"/>
+            </c:spPr>
+          </c:marker>
+          <c:cat>
+            <c:numRef>
+              <c:f>'Speedups 701'!$P$101:$Y$101</c:f>
+              <c:numCache>
+                <c:formatCode>General</c:formatCode>
+                <c:ptCount val="10"/>
+                <c:pt idx="0">
+                  <c:v>1.0</c:v>
+                </c:pt>
+                <c:pt idx="1">
+                  <c:v>2.0</c:v>
+                </c:pt>
+                <c:pt idx="2">
+                  <c:v>4.0</c:v>
+                </c:pt>
+                <c:pt idx="3">
+                  <c:v>8.0</c:v>
+                </c:pt>
+                <c:pt idx="4">
+                  <c:v>16.0</c:v>
+                </c:pt>
+                <c:pt idx="5">
+                  <c:v>32.0</c:v>
+                </c:pt>
+                <c:pt idx="6">
+                  <c:v>64.0</c:v>
+                </c:pt>
+                <c:pt idx="7">
+                  <c:v>128.0</c:v>
+                </c:pt>
+                <c:pt idx="8">
+                  <c:v>256.0</c:v>
+                </c:pt>
+                <c:pt idx="9">
+                  <c:v>512.0</c:v>
+                </c:pt>
+              </c:numCache>
+            </c:numRef>
+          </c:cat>
+          <c:val>
+            <c:numRef>
+              <c:f>'Speedups 701'!$P$108:$Y$108</c:f>
+              <c:numCache>
+                <c:formatCode>General</c:formatCode>
+                <c:ptCount val="10"/>
+                <c:pt idx="0">
+                  <c:v>0.395888326559367</c:v>
+                </c:pt>
+                <c:pt idx="1">
+                  <c:v>0.55462878464768</c:v>
+                </c:pt>
+                <c:pt idx="2">
+                  <c:v>0.833192933339111</c:v>
+                </c:pt>
+                <c:pt idx="3">
+                  <c:v>1.323561935099551</c:v>
+                </c:pt>
+                <c:pt idx="4">
+                  <c:v>2.066851183955457</c:v>
+                </c:pt>
+                <c:pt idx="5">
+                  <c:v>3.092673831891052</c:v>
+                </c:pt>
+                <c:pt idx="6">
+                  <c:v>4.138835099717416</c:v>
+                </c:pt>
+                <c:pt idx="7">
+                  <c:v>5.015130450900855</c:v>
+                </c:pt>
+                <c:pt idx="8">
+                  <c:v>5.77960757933075</c:v>
+                </c:pt>
+                <c:pt idx="9">
+                  <c:v>6.117294617600056</c:v>
+                </c:pt>
+              </c:numCache>
+            </c:numRef>
+          </c:val>
+          <c:smooth val="0"/>
+        </c:ser>
+        <c:dLbls>
+          <c:showLegendKey val="0"/>
+          <c:showVal val="0"/>
+          <c:showCatName val="0"/>
+          <c:showSerName val="0"/>
+          <c:showPercent val="0"/>
+          <c:showBubbleSize val="0"/>
+        </c:dLbls>
+        <c:marker val="1"/>
+        <c:smooth val="0"/>
+        <c:axId val="1867155544"/>
+        <c:axId val="1867160104"/>
+      </c:lineChart>
+      <c:catAx>
+        <c:axId val="1867155544"/>
+        <c:scaling>
+          <c:orientation val="minMax"/>
+        </c:scaling>
+        <c:delete val="0"/>
+        <c:axPos val="b"/>
+        <c:numFmt formatCode="General" sourceLinked="1"/>
+        <c:majorTickMark val="out"/>
+        <c:minorTickMark val="none"/>
+        <c:tickLblPos val="nextTo"/>
+        <c:crossAx val="1867160104"/>
+        <c:crosses val="autoZero"/>
+        <c:auto val="1"/>
+        <c:lblAlgn val="ctr"/>
+        <c:lblOffset val="100"/>
+        <c:noMultiLvlLbl val="0"/>
+      </c:catAx>
+      <c:valAx>
+        <c:axId val="1867160104"/>
+        <c:scaling>
+          <c:logBase val="2.0"/>
+          <c:orientation val="minMax"/>
+          <c:min val="1.0"/>
+        </c:scaling>
+        <c:delete val="0"/>
+        <c:axPos val="l"/>
+        <c:majorGridlines/>
+        <c:numFmt formatCode="General" sourceLinked="1"/>
+        <c:majorTickMark val="out"/>
+        <c:minorTickMark val="none"/>
+        <c:tickLblPos val="nextTo"/>
+        <c:crossAx val="1867155544"/>
+        <c:crosses val="autoZero"/>
+        <c:crossBetween val="between"/>
+      </c:valAx>
+    </c:plotArea>
+    <c:legend>
+      <c:legendPos val="r"/>
+      <c:layout/>
+      <c:overlay val="0"/>
+    </c:legend>
+    <c:plotVisOnly val="1"/>
+    <c:dispBlanksAs val="gap"/>
+    <c:showDLblsOverMax val="0"/>
+  </c:chart>
+  <c:externalData r:id="rId2">
+    <c:autoUpdate val="0"/>
+  </c:externalData>
+</c:chartSpace>
+</file>
+
+<file path=ppt/charts/chart4.xml><?xml version="1.0" encoding="utf-8"?>
+<c:chartSpace xmlns:c="http://schemas.openxmlformats.org/drawingml/2006/chart" xmlns:a="http://schemas.openxmlformats.org/drawingml/2006/main" xmlns:r="http://schemas.openxmlformats.org/officeDocument/2006/relationships">
+  <c:date1904 val="0"/>
+  <c:lang val="en-US"/>
+  <c:roundedCorners val="0"/>
+  <mc:AlternateContent xmlns:mc="http://schemas.openxmlformats.org/markup-compatibility/2006">
+    <mc:Choice xmlns:c14="http://schemas.microsoft.com/office/drawing/2007/8/2/chart" Requires="c14">
+      <c14:style val="118"/>
+    </mc:Choice>
+    <mc:Fallback>
+      <c:style val="18"/>
+    </mc:Fallback>
+  </mc:AlternateContent>
+  <c:clrMapOvr bg1="lt1" tx1="dk1" bg2="lt2" tx2="dk2" accent1="accent1" accent2="accent2" accent3="accent3" accent4="accent4" accent5="accent5" accent6="accent6" hlink="hlink" folHlink="folHlink"/>
+  <c:chart>
+    <c:title>
+      <c:tx>
+        <c:rich>
+          <a:bodyPr/>
+          <a:lstStyle/>
+          <a:p>
+            <a:pPr>
+              <a:defRPr/>
+            </a:pPr>
+            <a:r>
+              <a:rPr lang="en-US"/>
+              <a:t>Shared</a:t>
+            </a:r>
+            <a:r>
+              <a:rPr lang="en-US" baseline="0"/>
+              <a:t> Mem</a:t>
+            </a:r>
+            <a:endParaRPr lang="en-US"/>
+          </a:p>
+        </c:rich>
+      </c:tx>
+      <c:layout/>
+      <c:overlay val="1"/>
+    </c:title>
+    <c:autoTitleDeleted val="0"/>
+    <c:plotArea>
+      <c:layout/>
+      <c:lineChart>
+        <c:grouping val="standard"/>
+        <c:varyColors val="0"/>
+        <c:ser>
+          <c:idx val="0"/>
+          <c:order val="0"/>
+          <c:tx>
+            <c:v>1t</c:v>
+          </c:tx>
+          <c:spPr>
+            <a:ln w="12700" cmpd="sng">
+              <a:solidFill>
+                <a:srgbClr val="4F81BD"/>
+              </a:solidFill>
+            </a:ln>
+          </c:spPr>
+          <c:marker>
+            <c:spPr>
+              <a:ln w="12700" cmpd="sng">
+                <a:solidFill>
+                  <a:srgbClr val="4F81BD"/>
+                </a:solidFill>
+              </a:ln>
+            </c:spPr>
+          </c:marker>
+          <c:cat>
+            <c:numRef>
+              <c:f>'Speedups 701'!$P$88:$Y$88</c:f>
+              <c:numCache>
+                <c:formatCode>General</c:formatCode>
+                <c:ptCount val="10"/>
+                <c:pt idx="0">
+                  <c:v>1.0</c:v>
+                </c:pt>
+                <c:pt idx="1">
+                  <c:v>2.0</c:v>
+                </c:pt>
+                <c:pt idx="2">
+                  <c:v>4.0</c:v>
+                </c:pt>
+                <c:pt idx="3">
+                  <c:v>8.0</c:v>
+                </c:pt>
+                <c:pt idx="4">
+                  <c:v>16.0</c:v>
+                </c:pt>
+                <c:pt idx="5">
+                  <c:v>32.0</c:v>
+                </c:pt>
+                <c:pt idx="6">
+                  <c:v>64.0</c:v>
+                </c:pt>
+                <c:pt idx="7">
+                  <c:v>128.0</c:v>
+                </c:pt>
+                <c:pt idx="8">
+                  <c:v>256.0</c:v>
+                </c:pt>
+                <c:pt idx="9">
+                  <c:v>512.0</c:v>
+                </c:pt>
+              </c:numCache>
+            </c:numRef>
+          </c:cat>
+          <c:val>
+            <c:numRef>
+              <c:f>'Speedups 701'!$P$89:$Y$89</c:f>
+              <c:numCache>
+                <c:formatCode>General</c:formatCode>
+                <c:ptCount val="10"/>
+                <c:pt idx="0">
+                  <c:v>0.775939603980041</c:v>
+                </c:pt>
+                <c:pt idx="1">
+                  <c:v>0.817131582801466</c:v>
+                </c:pt>
+                <c:pt idx="2">
+                  <c:v>0.857762680038984</c:v>
+                </c:pt>
+                <c:pt idx="3">
+                  <c:v>0.887898471733951</c:v>
+                </c:pt>
+                <c:pt idx="4">
+                  <c:v>0.908504532088535</c:v>
+                </c:pt>
+                <c:pt idx="5">
+                  <c:v>0.919170437993603</c:v>
+                </c:pt>
+                <c:pt idx="6">
+                  <c:v>0.928891714816547</c:v>
+                </c:pt>
+                <c:pt idx="7">
+                  <c:v>0.947334424928155</c:v>
+                </c:pt>
+                <c:pt idx="8">
+                  <c:v>0.952474735008406</c:v>
+                </c:pt>
+                <c:pt idx="9">
+                  <c:v>0.954088929305798</c:v>
+                </c:pt>
+              </c:numCache>
+            </c:numRef>
+          </c:val>
+          <c:smooth val="0"/>
+        </c:ser>
+        <c:ser>
+          <c:idx val="1"/>
+          <c:order val="1"/>
+          <c:tx>
+            <c:v>2t</c:v>
+          </c:tx>
+          <c:spPr>
+            <a:ln w="12700" cmpd="sng"/>
+          </c:spPr>
+          <c:marker>
+            <c:spPr>
+              <a:ln w="12700" cmpd="sng"/>
+            </c:spPr>
+          </c:marker>
+          <c:cat>
+            <c:numRef>
+              <c:f>'Speedups 701'!$P$88:$Y$88</c:f>
+              <c:numCache>
+                <c:formatCode>General</c:formatCode>
+                <c:ptCount val="10"/>
+                <c:pt idx="0">
+                  <c:v>1.0</c:v>
+                </c:pt>
+                <c:pt idx="1">
+                  <c:v>2.0</c:v>
+                </c:pt>
+                <c:pt idx="2">
+                  <c:v>4.0</c:v>
+                </c:pt>
+                <c:pt idx="3">
+                  <c:v>8.0</c:v>
+                </c:pt>
+                <c:pt idx="4">
+                  <c:v>16.0</c:v>
+                </c:pt>
+                <c:pt idx="5">
+                  <c:v>32.0</c:v>
+                </c:pt>
+                <c:pt idx="6">
+                  <c:v>64.0</c:v>
+                </c:pt>
+                <c:pt idx="7">
+                  <c:v>128.0</c:v>
+                </c:pt>
+                <c:pt idx="8">
+                  <c:v>256.0</c:v>
+                </c:pt>
+                <c:pt idx="9">
+                  <c:v>512.0</c:v>
+                </c:pt>
+              </c:numCache>
+            </c:numRef>
+          </c:cat>
+          <c:val>
+            <c:numRef>
+              <c:f>'Speedups 701'!$P$90:$Y$90</c:f>
+              <c:numCache>
+                <c:formatCode>General</c:formatCode>
+                <c:ptCount val="10"/>
+                <c:pt idx="0">
+                  <c:v>0.905305510212292</c:v>
+                </c:pt>
+                <c:pt idx="1">
+                  <c:v>1.026177960615704</c:v>
+                </c:pt>
+                <c:pt idx="2">
+                  <c:v>1.286704937652284</c:v>
+                </c:pt>
+                <c:pt idx="3">
+                  <c:v>1.455103552308516</c:v>
+                </c:pt>
+                <c:pt idx="4">
+                  <c:v>1.599558248605146</c:v>
+                </c:pt>
+                <c:pt idx="5">
+                  <c:v>1.680172442145413</c:v>
+                </c:pt>
+                <c:pt idx="6">
+                  <c:v>1.735640287652364</c:v>
+                </c:pt>
+                <c:pt idx="7">
+                  <c:v>1.807264252755502</c:v>
+                </c:pt>
+                <c:pt idx="8">
+                  <c:v>1.841621888092126</c:v>
+                </c:pt>
+                <c:pt idx="9">
+                  <c:v>1.852008537732023</c:v>
+                </c:pt>
+              </c:numCache>
+            </c:numRef>
+          </c:val>
+          <c:smooth val="0"/>
+        </c:ser>
+        <c:ser>
+          <c:idx val="2"/>
+          <c:order val="2"/>
+          <c:tx>
+            <c:v>4t</c:v>
+          </c:tx>
+          <c:spPr>
+            <a:ln w="12700" cmpd="sng"/>
+          </c:spPr>
+          <c:marker>
+            <c:spPr>
+              <a:ln w="12700" cmpd="sng"/>
+            </c:spPr>
+          </c:marker>
+          <c:cat>
+            <c:numRef>
+              <c:f>'Speedups 701'!$P$88:$Y$88</c:f>
+              <c:numCache>
+                <c:formatCode>General</c:formatCode>
+                <c:ptCount val="10"/>
+                <c:pt idx="0">
+                  <c:v>1.0</c:v>
+                </c:pt>
+                <c:pt idx="1">
+                  <c:v>2.0</c:v>
+                </c:pt>
+                <c:pt idx="2">
+                  <c:v>4.0</c:v>
+                </c:pt>
+                <c:pt idx="3">
+                  <c:v>8.0</c:v>
+                </c:pt>
+                <c:pt idx="4">
+                  <c:v>16.0</c:v>
+                </c:pt>
+                <c:pt idx="5">
+                  <c:v>32.0</c:v>
+                </c:pt>
+                <c:pt idx="6">
+                  <c:v>64.0</c:v>
+                </c:pt>
+                <c:pt idx="7">
+                  <c:v>128.0</c:v>
+                </c:pt>
+                <c:pt idx="8">
+                  <c:v>256.0</c:v>
+                </c:pt>
+                <c:pt idx="9">
+                  <c:v>512.0</c:v>
+                </c:pt>
+              </c:numCache>
+            </c:numRef>
+          </c:cat>
+          <c:val>
+            <c:numRef>
+              <c:f>'Speedups 701'!$P$91:$Y$91</c:f>
+              <c:numCache>
+                <c:formatCode>General</c:formatCode>
+                <c:ptCount val="10"/>
+                <c:pt idx="0">
+                  <c:v>1.019724334239798</c:v>
+                </c:pt>
+                <c:pt idx="1">
+                  <c:v>1.264234694919459</c:v>
+                </c:pt>
+                <c:pt idx="2">
+                  <c:v>1.649207711122983</c:v>
+                </c:pt>
+                <c:pt idx="3">
+                  <c:v>2.179062484408742</c:v>
+                </c:pt>
+                <c:pt idx="4">
+                  <c:v>2.666858880715503</c:v>
+                </c:pt>
+                <c:pt idx="5">
+                  <c:v>3.000337910271292</c:v>
+                </c:pt>
+                <c:pt idx="6">
+                  <c:v>3.253462508854706</c:v>
+                </c:pt>
+                <c:pt idx="7">
+                  <c:v>3.428056777234728</c:v>
+                </c:pt>
+                <c:pt idx="8">
+                  <c:v>3.533179516700445</c:v>
+                </c:pt>
+                <c:pt idx="9">
+                  <c:v>3.616624239601773</c:v>
+                </c:pt>
+              </c:numCache>
+            </c:numRef>
+          </c:val>
+          <c:smooth val="0"/>
+        </c:ser>
+        <c:ser>
+          <c:idx val="3"/>
+          <c:order val="3"/>
+          <c:tx>
+            <c:v>8t</c:v>
+          </c:tx>
+          <c:spPr>
+            <a:ln w="12700" cmpd="sng"/>
+          </c:spPr>
+          <c:marker>
+            <c:spPr>
+              <a:ln w="12700" cmpd="sng"/>
+            </c:spPr>
+          </c:marker>
+          <c:cat>
+            <c:numRef>
+              <c:f>'Speedups 701'!$P$88:$Y$88</c:f>
+              <c:numCache>
+                <c:formatCode>General</c:formatCode>
+                <c:ptCount val="10"/>
+                <c:pt idx="0">
+                  <c:v>1.0</c:v>
+                </c:pt>
+                <c:pt idx="1">
+                  <c:v>2.0</c:v>
+                </c:pt>
+                <c:pt idx="2">
+                  <c:v>4.0</c:v>
+                </c:pt>
+                <c:pt idx="3">
+                  <c:v>8.0</c:v>
+                </c:pt>
+                <c:pt idx="4">
+                  <c:v>16.0</c:v>
+                </c:pt>
+                <c:pt idx="5">
+                  <c:v>32.0</c:v>
+                </c:pt>
+                <c:pt idx="6">
+                  <c:v>64.0</c:v>
+                </c:pt>
+                <c:pt idx="7">
+                  <c:v>128.0</c:v>
+                </c:pt>
+                <c:pt idx="8">
+                  <c:v>256.0</c:v>
+                </c:pt>
+                <c:pt idx="9">
+                  <c:v>512.0</c:v>
+                </c:pt>
+              </c:numCache>
+            </c:numRef>
+          </c:cat>
+          <c:val>
+            <c:numRef>
+              <c:f>'Speedups 701'!$P$92:$Y$92</c:f>
+              <c:numCache>
+                <c:formatCode>General</c:formatCode>
+                <c:ptCount val="10"/>
+                <c:pt idx="0">
+                  <c:v>1.033334017423784</c:v>
+                </c:pt>
+                <c:pt idx="1">
+                  <c:v>1.360285068255137</c:v>
+                </c:pt>
+                <c:pt idx="2">
+                  <c:v>1.895099815731934</c:v>
+                </c:pt>
+                <c:pt idx="3">
+                  <c:v>2.685471438086479</c:v>
+                </c:pt>
+                <c:pt idx="4">
+                  <c:v>3.704698157539512</c:v>
+                </c:pt>
+                <c:pt idx="5">
+                  <c:v>4.622854116254193</c:v>
+                </c:pt>
+                <c:pt idx="6">
+                  <c:v>5.330906511624324</c:v>
+                </c:pt>
+                <c:pt idx="7">
+                  <c:v>5.785629162032154</c:v>
+                </c:pt>
+                <c:pt idx="8">
+                  <c:v>6.170757133349244</c:v>
+                </c:pt>
+                <c:pt idx="9">
+                  <c:v>6.369306204083443</c:v>
+                </c:pt>
+              </c:numCache>
+            </c:numRef>
+          </c:val>
+          <c:smooth val="0"/>
+        </c:ser>
+        <c:ser>
+          <c:idx val="4"/>
+          <c:order val="4"/>
+          <c:tx>
+            <c:v>16t</c:v>
+          </c:tx>
+          <c:spPr>
+            <a:ln w="12700" cmpd="sng"/>
+          </c:spPr>
+          <c:marker>
+            <c:spPr>
+              <a:ln w="12700" cmpd="sng"/>
+            </c:spPr>
+          </c:marker>
+          <c:cat>
+            <c:numRef>
+              <c:f>'Speedups 701'!$P$88:$Y$88</c:f>
+              <c:numCache>
+                <c:formatCode>General</c:formatCode>
+                <c:ptCount val="10"/>
+                <c:pt idx="0">
+                  <c:v>1.0</c:v>
+                </c:pt>
+                <c:pt idx="1">
+                  <c:v>2.0</c:v>
+                </c:pt>
+                <c:pt idx="2">
+                  <c:v>4.0</c:v>
+                </c:pt>
+                <c:pt idx="3">
+                  <c:v>8.0</c:v>
+                </c:pt>
+                <c:pt idx="4">
+                  <c:v>16.0</c:v>
+                </c:pt>
+                <c:pt idx="5">
+                  <c:v>32.0</c:v>
+                </c:pt>
+                <c:pt idx="6">
+                  <c:v>64.0</c:v>
+                </c:pt>
+                <c:pt idx="7">
+                  <c:v>128.0</c:v>
+                </c:pt>
+                <c:pt idx="8">
+                  <c:v>256.0</c:v>
+                </c:pt>
+                <c:pt idx="9">
+                  <c:v>512.0</c:v>
+                </c:pt>
+              </c:numCache>
+            </c:numRef>
+          </c:cat>
+          <c:val>
+            <c:numRef>
+              <c:f>'Speedups 701'!$P$93:$Y$93</c:f>
+              <c:numCache>
+                <c:formatCode>General</c:formatCode>
+                <c:ptCount val="10"/>
+                <c:pt idx="0">
+                  <c:v>1.009607419451296</c:v>
+                </c:pt>
+                <c:pt idx="1">
+                  <c:v>1.406973783816522</c:v>
+                </c:pt>
+                <c:pt idx="2">
+                  <c:v>2.028308679513573</c:v>
+                </c:pt>
+                <c:pt idx="3">
+                  <c:v>3.083237852637928</c:v>
+                </c:pt>
+                <c:pt idx="4">
+                  <c:v>4.770100407837236</c:v>
+                </c:pt>
+                <c:pt idx="5">
+                  <c:v>6.708318045856557</c:v>
+                </c:pt>
+                <c:pt idx="6">
+                  <c:v>8.375226989290707</c:v>
+                </c:pt>
+                <c:pt idx="7">
+                  <c:v>9.488598624697778</c:v>
+                </c:pt>
+                <c:pt idx="8">
+                  <c:v>10.47673647198141</c:v>
+                </c:pt>
+                <c:pt idx="9">
+                  <c:v>11.04472102421116</c:v>
+                </c:pt>
+              </c:numCache>
+            </c:numRef>
+          </c:val>
+          <c:smooth val="0"/>
+        </c:ser>
+        <c:ser>
+          <c:idx val="5"/>
+          <c:order val="5"/>
+          <c:tx>
+            <c:v>32t</c:v>
+          </c:tx>
+          <c:spPr>
+            <a:ln w="12700" cmpd="sng"/>
+          </c:spPr>
+          <c:marker>
+            <c:spPr>
+              <a:ln w="12700" cmpd="sng"/>
+            </c:spPr>
+          </c:marker>
+          <c:cat>
+            <c:numRef>
+              <c:f>'Speedups 701'!$P$88:$Y$88</c:f>
+              <c:numCache>
+                <c:formatCode>General</c:formatCode>
+                <c:ptCount val="10"/>
+                <c:pt idx="0">
+                  <c:v>1.0</c:v>
+                </c:pt>
+                <c:pt idx="1">
+                  <c:v>2.0</c:v>
+                </c:pt>
+                <c:pt idx="2">
+                  <c:v>4.0</c:v>
+                </c:pt>
+                <c:pt idx="3">
+                  <c:v>8.0</c:v>
+                </c:pt>
+                <c:pt idx="4">
+                  <c:v>16.0</c:v>
+                </c:pt>
+                <c:pt idx="5">
+                  <c:v>32.0</c:v>
+                </c:pt>
+                <c:pt idx="6">
+                  <c:v>64.0</c:v>
+                </c:pt>
+                <c:pt idx="7">
+                  <c:v>128.0</c:v>
+                </c:pt>
+                <c:pt idx="8">
+                  <c:v>256.0</c:v>
+                </c:pt>
+                <c:pt idx="9">
+                  <c:v>512.0</c:v>
+                </c:pt>
+              </c:numCache>
+            </c:numRef>
+          </c:cat>
+          <c:val>
+            <c:numRef>
+              <c:f>'Speedups 701'!$P$94:$Y$94</c:f>
+              <c:numCache>
+                <c:formatCode>General</c:formatCode>
+                <c:ptCount val="10"/>
+                <c:pt idx="0">
+                  <c:v>0.741838653232982</c:v>
+                </c:pt>
+                <c:pt idx="1">
+                  <c:v>1.134211525462842</c:v>
+                </c:pt>
+                <c:pt idx="2">
+                  <c:v>1.440358592589189</c:v>
+                </c:pt>
+                <c:pt idx="3">
+                  <c:v>2.700588125034599</c:v>
+                </c:pt>
+                <c:pt idx="4">
+                  <c:v>4.376632122031582</c:v>
+                </c:pt>
+                <c:pt idx="5">
+                  <c:v>6.981130160745125</c:v>
+                </c:pt>
+                <c:pt idx="6">
+                  <c:v>9.53090239408336</c:v>
+                </c:pt>
+                <c:pt idx="7">
+                  <c:v>12.20022791813934</c:v>
+                </c:pt>
+                <c:pt idx="8">
+                  <c:v>13.80755567271241</c:v>
+                </c:pt>
+                <c:pt idx="9">
+                  <c:v>14.56407646068379</c:v>
+                </c:pt>
+              </c:numCache>
+            </c:numRef>
+          </c:val>
+          <c:smooth val="0"/>
+        </c:ser>
+        <c:ser>
+          <c:idx val="6"/>
+          <c:order val="6"/>
+          <c:tx>
+            <c:v>64t</c:v>
+          </c:tx>
+          <c:spPr>
+            <a:ln w="12700" cmpd="sng"/>
+          </c:spPr>
+          <c:marker>
+            <c:spPr>
+              <a:ln w="12700" cmpd="sng"/>
+            </c:spPr>
+          </c:marker>
+          <c:cat>
+            <c:numRef>
+              <c:f>'Speedups 701'!$P$88:$Y$88</c:f>
+              <c:numCache>
+                <c:formatCode>General</c:formatCode>
+                <c:ptCount val="10"/>
+                <c:pt idx="0">
+                  <c:v>1.0</c:v>
+                </c:pt>
+                <c:pt idx="1">
+                  <c:v>2.0</c:v>
+                </c:pt>
+                <c:pt idx="2">
+                  <c:v>4.0</c:v>
+                </c:pt>
+                <c:pt idx="3">
+                  <c:v>8.0</c:v>
+                </c:pt>
+                <c:pt idx="4">
+                  <c:v>16.0</c:v>
+                </c:pt>
+                <c:pt idx="5">
+                  <c:v>32.0</c:v>
+                </c:pt>
+                <c:pt idx="6">
+                  <c:v>64.0</c:v>
+                </c:pt>
+                <c:pt idx="7">
+                  <c:v>128.0</c:v>
+                </c:pt>
+                <c:pt idx="8">
+                  <c:v>256.0</c:v>
+                </c:pt>
+                <c:pt idx="9">
+                  <c:v>512.0</c:v>
+                </c:pt>
+              </c:numCache>
+            </c:numRef>
+          </c:cat>
+          <c:val>
+            <c:numRef>
+              <c:f>'Speedups 701'!$P$95:$Y$95</c:f>
+              <c:numCache>
+                <c:formatCode>General</c:formatCode>
+                <c:ptCount val="10"/>
+                <c:pt idx="0">
+                  <c:v>0.347876508097336</c:v>
+                </c:pt>
+                <c:pt idx="1">
+                  <c:v>0.486861094634086</c:v>
+                </c:pt>
+                <c:pt idx="2">
+                  <c:v>0.766674099872113</c:v>
+                </c:pt>
+                <c:pt idx="3">
+                  <c:v>1.277731993328311</c:v>
+                </c:pt>
+                <c:pt idx="4">
+                  <c:v>2.151816489964407</c:v>
+                </c:pt>
+                <c:pt idx="5">
+                  <c:v>3.52297016272102</c:v>
+                </c:pt>
+                <c:pt idx="6">
+                  <c:v>5.545186729270668</c:v>
+                </c:pt>
+                <c:pt idx="7">
+                  <c:v>7.921273410533482</c:v>
+                </c:pt>
+                <c:pt idx="8">
+                  <c:v>9.951781207994716</c:v>
+                </c:pt>
+                <c:pt idx="9">
+                  <c:v>12.2136148394809</c:v>
+                </c:pt>
+              </c:numCache>
+            </c:numRef>
+          </c:val>
+          <c:smooth val="0"/>
+        </c:ser>
+        <c:dLbls>
+          <c:showLegendKey val="0"/>
+          <c:showVal val="0"/>
+          <c:showCatName val="0"/>
+          <c:showSerName val="0"/>
+          <c:showPercent val="0"/>
+          <c:showBubbleSize val="0"/>
+        </c:dLbls>
+        <c:marker val="1"/>
+        <c:smooth val="0"/>
+        <c:axId val="1871927784"/>
+        <c:axId val="1871932328"/>
+      </c:lineChart>
+      <c:catAx>
+        <c:axId val="1871927784"/>
+        <c:scaling>
+          <c:orientation val="minMax"/>
+        </c:scaling>
+        <c:delete val="0"/>
+        <c:axPos val="b"/>
+        <c:numFmt formatCode="General" sourceLinked="1"/>
+        <c:majorTickMark val="out"/>
+        <c:minorTickMark val="none"/>
+        <c:tickLblPos val="nextTo"/>
+        <c:crossAx val="1871932328"/>
+        <c:crosses val="autoZero"/>
+        <c:auto val="1"/>
+        <c:lblAlgn val="ctr"/>
+        <c:lblOffset val="100"/>
+        <c:noMultiLvlLbl val="0"/>
+      </c:catAx>
+      <c:valAx>
+        <c:axId val="1871932328"/>
+        <c:scaling>
+          <c:logBase val="2.0"/>
+          <c:orientation val="minMax"/>
+          <c:min val="1.0"/>
+        </c:scaling>
+        <c:delete val="0"/>
+        <c:axPos val="l"/>
+        <c:majorGridlines/>
+        <c:numFmt formatCode="General" sourceLinked="1"/>
+        <c:majorTickMark val="out"/>
+        <c:minorTickMark val="none"/>
+        <c:tickLblPos val="nextTo"/>
+        <c:crossAx val="1871927784"/>
+        <c:crosses val="autoZero"/>
+        <c:crossBetween val="between"/>
+      </c:valAx>
+    </c:plotArea>
+    <c:legend>
+      <c:legendPos val="r"/>
+      <c:layout/>
+      <c:overlay val="0"/>
+    </c:legend>
+    <c:plotVisOnly val="1"/>
+    <c:dispBlanksAs val="gap"/>
+    <c:showDLblsOverMax val="0"/>
+  </c:chart>
+  <c:externalData r:id="rId2">
+    <c:autoUpdate val="0"/>
+  </c:externalData>
+</c:chartSpace>
+</file>
+
+<file path=ppt/charts/chart5.xml><?xml version="1.0" encoding="utf-8"?>
+<c:chartSpace xmlns:c="http://schemas.openxmlformats.org/drawingml/2006/chart" xmlns:a="http://schemas.openxmlformats.org/drawingml/2006/main" xmlns:r="http://schemas.openxmlformats.org/officeDocument/2006/relationships">
+  <c:date1904 val="0"/>
+  <c:lang val="en-US"/>
+  <c:roundedCorners val="0"/>
+  <mc:AlternateContent xmlns:mc="http://schemas.openxmlformats.org/markup-compatibility/2006">
+    <mc:Choice xmlns:c14="http://schemas.microsoft.com/office/drawing/2007/8/2/chart" Requires="c14">
+      <c14:style val="118"/>
+    </mc:Choice>
+    <mc:Fallback>
+      <c:style val="18"/>
+    </mc:Fallback>
+  </mc:AlternateContent>
+  <c:clrMapOvr bg1="lt1" tx1="dk1" bg2="lt2" tx2="dk2" accent1="accent1" accent2="accent2" accent3="accent3" accent4="accent4" accent5="accent5" accent6="accent6" hlink="hlink" folHlink="folHlink"/>
+  <c:chart>
+    <c:title>
+      <c:tx>
+        <c:rich>
+          <a:bodyPr/>
+          <a:lstStyle/>
+          <a:p>
+            <a:pPr>
+              <a:defRPr sz="1000" b="0" i="0" u="none" strike="noStrike" baseline="0">
+                <a:solidFill>
+                  <a:srgbClr val="000000"/>
+                </a:solidFill>
+                <a:latin typeface="Calibri"/>
+                <a:ea typeface="Calibri"/>
+                <a:cs typeface="Calibri"/>
+              </a:defRPr>
+            </a:pPr>
+            <a:r>
+              <a:rPr lang="en-US" sz="1800" b="1" i="0" u="none" strike="noStrike" baseline="0">
+                <a:solidFill>
+                  <a:srgbClr val="000000"/>
+                </a:solidFill>
+                <a:latin typeface="Calibri"/>
+                <a:ea typeface="Calibri"/>
+                <a:cs typeface="Calibri"/>
+              </a:rPr>
+              <a:t>Speedup/dilep </a:t>
+            </a:r>
+            <a:r>
+              <a:rPr lang="en-US" sz="1800" b="0" i="1" u="none" strike="noStrike" baseline="0">
+                <a:solidFill>
+                  <a:srgbClr val="000000"/>
+                </a:solidFill>
+                <a:latin typeface="Calibri"/>
+                <a:ea typeface="Calibri"/>
+                <a:cs typeface="Calibri"/>
+              </a:rPr>
+              <a:t>versus</a:t>
+            </a:r>
+            <a:r>
+              <a:rPr lang="en-US" sz="1800" b="1" i="0" u="none" strike="noStrike" baseline="0">
+                <a:solidFill>
+                  <a:srgbClr val="000000"/>
+                </a:solidFill>
+                <a:latin typeface="Calibri"/>
+                <a:ea typeface="Calibri"/>
+                <a:cs typeface="Calibri"/>
+              </a:rPr>
+              <a:t> no-variance single-threaded</a:t>
+            </a:r>
+          </a:p>
+        </c:rich>
+      </c:tx>
+      <c:layout>
+        <c:manualLayout>
+          <c:xMode val="edge"/>
+          <c:yMode val="edge"/>
+          <c:x val="0.37966261337586"/>
+          <c:y val="0.169603524229075"/>
+        </c:manualLayout>
+      </c:layout>
+      <c:overlay val="0"/>
+    </c:title>
+    <c:autoTitleDeleted val="0"/>
+    <c:view3D>
+      <c:rotX val="19"/>
+      <c:rotY val="34"/>
+      <c:depthPercent val="100"/>
+      <c:rAngAx val="0"/>
+      <c:perspective val="20"/>
+    </c:view3D>
+    <c:floor>
+      <c:thickness val="0"/>
+      <c:spPr>
+        <a:noFill/>
+        <a:ln w="3175">
+          <a:solidFill>
+            <a:srgbClr val="808080"/>
+          </a:solidFill>
+          <a:prstDash val="solid"/>
+        </a:ln>
+      </c:spPr>
+    </c:floor>
+    <c:sideWall>
+      <c:thickness val="0"/>
+      <c:spPr>
+        <a:noFill/>
+        <a:ln w="25400">
+          <a:noFill/>
+        </a:ln>
+      </c:spPr>
+    </c:sideWall>
+    <c:backWall>
+      <c:thickness val="0"/>
+      <c:spPr>
+        <a:noFill/>
+        <a:ln w="25400">
+          <a:noFill/>
+        </a:ln>
+      </c:spPr>
+    </c:backWall>
+    <c:plotArea>
+      <c:layout>
+        <c:manualLayout>
+          <c:layoutTarget val="inner"/>
+          <c:xMode val="edge"/>
+          <c:yMode val="edge"/>
+          <c:x val="0.0"/>
+          <c:y val="0.0132013201320132"/>
+          <c:w val="0.937726930378762"/>
+          <c:h val="0.973597359735974"/>
+        </c:manualLayout>
+      </c:layout>
+      <c:bar3DChart>
+        <c:barDir val="col"/>
+        <c:grouping val="standard"/>
+        <c:varyColors val="0"/>
+        <c:ser>
+          <c:idx val="0"/>
+          <c:order val="0"/>
+          <c:tx>
+            <c:v>1</c:v>
+          </c:tx>
+          <c:invertIfNegative val="0"/>
+          <c:cat>
+            <c:numRef>
+              <c:f>'runtime 701'!$AD$79:$AM$79</c:f>
+              <c:numCache>
+                <c:formatCode>General</c:formatCode>
+                <c:ptCount val="10"/>
+                <c:pt idx="0">
+                  <c:v>1.0</c:v>
+                </c:pt>
+                <c:pt idx="1">
+                  <c:v>2.0</c:v>
+                </c:pt>
+                <c:pt idx="2">
+                  <c:v>4.0</c:v>
+                </c:pt>
+                <c:pt idx="3">
+                  <c:v>8.0</c:v>
+                </c:pt>
+                <c:pt idx="4">
+                  <c:v>16.0</c:v>
+                </c:pt>
+                <c:pt idx="5">
+                  <c:v>32.0</c:v>
+                </c:pt>
+                <c:pt idx="6">
+                  <c:v>64.0</c:v>
+                </c:pt>
+                <c:pt idx="7">
+                  <c:v>128.0</c:v>
+                </c:pt>
+                <c:pt idx="8">
+                  <c:v>256.0</c:v>
+                </c:pt>
+                <c:pt idx="9">
+                  <c:v>512.0</c:v>
+                </c:pt>
+              </c:numCache>
+            </c:numRef>
+          </c:cat>
+          <c:val>
+            <c:numRef>
+              <c:f>'runtime 701'!$AD$80:$AM$80</c:f>
+              <c:numCache>
+                <c:formatCode>0.0</c:formatCode>
+                <c:ptCount val="10"/>
+                <c:pt idx="0">
+                  <c:v>1.0</c:v>
+                </c:pt>
+                <c:pt idx="1">
+                  <c:v>1.457874044439689</c:v>
+                </c:pt>
+                <c:pt idx="2">
+                  <c:v>1.894193835116346</c:v>
+                </c:pt>
+                <c:pt idx="3">
+                  <c:v>2.210138085121794</c:v>
+                </c:pt>
+                <c:pt idx="4">
+                  <c:v>2.413295501644447</c:v>
+                </c:pt>
+                <c:pt idx="5">
+                  <c:v>2.522250782110557</c:v>
+                </c:pt>
+                <c:pt idx="6">
+                  <c:v>2.577351775466937</c:v>
+                </c:pt>
+                <c:pt idx="7">
+                  <c:v>2.619412801395347</c:v>
+                </c:pt>
+                <c:pt idx="8">
+                  <c:v>2.6076884056969</c:v>
+                </c:pt>
+                <c:pt idx="9">
+                  <c:v>2.586047111555315</c:v>
+                </c:pt>
+              </c:numCache>
+            </c:numRef>
+          </c:val>
+        </c:ser>
+        <c:ser>
+          <c:idx val="1"/>
+          <c:order val="1"/>
+          <c:tx>
+            <c:v>2</c:v>
+          </c:tx>
+          <c:invertIfNegative val="0"/>
+          <c:cat>
+            <c:numRef>
+              <c:f>'runtime 701'!$AD$79:$AM$79</c:f>
+              <c:numCache>
+                <c:formatCode>General</c:formatCode>
+                <c:ptCount val="10"/>
+                <c:pt idx="0">
+                  <c:v>1.0</c:v>
+                </c:pt>
+                <c:pt idx="1">
+                  <c:v>2.0</c:v>
+                </c:pt>
+                <c:pt idx="2">
+                  <c:v>4.0</c:v>
+                </c:pt>
+                <c:pt idx="3">
+                  <c:v>8.0</c:v>
+                </c:pt>
+                <c:pt idx="4">
+                  <c:v>16.0</c:v>
+                </c:pt>
+                <c:pt idx="5">
+                  <c:v>32.0</c:v>
+                </c:pt>
+                <c:pt idx="6">
+                  <c:v>64.0</c:v>
+                </c:pt>
+                <c:pt idx="7">
+                  <c:v>128.0</c:v>
+                </c:pt>
+                <c:pt idx="8">
+                  <c:v>256.0</c:v>
+                </c:pt>
+                <c:pt idx="9">
+                  <c:v>512.0</c:v>
+                </c:pt>
+              </c:numCache>
+            </c:numRef>
+          </c:cat>
+          <c:val>
+            <c:numRef>
+              <c:f>'runtime 701'!$AD$81:$AM$81</c:f>
+              <c:numCache>
+                <c:formatCode>0.0</c:formatCode>
+                <c:ptCount val="10"/>
+                <c:pt idx="0">
+                  <c:v>1.166721617982498</c:v>
+                </c:pt>
+                <c:pt idx="1">
+                  <c:v>1.830841256470163</c:v>
+                </c:pt>
+                <c:pt idx="2">
+                  <c:v>2.84142527674898</c:v>
+                </c:pt>
+                <c:pt idx="3">
+                  <c:v>3.622012967848304</c:v>
+                </c:pt>
+                <c:pt idx="4">
+                  <c:v>4.248968045435006</c:v>
+                </c:pt>
+                <c:pt idx="5">
+                  <c:v>4.610479276870919</c:v>
+                </c:pt>
+                <c:pt idx="6">
+                  <c:v>4.815798769220626</c:v>
+                </c:pt>
+                <c:pt idx="7">
+                  <c:v>4.997148836358371</c:v>
+                </c:pt>
+                <c:pt idx="8">
+                  <c:v>5.041998353072417</c:v>
+                </c:pt>
+                <c:pt idx="9">
+                  <c:v>5.019847922417959</c:v>
+                </c:pt>
+              </c:numCache>
+            </c:numRef>
+          </c:val>
+        </c:ser>
+        <c:ser>
+          <c:idx val="2"/>
+          <c:order val="2"/>
+          <c:tx>
+            <c:v>4</c:v>
+          </c:tx>
+          <c:invertIfNegative val="0"/>
+          <c:cat>
+            <c:numRef>
+              <c:f>'runtime 701'!$AD$79:$AM$79</c:f>
+              <c:numCache>
+                <c:formatCode>General</c:formatCode>
+                <c:ptCount val="10"/>
+                <c:pt idx="0">
+                  <c:v>1.0</c:v>
+                </c:pt>
+                <c:pt idx="1">
+                  <c:v>2.0</c:v>
+                </c:pt>
+                <c:pt idx="2">
+                  <c:v>4.0</c:v>
+                </c:pt>
+                <c:pt idx="3">
+                  <c:v>8.0</c:v>
+                </c:pt>
+                <c:pt idx="4">
+                  <c:v>16.0</c:v>
+                </c:pt>
+                <c:pt idx="5">
+                  <c:v>32.0</c:v>
+                </c:pt>
+                <c:pt idx="6">
+                  <c:v>64.0</c:v>
+                </c:pt>
+                <c:pt idx="7">
+                  <c:v>128.0</c:v>
+                </c:pt>
+                <c:pt idx="8">
+                  <c:v>256.0</c:v>
+                </c:pt>
+                <c:pt idx="9">
+                  <c:v>512.0</c:v>
+                </c:pt>
+              </c:numCache>
+            </c:numRef>
+          </c:cat>
+          <c:val>
+            <c:numRef>
+              <c:f>'runtime 701'!$AD$82:$AM$82</c:f>
+              <c:numCache>
+                <c:formatCode>0.0</c:formatCode>
+                <c:ptCount val="10"/>
+                <c:pt idx="0">
+                  <c:v>1.314180032839292</c:v>
+                </c:pt>
+                <c:pt idx="1">
+                  <c:v>2.255566895951218</c:v>
+                </c:pt>
+                <c:pt idx="2">
+                  <c:v>3.641938675967477</c:v>
+                </c:pt>
+                <c:pt idx="3">
+                  <c:v>5.424076220389017</c:v>
+                </c:pt>
+                <c:pt idx="4">
+                  <c:v>7.084079729966697</c:v>
+                </c:pt>
+                <c:pt idx="5">
+                  <c:v>8.233080969506101</c:v>
+                </c:pt>
+                <c:pt idx="6">
+                  <c:v>9.027228082519676</c:v>
+                </c:pt>
+                <c:pt idx="7">
+                  <c:v>9.478696825442314</c:v>
+                </c:pt>
+                <c:pt idx="8">
+                  <c:v>9.673150291870168</c:v>
+                </c:pt>
+                <c:pt idx="9">
+                  <c:v>9.80281856452128</c:v>
+                </c:pt>
+              </c:numCache>
+            </c:numRef>
+          </c:val>
+        </c:ser>
+        <c:ser>
+          <c:idx val="3"/>
+          <c:order val="3"/>
+          <c:tx>
+            <c:v>8</c:v>
+          </c:tx>
+          <c:invertIfNegative val="0"/>
+          <c:cat>
+            <c:numRef>
+              <c:f>'runtime 701'!$AD$79:$AM$79</c:f>
+              <c:numCache>
+                <c:formatCode>General</c:formatCode>
+                <c:ptCount val="10"/>
+                <c:pt idx="0">
+                  <c:v>1.0</c:v>
+                </c:pt>
+                <c:pt idx="1">
+                  <c:v>2.0</c:v>
+                </c:pt>
+                <c:pt idx="2">
+                  <c:v>4.0</c:v>
+                </c:pt>
+                <c:pt idx="3">
+                  <c:v>8.0</c:v>
+                </c:pt>
+                <c:pt idx="4">
+                  <c:v>16.0</c:v>
+                </c:pt>
+                <c:pt idx="5">
+                  <c:v>32.0</c:v>
+                </c:pt>
+                <c:pt idx="6">
+                  <c:v>64.0</c:v>
+                </c:pt>
+                <c:pt idx="7">
+                  <c:v>128.0</c:v>
+                </c:pt>
+                <c:pt idx="8">
+                  <c:v>256.0</c:v>
+                </c:pt>
+                <c:pt idx="9">
+                  <c:v>512.0</c:v>
+                </c:pt>
+              </c:numCache>
+            </c:numRef>
+          </c:cat>
+          <c:val>
+            <c:numRef>
+              <c:f>'runtime 701'!$AD$83:$AM$83</c:f>
+              <c:numCache>
+                <c:formatCode>0.0</c:formatCode>
+                <c:ptCount val="10"/>
+                <c:pt idx="0">
+                  <c:v>1.331719649472053</c:v>
+                </c:pt>
+                <c:pt idx="1">
+                  <c:v>2.426933844912789</c:v>
+                </c:pt>
+                <c:pt idx="2">
+                  <c:v>4.184941209760262</c:v>
+                </c:pt>
+                <c:pt idx="3">
+                  <c:v>6.684618670680801</c:v>
+                </c:pt>
+                <c:pt idx="4">
+                  <c:v>9.840932084276392</c:v>
+                </c:pt>
+                <c:pt idx="5">
+                  <c:v>12.68534857991842</c:v>
+                </c:pt>
+                <c:pt idx="6">
+                  <c:v>14.79141340527161</c:v>
+                </c:pt>
+                <c:pt idx="7">
+                  <c:v>15.99746688430815</c:v>
+                </c:pt>
+                <c:pt idx="8">
+                  <c:v>16.89431880926925</c:v>
+                </c:pt>
+                <c:pt idx="9">
+                  <c:v>17.26393149081606</c:v>
+                </c:pt>
+              </c:numCache>
+            </c:numRef>
+          </c:val>
+        </c:ser>
+        <c:ser>
+          <c:idx val="4"/>
+          <c:order val="4"/>
+          <c:tx>
+            <c:v>16</c:v>
+          </c:tx>
+          <c:invertIfNegative val="0"/>
+          <c:cat>
+            <c:numRef>
+              <c:f>'runtime 701'!$AD$79:$AM$79</c:f>
+              <c:numCache>
+                <c:formatCode>General</c:formatCode>
+                <c:ptCount val="10"/>
+                <c:pt idx="0">
+                  <c:v>1.0</c:v>
+                </c:pt>
+                <c:pt idx="1">
+                  <c:v>2.0</c:v>
+                </c:pt>
+                <c:pt idx="2">
+                  <c:v>4.0</c:v>
+                </c:pt>
+                <c:pt idx="3">
+                  <c:v>8.0</c:v>
+                </c:pt>
+                <c:pt idx="4">
+                  <c:v>16.0</c:v>
+                </c:pt>
+                <c:pt idx="5">
+                  <c:v>32.0</c:v>
+                </c:pt>
+                <c:pt idx="6">
+                  <c:v>64.0</c:v>
+                </c:pt>
+                <c:pt idx="7">
+                  <c:v>128.0</c:v>
+                </c:pt>
+                <c:pt idx="8">
+                  <c:v>256.0</c:v>
+                </c:pt>
+                <c:pt idx="9">
+                  <c:v>512.0</c:v>
+                </c:pt>
+              </c:numCache>
+            </c:numRef>
+          </c:cat>
+          <c:val>
+            <c:numRef>
+              <c:f>'runtime 701'!$AD$84:$AM$84</c:f>
+              <c:numCache>
+                <c:formatCode>0.0</c:formatCode>
+                <c:ptCount val="10"/>
+                <c:pt idx="0">
+                  <c:v>1.301141756745884</c:v>
+                </c:pt>
+                <c:pt idx="1">
+                  <c:v>2.510232872900192</c:v>
+                </c:pt>
+                <c:pt idx="2">
+                  <c:v>4.4791058014706</c:v>
+                </c:pt>
+                <c:pt idx="3">
+                  <c:v>7.674730411796535</c:v>
+                </c:pt>
+                <c:pt idx="4">
+                  <c:v>12.67100102424598</c:v>
+                </c:pt>
+                <c:pt idx="5">
+                  <c:v>18.40796846637252</c:v>
+                </c:pt>
+                <c:pt idx="6">
+                  <c:v>23.23834501532847</c:v>
+                </c:pt>
+                <c:pt idx="7">
+                  <c:v>26.23630689523458</c:v>
+                </c:pt>
+                <c:pt idx="8">
+                  <c:v>28.68324294952206</c:v>
+                </c:pt>
+                <c:pt idx="9">
+                  <c:v>29.9365897929217</c:v>
+                </c:pt>
+              </c:numCache>
+            </c:numRef>
+          </c:val>
+        </c:ser>
+        <c:ser>
+          <c:idx val="5"/>
+          <c:order val="5"/>
+          <c:tx>
+            <c:v>32</c:v>
+          </c:tx>
+          <c:invertIfNegative val="0"/>
+          <c:dLbls>
+            <c:dLbl>
+              <c:idx val="0"/>
+              <c:delete val="1"/>
+            </c:dLbl>
+            <c:dLbl>
+              <c:idx val="1"/>
+              <c:delete val="1"/>
+            </c:dLbl>
+            <c:dLbl>
+              <c:idx val="2"/>
+              <c:delete val="1"/>
+            </c:dLbl>
+            <c:dLbl>
+              <c:idx val="3"/>
+              <c:delete val="1"/>
+            </c:dLbl>
+            <c:dLbl>
+              <c:idx val="4"/>
+              <c:numFmt formatCode="0" sourceLinked="0"/>
+              <c:spPr/>
+              <c:txPr>
+                <a:bodyPr/>
+                <a:lstStyle/>
+                <a:p>
+                  <a:pPr>
+                    <a:defRPr sz="1000" b="1" i="0" u="none" strike="noStrike" baseline="0">
+                      <a:solidFill>
+                        <a:srgbClr val="000000"/>
+                      </a:solidFill>
+                      <a:latin typeface="Calibri"/>
+                      <a:ea typeface="Calibri"/>
+                      <a:cs typeface="Calibri"/>
+                    </a:defRPr>
+                  </a:pPr>
+                  <a:endParaRPr lang="en-US"/>
+                </a:p>
+              </c:txPr>
+              <c:showLegendKey val="0"/>
+              <c:showVal val="1"/>
+              <c:showCatName val="0"/>
+              <c:showSerName val="0"/>
+              <c:showPercent val="0"/>
+              <c:showBubbleSize val="0"/>
+            </c:dLbl>
+            <c:dLbl>
+              <c:idx val="5"/>
+              <c:numFmt formatCode="0" sourceLinked="0"/>
+              <c:spPr/>
+              <c:txPr>
+                <a:bodyPr/>
+                <a:lstStyle/>
+                <a:p>
+                  <a:pPr>
+                    <a:defRPr sz="1000" b="1" i="0" u="none" strike="noStrike" baseline="0">
+                      <a:solidFill>
+                        <a:srgbClr val="000000"/>
+                      </a:solidFill>
+                      <a:latin typeface="Calibri"/>
+                      <a:ea typeface="Calibri"/>
+                      <a:cs typeface="Calibri"/>
+                    </a:defRPr>
+                  </a:pPr>
+                  <a:endParaRPr lang="en-US"/>
+                </a:p>
+              </c:txPr>
+              <c:showLegendKey val="0"/>
+              <c:showVal val="1"/>
+              <c:showCatName val="0"/>
+              <c:showSerName val="0"/>
+              <c:showPercent val="0"/>
+              <c:showBubbleSize val="0"/>
+            </c:dLbl>
+            <c:dLbl>
+              <c:idx val="6"/>
+              <c:numFmt formatCode="0" sourceLinked="0"/>
+              <c:spPr/>
+              <c:txPr>
+                <a:bodyPr/>
+                <a:lstStyle/>
+                <a:p>
+                  <a:pPr>
+                    <a:defRPr sz="1000" b="1" i="0" u="none" strike="noStrike" baseline="0">
+                      <a:solidFill>
+                        <a:srgbClr val="000000"/>
+                      </a:solidFill>
+                      <a:latin typeface="Calibri"/>
+                      <a:ea typeface="Calibri"/>
+                      <a:cs typeface="Calibri"/>
+                    </a:defRPr>
+                  </a:pPr>
+                  <a:endParaRPr lang="en-US"/>
+                </a:p>
+              </c:txPr>
+              <c:showLegendKey val="0"/>
+              <c:showVal val="1"/>
+              <c:showCatName val="0"/>
+              <c:showSerName val="0"/>
+              <c:showPercent val="0"/>
+              <c:showBubbleSize val="0"/>
+            </c:dLbl>
+            <c:dLbl>
+              <c:idx val="7"/>
+              <c:numFmt formatCode="0" sourceLinked="0"/>
+              <c:spPr/>
+              <c:txPr>
+                <a:bodyPr/>
+                <a:lstStyle/>
+                <a:p>
+                  <a:pPr>
+                    <a:defRPr sz="1000" b="1" i="0" u="none" strike="noStrike" baseline="0">
+                      <a:solidFill>
+                        <a:srgbClr val="000000"/>
+                      </a:solidFill>
+                      <a:latin typeface="Calibri"/>
+                      <a:ea typeface="Calibri"/>
+                      <a:cs typeface="Calibri"/>
+                    </a:defRPr>
+                  </a:pPr>
+                  <a:endParaRPr lang="en-US"/>
+                </a:p>
+              </c:txPr>
+              <c:showLegendKey val="0"/>
+              <c:showVal val="1"/>
+              <c:showCatName val="0"/>
+              <c:showSerName val="0"/>
+              <c:showPercent val="0"/>
+              <c:showBubbleSize val="0"/>
+            </c:dLbl>
+            <c:dLbl>
+              <c:idx val="8"/>
+              <c:numFmt formatCode="0" sourceLinked="0"/>
+              <c:spPr/>
+              <c:txPr>
+                <a:bodyPr/>
+                <a:lstStyle/>
+                <a:p>
+                  <a:pPr>
+                    <a:defRPr sz="1000" b="1" i="0" u="none" strike="noStrike" baseline="0">
+                      <a:solidFill>
+                        <a:srgbClr val="000000"/>
+                      </a:solidFill>
+                      <a:latin typeface="Calibri"/>
+                      <a:ea typeface="Calibri"/>
+                      <a:cs typeface="Calibri"/>
+                    </a:defRPr>
+                  </a:pPr>
+                  <a:endParaRPr lang="en-US"/>
+                </a:p>
+              </c:txPr>
+              <c:showLegendKey val="0"/>
+              <c:showVal val="1"/>
+              <c:showCatName val="0"/>
+              <c:showSerName val="0"/>
+              <c:showPercent val="0"/>
+              <c:showBubbleSize val="0"/>
+            </c:dLbl>
+            <c:dLbl>
+              <c:idx val="9"/>
+              <c:numFmt formatCode="0" sourceLinked="0"/>
+              <c:spPr/>
+              <c:txPr>
+                <a:bodyPr/>
+                <a:lstStyle/>
+                <a:p>
+                  <a:pPr>
+                    <a:defRPr sz="1000" b="1" i="0" u="none" strike="noStrike" baseline="0">
+                      <a:solidFill>
+                        <a:srgbClr val="000000"/>
+                      </a:solidFill>
+                      <a:latin typeface="Calibri"/>
+                      <a:ea typeface="Calibri"/>
+                      <a:cs typeface="Calibri"/>
+                    </a:defRPr>
+                  </a:pPr>
+                  <a:endParaRPr lang="en-US"/>
+                </a:p>
+              </c:txPr>
+              <c:showLegendKey val="0"/>
+              <c:showVal val="1"/>
+              <c:showCatName val="0"/>
+              <c:showSerName val="0"/>
+              <c:showPercent val="0"/>
+              <c:showBubbleSize val="0"/>
+            </c:dLbl>
+            <c:numFmt formatCode="0.0" sourceLinked="0"/>
+            <c:txPr>
+              <a:bodyPr/>
+              <a:lstStyle/>
+              <a:p>
+                <a:pPr>
+                  <a:defRPr sz="1000" b="1" i="0" u="none" strike="noStrike" baseline="0">
+                    <a:solidFill>
+                      <a:srgbClr val="000000"/>
+                    </a:solidFill>
+                    <a:latin typeface="Calibri"/>
+                    <a:ea typeface="Calibri"/>
+                    <a:cs typeface="Calibri"/>
+                  </a:defRPr>
+                </a:pPr>
+                <a:endParaRPr lang="en-US"/>
+              </a:p>
+            </c:txPr>
+            <c:showLegendKey val="0"/>
+            <c:showVal val="1"/>
+            <c:showCatName val="0"/>
+            <c:showSerName val="0"/>
+            <c:showPercent val="0"/>
+            <c:showBubbleSize val="0"/>
+            <c:showLeaderLines val="0"/>
+          </c:dLbls>
+          <c:cat>
+            <c:numRef>
+              <c:f>'runtime 701'!$AD$79:$AM$79</c:f>
+              <c:numCache>
+                <c:formatCode>General</c:formatCode>
+                <c:ptCount val="10"/>
+                <c:pt idx="0">
+                  <c:v>1.0</c:v>
+                </c:pt>
+                <c:pt idx="1">
+                  <c:v>2.0</c:v>
+                </c:pt>
+                <c:pt idx="2">
+                  <c:v>4.0</c:v>
+                </c:pt>
+                <c:pt idx="3">
+                  <c:v>8.0</c:v>
+                </c:pt>
+                <c:pt idx="4">
+                  <c:v>16.0</c:v>
+                </c:pt>
+                <c:pt idx="5">
+                  <c:v>32.0</c:v>
+                </c:pt>
+                <c:pt idx="6">
+                  <c:v>64.0</c:v>
+                </c:pt>
+                <c:pt idx="7">
+                  <c:v>128.0</c:v>
+                </c:pt>
+                <c:pt idx="8">
+                  <c:v>256.0</c:v>
+                </c:pt>
+                <c:pt idx="9">
+                  <c:v>512.0</c:v>
+                </c:pt>
+              </c:numCache>
+            </c:numRef>
+          </c:cat>
+          <c:val>
+            <c:numRef>
+              <c:f>'runtime 701'!$AD$85:$AM$85</c:f>
+              <c:numCache>
+                <c:formatCode>0.0</c:formatCode>
+                <c:ptCount val="10"/>
+                <c:pt idx="0">
+                  <c:v>0.956052055376289</c:v>
+                </c:pt>
+                <c:pt idx="1">
+                  <c:v>2.023587851307386</c:v>
+                </c:pt>
+                <c:pt idx="2">
+                  <c:v>3.18073801755434</c:v>
+                </c:pt>
+                <c:pt idx="3">
+                  <c:v>6.722246807915521</c:v>
+                </c:pt>
+                <c:pt idx="4">
+                  <c:v>11.62581609600833</c:v>
+                </c:pt>
+                <c:pt idx="5">
+                  <c:v>19.1565788891021</c:v>
+                </c:pt>
+                <c:pt idx="6">
+                  <c:v>26.44494273699516</c:v>
+                </c:pt>
+                <c:pt idx="7">
+                  <c:v>33.7340566834555</c:v>
+                </c:pt>
+                <c:pt idx="8">
+                  <c:v>37.80237051477153</c:v>
+                </c:pt>
+                <c:pt idx="9">
+                  <c:v>39.47576238100387</c:v>
+                </c:pt>
+              </c:numCache>
+            </c:numRef>
+          </c:val>
+        </c:ser>
+        <c:ser>
+          <c:idx val="6"/>
+          <c:order val="6"/>
+          <c:tx>
+            <c:v>64</c:v>
+          </c:tx>
+          <c:invertIfNegative val="0"/>
+          <c:cat>
+            <c:numRef>
+              <c:f>'runtime 701'!$AD$79:$AM$79</c:f>
+              <c:numCache>
+                <c:formatCode>General</c:formatCode>
+                <c:ptCount val="10"/>
+                <c:pt idx="0">
+                  <c:v>1.0</c:v>
+                </c:pt>
+                <c:pt idx="1">
+                  <c:v>2.0</c:v>
+                </c:pt>
+                <c:pt idx="2">
+                  <c:v>4.0</c:v>
+                </c:pt>
+                <c:pt idx="3">
+                  <c:v>8.0</c:v>
+                </c:pt>
+                <c:pt idx="4">
+                  <c:v>16.0</c:v>
+                </c:pt>
+                <c:pt idx="5">
+                  <c:v>32.0</c:v>
+                </c:pt>
+                <c:pt idx="6">
+                  <c:v>64.0</c:v>
+                </c:pt>
+                <c:pt idx="7">
+                  <c:v>128.0</c:v>
+                </c:pt>
+                <c:pt idx="8">
+                  <c:v>256.0</c:v>
+                </c:pt>
+                <c:pt idx="9">
+                  <c:v>512.0</c:v>
+                </c:pt>
+              </c:numCache>
+            </c:numRef>
+          </c:cat>
+          <c:val>
+            <c:numRef>
+              <c:f>'runtime 701'!$AD$86:$AM$86</c:f>
+              <c:numCache>
+                <c:formatCode>0.0</c:formatCode>
+                <c:ptCount val="10"/>
+                <c:pt idx="0">
+                  <c:v>0.448329362637203</c:v>
+                </c:pt>
+                <c:pt idx="1">
+                  <c:v>0.868626507717522</c:v>
+                </c:pt>
+                <c:pt idx="2">
+                  <c:v>1.69304329427707</c:v>
+                </c:pt>
+                <c:pt idx="3">
+                  <c:v>3.180503436973653</c:v>
+                </c:pt>
+                <c:pt idx="4">
+                  <c:v>5.715952834772851</c:v>
+                </c:pt>
+                <c:pt idx="5">
+                  <c:v>9.667210651020836</c:v>
+                </c:pt>
+                <c:pt idx="6">
+                  <c:v>15.38596655994941</c:v>
+                </c:pt>
+                <c:pt idx="7">
+                  <c:v>21.90259788825638</c:v>
+                </c:pt>
+                <c:pt idx="8">
+                  <c:v>27.24601873234052</c:v>
+                </c:pt>
+                <c:pt idx="9">
+                  <c:v>33.10486308678814</c:v>
+                </c:pt>
+              </c:numCache>
+            </c:numRef>
+          </c:val>
+        </c:ser>
+        <c:dLbls>
+          <c:showLegendKey val="0"/>
+          <c:showVal val="0"/>
+          <c:showCatName val="0"/>
+          <c:showSerName val="0"/>
+          <c:showPercent val="0"/>
+          <c:showBubbleSize val="0"/>
+        </c:dLbls>
+        <c:gapWidth val="150"/>
+        <c:shape val="box"/>
+        <c:axId val="1869891048"/>
+        <c:axId val="1869787160"/>
+        <c:axId val="1871397576"/>
+      </c:bar3DChart>
+      <c:catAx>
+        <c:axId val="1869891048"/>
+        <c:scaling>
+          <c:orientation val="maxMin"/>
+        </c:scaling>
+        <c:delete val="0"/>
+        <c:axPos val="b"/>
+        <c:title>
+          <c:tx>
+            <c:rich>
+              <a:bodyPr/>
+              <a:lstStyle/>
+              <a:p>
+                <a:pPr>
+                  <a:defRPr sz="1600"/>
+                </a:pPr>
+                <a:r>
+                  <a:rPr lang="en-US" sz="1600"/>
+                  <a:t>#</a:t>
+                </a:r>
+                <a:r>
+                  <a:rPr lang="en-US" sz="1600" baseline="0"/>
+                  <a:t> dileps</a:t>
+                </a:r>
+                <a:endParaRPr lang="en-US" sz="1600"/>
+              </a:p>
+            </c:rich>
+          </c:tx>
+          <c:layout>
+            <c:manualLayout>
+              <c:xMode val="edge"/>
+              <c:yMode val="edge"/>
+              <c:x val="0.444029079039171"/>
+              <c:y val="0.916877449790142"/>
+            </c:manualLayout>
+          </c:layout>
+          <c:overlay val="0"/>
+        </c:title>
+        <c:numFmt formatCode="#,##0" sourceLinked="0"/>
+        <c:majorTickMark val="out"/>
+        <c:minorTickMark val="none"/>
+        <c:tickLblPos val="nextTo"/>
+        <c:txPr>
+          <a:bodyPr/>
+          <a:lstStyle/>
+          <a:p>
+            <a:pPr>
+              <a:defRPr sz="1200" b="1" i="0" baseline="0">
+                <a:solidFill>
+                  <a:srgbClr val="800000"/>
+                </a:solidFill>
+              </a:defRPr>
+            </a:pPr>
+            <a:endParaRPr lang="en-US"/>
+          </a:p>
+        </c:txPr>
+        <c:crossAx val="1869787160"/>
+        <c:crossesAt val="1.0"/>
+        <c:auto val="1"/>
+        <c:lblAlgn val="ctr"/>
+        <c:lblOffset val="100"/>
+        <c:noMultiLvlLbl val="0"/>
+      </c:catAx>
+      <c:valAx>
+        <c:axId val="1869787160"/>
+        <c:scaling>
+          <c:logBase val="2.0"/>
+          <c:orientation val="minMax"/>
+          <c:min val="1.0"/>
+        </c:scaling>
+        <c:delete val="0"/>
+        <c:axPos val="r"/>
+        <c:majorGridlines/>
+        <c:numFmt formatCode="#\ ?/?" sourceLinked="0"/>
+        <c:majorTickMark val="out"/>
+        <c:minorTickMark val="none"/>
+        <c:tickLblPos val="nextTo"/>
+        <c:spPr>
+          <a:effectLst/>
+        </c:spPr>
+        <c:txPr>
+          <a:bodyPr/>
+          <a:lstStyle/>
+          <a:p>
+            <a:pPr>
+              <a:defRPr sz="1200" b="1" i="0">
+                <a:solidFill>
+                  <a:srgbClr val="000090"/>
+                </a:solidFill>
+              </a:defRPr>
+            </a:pPr>
+            <a:endParaRPr lang="en-US"/>
+          </a:p>
+        </c:txPr>
+        <c:crossAx val="1869891048"/>
+        <c:crosses val="autoZero"/>
+        <c:crossBetween val="between"/>
+      </c:valAx>
+      <c:serAx>
+        <c:axId val="1871397576"/>
+        <c:scaling>
+          <c:orientation val="minMax"/>
+        </c:scaling>
+        <c:delete val="0"/>
+        <c:axPos val="b"/>
+        <c:title>
+          <c:tx>
+            <c:rich>
+              <a:bodyPr rot="0" vert="horz"/>
+              <a:lstStyle/>
+              <a:p>
+                <a:pPr>
+                  <a:defRPr sz="1600"/>
+                </a:pPr>
+                <a:r>
+                  <a:rPr lang="en-US" sz="1600"/>
+                  <a:t># threads</a:t>
+                </a:r>
+              </a:p>
+            </c:rich>
+          </c:tx>
+          <c:layout>
+            <c:manualLayout>
+              <c:xMode val="edge"/>
+              <c:yMode val="edge"/>
+              <c:x val="0.850815060301007"/>
+              <c:y val="0.86804571785355"/>
+            </c:manualLayout>
+          </c:layout>
+          <c:overlay val="0"/>
+        </c:title>
+        <c:numFmt formatCode="General" sourceLinked="1"/>
+        <c:majorTickMark val="out"/>
+        <c:minorTickMark val="none"/>
+        <c:tickLblPos val="low"/>
+        <c:spPr>
+          <a:ln w="3175">
+            <a:solidFill>
+              <a:srgbClr val="808080"/>
+            </a:solidFill>
+            <a:prstDash val="solid"/>
+          </a:ln>
+        </c:spPr>
+        <c:txPr>
+          <a:bodyPr rot="0" vert="horz"/>
+          <a:lstStyle/>
+          <a:p>
+            <a:pPr>
+              <a:defRPr sz="1200" b="1" i="0" u="none" strike="noStrike" baseline="0">
+                <a:solidFill>
+                  <a:srgbClr val="900000"/>
+                </a:solidFill>
+                <a:latin typeface="Calibri"/>
+                <a:ea typeface="Calibri"/>
+                <a:cs typeface="Calibri"/>
+              </a:defRPr>
+            </a:pPr>
+            <a:endParaRPr lang="en-US"/>
+          </a:p>
+        </c:txPr>
+        <c:crossAx val="1869787160"/>
+        <c:crossesAt val="1.0"/>
+        <c:tickLblSkip val="1"/>
+        <c:tickMarkSkip val="1"/>
+      </c:serAx>
+      <c:spPr>
+        <a:noFill/>
+        <a:ln w="25400">
+          <a:noFill/>
+        </a:ln>
+      </c:spPr>
+    </c:plotArea>
+    <c:plotVisOnly val="1"/>
+    <c:dispBlanksAs val="gap"/>
+    <c:showDLblsOverMax val="0"/>
+  </c:chart>
+  <c:txPr>
+    <a:bodyPr/>
+    <a:lstStyle/>
+    <a:p>
+      <a:pPr>
+        <a:defRPr sz="1000" b="0" i="0" u="none" strike="noStrike" baseline="0">
+          <a:solidFill>
+            <a:srgbClr val="000000"/>
+          </a:solidFill>
+          <a:latin typeface="Calibri"/>
+          <a:ea typeface="Calibri"/>
+          <a:cs typeface="Calibri"/>
+        </a:defRPr>
+      </a:pPr>
+      <a:endParaRPr lang="en-US"/>
+    </a:p>
+  </c:txPr>
+  <c:externalData r:id="rId2">
+    <c:autoUpdate val="0"/>
+  </c:externalData>
+</c:chartSpace>
+</file>
+
+<file path=ppt/charts/chart6.xml><?xml version="1.0" encoding="utf-8"?>
+<c:chartSpace xmlns:c="http://schemas.openxmlformats.org/drawingml/2006/chart" xmlns:a="http://schemas.openxmlformats.org/drawingml/2006/main" xmlns:r="http://schemas.openxmlformats.org/officeDocument/2006/relationships">
+  <c:date1904 val="0"/>
+  <c:lang val="en-US"/>
+  <c:roundedCorners val="0"/>
+  <mc:AlternateContent xmlns:mc="http://schemas.openxmlformats.org/markup-compatibility/2006">
+    <mc:Choice xmlns:c14="http://schemas.microsoft.com/office/drawing/2007/8/2/chart" Requires="c14">
+      <c14:style val="118"/>
+    </mc:Choice>
+    <mc:Fallback>
+      <c:style val="18"/>
+    </mc:Fallback>
+  </mc:AlternateContent>
+  <c:clrMapOvr bg1="lt1" tx1="dk1" bg2="lt2" tx2="dk2" accent1="accent1" accent2="accent2" accent3="accent3" accent4="accent4" accent5="accent5" accent6="accent6" hlink="hlink" folHlink="folHlink"/>
+  <c:chart>
+    <c:title>
+      <c:tx>
+        <c:rich>
+          <a:bodyPr/>
+          <a:lstStyle/>
+          <a:p>
+            <a:pPr>
+              <a:defRPr/>
+            </a:pPr>
+            <a:r>
+              <a:rPr lang="en-US"/>
+              <a:t>Event</a:t>
+            </a:r>
+            <a:r>
+              <a:rPr lang="en-US" baseline="0"/>
+              <a:t> Throughput (#events*variations per sec)</a:t>
+            </a:r>
+            <a:endParaRPr lang="en-US"/>
+          </a:p>
+        </c:rich>
+      </c:tx>
+      <c:layout/>
+      <c:overlay val="1"/>
+    </c:title>
+    <c:autoTitleDeleted val="0"/>
+    <c:view3D>
+      <c:rotX val="15"/>
+      <c:rotY val="20"/>
+      <c:rAngAx val="0"/>
+      <c:perspective val="30"/>
+    </c:view3D>
+    <c:floor>
+      <c:thickness val="0"/>
+    </c:floor>
+    <c:sideWall>
+      <c:thickness val="0"/>
+    </c:sideWall>
+    <c:backWall>
+      <c:thickness val="0"/>
+    </c:backWall>
+    <c:plotArea>
+      <c:layout>
+        <c:manualLayout>
+          <c:layoutTarget val="inner"/>
+          <c:xMode val="edge"/>
+          <c:yMode val="edge"/>
+          <c:x val="0.0845417862486815"/>
+          <c:y val="0.0367231638418079"/>
+          <c:w val="0.870853754262026"/>
+          <c:h val="0.905800524934383"/>
+        </c:manualLayout>
+      </c:layout>
+      <c:bar3DChart>
+        <c:barDir val="col"/>
+        <c:grouping val="standard"/>
+        <c:varyColors val="0"/>
+        <c:ser>
+          <c:idx val="0"/>
+          <c:order val="0"/>
+          <c:tx>
+            <c:v>1</c:v>
+          </c:tx>
+          <c:invertIfNegative val="0"/>
+          <c:cat>
+            <c:numRef>
+              <c:f>'runtime 701'!$P$114:$P$120</c:f>
+              <c:numCache>
+                <c:formatCode>General</c:formatCode>
+                <c:ptCount val="7"/>
+                <c:pt idx="0">
+                  <c:v>1.0</c:v>
+                </c:pt>
+                <c:pt idx="1">
+                  <c:v>2.0</c:v>
+                </c:pt>
+                <c:pt idx="2">
+                  <c:v>4.0</c:v>
+                </c:pt>
+                <c:pt idx="3">
+                  <c:v>8.0</c:v>
+                </c:pt>
+                <c:pt idx="4">
+                  <c:v>16.0</c:v>
+                </c:pt>
+                <c:pt idx="5">
+                  <c:v>32.0</c:v>
+                </c:pt>
+                <c:pt idx="6">
+                  <c:v>64.0</c:v>
+                </c:pt>
+              </c:numCache>
+            </c:numRef>
+          </c:cat>
+          <c:val>
+            <c:numRef>
+              <c:f>'runtime 701'!$Q$114:$Q$120</c:f>
+              <c:numCache>
+                <c:formatCode>0.00E+00</c:formatCode>
+                <c:ptCount val="7"/>
+                <c:pt idx="0">
+                  <c:v>1581.760302392433</c:v>
+                </c:pt>
+                <c:pt idx="1">
+                  <c:v>1914.83298104589</c:v>
+                </c:pt>
+                <c:pt idx="2">
+                  <c:v>2111.878007208652</c:v>
+                </c:pt>
+                <c:pt idx="3">
+                  <c:v>2065.465687280288</c:v>
+                </c:pt>
+                <c:pt idx="4">
+                  <c:v>1956.41470809256</c:v>
+                </c:pt>
+                <c:pt idx="5">
+                  <c:v>1330.404804296247</c:v>
+                </c:pt>
+                <c:pt idx="6">
+                  <c:v>563.9457251872235</c:v>
+                </c:pt>
+              </c:numCache>
+            </c:numRef>
+          </c:val>
+        </c:ser>
+        <c:ser>
+          <c:idx val="1"/>
+          <c:order val="1"/>
+          <c:tx>
+            <c:v>2</c:v>
+          </c:tx>
+          <c:invertIfNegative val="0"/>
+          <c:cat>
+            <c:numRef>
+              <c:f>'runtime 701'!$P$114:$P$120</c:f>
+              <c:numCache>
+                <c:formatCode>General</c:formatCode>
+                <c:ptCount val="7"/>
+                <c:pt idx="0">
+                  <c:v>1.0</c:v>
+                </c:pt>
+                <c:pt idx="1">
+                  <c:v>2.0</c:v>
+                </c:pt>
+                <c:pt idx="2">
+                  <c:v>4.0</c:v>
+                </c:pt>
+                <c:pt idx="3">
+                  <c:v>8.0</c:v>
+                </c:pt>
+                <c:pt idx="4">
+                  <c:v>16.0</c:v>
+                </c:pt>
+                <c:pt idx="5">
+                  <c:v>32.0</c:v>
+                </c:pt>
+                <c:pt idx="6">
+                  <c:v>64.0</c:v>
+                </c:pt>
+              </c:numCache>
+            </c:numRef>
+          </c:cat>
+          <c:val>
+            <c:numRef>
+              <c:f>'runtime 701'!$R$114:$R$120</c:f>
+              <c:numCache>
+                <c:formatCode>0.00E+00</c:formatCode>
+                <c:ptCount val="7"/>
+                <c:pt idx="0">
+                  <c:v>1532.918749863942</c:v>
+                </c:pt>
+                <c:pt idx="1">
+                  <c:v>2091.826939210216</c:v>
+                </c:pt>
+                <c:pt idx="2">
+                  <c:v>2493.969218418577</c:v>
+                </c:pt>
+                <c:pt idx="3">
+                  <c:v>2538.3353726797</c:v>
+                </c:pt>
+                <c:pt idx="4">
+                  <c:v>2182.869654122079</c:v>
+                </c:pt>
+                <c:pt idx="5">
+                  <c:v>1775.183978386872</c:v>
+                </c:pt>
+                <c:pt idx="6">
+                  <c:v>724.8224280359981</c:v>
+                </c:pt>
+              </c:numCache>
+            </c:numRef>
+          </c:val>
+        </c:ser>
+        <c:ser>
+          <c:idx val="2"/>
+          <c:order val="2"/>
+          <c:tx>
+            <c:v>4</c:v>
+          </c:tx>
+          <c:invertIfNegative val="0"/>
+          <c:cat>
+            <c:numRef>
+              <c:f>'runtime 701'!$P$114:$P$120</c:f>
+              <c:numCache>
+                <c:formatCode>General</c:formatCode>
+                <c:ptCount val="7"/>
+                <c:pt idx="0">
+                  <c:v>1.0</c:v>
+                </c:pt>
+                <c:pt idx="1">
+                  <c:v>2.0</c:v>
+                </c:pt>
+                <c:pt idx="2">
+                  <c:v>4.0</c:v>
+                </c:pt>
+                <c:pt idx="3">
+                  <c:v>8.0</c:v>
+                </c:pt>
+                <c:pt idx="4">
+                  <c:v>16.0</c:v>
+                </c:pt>
+                <c:pt idx="5">
+                  <c:v>32.0</c:v>
+                </c:pt>
+                <c:pt idx="6">
+                  <c:v>64.0</c:v>
+                </c:pt>
+              </c:numCache>
+            </c:numRef>
+          </c:cat>
+          <c:val>
+            <c:numRef>
+              <c:f>'runtime 701'!$S$114:$S$120</c:f>
+              <c:numCache>
+                <c:formatCode>0.00E+00</c:formatCode>
+                <c:ptCount val="7"/>
+                <c:pt idx="0">
+                  <c:v>1491.51347380315</c:v>
+                </c:pt>
+                <c:pt idx="1">
+                  <c:v>2272.067852253673</c:v>
+                </c:pt>
+                <c:pt idx="2">
+                  <c:v>3042.519063036143</c:v>
+                </c:pt>
+                <c:pt idx="3">
+                  <c:v>3281.209397240184</c:v>
+                </c:pt>
+                <c:pt idx="4">
+                  <c:v>3120.99519533538</c:v>
+                </c:pt>
+                <c:pt idx="5">
+                  <c:v>2523.181268956125</c:v>
+                </c:pt>
+                <c:pt idx="6">
+                  <c:v>1004.730536125951</c:v>
+                </c:pt>
+              </c:numCache>
+            </c:numRef>
+          </c:val>
+        </c:ser>
+        <c:ser>
+          <c:idx val="3"/>
+          <c:order val="3"/>
+          <c:tx>
+            <c:v>8</c:v>
+          </c:tx>
+          <c:invertIfNegative val="0"/>
+          <c:cat>
+            <c:numRef>
+              <c:f>'runtime 701'!$P$114:$P$120</c:f>
+              <c:numCache>
+                <c:formatCode>General</c:formatCode>
+                <c:ptCount val="7"/>
+                <c:pt idx="0">
+                  <c:v>1.0</c:v>
+                </c:pt>
+                <c:pt idx="1">
+                  <c:v>2.0</c:v>
+                </c:pt>
+                <c:pt idx="2">
+                  <c:v>4.0</c:v>
+                </c:pt>
+                <c:pt idx="3">
+                  <c:v>8.0</c:v>
+                </c:pt>
+                <c:pt idx="4">
+                  <c:v>16.0</c:v>
+                </c:pt>
+                <c:pt idx="5">
+                  <c:v>32.0</c:v>
+                </c:pt>
+                <c:pt idx="6">
+                  <c:v>64.0</c:v>
+                </c:pt>
+              </c:numCache>
+            </c:numRef>
+          </c:cat>
+          <c:val>
+            <c:numRef>
+              <c:f>'runtime 701'!$T$114:$T$120</c:f>
+              <c:numCache>
+                <c:formatCode>0.00E+00</c:formatCode>
+                <c:ptCount val="7"/>
+                <c:pt idx="0">
+                  <c:v>1496.65693299844</c:v>
+                </c:pt>
+                <c:pt idx="1">
+                  <c:v>2530.072100395715</c:v>
+                </c:pt>
+                <c:pt idx="2">
+                  <c:v>3703.684739960251</c:v>
+                </c:pt>
+                <c:pt idx="3">
+                  <c:v>4467.103123884381</c:v>
+                </c:pt>
+                <c:pt idx="4">
+                  <c:v>4205.527226020198</c:v>
+                </c:pt>
+                <c:pt idx="5">
+                  <c:v>3049.561083404125</c:v>
+                </c:pt>
+                <c:pt idx="6">
+                  <c:v>1491.976195336152</c:v>
+                </c:pt>
+              </c:numCache>
+            </c:numRef>
+          </c:val>
+        </c:ser>
+        <c:ser>
+          <c:idx val="4"/>
+          <c:order val="4"/>
+          <c:tx>
+            <c:v>16</c:v>
+          </c:tx>
+          <c:invertIfNegative val="0"/>
+          <c:cat>
+            <c:numRef>
+              <c:f>'runtime 701'!$P$114:$P$120</c:f>
+              <c:numCache>
+                <c:formatCode>General</c:formatCode>
+                <c:ptCount val="7"/>
+                <c:pt idx="0">
+                  <c:v>1.0</c:v>
+                </c:pt>
+                <c:pt idx="1">
+                  <c:v>2.0</c:v>
+                </c:pt>
+                <c:pt idx="2">
+                  <c:v>4.0</c:v>
+                </c:pt>
+                <c:pt idx="3">
+                  <c:v>8.0</c:v>
+                </c:pt>
+                <c:pt idx="4">
+                  <c:v>16.0</c:v>
+                </c:pt>
+                <c:pt idx="5">
+                  <c:v>32.0</c:v>
+                </c:pt>
+                <c:pt idx="6">
+                  <c:v>64.0</c:v>
+                </c:pt>
+              </c:numCache>
+            </c:numRef>
+          </c:cat>
+          <c:val>
+            <c:numRef>
+              <c:f>'runtime 701'!$U$114:$U$120</c:f>
+              <c:numCache>
+                <c:formatCode>0.00E+00</c:formatCode>
+                <c:ptCount val="7"/>
+                <c:pt idx="0">
+                  <c:v>1511.018031998313</c:v>
+                </c:pt>
+                <c:pt idx="1">
+                  <c:v>2632.099112888291</c:v>
+                </c:pt>
+                <c:pt idx="2">
+                  <c:v>4405.547467250853</c:v>
+                </c:pt>
+                <c:pt idx="3">
+                  <c:v>5948.148182097983</c:v>
+                </c:pt>
+                <c:pt idx="4">
+                  <c:v>5025.606869247837</c:v>
+                </c:pt>
+                <c:pt idx="5">
+                  <c:v>4160.424734941378</c:v>
+                </c:pt>
+                <c:pt idx="6">
+                  <c:v>2230.428523467951</c:v>
+                </c:pt>
+              </c:numCache>
+            </c:numRef>
+          </c:val>
+        </c:ser>
+        <c:ser>
+          <c:idx val="5"/>
+          <c:order val="5"/>
+          <c:tx>
+            <c:v>32</c:v>
+          </c:tx>
+          <c:invertIfNegative val="0"/>
+          <c:cat>
+            <c:numRef>
+              <c:f>'runtime 701'!$P$114:$P$120</c:f>
+              <c:numCache>
+                <c:formatCode>General</c:formatCode>
+                <c:ptCount val="7"/>
+                <c:pt idx="0">
+                  <c:v>1.0</c:v>
+                </c:pt>
+                <c:pt idx="1">
+                  <c:v>2.0</c:v>
+                </c:pt>
+                <c:pt idx="2">
+                  <c:v>4.0</c:v>
+                </c:pt>
+                <c:pt idx="3">
+                  <c:v>8.0</c:v>
+                </c:pt>
+                <c:pt idx="4">
+                  <c:v>16.0</c:v>
+                </c:pt>
+                <c:pt idx="5">
+                  <c:v>32.0</c:v>
+                </c:pt>
+                <c:pt idx="6">
+                  <c:v>64.0</c:v>
+                </c:pt>
+              </c:numCache>
+            </c:numRef>
+          </c:cat>
+          <c:val>
+            <c:numRef>
+              <c:f>'runtime 701'!$V$114:$V$120</c:f>
+              <c:numCache>
+                <c:formatCode>0.00E+00</c:formatCode>
+                <c:ptCount val="7"/>
+                <c:pt idx="0">
+                  <c:v>1562.844977791583</c:v>
+                </c:pt>
+                <c:pt idx="1">
+                  <c:v>2769.091824939247</c:v>
+                </c:pt>
+                <c:pt idx="2">
+                  <c:v>5059.94380968789</c:v>
+                </c:pt>
+                <c:pt idx="3">
+                  <c:v>7210.859169647718</c:v>
+                </c:pt>
+                <c:pt idx="4">
+                  <c:v>6189.639099721056</c:v>
+                </c:pt>
+                <c:pt idx="5">
+                  <c:v>5093.514002619658</c:v>
+                </c:pt>
+                <c:pt idx="6">
+                  <c:v>3249.884135231963</c:v>
+                </c:pt>
+              </c:numCache>
+            </c:numRef>
+          </c:val>
+        </c:ser>
+        <c:ser>
+          <c:idx val="6"/>
+          <c:order val="6"/>
+          <c:tx>
+            <c:v>64</c:v>
+          </c:tx>
+          <c:invertIfNegative val="0"/>
+          <c:dLbls>
+            <c:dLbl>
+              <c:idx val="3"/>
+              <c:layout/>
+              <c:showLegendKey val="0"/>
+              <c:showVal val="1"/>
+              <c:showCatName val="0"/>
+              <c:showSerName val="0"/>
+              <c:showPercent val="0"/>
+              <c:showBubbleSize val="0"/>
+            </c:dLbl>
+            <c:txPr>
+              <a:bodyPr/>
+              <a:lstStyle/>
+              <a:p>
+                <a:pPr>
+                  <a:defRPr b="1"/>
+                </a:pPr>
+                <a:endParaRPr lang="en-US"/>
+              </a:p>
+            </c:txPr>
+            <c:showLegendKey val="0"/>
+            <c:showVal val="0"/>
+            <c:showCatName val="0"/>
+            <c:showSerName val="0"/>
+            <c:showPercent val="0"/>
+            <c:showBubbleSize val="0"/>
+          </c:dLbls>
+          <c:cat>
+            <c:numRef>
+              <c:f>'runtime 701'!$P$114:$P$120</c:f>
+              <c:numCache>
+                <c:formatCode>General</c:formatCode>
+                <c:ptCount val="7"/>
+                <c:pt idx="0">
+                  <c:v>1.0</c:v>
+                </c:pt>
+                <c:pt idx="1">
+                  <c:v>2.0</c:v>
+                </c:pt>
+                <c:pt idx="2">
+                  <c:v>4.0</c:v>
+                </c:pt>
+                <c:pt idx="3">
+                  <c:v>8.0</c:v>
+                </c:pt>
+                <c:pt idx="4">
+                  <c:v>16.0</c:v>
+                </c:pt>
+                <c:pt idx="5">
+                  <c:v>32.0</c:v>
+                </c:pt>
+                <c:pt idx="6">
+                  <c:v>64.0</c:v>
+                </c:pt>
+              </c:numCache>
+            </c:numRef>
+          </c:cat>
+          <c:val>
+            <c:numRef>
+              <c:f>'runtime 701'!$W$114:$W$120</c:f>
+              <c:numCache>
+                <c:formatCode>0.00E+00</c:formatCode>
+                <c:ptCount val="7"/>
+                <c:pt idx="0">
+                  <c:v>1622.22103137983</c:v>
+                </c:pt>
+                <c:pt idx="1">
+                  <c:v>2965.427798038787</c:v>
+                </c:pt>
+                <c:pt idx="2">
+                  <c:v>5525.192974617185</c:v>
+                </c:pt>
+                <c:pt idx="3">
+                  <c:v>8256.0267107652</c:v>
+                </c:pt>
+                <c:pt idx="4">
+                  <c:v>7256.892854014498</c:v>
+                </c:pt>
+                <c:pt idx="5">
+                  <c:v>5960.609887048523</c:v>
+                </c:pt>
+                <c:pt idx="6">
+                  <c:v>4263.925288897451</c:v>
+                </c:pt>
+              </c:numCache>
+            </c:numRef>
+          </c:val>
+        </c:ser>
+        <c:ser>
+          <c:idx val="7"/>
+          <c:order val="7"/>
+          <c:tx>
+            <c:v>128</c:v>
+          </c:tx>
+          <c:invertIfNegative val="0"/>
+          <c:dLbls>
+            <c:dLbl>
+              <c:idx val="3"/>
+              <c:layout/>
+              <c:showLegendKey val="0"/>
+              <c:showVal val="1"/>
+              <c:showCatName val="0"/>
+              <c:showSerName val="0"/>
+              <c:showPercent val="0"/>
+              <c:showBubbleSize val="0"/>
+            </c:dLbl>
+            <c:txPr>
+              <a:bodyPr/>
+              <a:lstStyle/>
+              <a:p>
+                <a:pPr>
+                  <a:defRPr b="1"/>
+                </a:pPr>
+                <a:endParaRPr lang="en-US"/>
+              </a:p>
+            </c:txPr>
+            <c:showLegendKey val="0"/>
+            <c:showVal val="0"/>
+            <c:showCatName val="0"/>
+            <c:showSerName val="0"/>
+            <c:showPercent val="0"/>
+            <c:showBubbleSize val="0"/>
+          </c:dLbls>
+          <c:cat>
+            <c:numRef>
+              <c:f>'runtime 701'!$P$114:$P$120</c:f>
+              <c:numCache>
+                <c:formatCode>General</c:formatCode>
+                <c:ptCount val="7"/>
+                <c:pt idx="0">
+                  <c:v>1.0</c:v>
+                </c:pt>
+                <c:pt idx="1">
+                  <c:v>2.0</c:v>
+                </c:pt>
+                <c:pt idx="2">
+                  <c:v>4.0</c:v>
+                </c:pt>
+                <c:pt idx="3">
+                  <c:v>8.0</c:v>
+                </c:pt>
+                <c:pt idx="4">
+                  <c:v>16.0</c:v>
+                </c:pt>
+                <c:pt idx="5">
+                  <c:v>32.0</c:v>
+                </c:pt>
+                <c:pt idx="6">
+                  <c:v>64.0</c:v>
+                </c:pt>
+              </c:numCache>
+            </c:numRef>
+          </c:cat>
+          <c:val>
+            <c:numRef>
+              <c:f>'runtime 701'!$X$114:$X$120</c:f>
+              <c:numCache>
+                <c:formatCode>0.00E+00</c:formatCode>
+                <c:ptCount val="7"/>
+                <c:pt idx="0">
+                  <c:v>1683.557074142565</c:v>
+                </c:pt>
+                <c:pt idx="1">
+                  <c:v>3147.841087086032</c:v>
+                </c:pt>
+                <c:pt idx="2">
+                  <c:v>5923.53474673521</c:v>
+                </c:pt>
+                <c:pt idx="3">
+                  <c:v>9125.19779491014</c:v>
+                </c:pt>
+                <c:pt idx="4">
+                  <c:v>7952.602232644111</c:v>
+                </c:pt>
+                <c:pt idx="5">
+                  <c:v>6470.3577354049</c:v>
+                </c:pt>
+                <c:pt idx="6">
+                  <c:v>5068.011847920536</c:v>
+                </c:pt>
+              </c:numCache>
+            </c:numRef>
+          </c:val>
+        </c:ser>
+        <c:ser>
+          <c:idx val="8"/>
+          <c:order val="8"/>
+          <c:tx>
+            <c:v>256</c:v>
+          </c:tx>
+          <c:invertIfNegative val="0"/>
+          <c:dLbls>
+            <c:dLbl>
+              <c:idx val="3"/>
+              <c:layout/>
+              <c:showLegendKey val="0"/>
+              <c:showVal val="1"/>
+              <c:showCatName val="0"/>
+              <c:showSerName val="0"/>
+              <c:showPercent val="0"/>
+              <c:showBubbleSize val="0"/>
+            </c:dLbl>
+            <c:txPr>
+              <a:bodyPr/>
+              <a:lstStyle/>
+              <a:p>
+                <a:pPr>
+                  <a:defRPr b="1"/>
+                </a:pPr>
+                <a:endParaRPr lang="en-US"/>
+              </a:p>
+            </c:txPr>
+            <c:showLegendKey val="0"/>
+            <c:showVal val="0"/>
+            <c:showCatName val="0"/>
+            <c:showSerName val="0"/>
+            <c:showPercent val="0"/>
+            <c:showBubbleSize val="0"/>
+          </c:dLbls>
+          <c:cat>
+            <c:numRef>
+              <c:f>'runtime 701'!$P$114:$P$120</c:f>
+              <c:numCache>
+                <c:formatCode>General</c:formatCode>
+                <c:ptCount val="7"/>
+                <c:pt idx="0">
+                  <c:v>1.0</c:v>
+                </c:pt>
+                <c:pt idx="1">
+                  <c:v>2.0</c:v>
+                </c:pt>
+                <c:pt idx="2">
+                  <c:v>4.0</c:v>
+                </c:pt>
+                <c:pt idx="3">
+                  <c:v>8.0</c:v>
+                </c:pt>
+                <c:pt idx="4">
+                  <c:v>16.0</c:v>
+                </c:pt>
+                <c:pt idx="5">
+                  <c:v>32.0</c:v>
+                </c:pt>
+                <c:pt idx="6">
+                  <c:v>64.0</c:v>
+                </c:pt>
+              </c:numCache>
+            </c:numRef>
+          </c:cat>
+          <c:val>
+            <c:numRef>
+              <c:f>'runtime 701'!$Y$114:$Y$120</c:f>
+              <c:numCache>
+                <c:formatCode>0.00E+00</c:formatCode>
+                <c:ptCount val="7"/>
+                <c:pt idx="0">
+                  <c:v>1768.363453967779</c:v>
+                </c:pt>
+                <c:pt idx="1">
+                  <c:v>3362.882291142245</c:v>
+                </c:pt>
+                <c:pt idx="2">
+                  <c:v>6183.106961746001</c:v>
+                </c:pt>
+                <c:pt idx="3">
+                  <c:v>9860.674380628585</c:v>
+                </c:pt>
+                <c:pt idx="4">
+                  <c:v>8267.390826705623</c:v>
+                </c:pt>
+                <c:pt idx="5">
+                  <c:v>6822.477747861754</c:v>
+                </c:pt>
+                <c:pt idx="6">
+                  <c:v>5736.937695020376</c:v>
+                </c:pt>
+              </c:numCache>
+            </c:numRef>
+          </c:val>
+        </c:ser>
+        <c:ser>
+          <c:idx val="9"/>
+          <c:order val="9"/>
+          <c:tx>
+            <c:v>512</c:v>
+          </c:tx>
+          <c:invertIfNegative val="0"/>
+          <c:dLbls>
+            <c:dLbl>
+              <c:idx val="3"/>
+              <c:layout/>
+              <c:showLegendKey val="0"/>
+              <c:showVal val="1"/>
+              <c:showCatName val="0"/>
+              <c:showSerName val="0"/>
+              <c:showPercent val="0"/>
+              <c:showBubbleSize val="0"/>
+            </c:dLbl>
+            <c:txPr>
+              <a:bodyPr/>
+              <a:lstStyle/>
+              <a:p>
+                <a:pPr>
+                  <a:defRPr b="1"/>
+                </a:pPr>
+                <a:endParaRPr lang="en-US"/>
+              </a:p>
+            </c:txPr>
+            <c:showLegendKey val="0"/>
+            <c:showVal val="0"/>
+            <c:showCatName val="0"/>
+            <c:showSerName val="0"/>
+            <c:showPercent val="0"/>
+            <c:showBubbleSize val="0"/>
+          </c:dLbls>
+          <c:cat>
+            <c:numRef>
+              <c:f>'runtime 701'!$P$114:$P$120</c:f>
+              <c:numCache>
+                <c:formatCode>General</c:formatCode>
+                <c:ptCount val="7"/>
+                <c:pt idx="0">
+                  <c:v>1.0</c:v>
+                </c:pt>
+                <c:pt idx="1">
+                  <c:v>2.0</c:v>
+                </c:pt>
+                <c:pt idx="2">
+                  <c:v>4.0</c:v>
+                </c:pt>
+                <c:pt idx="3">
+                  <c:v>8.0</c:v>
+                </c:pt>
+                <c:pt idx="4">
+                  <c:v>16.0</c:v>
+                </c:pt>
+                <c:pt idx="5">
+                  <c:v>32.0</c:v>
+                </c:pt>
+                <c:pt idx="6">
+                  <c:v>64.0</c:v>
+                </c:pt>
+              </c:numCache>
+            </c:numRef>
+          </c:cat>
+          <c:val>
+            <c:numRef>
+              <c:f>'runtime 701'!$Z$114:$Z$120</c:f>
+              <c:numCache>
+                <c:formatCode>0.00E+00</c:formatCode>
+                <c:ptCount val="7"/>
+                <c:pt idx="0">
+                  <c:v>1841.191059038479</c:v>
+                </c:pt>
+                <c:pt idx="1">
+                  <c:v>3526.728397583776</c:v>
+                </c:pt>
+                <c:pt idx="2">
+                  <c:v>6421.433035036239</c:v>
+                </c:pt>
+                <c:pt idx="3">
+                  <c:v>10041.05809605406</c:v>
+                </c:pt>
+                <c:pt idx="4">
+                  <c:v>8962.715021465552</c:v>
+                </c:pt>
+                <c:pt idx="5">
+                  <c:v>6968.238561356246</c:v>
+                </c:pt>
+                <c:pt idx="6">
+                  <c:v>5987.40221005276</c:v>
+                </c:pt>
+              </c:numCache>
+            </c:numRef>
+          </c:val>
+        </c:ser>
+        <c:dLbls>
+          <c:showLegendKey val="0"/>
+          <c:showVal val="0"/>
+          <c:showCatName val="0"/>
+          <c:showSerName val="0"/>
+          <c:showPercent val="0"/>
+          <c:showBubbleSize val="0"/>
+        </c:dLbls>
+        <c:gapWidth val="150"/>
+        <c:shape val="box"/>
+        <c:axId val="1865267272"/>
+        <c:axId val="1870786856"/>
+        <c:axId val="1873251080"/>
+      </c:bar3DChart>
+      <c:catAx>
+        <c:axId val="1865267272"/>
+        <c:scaling>
+          <c:orientation val="minMax"/>
+        </c:scaling>
+        <c:delete val="0"/>
+        <c:axPos val="b"/>
+        <c:title>
+          <c:tx>
+            <c:rich>
+              <a:bodyPr/>
+              <a:lstStyle/>
+              <a:p>
+                <a:pPr>
+                  <a:defRPr sz="1200"/>
+                </a:pPr>
+                <a:r>
+                  <a:rPr lang="en-US" sz="1200" dirty="0" smtClean="0"/>
+                  <a:t>threads</a:t>
+                </a:r>
+                <a:endParaRPr lang="en-US" sz="1200" dirty="0"/>
+              </a:p>
+            </c:rich>
+          </c:tx>
+          <c:layout>
+            <c:manualLayout>
+              <c:xMode val="edge"/>
+              <c:yMode val="edge"/>
+              <c:x val="0.412834400372851"/>
+              <c:y val="0.955096534543351"/>
+            </c:manualLayout>
+          </c:layout>
+          <c:overlay val="0"/>
+        </c:title>
+        <c:numFmt formatCode="General" sourceLinked="1"/>
+        <c:majorTickMark val="out"/>
+        <c:minorTickMark val="none"/>
+        <c:tickLblPos val="nextTo"/>
+        <c:crossAx val="1870786856"/>
+        <c:crosses val="autoZero"/>
+        <c:auto val="1"/>
+        <c:lblAlgn val="ctr"/>
+        <c:lblOffset val="100"/>
+        <c:noMultiLvlLbl val="0"/>
+      </c:catAx>
+      <c:valAx>
+        <c:axId val="1870786856"/>
+        <c:scaling>
+          <c:orientation val="minMax"/>
+        </c:scaling>
+        <c:delete val="0"/>
+        <c:axPos val="l"/>
+        <c:majorGridlines/>
+        <c:numFmt formatCode="0.00E+00" sourceLinked="1"/>
+        <c:majorTickMark val="out"/>
+        <c:minorTickMark val="none"/>
+        <c:tickLblPos val="nextTo"/>
+        <c:crossAx val="1865267272"/>
+        <c:crosses val="autoZero"/>
+        <c:crossBetween val="between"/>
+      </c:valAx>
+      <c:serAx>
+        <c:axId val="1873251080"/>
+        <c:scaling>
+          <c:orientation val="minMax"/>
+        </c:scaling>
+        <c:delete val="0"/>
+        <c:axPos val="b"/>
+        <c:title>
+          <c:tx>
+            <c:rich>
+              <a:bodyPr rot="0" vert="horz"/>
+              <a:lstStyle/>
+              <a:p>
+                <a:pPr>
+                  <a:defRPr sz="1200"/>
+                </a:pPr>
+                <a:r>
+                  <a:rPr lang="en-US" sz="1200" dirty="0" smtClean="0"/>
+                  <a:t>#</a:t>
+                </a:r>
+                <a:r>
+                  <a:rPr lang="en-US" sz="1200" baseline="0" dirty="0" smtClean="0"/>
+                  <a:t> of variations</a:t>
+                </a:r>
+                <a:endParaRPr lang="en-US" sz="1200" dirty="0"/>
+              </a:p>
+            </c:rich>
+          </c:tx>
+          <c:layout>
+            <c:manualLayout>
+              <c:xMode val="edge"/>
+              <c:yMode val="edge"/>
+              <c:x val="0.856827826428238"/>
+              <c:y val="0.714859869211264"/>
+            </c:manualLayout>
+          </c:layout>
+          <c:overlay val="0"/>
+        </c:title>
+        <c:majorTickMark val="out"/>
+        <c:minorTickMark val="none"/>
+        <c:tickLblPos val="nextTo"/>
+        <c:crossAx val="1870786856"/>
+        <c:crosses val="autoZero"/>
+      </c:serAx>
+    </c:plotArea>
+    <c:plotVisOnly val="1"/>
+    <c:dispBlanksAs val="gap"/>
+    <c:showDLblsOverMax val="0"/>
+  </c:chart>
+  <c:externalData r:id="rId2">
     <c:autoUpdate val="0"/>
   </c:externalData>
 </c:chartSpace>
@@ -485,7 +4652,7 @@
           <a:p>
             <a:fld id="{6A2E8799-AB43-2B49-B174-EA2922AE8430}" type="datetime1">
               <a:rPr lang="pt-PT" smtClean="0"/>
-              <a:t>03/06/13</a:t>
+              <a:t>06/06/13</a:t>
             </a:fld>
             <a:endParaRPr lang="en-US"/>
           </a:p>
@@ -651,7 +4818,7 @@
           <a:p>
             <a:fld id="{DB45264F-2348-A448-9001-BE25E1EF061F}" type="datetime1">
               <a:rPr lang="pt-PT" smtClean="0"/>
-              <a:t>03/06/13</a:t>
+              <a:t>06/06/13</a:t>
             </a:fld>
             <a:endParaRPr lang="en-US"/>
           </a:p>
@@ -1666,6 +5833,122 @@
           <a:bodyPr/>
           <a:lstStyle/>
           <a:p>
+            <a:r>
+              <a:rPr lang="en-US" dirty="0" smtClean="0"/>
+              <a:t>“Independent” of global state</a:t>
+            </a:r>
+          </a:p>
+          <a:p>
+            <a:r>
+              <a:rPr lang="en-US" dirty="0" smtClean="0"/>
+              <a:t>Has 2 nested cycles</a:t>
+            </a:r>
+          </a:p>
+          <a:p>
+            <a:r>
+              <a:rPr lang="en-US" dirty="0" smtClean="0"/>
+              <a:t>Outer cycle (# comb) is event dependent</a:t>
+            </a:r>
+          </a:p>
+          <a:p>
+            <a:r>
+              <a:rPr lang="en-US" dirty="0" smtClean="0"/>
+              <a:t>Inner cycle (#</a:t>
+            </a:r>
+            <a:r>
+              <a:rPr lang="en-US" dirty="0" err="1" smtClean="0"/>
+              <a:t>var</a:t>
+            </a:r>
+            <a:r>
+              <a:rPr lang="en-US" dirty="0" smtClean="0"/>
+              <a:t>) is user defined</a:t>
+            </a:r>
+          </a:p>
+          <a:p>
+            <a:endParaRPr lang="en-US" dirty="0"/>
+          </a:p>
+        </p:txBody>
+      </p:sp>
+      <p:sp>
+        <p:nvSpPr>
+          <p:cNvPr id="4" name="Slide Number Placeholder 3"/>
+          <p:cNvSpPr>
+            <a:spLocks noGrp="1"/>
+          </p:cNvSpPr>
+          <p:nvPr>
+            <p:ph type="sldNum" sz="quarter" idx="10"/>
+          </p:nvPr>
+        </p:nvSpPr>
+        <p:spPr/>
+        <p:txBody>
+          <a:bodyPr/>
+          <a:lstStyle/>
+          <a:p>
+            <a:fld id="{A9A0AF8B-7AB8-1E42-BD6E-C06D71D719CD}" type="slidenum">
+              <a:rPr lang="en-US" smtClean="0"/>
+              <a:t>10</a:t>
+            </a:fld>
+            <a:endParaRPr lang="en-US"/>
+          </a:p>
+        </p:txBody>
+      </p:sp>
+    </p:spTree>
+    <p:extLst>
+      <p:ext uri="{BB962C8B-B14F-4D97-AF65-F5344CB8AC3E}">
+        <p14:creationId xmlns:p14="http://schemas.microsoft.com/office/powerpoint/2010/main" val="3500966823"/>
+      </p:ext>
+    </p:extLst>
+  </p:cSld>
+  <p:clrMapOvr>
+    <a:masterClrMapping/>
+  </p:clrMapOvr>
+</p:notes>
+</file>
+
+<file path=ppt/notesSlides/notesSlide4.xml><?xml version="1.0" encoding="utf-8"?>
+<p:notes xmlns:a="http://schemas.openxmlformats.org/drawingml/2006/main" xmlns:r="http://schemas.openxmlformats.org/officeDocument/2006/relationships" xmlns:p="http://schemas.openxmlformats.org/presentationml/2006/main">
+  <p:cSld>
+    <p:spTree>
+      <p:nvGrpSpPr>
+        <p:cNvPr id="1" name=""/>
+        <p:cNvGrpSpPr/>
+        <p:nvPr/>
+      </p:nvGrpSpPr>
+      <p:grpSpPr>
+        <a:xfrm>
+          <a:off x="0" y="0"/>
+          <a:ext cx="0" cy="0"/>
+          <a:chOff x="0" y="0"/>
+          <a:chExt cx="0" cy="0"/>
+        </a:xfrm>
+      </p:grpSpPr>
+      <p:sp>
+        <p:nvSpPr>
+          <p:cNvPr id="2" name="Slide Image Placeholder 1"/>
+          <p:cNvSpPr>
+            <a:spLocks noGrp="1" noRot="1" noChangeAspect="1"/>
+          </p:cNvSpPr>
+          <p:nvPr>
+            <p:ph type="sldImg"/>
+          </p:nvPr>
+        </p:nvSpPr>
+        <p:spPr/>
+      </p:sp>
+      <p:sp>
+        <p:nvSpPr>
+          <p:cNvPr id="3" name="Notes Placeholder 2"/>
+          <p:cNvSpPr>
+            <a:spLocks noGrp="1"/>
+          </p:cNvSpPr>
+          <p:nvPr>
+            <p:ph type="body" idx="1"/>
+          </p:nvPr>
+        </p:nvSpPr>
+        <p:spPr/>
+        <p:txBody>
+          <a:bodyPr/>
+          <a:lstStyle/>
+          <a:p>
             <a:endParaRPr lang="en-US"/>
           </a:p>
         </p:txBody>
@@ -1997,7 +6280,7 @@
           <a:p>
             <a:fld id="{698A196A-D1E5-4340-8BE3-B866CF21B8F2}" type="datetime1">
               <a:rPr lang="pt-PT" smtClean="0"/>
-              <a:t>03/06/13</a:t>
+              <a:t>06/06/13</a:t>
             </a:fld>
             <a:endParaRPr lang="en-US"/>
           </a:p>
@@ -2188,7 +6471,7 @@
           <a:p>
             <a:fld id="{EA06EC9D-7BE1-BB4B-8BF2-9C3028D32265}" type="datetime1">
               <a:rPr lang="pt-PT" smtClean="0"/>
-              <a:t>03/06/13</a:t>
+              <a:t>06/06/13</a:t>
             </a:fld>
             <a:endParaRPr lang="en-US"/>
           </a:p>
@@ -2373,7 +6656,7 @@
           <a:p>
             <a:fld id="{F547368A-8DB1-584C-98BB-A837081FF51B}" type="datetime1">
               <a:rPr lang="pt-PT" smtClean="0"/>
-              <a:t>03/06/13</a:t>
+              <a:t>06/06/13</a:t>
             </a:fld>
             <a:endParaRPr lang="en-US"/>
           </a:p>
@@ -2636,7 +6919,7 @@
           <a:p>
             <a:fld id="{6C93BBA0-4CEB-6543-A2C5-55B6B9ACDD71}" type="datetime1">
               <a:rPr lang="pt-PT" smtClean="0"/>
-              <a:t>03/06/13</a:t>
+              <a:t>06/06/13</a:t>
             </a:fld>
             <a:endParaRPr lang="en-US"/>
           </a:p>
@@ -3052,7 +7335,7 @@
           <a:p>
             <a:fld id="{AB436747-84A9-2541-AEEB-6D0EB5BA80A6}" type="datetime1">
               <a:rPr lang="pt-PT" smtClean="0"/>
-              <a:t>03/06/13</a:t>
+              <a:t>06/06/13</a:t>
             </a:fld>
             <a:endParaRPr lang="en-US"/>
           </a:p>
@@ -3294,7 +7577,7 @@
           <a:p>
             <a:fld id="{94C05F9E-3D3E-4D4C-B397-C26386612109}" type="datetime1">
               <a:rPr lang="pt-PT" smtClean="0"/>
-              <a:t>03/06/13</a:t>
+              <a:t>06/06/13</a:t>
             </a:fld>
             <a:endParaRPr lang="en-US"/>
           </a:p>
@@ -3530,7 +7813,7 @@
           <a:p>
             <a:fld id="{8C61650D-5624-F240-8414-01FAD79630CE}" type="datetime1">
               <a:rPr lang="pt-PT" smtClean="0"/>
-              <a:t>03/06/13</a:t>
+              <a:t>06/06/13</a:t>
             </a:fld>
             <a:endParaRPr lang="en-US"/>
           </a:p>
@@ -3725,7 +8008,7 @@
           <a:p>
             <a:fld id="{1C769D5D-B1BE-734E-9F7A-7C11301FE3ED}" type="datetime1">
               <a:rPr lang="pt-PT" smtClean="0"/>
-              <a:t>03/06/13</a:t>
+              <a:t>06/06/13</a:t>
             </a:fld>
             <a:endParaRPr lang="en-US"/>
           </a:p>
@@ -3823,7 +8106,7 @@
           <a:p>
             <a:fld id="{2C9B0DCB-9A71-4641-9D2C-CD31FD221208}" type="datetime1">
               <a:rPr lang="pt-PT" smtClean="0"/>
-              <a:t>03/06/13</a:t>
+              <a:t>06/06/13</a:t>
             </a:fld>
             <a:endParaRPr lang="en-US"/>
           </a:p>
@@ -3959,7 +8242,7 @@
           <a:p>
             <a:fld id="{DA74B8EE-6C65-2D4E-A8C6-BB77A48159F6}" type="datetime1">
               <a:rPr lang="pt-PT" smtClean="0"/>
-              <a:t>03/06/13</a:t>
+              <a:t>06/06/13</a:t>
             </a:fld>
             <a:endParaRPr lang="en-US"/>
           </a:p>
@@ -4477,7 +8760,7 @@
           <a:p>
             <a:fld id="{CFB562F7-F8CF-2447-8ED7-A1B5C21E542A}" type="datetime1">
               <a:rPr lang="pt-PT" smtClean="0"/>
-              <a:t>03/06/13</a:t>
+              <a:t>06/06/13</a:t>
             </a:fld>
             <a:endParaRPr lang="en-US"/>
           </a:p>
@@ -4738,7 +9021,7 @@
           <a:p>
             <a:fld id="{19F4885C-3C53-1047-BC44-878C9835E565}" type="datetime1">
               <a:rPr lang="pt-PT" smtClean="0"/>
-              <a:t>03/06/13</a:t>
+              <a:t>06/06/13</a:t>
             </a:fld>
             <a:endParaRPr lang="en-US"/>
           </a:p>
@@ -5574,7 +9857,15 @@
           <a:p>
             <a:r>
               <a:rPr lang="en-US" dirty="0" smtClean="0"/>
-              <a:t>… no way with event global state!</a:t>
+              <a:t>Alternative 1: parallelize </a:t>
+            </a:r>
+            <a:r>
+              <a:rPr lang="en-US" dirty="0" err="1" smtClean="0"/>
+              <a:t>KinFit</a:t>
+            </a:r>
+            <a:r>
+              <a:rPr lang="en-US" dirty="0" smtClean="0"/>
+              <a:t> </a:t>
             </a:r>
             <a:endParaRPr lang="en-US" dirty="0"/>
           </a:p>
@@ -5601,25 +9892,6 @@
               <a:rPr lang="en-US" smtClean="0"/>
               <a:t>10</a:t>
             </a:fld>
-            <a:endParaRPr lang="en-US"/>
-          </a:p>
-        </p:txBody>
-      </p:sp>
-      <p:sp>
-        <p:nvSpPr>
-          <p:cNvPr id="6" name="Footer Placeholder 5"/>
-          <p:cNvSpPr>
-            <a:spLocks noGrp="1"/>
-          </p:cNvSpPr>
-          <p:nvPr>
-            <p:ph type="ftr" sz="quarter" idx="17"/>
-          </p:nvPr>
-        </p:nvSpPr>
-        <p:spPr/>
-        <p:txBody>
-          <a:bodyPr/>
-          <a:lstStyle/>
-          <a:p>
             <a:endParaRPr lang="en-US"/>
           </a:p>
         </p:txBody>
@@ -5682,32 +9954,7 @@
       </p:sp>
       <p:pic>
         <p:nvPicPr>
-          <p:cNvPr id="9" name="Content Placeholder 5" descr="global_vars.png"/>
-          <p:cNvPicPr>
-            <a:picLocks noGrp="1" noChangeAspect="1"/>
-          </p:cNvPicPr>
-          <p:nvPr>
-            <p:ph sz="quarter" idx="2"/>
-          </p:nvPr>
-        </p:nvPicPr>
-        <p:blipFill>
-          <a:blip r:embed="rId2">
-            <a:extLst>
-              <a:ext uri="{28A0092B-C50C-407E-A947-70E740481C1C}">
-                <a14:useLocalDpi xmlns:a14="http://schemas.microsoft.com/office/drawing/2010/main" val="0"/>
-              </a:ext>
-            </a:extLst>
-          </a:blip>
-          <a:srcRect t="-6863" b="-6863"/>
-          <a:stretch>
-            <a:fillRect/>
-          </a:stretch>
-        </p:blipFill>
-        <p:spPr/>
-      </p:pic>
-      <p:pic>
-        <p:nvPicPr>
-          <p:cNvPr id="4" name="Content Placeholder 3" descr="global_vars_noparX.png"/>
+          <p:cNvPr id="11" name="Content Placeholder 10" descr="parallel_kinfit.png"/>
           <p:cNvPicPr>
             <a:picLocks noGrp="1" noChangeAspect="1"/>
           </p:cNvPicPr>
@@ -5723,22 +9970,52 @@
               </a:ext>
             </a:extLst>
           </a:blip>
-          <a:srcRect t="-16863" b="-16863"/>
+          <a:srcRect l="-105443" r="-105443"/>
           <a:stretch>
             <a:fillRect/>
           </a:stretch>
         </p:blipFill>
         <p:spPr>
           <a:xfrm>
-            <a:off x="4800600" y="2392680"/>
-            <a:ext cx="3886200" cy="3581400"/>
+            <a:off x="4196680" y="2438400"/>
+            <a:ext cx="4795736" cy="4419600"/>
+          </a:xfrm>
+        </p:spPr>
+      </p:pic>
+      <p:pic>
+        <p:nvPicPr>
+          <p:cNvPr id="14" name="Content Placeholder 13" descr="sequential_kinfit.png"/>
+          <p:cNvPicPr>
+            <a:picLocks noGrp="1" noChangeAspect="1"/>
+          </p:cNvPicPr>
+          <p:nvPr>
+            <p:ph sz="quarter" idx="2"/>
+          </p:nvPr>
+        </p:nvPicPr>
+        <p:blipFill>
+          <a:blip r:embed="rId4">
+            <a:extLst>
+              <a:ext uri="{28A0092B-C50C-407E-A947-70E740481C1C}">
+                <a14:useLocalDpi xmlns:a14="http://schemas.microsoft.com/office/drawing/2010/main" val="0"/>
+              </a:ext>
+            </a:extLst>
+          </a:blip>
+          <a:srcRect l="-119742" r="-119742"/>
+          <a:stretch>
+            <a:fillRect/>
+          </a:stretch>
+        </p:blipFill>
+        <p:spPr>
+          <a:xfrm>
+            <a:off x="0" y="2438400"/>
+            <a:ext cx="4800600" cy="4424082"/>
           </a:xfrm>
         </p:spPr>
       </p:pic>
     </p:spTree>
     <p:extLst>
       <p:ext uri="{BB962C8B-B14F-4D97-AF65-F5344CB8AC3E}">
-        <p14:creationId xmlns:p14="http://schemas.microsoft.com/office/powerpoint/2010/main" val="3650932000"/>
+        <p14:creationId xmlns:p14="http://schemas.microsoft.com/office/powerpoint/2010/main" val="3981339029"/>
       </p:ext>
     </p:extLst>
   </p:cSld>
@@ -5784,35 +10061,68 @@
         </p:nvSpPr>
         <p:spPr/>
         <p:txBody>
-          <a:bodyPr>
-            <a:normAutofit/>
-          </a:bodyPr>
+          <a:bodyPr/>
           <a:lstStyle/>
           <a:p>
             <a:r>
               <a:rPr lang="en-US" dirty="0" smtClean="0"/>
-              <a:t>Alternative 1: parallelize </a:t>
+              <a:t>Some results (</a:t>
             </a:r>
             <a:r>
               <a:rPr lang="en-US" dirty="0" err="1" smtClean="0"/>
-              <a:t>KinFit</a:t>
+              <a:t>mudar</a:t>
             </a:r>
             <a:r>
               <a:rPr lang="en-US" dirty="0" smtClean="0"/>
               <a:t> </a:t>
             </a:r>
+            <a:r>
+              <a:rPr lang="en-US" dirty="0" err="1" smtClean="0"/>
+              <a:t>t</a:t>
+            </a:r>
+            <a:r>
+              <a:rPr lang="en-US" dirty="0" err="1" smtClean="0"/>
+              <a:t>í</a:t>
+            </a:r>
+            <a:r>
+              <a:rPr lang="en-US" dirty="0" err="1" smtClean="0"/>
+              <a:t>tulo</a:t>
+            </a:r>
+            <a:r>
+              <a:rPr lang="en-US" dirty="0" smtClean="0"/>
+              <a:t>)</a:t>
+            </a:r>
             <a:endParaRPr lang="en-US" dirty="0"/>
           </a:p>
         </p:txBody>
       </p:sp>
       <p:sp>
         <p:nvSpPr>
-          <p:cNvPr id="5" name="Slide Number Placeholder 4"/>
+          <p:cNvPr id="3" name="Footer Placeholder 2"/>
           <p:cNvSpPr>
             <a:spLocks noGrp="1"/>
           </p:cNvSpPr>
           <p:nvPr>
-            <p:ph type="sldNum" sz="quarter" idx="16"/>
+            <p:ph type="ftr" sz="quarter" idx="11"/>
+          </p:nvPr>
+        </p:nvSpPr>
+        <p:spPr/>
+        <p:txBody>
+          <a:bodyPr/>
+          <a:lstStyle/>
+          <a:p>
+            <a:endParaRPr lang="en-US"/>
+          </a:p>
+        </p:txBody>
+      </p:sp>
+      <p:sp>
+        <p:nvSpPr>
+          <p:cNvPr id="4" name="Slide Number Placeholder 3"/>
+          <p:cNvSpPr>
+            <a:spLocks noGrp="1"/>
+          </p:cNvSpPr>
+          <p:nvPr>
+            <p:ph type="sldNum" sz="quarter" idx="12"/>
           </p:nvPr>
         </p:nvSpPr>
         <p:spPr/>
@@ -5830,172 +10140,64 @@
           </a:p>
         </p:txBody>
       </p:sp>
-      <p:sp>
-        <p:nvSpPr>
-          <p:cNvPr id="6" name="Footer Placeholder 5"/>
-          <p:cNvSpPr>
-            <a:spLocks noGrp="1"/>
-          </p:cNvSpPr>
+      <p:graphicFrame>
+        <p:nvGraphicFramePr>
+          <p:cNvPr id="8" name="Chart 7"/>
+          <p:cNvGraphicFramePr>
+            <a:graphicFrameLocks/>
+          </p:cNvGraphicFramePr>
           <p:nvPr>
-            <p:ph type="ftr" sz="quarter" idx="17"/>
+            <p:extLst>
+              <p:ext uri="{D42A27DB-BD31-4B8C-83A1-F6EECF244321}">
+                <p14:modId xmlns:p14="http://schemas.microsoft.com/office/powerpoint/2010/main" val="1547952282"/>
+              </p:ext>
+            </p:extLst>
           </p:nvPr>
-        </p:nvSpPr>
-        <p:spPr/>
-        <p:txBody>
-          <a:bodyPr/>
-          <a:lstStyle/>
-          <a:p>
-            <a:endParaRPr lang="en-US"/>
-          </a:p>
-        </p:txBody>
-      </p:sp>
-      <p:sp>
-        <p:nvSpPr>
-          <p:cNvPr id="7" name="Text Placeholder 6"/>
-          <p:cNvSpPr>
-            <a:spLocks noGrp="1"/>
-          </p:cNvSpPr>
+        </p:nvGraphicFramePr>
+        <p:xfrm>
+          <a:off x="4384340" y="2057745"/>
+          <a:ext cx="4572000" cy="2743200"/>
+        </p:xfrm>
+        <a:graphic>
+          <a:graphicData uri="http://schemas.openxmlformats.org/drawingml/2006/chart">
+            <c:chart xmlns:c="http://schemas.openxmlformats.org/drawingml/2006/chart" xmlns:r="http://schemas.openxmlformats.org/officeDocument/2006/relationships" r:id="rId2"/>
+          </a:graphicData>
+        </a:graphic>
+      </p:graphicFrame>
+      <p:graphicFrame>
+        <p:nvGraphicFramePr>
+          <p:cNvPr id="12" name="Chart 11"/>
+          <p:cNvGraphicFramePr>
+            <a:graphicFrameLocks/>
+          </p:cNvGraphicFramePr>
           <p:nvPr>
-            <p:ph type="body" sz="quarter" idx="1"/>
+            <p:extLst>
+              <p:ext uri="{D42A27DB-BD31-4B8C-83A1-F6EECF244321}">
+                <p14:modId xmlns:p14="http://schemas.microsoft.com/office/powerpoint/2010/main" val="1772039425"/>
+              </p:ext>
+            </p:extLst>
           </p:nvPr>
-        </p:nvSpPr>
-        <p:spPr>
-          <a:solidFill>
-            <a:schemeClr val="accent1">
-              <a:lumMod val="75000"/>
-            </a:schemeClr>
-          </a:solidFill>
-        </p:spPr>
-        <p:txBody>
-          <a:bodyPr/>
-          <a:lstStyle/>
-          <a:p>
-            <a:r>
-              <a:rPr lang="en-US" dirty="0" smtClean="0"/>
-              <a:t>Sequential</a:t>
-            </a:r>
-            <a:endParaRPr lang="en-US" dirty="0"/>
-          </a:p>
-        </p:txBody>
-      </p:sp>
-      <p:sp>
-        <p:nvSpPr>
-          <p:cNvPr id="8" name="Text Placeholder 7"/>
-          <p:cNvSpPr>
-            <a:spLocks noGrp="1"/>
-          </p:cNvSpPr>
-          <p:nvPr>
-            <p:ph type="body" sz="quarter" idx="3"/>
-          </p:nvPr>
-        </p:nvSpPr>
-        <p:spPr>
-          <a:solidFill>
-            <a:srgbClr val="376092"/>
-          </a:solidFill>
-        </p:spPr>
-        <p:txBody>
-          <a:bodyPr/>
-          <a:lstStyle/>
-          <a:p>
-            <a:r>
-              <a:rPr lang="en-US" dirty="0" smtClean="0"/>
-              <a:t>Parallel</a:t>
-            </a:r>
-            <a:endParaRPr lang="en-US" dirty="0"/>
-          </a:p>
-        </p:txBody>
-      </p:sp>
-      <p:pic>
-        <p:nvPicPr>
-          <p:cNvPr id="9" name="Content Placeholder 5" descr="global_vars.png"/>
-          <p:cNvPicPr>
-            <a:picLocks noGrp="1" noChangeAspect="1"/>
-          </p:cNvPicPr>
-          <p:nvPr>
-            <p:ph sz="quarter" idx="2"/>
-          </p:nvPr>
-        </p:nvPicPr>
-        <p:blipFill>
-          <a:blip r:embed="rId2">
-            <a:extLst>
-              <a:ext uri="{28A0092B-C50C-407E-A947-70E740481C1C}">
-                <a14:useLocalDpi xmlns:a14="http://schemas.microsoft.com/office/drawing/2010/main" val="0"/>
-              </a:ext>
-            </a:extLst>
-          </a:blip>
-          <a:srcRect t="-6863" b="-6863"/>
-          <a:stretch>
-            <a:fillRect/>
-          </a:stretch>
-        </p:blipFill>
-        <p:spPr/>
-      </p:pic>
-      <p:sp>
-        <p:nvSpPr>
-          <p:cNvPr id="3" name="Content Placeholder 2"/>
-          <p:cNvSpPr>
-            <a:spLocks noGrp="1"/>
-          </p:cNvSpPr>
-          <p:nvPr>
-            <p:ph sz="quarter" idx="4"/>
-          </p:nvPr>
-        </p:nvSpPr>
-        <p:spPr/>
-        <p:txBody>
-          <a:bodyPr/>
-          <a:lstStyle/>
-          <a:p>
-            <a:r>
-              <a:rPr lang="en-US" dirty="0" smtClean="0"/>
-              <a:t>“Independent” of global state</a:t>
-            </a:r>
-          </a:p>
-          <a:p>
-            <a:r>
-              <a:rPr lang="en-US" dirty="0" smtClean="0"/>
-              <a:t>Has 2 nested cycles</a:t>
-            </a:r>
-          </a:p>
-          <a:p>
-            <a:r>
-              <a:rPr lang="en-US" dirty="0" smtClean="0"/>
-              <a:t>Outer cycle (# comb) is event dependent</a:t>
-            </a:r>
-          </a:p>
-          <a:p>
-            <a:r>
-              <a:rPr lang="en-US" dirty="0" smtClean="0"/>
-              <a:t>Inner cycle (#</a:t>
-            </a:r>
-            <a:r>
-              <a:rPr lang="en-US" dirty="0" err="1" smtClean="0"/>
-              <a:t>var</a:t>
-            </a:r>
-            <a:r>
-              <a:rPr lang="en-US" dirty="0" smtClean="0"/>
-              <a:t>) is user defined</a:t>
-            </a:r>
-            <a:endParaRPr lang="en-US" dirty="0"/>
-          </a:p>
-        </p:txBody>
-      </p:sp>
+        </p:nvGraphicFramePr>
+        <p:xfrm>
+          <a:off x="0" y="2057745"/>
+          <a:ext cx="4572000" cy="2743200"/>
+        </p:xfrm>
+        <a:graphic>
+          <a:graphicData uri="http://schemas.openxmlformats.org/drawingml/2006/chart">
+            <c:chart xmlns:c="http://schemas.openxmlformats.org/drawingml/2006/chart" xmlns:r="http://schemas.openxmlformats.org/officeDocument/2006/relationships" r:id="rId3"/>
+          </a:graphicData>
+        </a:graphic>
+      </p:graphicFrame>
     </p:spTree>
     <p:extLst>
       <p:ext uri="{BB962C8B-B14F-4D97-AF65-F5344CB8AC3E}">
-        <p14:creationId xmlns:p14="http://schemas.microsoft.com/office/powerpoint/2010/main" val="3981339029"/>
+        <p14:creationId xmlns:p14="http://schemas.microsoft.com/office/powerpoint/2010/main" val="2392598931"/>
       </p:ext>
     </p:extLst>
   </p:cSld>
   <p:clrMapOvr>
     <a:masterClrMapping/>
   </p:clrMapOvr>
-  <p:timing>
-    <p:tnLst>
-      <p:par>
-        <p:cTn xmlns:p14="http://schemas.microsoft.com/office/powerpoint/2010/main" id="1" dur="indefinite" restart="never" nodeType="tmRoot"/>
-      </p:par>
-    </p:tnLst>
-  </p:timing>
 </p:sld>
 </file>
 
@@ -6026,69 +10228,74 @@
             <p:ph type="title"/>
           </p:nvPr>
         </p:nvSpPr>
+        <p:spPr>
+          <a:xfrm>
+            <a:off x="612648" y="228600"/>
+            <a:ext cx="8153400" cy="990600"/>
+          </a:xfrm>
+        </p:spPr>
+        <p:txBody>
+          <a:bodyPr/>
+          <a:lstStyle/>
+          <a:p>
+            <a:r>
+              <a:rPr lang="en-US" dirty="0"/>
+              <a:t>Some results (</a:t>
+            </a:r>
+            <a:r>
+              <a:rPr lang="en-US" dirty="0" err="1"/>
+              <a:t>mudar</a:t>
+            </a:r>
+            <a:r>
+              <a:rPr lang="en-US" dirty="0"/>
+              <a:t> </a:t>
+            </a:r>
+            <a:r>
+              <a:rPr lang="en-US" dirty="0" err="1" smtClean="0"/>
+              <a:t>t</a:t>
+            </a:r>
+            <a:r>
+              <a:rPr lang="en-US" dirty="0" err="1" smtClean="0"/>
+              <a:t>í</a:t>
+            </a:r>
+            <a:r>
+              <a:rPr lang="en-US" dirty="0" err="1" smtClean="0"/>
+              <a:t>tulo</a:t>
+            </a:r>
+            <a:r>
+              <a:rPr lang="en-US" dirty="0"/>
+              <a:t>)</a:t>
+            </a:r>
+          </a:p>
+        </p:txBody>
+      </p:sp>
+      <p:sp>
+        <p:nvSpPr>
+          <p:cNvPr id="3" name="Footer Placeholder 2"/>
+          <p:cNvSpPr>
+            <a:spLocks noGrp="1"/>
+          </p:cNvSpPr>
+          <p:nvPr>
+            <p:ph type="ftr" sz="quarter" idx="11"/>
+          </p:nvPr>
+        </p:nvSpPr>
         <p:spPr/>
         <p:txBody>
           <a:bodyPr/>
           <a:lstStyle/>
           <a:p>
-            <a:r>
-              <a:rPr lang="en-US" dirty="0" err="1" smtClean="0"/>
-              <a:t>Resultados</a:t>
-            </a:r>
-            <a:r>
-              <a:rPr lang="en-US" dirty="0" smtClean="0"/>
-              <a:t> alt 1</a:t>
-            </a:r>
-            <a:endParaRPr lang="en-US" dirty="0"/>
+            <a:endParaRPr lang="en-US"/>
           </a:p>
         </p:txBody>
       </p:sp>
       <p:sp>
         <p:nvSpPr>
-          <p:cNvPr id="3" name="Content Placeholder 2"/>
+          <p:cNvPr id="4" name="Slide Number Placeholder 3"/>
           <p:cNvSpPr>
             <a:spLocks noGrp="1"/>
           </p:cNvSpPr>
           <p:nvPr>
-            <p:ph sz="quarter" idx="2"/>
-          </p:nvPr>
-        </p:nvSpPr>
-        <p:spPr/>
-        <p:txBody>
-          <a:bodyPr/>
-          <a:lstStyle/>
-          <a:p>
-            <a:endParaRPr lang="en-US"/>
-          </a:p>
-        </p:txBody>
-      </p:sp>
-      <p:sp>
-        <p:nvSpPr>
-          <p:cNvPr id="4" name="Content Placeholder 3"/>
-          <p:cNvSpPr>
-            <a:spLocks noGrp="1"/>
-          </p:cNvSpPr>
-          <p:nvPr>
-            <p:ph sz="quarter" idx="4"/>
-          </p:nvPr>
-        </p:nvSpPr>
-        <p:spPr/>
-        <p:txBody>
-          <a:bodyPr/>
-          <a:lstStyle/>
-          <a:p>
-            <a:endParaRPr lang="en-US"/>
-          </a:p>
-        </p:txBody>
-      </p:sp>
-      <p:sp>
-        <p:nvSpPr>
-          <p:cNvPr id="5" name="Slide Number Placeholder 4"/>
-          <p:cNvSpPr>
-            <a:spLocks noGrp="1"/>
-          </p:cNvSpPr>
-          <p:nvPr>
-            <p:ph type="sldNum" sz="quarter" idx="16"/>
+            <p:ph type="sldNum" sz="quarter" idx="12"/>
           </p:nvPr>
         </p:nvSpPr>
         <p:spPr/>
@@ -6106,67 +10313,34 @@
           </a:p>
         </p:txBody>
       </p:sp>
-      <p:sp>
-        <p:nvSpPr>
-          <p:cNvPr id="6" name="Footer Placeholder 5"/>
-          <p:cNvSpPr>
-            <a:spLocks noGrp="1"/>
-          </p:cNvSpPr>
+      <p:graphicFrame>
+        <p:nvGraphicFramePr>
+          <p:cNvPr id="7" name="Chart 6"/>
+          <p:cNvGraphicFramePr>
+            <a:graphicFrameLocks/>
+          </p:cNvGraphicFramePr>
           <p:nvPr>
-            <p:ph type="ftr" sz="quarter" idx="17"/>
+            <p:extLst>
+              <p:ext uri="{D42A27DB-BD31-4B8C-83A1-F6EECF244321}">
+                <p14:modId xmlns:p14="http://schemas.microsoft.com/office/powerpoint/2010/main" val="1300751283"/>
+              </p:ext>
+            </p:extLst>
           </p:nvPr>
-        </p:nvSpPr>
-        <p:spPr/>
-        <p:txBody>
-          <a:bodyPr/>
-          <a:lstStyle/>
-          <a:p>
-            <a:endParaRPr lang="en-US"/>
-          </a:p>
-        </p:txBody>
-      </p:sp>
-      <p:sp>
-        <p:nvSpPr>
-          <p:cNvPr id="7" name="Text Placeholder 6"/>
-          <p:cNvSpPr>
-            <a:spLocks noGrp="1"/>
-          </p:cNvSpPr>
-          <p:nvPr>
-            <p:ph type="body" sz="quarter" idx="1"/>
-          </p:nvPr>
-        </p:nvSpPr>
-        <p:spPr/>
-        <p:txBody>
-          <a:bodyPr/>
-          <a:lstStyle/>
-          <a:p>
-            <a:endParaRPr lang="en-US"/>
-          </a:p>
-        </p:txBody>
-      </p:sp>
-      <p:sp>
-        <p:nvSpPr>
-          <p:cNvPr id="8" name="Text Placeholder 7"/>
-          <p:cNvSpPr>
-            <a:spLocks noGrp="1"/>
-          </p:cNvSpPr>
-          <p:nvPr>
-            <p:ph type="body" sz="quarter" idx="3"/>
-          </p:nvPr>
-        </p:nvSpPr>
-        <p:spPr/>
-        <p:txBody>
-          <a:bodyPr/>
-          <a:lstStyle/>
-          <a:p>
-            <a:endParaRPr lang="en-US"/>
-          </a:p>
-        </p:txBody>
-      </p:sp>
+        </p:nvGraphicFramePr>
+        <p:xfrm>
+          <a:off x="558800" y="546100"/>
+          <a:ext cx="8026400" cy="5765800"/>
+        </p:xfrm>
+        <a:graphic>
+          <a:graphicData uri="http://schemas.openxmlformats.org/drawingml/2006/chart">
+            <c:chart xmlns:c="http://schemas.openxmlformats.org/drawingml/2006/chart" xmlns:r="http://schemas.openxmlformats.org/officeDocument/2006/relationships" r:id="rId2"/>
+          </a:graphicData>
+        </a:graphic>
+      </p:graphicFrame>
     </p:spTree>
     <p:extLst>
       <p:ext uri="{BB962C8B-B14F-4D97-AF65-F5344CB8AC3E}">
-        <p14:creationId xmlns:p14="http://schemas.microsoft.com/office/powerpoint/2010/main" val="1717675396"/>
+        <p14:creationId xmlns:p14="http://schemas.microsoft.com/office/powerpoint/2010/main" val="1227033809"/>
       </p:ext>
     </p:extLst>
   </p:cSld>
@@ -6205,14 +10379,12 @@
         </p:nvSpPr>
         <p:spPr/>
         <p:txBody>
-          <a:bodyPr>
-            <a:normAutofit fontScale="90000"/>
-          </a:bodyPr>
+          <a:bodyPr/>
           <a:lstStyle/>
           <a:p>
             <a:r>
               <a:rPr lang="en-US" dirty="0" smtClean="0"/>
-              <a:t>Alternative 2: a global state per event</a:t>
+              <a:t>Some results</a:t>
             </a:r>
             <a:endParaRPr lang="en-US" dirty="0"/>
           </a:p>
@@ -6220,12 +10392,31 @@
       </p:sp>
       <p:sp>
         <p:nvSpPr>
-          <p:cNvPr id="5" name="Slide Number Placeholder 4"/>
+          <p:cNvPr id="3" name="Footer Placeholder 2"/>
           <p:cNvSpPr>
             <a:spLocks noGrp="1"/>
           </p:cNvSpPr>
           <p:nvPr>
-            <p:ph type="sldNum" sz="quarter" idx="16"/>
+            <p:ph type="ftr" sz="quarter" idx="11"/>
+          </p:nvPr>
+        </p:nvSpPr>
+        <p:spPr/>
+        <p:txBody>
+          <a:bodyPr/>
+          <a:lstStyle/>
+          <a:p>
+            <a:endParaRPr lang="en-US"/>
+          </a:p>
+        </p:txBody>
+      </p:sp>
+      <p:sp>
+        <p:nvSpPr>
+          <p:cNvPr id="4" name="Slide Number Placeholder 3"/>
+          <p:cNvSpPr>
+            <a:spLocks noGrp="1"/>
+          </p:cNvSpPr>
+          <p:nvPr>
+            <p:ph type="sldNum" sz="quarter" idx="12"/>
           </p:nvPr>
         </p:nvSpPr>
         <p:spPr/>
@@ -6243,153 +10434,41 @@
           </a:p>
         </p:txBody>
       </p:sp>
-      <p:sp>
-        <p:nvSpPr>
-          <p:cNvPr id="6" name="Footer Placeholder 5"/>
-          <p:cNvSpPr>
-            <a:spLocks noGrp="1"/>
-          </p:cNvSpPr>
+      <p:graphicFrame>
+        <p:nvGraphicFramePr>
+          <p:cNvPr id="7" name="Content Placeholder 6"/>
+          <p:cNvGraphicFramePr>
+            <a:graphicFrameLocks noGrp="1"/>
+          </p:cNvGraphicFramePr>
           <p:nvPr>
-            <p:ph type="ftr" sz="quarter" idx="17"/>
+            <p:ph sz="quarter" idx="1"/>
+            <p:extLst>
+              <p:ext uri="{D42A27DB-BD31-4B8C-83A1-F6EECF244321}">
+                <p14:modId xmlns:p14="http://schemas.microsoft.com/office/powerpoint/2010/main" val="2156982303"/>
+              </p:ext>
+            </p:extLst>
           </p:nvPr>
-        </p:nvSpPr>
-        <p:spPr/>
-        <p:txBody>
-          <a:bodyPr/>
-          <a:lstStyle/>
-          <a:p>
-            <a:endParaRPr lang="en-US"/>
-          </a:p>
-        </p:txBody>
-      </p:sp>
-      <p:sp>
-        <p:nvSpPr>
-          <p:cNvPr id="7" name="Text Placeholder 6"/>
-          <p:cNvSpPr>
-            <a:spLocks noGrp="1"/>
-          </p:cNvSpPr>
-          <p:nvPr>
-            <p:ph type="body" sz="quarter" idx="1"/>
-          </p:nvPr>
-        </p:nvSpPr>
-        <p:spPr>
-          <a:solidFill>
-            <a:schemeClr val="accent1">
-              <a:lumMod val="75000"/>
-            </a:schemeClr>
-          </a:solidFill>
-        </p:spPr>
-        <p:txBody>
-          <a:bodyPr/>
-          <a:lstStyle/>
-          <a:p>
-            <a:r>
-              <a:rPr lang="en-US" dirty="0" smtClean="0"/>
-              <a:t>Sequential</a:t>
-            </a:r>
-            <a:endParaRPr lang="en-US" dirty="0"/>
-          </a:p>
-        </p:txBody>
-      </p:sp>
-      <p:sp>
-        <p:nvSpPr>
-          <p:cNvPr id="8" name="Text Placeholder 7"/>
-          <p:cNvSpPr>
-            <a:spLocks noGrp="1"/>
-          </p:cNvSpPr>
-          <p:nvPr>
-            <p:ph type="body" sz="quarter" idx="3"/>
-          </p:nvPr>
-        </p:nvSpPr>
-        <p:spPr>
-          <a:solidFill>
-            <a:srgbClr val="376092"/>
-          </a:solidFill>
-        </p:spPr>
-        <p:txBody>
-          <a:bodyPr/>
-          <a:lstStyle/>
-          <a:p>
-            <a:r>
-              <a:rPr lang="en-US" dirty="0" smtClean="0"/>
-              <a:t>Parallel</a:t>
-            </a:r>
-            <a:endParaRPr lang="en-US" dirty="0"/>
-          </a:p>
-        </p:txBody>
-      </p:sp>
-      <p:pic>
-        <p:nvPicPr>
-          <p:cNvPr id="9" name="Content Placeholder 5" descr="global_vars.png"/>
-          <p:cNvPicPr>
-            <a:picLocks noGrp="1" noChangeAspect="1"/>
-          </p:cNvPicPr>
-          <p:nvPr>
-            <p:ph sz="quarter" idx="2"/>
-          </p:nvPr>
-        </p:nvPicPr>
-        <p:blipFill>
-          <a:blip r:embed="rId2">
-            <a:extLst>
-              <a:ext uri="{28A0092B-C50C-407E-A947-70E740481C1C}">
-                <a14:useLocalDpi xmlns:a14="http://schemas.microsoft.com/office/drawing/2010/main" val="0"/>
-              </a:ext>
-            </a:extLst>
-          </a:blip>
-          <a:srcRect t="-6863" b="-6863"/>
-          <a:stretch>
-            <a:fillRect/>
-          </a:stretch>
-        </p:blipFill>
-        <p:spPr/>
-      </p:pic>
-      <p:pic>
-        <p:nvPicPr>
-          <p:cNvPr id="12" name="Content Placeholder 11" descr="global_vars_par.png"/>
-          <p:cNvPicPr>
-            <a:picLocks noGrp="1" noChangeAspect="1"/>
-          </p:cNvPicPr>
-          <p:nvPr>
-            <p:ph sz="quarter" idx="4"/>
-          </p:nvPr>
-        </p:nvPicPr>
-        <p:blipFill>
-          <a:blip r:embed="rId3">
-            <a:extLst>
-              <a:ext uri="{28A0092B-C50C-407E-A947-70E740481C1C}">
-                <a14:useLocalDpi xmlns:a14="http://schemas.microsoft.com/office/drawing/2010/main" val="0"/>
-              </a:ext>
-            </a:extLst>
-          </a:blip>
-          <a:srcRect t="-22080" b="-22080"/>
-          <a:stretch>
-            <a:fillRect/>
-          </a:stretch>
-        </p:blipFill>
-        <p:spPr>
-          <a:xfrm>
-            <a:off x="4495800" y="2000422"/>
-            <a:ext cx="4361453" cy="4019378"/>
-          </a:xfrm>
-        </p:spPr>
-      </p:pic>
+        </p:nvGraphicFramePr>
+        <p:xfrm>
+          <a:off x="612775" y="1600200"/>
+          <a:ext cx="8153400" cy="4495800"/>
+        </p:xfrm>
+        <a:graphic>
+          <a:graphicData uri="http://schemas.openxmlformats.org/drawingml/2006/chart">
+            <c:chart xmlns:c="http://schemas.openxmlformats.org/drawingml/2006/chart" xmlns:r="http://schemas.openxmlformats.org/officeDocument/2006/relationships" r:id="rId2"/>
+          </a:graphicData>
+        </a:graphic>
+      </p:graphicFrame>
     </p:spTree>
     <p:extLst>
       <p:ext uri="{BB962C8B-B14F-4D97-AF65-F5344CB8AC3E}">
-        <p14:creationId xmlns:p14="http://schemas.microsoft.com/office/powerpoint/2010/main" val="4068595166"/>
+        <p14:creationId xmlns:p14="http://schemas.microsoft.com/office/powerpoint/2010/main" val="3033069413"/>
       </p:ext>
     </p:extLst>
   </p:cSld>
   <p:clrMapOvr>
     <a:masterClrMapping/>
   </p:clrMapOvr>
-  <p:timing>
-    <p:tnLst>
-      <p:par>
-        <p:cTn xmlns:p14="http://schemas.microsoft.com/office/powerpoint/2010/main" id="1" dur="indefinite" restart="never" nodeType="tmRoot"/>
-      </p:par>
-    </p:tnLst>
-  </p:timing>
 </p:sld>
 </file>
 
@@ -6429,7 +10508,7 @@
           <a:p>
             <a:r>
               <a:rPr lang="en-US" dirty="0" smtClean="0"/>
-              <a:t>Alternative 3: events from different files</a:t>
+              <a:t>Alternative 2: a global state per event</a:t>
             </a:r>
             <a:endParaRPr lang="en-US" dirty="0"/>
           </a:p>
@@ -6537,7 +10616,7 @@
       </p:sp>
       <p:pic>
         <p:nvPicPr>
-          <p:cNvPr id="9" name="Content Placeholder 5" descr="global_vars.png"/>
+          <p:cNvPr id="14" name="Content Placeholder 13" descr="global_state_seq.png"/>
           <p:cNvPicPr>
             <a:picLocks noGrp="1" noChangeAspect="1"/>
           </p:cNvPicPr>
@@ -6553,7 +10632,7 @@
               </a:ext>
             </a:extLst>
           </a:blip>
-          <a:srcRect t="-6863" b="-6863"/>
+          <a:srcRect t="-22998" b="-22998"/>
           <a:stretch>
             <a:fillRect/>
           </a:stretch>
@@ -6562,7 +10641,7 @@
       </p:pic>
       <p:pic>
         <p:nvPicPr>
-          <p:cNvPr id="12" name="Content Placeholder 11" descr="global_vars_par.png"/>
+          <p:cNvPr id="16" name="Content Placeholder 15" descr="2global_states_par.png"/>
           <p:cNvPicPr>
             <a:picLocks noGrp="1" noChangeAspect="1"/>
           </p:cNvPicPr>
@@ -6578,22 +10657,17 @@
               </a:ext>
             </a:extLst>
           </a:blip>
-          <a:srcRect t="-22080" b="-22080"/>
+          <a:srcRect t="-39184" b="-39184"/>
           <a:stretch>
             <a:fillRect/>
           </a:stretch>
         </p:blipFill>
-        <p:spPr>
-          <a:xfrm>
-            <a:off x="4495800" y="2000422"/>
-            <a:ext cx="4361453" cy="4019378"/>
-          </a:xfrm>
-        </p:spPr>
+        <p:spPr/>
       </p:pic>
     </p:spTree>
     <p:extLst>
       <p:ext uri="{BB962C8B-B14F-4D97-AF65-F5344CB8AC3E}">
-        <p14:creationId xmlns:p14="http://schemas.microsoft.com/office/powerpoint/2010/main" val="4153270695"/>
+        <p14:creationId xmlns:p14="http://schemas.microsoft.com/office/powerpoint/2010/main" val="4068595166"/>
       </p:ext>
     </p:extLst>
   </p:cSld>
@@ -6639,12 +10713,14 @@
         </p:nvSpPr>
         <p:spPr/>
         <p:txBody>
-          <a:bodyPr/>
+          <a:bodyPr>
+            <a:normAutofit fontScale="90000"/>
+          </a:bodyPr>
           <a:lstStyle/>
           <a:p>
             <a:r>
-              <a:rPr lang="en-US" dirty="0" err="1" smtClean="0"/>
-              <a:t>Penalizações</a:t>
+              <a:rPr lang="en-US" dirty="0" smtClean="0"/>
+              <a:t>Alternative 3: events from different files</a:t>
             </a:r>
             <a:endParaRPr lang="en-US" dirty="0"/>
           </a:p>
@@ -6652,31 +10728,12 @@
       </p:sp>
       <p:sp>
         <p:nvSpPr>
-          <p:cNvPr id="3" name="Footer Placeholder 2"/>
+          <p:cNvPr id="5" name="Slide Number Placeholder 4"/>
           <p:cNvSpPr>
             <a:spLocks noGrp="1"/>
           </p:cNvSpPr>
           <p:nvPr>
-            <p:ph type="ftr" sz="quarter" idx="11"/>
-          </p:nvPr>
-        </p:nvSpPr>
-        <p:spPr/>
-        <p:txBody>
-          <a:bodyPr/>
-          <a:lstStyle/>
-          <a:p>
-            <a:endParaRPr lang="en-US"/>
-          </a:p>
-        </p:txBody>
-      </p:sp>
-      <p:sp>
-        <p:nvSpPr>
-          <p:cNvPr id="4" name="Slide Number Placeholder 3"/>
-          <p:cNvSpPr>
-            <a:spLocks noGrp="1"/>
-          </p:cNvSpPr>
-          <p:nvPr>
-            <p:ph type="sldNum" sz="quarter" idx="12"/>
+            <p:ph type="sldNum" sz="quarter" idx="16"/>
           </p:nvPr>
         </p:nvSpPr>
         <p:spPr/>
@@ -6696,12 +10753,12 @@
       </p:sp>
       <p:sp>
         <p:nvSpPr>
-          <p:cNvPr id="5" name="Content Placeholder 4"/>
+          <p:cNvPr id="6" name="Footer Placeholder 5"/>
           <p:cNvSpPr>
             <a:spLocks noGrp="1"/>
           </p:cNvSpPr>
           <p:nvPr>
-            <p:ph sz="quarter" idx="1"/>
+            <p:ph type="ftr" sz="quarter" idx="17"/>
           </p:nvPr>
         </p:nvSpPr>
         <p:spPr/>
@@ -6709,55 +10766,133 @@
           <a:bodyPr/>
           <a:lstStyle/>
           <a:p>
+            <a:endParaRPr lang="en-US"/>
+          </a:p>
+        </p:txBody>
+      </p:sp>
+      <p:sp>
+        <p:nvSpPr>
+          <p:cNvPr id="7" name="Text Placeholder 6"/>
+          <p:cNvSpPr>
+            <a:spLocks noGrp="1"/>
+          </p:cNvSpPr>
+          <p:nvPr>
+            <p:ph type="body" sz="quarter" idx="1"/>
+          </p:nvPr>
+        </p:nvSpPr>
+        <p:spPr>
+          <a:solidFill>
+            <a:schemeClr val="accent1">
+              <a:lumMod val="75000"/>
+            </a:schemeClr>
+          </a:solidFill>
+        </p:spPr>
+        <p:txBody>
+          <a:bodyPr/>
+          <a:lstStyle/>
+          <a:p>
             <a:r>
               <a:rPr lang="en-US" dirty="0" smtClean="0"/>
-              <a:t>Tempo </a:t>
-            </a:r>
-            <a:r>
-              <a:rPr lang="en-US" dirty="0" err="1" smtClean="0"/>
-              <a:t>gpu</a:t>
-            </a:r>
+              <a:t>Sequential</a:t>
+            </a:r>
+            <a:endParaRPr lang="en-US" dirty="0"/>
+          </a:p>
+        </p:txBody>
+      </p:sp>
+      <p:sp>
+        <p:nvSpPr>
+          <p:cNvPr id="8" name="Text Placeholder 7"/>
+          <p:cNvSpPr>
+            <a:spLocks noGrp="1"/>
+          </p:cNvSpPr>
+          <p:nvPr>
+            <p:ph type="body" sz="quarter" idx="3"/>
+          </p:nvPr>
+        </p:nvSpPr>
+        <p:spPr>
+          <a:solidFill>
+            <a:srgbClr val="376092"/>
+          </a:solidFill>
+        </p:spPr>
+        <p:txBody>
+          <a:bodyPr/>
+          <a:lstStyle/>
+          <a:p>
             <a:r>
               <a:rPr lang="en-US" dirty="0" smtClean="0"/>
-              <a:t> </a:t>
-            </a:r>
-            <a:r>
-              <a:rPr lang="en-US" dirty="0" smtClean="0"/>
-              <a:t>idle</a:t>
-            </a:r>
-            <a:endParaRPr lang="en-US" dirty="0" smtClean="0"/>
-          </a:p>
-          <a:p>
-            <a:r>
-              <a:rPr lang="en-US" dirty="0" smtClean="0"/>
-              <a:t>Tempo </a:t>
-            </a:r>
-            <a:r>
-              <a:rPr lang="en-US" dirty="0" err="1" smtClean="0"/>
-              <a:t>resto</a:t>
-            </a:r>
-            <a:r>
-              <a:rPr lang="en-US" dirty="0" smtClean="0"/>
-              <a:t> dos cores </a:t>
-            </a:r>
-            <a:r>
-              <a:rPr lang="en-US" dirty="0" smtClean="0"/>
-              <a:t>idle</a:t>
+              <a:t>Parallel</a:t>
             </a:r>
             <a:endParaRPr lang="en-US" dirty="0"/>
           </a:p>
         </p:txBody>
       </p:sp>
+      <p:pic>
+        <p:nvPicPr>
+          <p:cNvPr id="4" name="Content Placeholder 3" descr="global_state_seq.png"/>
+          <p:cNvPicPr>
+            <a:picLocks noGrp="1" noChangeAspect="1"/>
+          </p:cNvPicPr>
+          <p:nvPr>
+            <p:ph sz="quarter" idx="2"/>
+          </p:nvPr>
+        </p:nvPicPr>
+        <p:blipFill>
+          <a:blip r:embed="rId2">
+            <a:extLst>
+              <a:ext uri="{28A0092B-C50C-407E-A947-70E740481C1C}">
+                <a14:useLocalDpi xmlns:a14="http://schemas.microsoft.com/office/drawing/2010/main" val="0"/>
+              </a:ext>
+            </a:extLst>
+          </a:blip>
+          <a:srcRect t="-22998" b="-22998"/>
+          <a:stretch>
+            <a:fillRect/>
+          </a:stretch>
+        </p:blipFill>
+        <p:spPr/>
+      </p:pic>
+      <p:pic>
+        <p:nvPicPr>
+          <p:cNvPr id="11" name="Content Placeholder 10" descr="global_state_scheduler.png"/>
+          <p:cNvPicPr>
+            <a:picLocks noGrp="1" noChangeAspect="1"/>
+          </p:cNvPicPr>
+          <p:nvPr>
+            <p:ph sz="quarter" idx="4"/>
+          </p:nvPr>
+        </p:nvPicPr>
+        <p:blipFill>
+          <a:blip r:embed="rId3">
+            <a:extLst>
+              <a:ext uri="{28A0092B-C50C-407E-A947-70E740481C1C}">
+                <a14:useLocalDpi xmlns:a14="http://schemas.microsoft.com/office/drawing/2010/main" val="0"/>
+              </a:ext>
+            </a:extLst>
+          </a:blip>
+          <a:srcRect t="-2077" b="-2077"/>
+          <a:stretch>
+            <a:fillRect/>
+          </a:stretch>
+        </p:blipFill>
+        <p:spPr/>
+      </p:pic>
     </p:spTree>
     <p:extLst>
       <p:ext uri="{BB962C8B-B14F-4D97-AF65-F5344CB8AC3E}">
-        <p14:creationId xmlns:p14="http://schemas.microsoft.com/office/powerpoint/2010/main" val="3194229103"/>
+        <p14:creationId xmlns:p14="http://schemas.microsoft.com/office/powerpoint/2010/main" val="4153270695"/>
       </p:ext>
     </p:extLst>
   </p:cSld>
   <p:clrMapOvr>
     <a:masterClrMapping/>
   </p:clrMapOvr>
+  <p:timing>
+    <p:tnLst>
+      <p:par>
+        <p:cTn xmlns:p14="http://schemas.microsoft.com/office/powerpoint/2010/main" id="1" dur="indefinite" restart="never" nodeType="tmRoot"/>
+      </p:par>
+    </p:tnLst>
+  </p:timing>
 </p:sld>
 </file>
 
@@ -6794,8 +10929,8 @@
           <a:lstStyle/>
           <a:p>
             <a:r>
-              <a:rPr lang="en-US" dirty="0" smtClean="0"/>
-              <a:t>Parallelization at File level</a:t>
+              <a:rPr lang="en-US" dirty="0" err="1" smtClean="0"/>
+              <a:t>Penalizações</a:t>
             </a:r>
             <a:endParaRPr lang="en-US" dirty="0"/>
           </a:p>
@@ -6860,20 +10995,53 @@
           <a:bodyPr/>
           <a:lstStyle/>
           <a:p>
-            <a:endParaRPr lang="en-US"/>
+            <a:r>
+              <a:rPr lang="en-US" dirty="0" smtClean="0"/>
+              <a:t>Tempo </a:t>
+            </a:r>
+            <a:r>
+              <a:rPr lang="en-US" dirty="0" err="1" smtClean="0"/>
+              <a:t>gpu</a:t>
+            </a:r>
+            <a:r>
+              <a:rPr lang="en-US" dirty="0" smtClean="0"/>
+              <a:t> idle</a:t>
+            </a:r>
+          </a:p>
+          <a:p>
+            <a:r>
+              <a:rPr lang="en-US" dirty="0" smtClean="0"/>
+              <a:t>Tempo </a:t>
+            </a:r>
+            <a:r>
+              <a:rPr lang="en-US" dirty="0" err="1" smtClean="0"/>
+              <a:t>resto</a:t>
+            </a:r>
+            <a:r>
+              <a:rPr lang="en-US" dirty="0" smtClean="0"/>
+              <a:t> dos cores idle</a:t>
+            </a:r>
+            <a:endParaRPr lang="en-US" dirty="0"/>
           </a:p>
         </p:txBody>
       </p:sp>
     </p:spTree>
     <p:extLst>
       <p:ext uri="{BB962C8B-B14F-4D97-AF65-F5344CB8AC3E}">
-        <p14:creationId xmlns:p14="http://schemas.microsoft.com/office/powerpoint/2010/main" val="4109009245"/>
+        <p14:creationId xmlns:p14="http://schemas.microsoft.com/office/powerpoint/2010/main" val="3194229103"/>
       </p:ext>
     </p:extLst>
   </p:cSld>
   <p:clrMapOvr>
     <a:masterClrMapping/>
   </p:clrMapOvr>
+  <p:timing>
+    <p:tnLst>
+      <p:par>
+        <p:cTn xmlns:p14="http://schemas.microsoft.com/office/powerpoint/2010/main" id="1" dur="indefinite" restart="never" nodeType="tmRoot"/>
+      </p:par>
+    </p:tnLst>
+  </p:timing>
 </p:sld>
 </file>
 
@@ -7784,11 +11952,7 @@
           <a:p>
             <a:r>
               <a:rPr lang="en-US" dirty="0" smtClean="0"/>
-              <a:t>Structure </a:t>
-            </a:r>
-            <a:r>
-              <a:rPr lang="en-US" dirty="0" smtClean="0"/>
-              <a:t>of </a:t>
+              <a:t>Structure of </a:t>
             </a:r>
             <a:r>
               <a:rPr lang="en-US" dirty="0" err="1" smtClean="0"/>
@@ -8105,11 +12269,7 @@
           <a:p>
             <a:r>
               <a:rPr lang="en-US" dirty="0" smtClean="0"/>
-              <a:t>Structure </a:t>
-            </a:r>
-            <a:r>
-              <a:rPr lang="en-US" dirty="0" smtClean="0"/>
-              <a:t>of </a:t>
+              <a:t>Structure of </a:t>
             </a:r>
             <a:r>
               <a:rPr lang="en-US" dirty="0" err="1" smtClean="0"/>
@@ -8457,11 +12617,7 @@
           <a:p>
             <a:r>
               <a:rPr lang="en-US" dirty="0" smtClean="0"/>
-              <a:t>Structure </a:t>
-            </a:r>
-            <a:r>
-              <a:rPr lang="en-US" dirty="0" smtClean="0"/>
-              <a:t>of </a:t>
+              <a:t>Structure of </a:t>
             </a:r>
             <a:r>
               <a:rPr lang="en-US" dirty="0" err="1" smtClean="0"/>
@@ -8814,11 +12970,7 @@
           <a:p>
             <a:r>
               <a:rPr lang="en-US" dirty="0" smtClean="0"/>
-              <a:t>Critical r</a:t>
-            </a:r>
-            <a:r>
-              <a:rPr lang="en-US" dirty="0" smtClean="0"/>
-              <a:t>egions in </a:t>
+              <a:t>Critical regions in </a:t>
             </a:r>
             <a:r>
               <a:rPr lang="en-US" dirty="0" err="1" smtClean="0"/>
@@ -8869,25 +13021,6 @@
               <a:t>7</a:t>
             </a:fld>
             <a:endParaRPr lang="en-US"/>
-          </a:p>
-        </p:txBody>
-      </p:sp>
-      <p:sp>
-        <p:nvSpPr>
-          <p:cNvPr id="5" name="Content Placeholder 4"/>
-          <p:cNvSpPr>
-            <a:spLocks noGrp="1"/>
-          </p:cNvSpPr>
-          <p:nvPr>
-            <p:ph sz="quarter" idx="1"/>
-          </p:nvPr>
-        </p:nvSpPr>
-        <p:spPr/>
-        <p:txBody>
-          <a:bodyPr/>
-          <a:lstStyle/>
-          <a:p>
-            <a:endParaRPr lang="en-US" dirty="0"/>
           </a:p>
         </p:txBody>
       </p:sp>
@@ -8900,18 +13033,42 @@
           <p:nvPr>
             <p:extLst>
               <p:ext uri="{D42A27DB-BD31-4B8C-83A1-F6EECF244321}">
-                <p14:modId xmlns:p14="http://schemas.microsoft.com/office/powerpoint/2010/main" val="1254242714"/>
+                <p14:modId xmlns:p14="http://schemas.microsoft.com/office/powerpoint/2010/main" val="3688376621"/>
               </p:ext>
             </p:extLst>
           </p:nvPr>
         </p:nvGraphicFramePr>
         <p:xfrm>
-          <a:off x="-1" y="2714366"/>
-          <a:ext cx="7205289" cy="4143634"/>
+          <a:off x="13805" y="1860013"/>
+          <a:ext cx="3961998" cy="3676088"/>
         </p:xfrm>
         <a:graphic>
           <a:graphicData uri="http://schemas.openxmlformats.org/drawingml/2006/chart">
             <c:chart xmlns:c="http://schemas.openxmlformats.org/drawingml/2006/chart" xmlns:r="http://schemas.openxmlformats.org/officeDocument/2006/relationships" r:id="rId2"/>
+          </a:graphicData>
+        </a:graphic>
+      </p:graphicFrame>
+      <p:graphicFrame>
+        <p:nvGraphicFramePr>
+          <p:cNvPr id="8" name="Chart 7"/>
+          <p:cNvGraphicFramePr>
+            <a:graphicFrameLocks/>
+          </p:cNvGraphicFramePr>
+          <p:nvPr>
+            <p:extLst>
+              <p:ext uri="{D42A27DB-BD31-4B8C-83A1-F6EECF244321}">
+                <p14:modId xmlns:p14="http://schemas.microsoft.com/office/powerpoint/2010/main" val="2122598062"/>
+              </p:ext>
+            </p:extLst>
+          </p:nvPr>
+        </p:nvGraphicFramePr>
+        <p:xfrm>
+          <a:off x="3837754" y="1860014"/>
+          <a:ext cx="5306246" cy="3676087"/>
+        </p:xfrm>
+        <a:graphic>
+          <a:graphicData uri="http://schemas.openxmlformats.org/drawingml/2006/chart">
+            <c:chart xmlns:c="http://schemas.openxmlformats.org/drawingml/2006/chart" xmlns:r="http://schemas.openxmlformats.org/officeDocument/2006/relationships" r:id="rId3"/>
           </a:graphicData>
         </a:graphic>
       </p:graphicFrame>
@@ -8964,12 +13121,14 @@
         </p:nvSpPr>
         <p:spPr/>
         <p:txBody>
-          <a:bodyPr/>
+          <a:bodyPr>
+            <a:normAutofit fontScale="90000"/>
+          </a:bodyPr>
           <a:lstStyle/>
           <a:p>
             <a:r>
               <a:rPr lang="en-US" dirty="0" smtClean="0"/>
-              <a:t>Some Results</a:t>
+              <a:t>Improving efficiency with parallelism…</a:t>
             </a:r>
             <a:endParaRPr lang="en-US" dirty="0"/>
           </a:p>
@@ -8977,31 +13136,12 @@
       </p:sp>
       <p:sp>
         <p:nvSpPr>
-          <p:cNvPr id="3" name="Footer Placeholder 2"/>
+          <p:cNvPr id="5" name="Slide Number Placeholder 4"/>
           <p:cNvSpPr>
             <a:spLocks noGrp="1"/>
           </p:cNvSpPr>
           <p:nvPr>
-            <p:ph type="ftr" sz="quarter" idx="11"/>
-          </p:nvPr>
-        </p:nvSpPr>
-        <p:spPr/>
-        <p:txBody>
-          <a:bodyPr/>
-          <a:lstStyle/>
-          <a:p>
-            <a:endParaRPr lang="en-US"/>
-          </a:p>
-        </p:txBody>
-      </p:sp>
-      <p:sp>
-        <p:nvSpPr>
-          <p:cNvPr id="4" name="Slide Number Placeholder 3"/>
-          <p:cNvSpPr>
-            <a:spLocks noGrp="1"/>
-          </p:cNvSpPr>
-          <p:nvPr>
-            <p:ph type="sldNum" sz="quarter" idx="12"/>
+            <p:ph type="sldNum" sz="quarter" idx="16"/>
           </p:nvPr>
         </p:nvSpPr>
         <p:spPr/>
@@ -9021,12 +13161,12 @@
       </p:sp>
       <p:sp>
         <p:nvSpPr>
-          <p:cNvPr id="5" name="Content Placeholder 4"/>
+          <p:cNvPr id="6" name="Footer Placeholder 5"/>
           <p:cNvSpPr>
             <a:spLocks noGrp="1"/>
           </p:cNvSpPr>
           <p:nvPr>
-            <p:ph sz="quarter" idx="1"/>
+            <p:ph type="ftr" sz="quarter" idx="17"/>
           </p:nvPr>
         </p:nvSpPr>
         <p:spPr/>
@@ -9038,10 +13178,116 @@
           </a:p>
         </p:txBody>
       </p:sp>
+      <p:sp>
+        <p:nvSpPr>
+          <p:cNvPr id="7" name="Text Placeholder 6"/>
+          <p:cNvSpPr>
+            <a:spLocks noGrp="1"/>
+          </p:cNvSpPr>
+          <p:nvPr>
+            <p:ph type="body" sz="quarter" idx="1"/>
+          </p:nvPr>
+        </p:nvSpPr>
+        <p:spPr>
+          <a:solidFill>
+            <a:schemeClr val="accent1">
+              <a:lumMod val="75000"/>
+            </a:schemeClr>
+          </a:solidFill>
+        </p:spPr>
+        <p:txBody>
+          <a:bodyPr/>
+          <a:lstStyle/>
+          <a:p>
+            <a:r>
+              <a:rPr lang="en-US" dirty="0" smtClean="0"/>
+              <a:t>Sequential</a:t>
+            </a:r>
+            <a:endParaRPr lang="en-US" dirty="0"/>
+          </a:p>
+        </p:txBody>
+      </p:sp>
+      <p:sp>
+        <p:nvSpPr>
+          <p:cNvPr id="8" name="Text Placeholder 7"/>
+          <p:cNvSpPr>
+            <a:spLocks noGrp="1"/>
+          </p:cNvSpPr>
+          <p:nvPr>
+            <p:ph type="body" sz="quarter" idx="3"/>
+          </p:nvPr>
+        </p:nvSpPr>
+        <p:spPr>
+          <a:solidFill>
+            <a:srgbClr val="376092"/>
+          </a:solidFill>
+        </p:spPr>
+        <p:txBody>
+          <a:bodyPr/>
+          <a:lstStyle/>
+          <a:p>
+            <a:r>
+              <a:rPr lang="en-US" dirty="0" smtClean="0"/>
+              <a:t>Parallel</a:t>
+            </a:r>
+            <a:endParaRPr lang="en-US" dirty="0"/>
+          </a:p>
+        </p:txBody>
+      </p:sp>
+      <p:pic>
+        <p:nvPicPr>
+          <p:cNvPr id="12" name="Content Placeholder 11" descr="global_state_seq.png"/>
+          <p:cNvPicPr>
+            <a:picLocks noGrp="1" noChangeAspect="1"/>
+          </p:cNvPicPr>
+          <p:nvPr>
+            <p:ph sz="quarter" idx="2"/>
+          </p:nvPr>
+        </p:nvPicPr>
+        <p:blipFill>
+          <a:blip r:embed="rId2">
+            <a:extLst>
+              <a:ext uri="{28A0092B-C50C-407E-A947-70E740481C1C}">
+                <a14:useLocalDpi xmlns:a14="http://schemas.microsoft.com/office/drawing/2010/main" val="0"/>
+              </a:ext>
+            </a:extLst>
+          </a:blip>
+          <a:srcRect t="-22998" b="-22998"/>
+          <a:stretch>
+            <a:fillRect/>
+          </a:stretch>
+        </p:blipFill>
+        <p:spPr/>
+      </p:pic>
+      <p:pic>
+        <p:nvPicPr>
+          <p:cNvPr id="14" name="Content Placeholder 13" descr="global_state_par.png"/>
+          <p:cNvPicPr>
+            <a:picLocks noGrp="1" noChangeAspect="1"/>
+          </p:cNvPicPr>
+          <p:nvPr>
+            <p:ph sz="quarter" idx="4"/>
+          </p:nvPr>
+        </p:nvPicPr>
+        <p:blipFill>
+          <a:blip r:embed="rId3">
+            <a:extLst>
+              <a:ext uri="{28A0092B-C50C-407E-A947-70E740481C1C}">
+                <a14:useLocalDpi xmlns:a14="http://schemas.microsoft.com/office/drawing/2010/main" val="0"/>
+              </a:ext>
+            </a:extLst>
+          </a:blip>
+          <a:srcRect t="-36821" b="-36821"/>
+          <a:stretch>
+            <a:fillRect/>
+          </a:stretch>
+        </p:blipFill>
+        <p:spPr/>
+      </p:pic>
     </p:spTree>
     <p:extLst>
       <p:ext uri="{BB962C8B-B14F-4D97-AF65-F5344CB8AC3E}">
-        <p14:creationId xmlns:p14="http://schemas.microsoft.com/office/powerpoint/2010/main" val="104225898"/>
+        <p14:creationId xmlns:p14="http://schemas.microsoft.com/office/powerpoint/2010/main" val="427413715"/>
       </p:ext>
     </p:extLst>
   </p:cSld>
@@ -9088,13 +13334,13 @@
         <p:spPr/>
         <p:txBody>
           <a:bodyPr>
-            <a:normAutofit fontScale="90000"/>
+            <a:normAutofit/>
           </a:bodyPr>
           <a:lstStyle/>
           <a:p>
             <a:r>
               <a:rPr lang="en-US" dirty="0" smtClean="0"/>
-              <a:t>Improving efficiency with parallelism…</a:t>
+              <a:t>… no way with event global state!</a:t>
             </a:r>
             <a:endParaRPr lang="en-US" dirty="0"/>
           </a:p>
@@ -9202,7 +13448,7 @@
       </p:sp>
       <p:pic>
         <p:nvPicPr>
-          <p:cNvPr id="9" name="Content Placeholder 5" descr="global_vars.png"/>
+          <p:cNvPr id="12" name="Content Placeholder 11" descr="global_state_seq.png"/>
           <p:cNvPicPr>
             <a:picLocks noGrp="1" noChangeAspect="1"/>
           </p:cNvPicPr>
@@ -9218,7 +13464,7 @@
               </a:ext>
             </a:extLst>
           </a:blip>
-          <a:srcRect t="-6863" b="-6863"/>
+          <a:srcRect t="-22998" b="-22998"/>
           <a:stretch>
             <a:fillRect/>
           </a:stretch>
@@ -9227,7 +13473,7 @@
       </p:pic>
       <p:pic>
         <p:nvPicPr>
-          <p:cNvPr id="10" name="Content Placeholder 9" descr="global_vars_nopar1.png"/>
+          <p:cNvPr id="14" name="Content Placeholder 13" descr="global_state_par.png"/>
           <p:cNvPicPr>
             <a:picLocks noGrp="1" noChangeAspect="1"/>
           </p:cNvPicPr>
@@ -9243,25 +13489,69 @@
               </a:ext>
             </a:extLst>
           </a:blip>
-          <a:srcRect t="-16863" b="-16863"/>
+          <a:srcRect t="-36821" b="-36821"/>
           <a:stretch>
             <a:fillRect/>
           </a:stretch>
         </p:blipFill>
+        <p:spPr/>
+      </p:pic>
+      <p:sp>
+        <p:nvSpPr>
+          <p:cNvPr id="15" name="&quot;No&quot; Symbol 14"/>
+          <p:cNvSpPr/>
+          <p:nvPr/>
+        </p:nvSpPr>
         <p:spPr>
           <a:xfrm>
-            <a:off x="4800600" y="2392680"/>
-            <a:ext cx="3886200" cy="3581400"/>
+            <a:off x="6985467" y="3834253"/>
+            <a:ext cx="793803" cy="805925"/>
           </a:xfrm>
-          <a:prstGeom prst="rect">
+          <a:prstGeom prst="noSmoking">
             <a:avLst/>
           </a:prstGeom>
+          <a:solidFill>
+            <a:srgbClr val="FF0000"/>
+          </a:solidFill>
+          <a:ln>
+            <a:solidFill>
+              <a:schemeClr val="accent2">
+                <a:lumMod val="75000"/>
+              </a:schemeClr>
+            </a:solidFill>
+          </a:ln>
         </p:spPr>
-      </p:pic>
+        <p:style>
+          <a:lnRef idx="1">
+            <a:schemeClr val="accent1"/>
+          </a:lnRef>
+          <a:fillRef idx="3">
+            <a:schemeClr val="accent1"/>
+          </a:fillRef>
+          <a:effectRef idx="2">
+            <a:schemeClr val="accent1"/>
+          </a:effectRef>
+          <a:fontRef idx="minor">
+            <a:schemeClr val="lt1"/>
+          </a:fontRef>
+        </p:style>
+        <p:txBody>
+          <a:bodyPr rtlCol="0" anchor="ctr"/>
+          <a:lstStyle/>
+          <a:p>
+            <a:pPr algn="ctr"/>
+            <a:endParaRPr lang="en-US">
+              <a:solidFill>
+                <a:schemeClr val="tx1"/>
+              </a:solidFill>
+            </a:endParaRPr>
+          </a:p>
+        </p:txBody>
+      </p:sp>
     </p:spTree>
     <p:extLst>
       <p:ext uri="{BB962C8B-B14F-4D97-AF65-F5344CB8AC3E}">
-        <p14:creationId xmlns:p14="http://schemas.microsoft.com/office/powerpoint/2010/main" val="427413715"/>
+        <p14:creationId xmlns:p14="http://schemas.microsoft.com/office/powerpoint/2010/main" val="3650932000"/>
       </p:ext>
     </p:extLst>
   </p:cSld>
@@ -10191,4 +14481,1666 @@
   </a:objectDefaults>
   <a:extraClrSchemeLst/>
 </a:theme>
+</file>
+
+<file path=ppt/theme/themeOverride1.xml><?xml version="1.0" encoding="utf-8"?>
+<a:themeOverride xmlns:a="http://schemas.openxmlformats.org/drawingml/2006/main">
+  <a:clrScheme name="Office">
+    <a:dk1>
+      <a:sysClr val="windowText" lastClr="000000"/>
+    </a:dk1>
+    <a:lt1>
+      <a:sysClr val="window" lastClr="FFFFFF"/>
+    </a:lt1>
+    <a:dk2>
+      <a:srgbClr val="1F497D"/>
+    </a:dk2>
+    <a:lt2>
+      <a:srgbClr val="EEECE1"/>
+    </a:lt2>
+    <a:accent1>
+      <a:srgbClr val="4F81BD"/>
+    </a:accent1>
+    <a:accent2>
+      <a:srgbClr val="C0504D"/>
+    </a:accent2>
+    <a:accent3>
+      <a:srgbClr val="9BBB59"/>
+    </a:accent3>
+    <a:accent4>
+      <a:srgbClr val="8064A2"/>
+    </a:accent4>
+    <a:accent5>
+      <a:srgbClr val="4BACC6"/>
+    </a:accent5>
+    <a:accent6>
+      <a:srgbClr val="F79646"/>
+    </a:accent6>
+    <a:hlink>
+      <a:srgbClr val="0000FF"/>
+    </a:hlink>
+    <a:folHlink>
+      <a:srgbClr val="800080"/>
+    </a:folHlink>
+  </a:clrScheme>
+  <a:fontScheme name="Office">
+    <a:majorFont>
+      <a:latin typeface="Cambria"/>
+      <a:ea typeface=""/>
+      <a:cs typeface=""/>
+      <a:font script="Jpan" typeface="ＭＳ Ｐゴシック"/>
+      <a:font script="Hang" typeface="맑은 고딕"/>
+      <a:font script="Hans" typeface="宋体"/>
+      <a:font script="Hant" typeface="新細明體"/>
+      <a:font script="Arab" typeface="Times New Roman"/>
+      <a:font script="Hebr" typeface="Times New Roman"/>
+      <a:font script="Thai" typeface="Tahoma"/>
+      <a:font script="Ethi" typeface="Nyala"/>
+      <a:font script="Beng" typeface="Vrinda"/>
+      <a:font script="Gujr" typeface="Shruti"/>
+      <a:font script="Khmr" typeface="MoolBoran"/>
+      <a:font script="Knda" typeface="Tunga"/>
+      <a:font script="Guru" typeface="Raavi"/>
+      <a:font script="Cans" typeface="Euphemia"/>
+      <a:font script="Cher" typeface="Plantagenet Cherokee"/>
+      <a:font script="Yiii" typeface="Microsoft Yi Baiti"/>
+      <a:font script="Tibt" typeface="Microsoft Himalaya"/>
+      <a:font script="Thaa" typeface="MV Boli"/>
+      <a:font script="Deva" typeface="Mangal"/>
+      <a:font script="Telu" typeface="Gautami"/>
+      <a:font script="Taml" typeface="Latha"/>
+      <a:font script="Syrc" typeface="Estrangelo Edessa"/>
+      <a:font script="Orya" typeface="Kalinga"/>
+      <a:font script="Mlym" typeface="Kartika"/>
+      <a:font script="Laoo" typeface="DokChampa"/>
+      <a:font script="Sinh" typeface="Iskoola Pota"/>
+      <a:font script="Mong" typeface="Mongolian Baiti"/>
+      <a:font script="Viet" typeface="Times New Roman"/>
+      <a:font script="Uigh" typeface="Microsoft Uighur"/>
+      <a:font script="Geor" typeface="Sylfaen"/>
+    </a:majorFont>
+    <a:minorFont>
+      <a:latin typeface="Calibri"/>
+      <a:ea typeface=""/>
+      <a:cs typeface=""/>
+      <a:font script="Jpan" typeface="ＭＳ Ｐゴシック"/>
+      <a:font script="Hang" typeface="맑은 고딕"/>
+      <a:font script="Hans" typeface="宋体"/>
+      <a:font script="Hant" typeface="新細明體"/>
+      <a:font script="Arab" typeface="Arial"/>
+      <a:font script="Hebr" typeface="Arial"/>
+      <a:font script="Thai" typeface="Tahoma"/>
+      <a:font script="Ethi" typeface="Nyala"/>
+      <a:font script="Beng" typeface="Vrinda"/>
+      <a:font script="Gujr" typeface="Shruti"/>
+      <a:font script="Khmr" typeface="DaunPenh"/>
+      <a:font script="Knda" typeface="Tunga"/>
+      <a:font script="Guru" typeface="Raavi"/>
+      <a:font script="Cans" typeface="Euphemia"/>
+      <a:font script="Cher" typeface="Plantagenet Cherokee"/>
+      <a:font script="Yiii" typeface="Microsoft Yi Baiti"/>
+      <a:font script="Tibt" typeface="Microsoft Himalaya"/>
+      <a:font script="Thaa" typeface="MV Boli"/>
+      <a:font script="Deva" typeface="Mangal"/>
+      <a:font script="Telu" typeface="Gautami"/>
+      <a:font script="Taml" typeface="Latha"/>
+      <a:font script="Syrc" typeface="Estrangelo Edessa"/>
+      <a:font script="Orya" typeface="Kalinga"/>
+      <a:font script="Mlym" typeface="Kartika"/>
+      <a:font script="Laoo" typeface="DokChampa"/>
+      <a:font script="Sinh" typeface="Iskoola Pota"/>
+      <a:font script="Mong" typeface="Mongolian Baiti"/>
+      <a:font script="Viet" typeface="Arial"/>
+      <a:font script="Uigh" typeface="Microsoft Uighur"/>
+      <a:font script="Geor" typeface="Sylfaen"/>
+    </a:minorFont>
+  </a:fontScheme>
+  <a:fmtScheme name="Office">
+    <a:fillStyleLst>
+      <a:solidFill>
+        <a:schemeClr val="phClr"/>
+      </a:solidFill>
+      <a:gradFill rotWithShape="1">
+        <a:gsLst>
+          <a:gs pos="0">
+            <a:schemeClr val="phClr">
+              <a:tint val="50000"/>
+              <a:satMod val="300000"/>
+            </a:schemeClr>
+          </a:gs>
+          <a:gs pos="35000">
+            <a:schemeClr val="phClr">
+              <a:tint val="37000"/>
+              <a:satMod val="300000"/>
+            </a:schemeClr>
+          </a:gs>
+          <a:gs pos="100000">
+            <a:schemeClr val="phClr">
+              <a:tint val="15000"/>
+              <a:satMod val="350000"/>
+            </a:schemeClr>
+          </a:gs>
+        </a:gsLst>
+        <a:lin ang="16200000" scaled="1"/>
+      </a:gradFill>
+      <a:gradFill rotWithShape="1">
+        <a:gsLst>
+          <a:gs pos="0">
+            <a:schemeClr val="phClr">
+              <a:tint val="100000"/>
+              <a:shade val="100000"/>
+              <a:satMod val="130000"/>
+            </a:schemeClr>
+          </a:gs>
+          <a:gs pos="100000">
+            <a:schemeClr val="phClr">
+              <a:tint val="50000"/>
+              <a:shade val="100000"/>
+              <a:satMod val="350000"/>
+            </a:schemeClr>
+          </a:gs>
+        </a:gsLst>
+        <a:lin ang="16200000" scaled="0"/>
+      </a:gradFill>
+    </a:fillStyleLst>
+    <a:lnStyleLst>
+      <a:ln w="9525" cap="flat" cmpd="sng" algn="ctr">
+        <a:solidFill>
+          <a:schemeClr val="phClr">
+            <a:shade val="95000"/>
+            <a:satMod val="105000"/>
+          </a:schemeClr>
+        </a:solidFill>
+        <a:prstDash val="solid"/>
+      </a:ln>
+      <a:ln w="25400" cap="flat" cmpd="sng" algn="ctr">
+        <a:solidFill>
+          <a:schemeClr val="phClr"/>
+        </a:solidFill>
+        <a:prstDash val="solid"/>
+      </a:ln>
+      <a:ln w="38100" cap="flat" cmpd="sng" algn="ctr">
+        <a:solidFill>
+          <a:schemeClr val="phClr"/>
+        </a:solidFill>
+        <a:prstDash val="solid"/>
+      </a:ln>
+    </a:lnStyleLst>
+    <a:effectStyleLst>
+      <a:effectStyle>
+        <a:effectLst>
+          <a:outerShdw blurRad="40000" dist="20000" dir="5400000" rotWithShape="0">
+            <a:srgbClr val="000000">
+              <a:alpha val="38000"/>
+            </a:srgbClr>
+          </a:outerShdw>
+        </a:effectLst>
+      </a:effectStyle>
+      <a:effectStyle>
+        <a:effectLst>
+          <a:outerShdw blurRad="40000" dist="23000" dir="5400000" rotWithShape="0">
+            <a:srgbClr val="000000">
+              <a:alpha val="35000"/>
+            </a:srgbClr>
+          </a:outerShdw>
+        </a:effectLst>
+      </a:effectStyle>
+      <a:effectStyle>
+        <a:effectLst>
+          <a:outerShdw blurRad="40000" dist="23000" dir="5400000" rotWithShape="0">
+            <a:srgbClr val="000000">
+              <a:alpha val="35000"/>
+            </a:srgbClr>
+          </a:outerShdw>
+        </a:effectLst>
+        <a:scene3d>
+          <a:camera prst="orthographicFront">
+            <a:rot lat="0" lon="0" rev="0"/>
+          </a:camera>
+          <a:lightRig rig="threePt" dir="t">
+            <a:rot lat="0" lon="0" rev="1200000"/>
+          </a:lightRig>
+        </a:scene3d>
+        <a:sp3d>
+          <a:bevelT w="63500" h="25400"/>
+        </a:sp3d>
+      </a:effectStyle>
+    </a:effectStyleLst>
+    <a:bgFillStyleLst>
+      <a:solidFill>
+        <a:schemeClr val="phClr"/>
+      </a:solidFill>
+      <a:gradFill rotWithShape="1">
+        <a:gsLst>
+          <a:gs pos="0">
+            <a:schemeClr val="phClr">
+              <a:tint val="40000"/>
+              <a:satMod val="350000"/>
+            </a:schemeClr>
+          </a:gs>
+          <a:gs pos="40000">
+            <a:schemeClr val="phClr">
+              <a:tint val="45000"/>
+              <a:shade val="99000"/>
+              <a:satMod val="350000"/>
+            </a:schemeClr>
+          </a:gs>
+          <a:gs pos="100000">
+            <a:schemeClr val="phClr">
+              <a:shade val="20000"/>
+              <a:satMod val="255000"/>
+            </a:schemeClr>
+          </a:gs>
+        </a:gsLst>
+        <a:path path="circle">
+          <a:fillToRect l="50000" t="-80000" r="50000" b="180000"/>
+        </a:path>
+      </a:gradFill>
+      <a:gradFill rotWithShape="1">
+        <a:gsLst>
+          <a:gs pos="0">
+            <a:schemeClr val="phClr">
+              <a:tint val="80000"/>
+              <a:satMod val="300000"/>
+            </a:schemeClr>
+          </a:gs>
+          <a:gs pos="100000">
+            <a:schemeClr val="phClr">
+              <a:shade val="30000"/>
+              <a:satMod val="200000"/>
+            </a:schemeClr>
+          </a:gs>
+        </a:gsLst>
+        <a:path path="circle">
+          <a:fillToRect l="50000" t="50000" r="50000" b="50000"/>
+        </a:path>
+      </a:gradFill>
+    </a:bgFillStyleLst>
+  </a:fmtScheme>
+</a:themeOverride>
+</file>
+
+<file path=ppt/theme/themeOverride2.xml><?xml version="1.0" encoding="utf-8"?>
+<a:themeOverride xmlns:a="http://schemas.openxmlformats.org/drawingml/2006/main">
+  <a:clrScheme name="Office">
+    <a:dk1>
+      <a:sysClr val="windowText" lastClr="000000"/>
+    </a:dk1>
+    <a:lt1>
+      <a:sysClr val="window" lastClr="FFFFFF"/>
+    </a:lt1>
+    <a:dk2>
+      <a:srgbClr val="1F497D"/>
+    </a:dk2>
+    <a:lt2>
+      <a:srgbClr val="EEECE1"/>
+    </a:lt2>
+    <a:accent1>
+      <a:srgbClr val="4F81BD"/>
+    </a:accent1>
+    <a:accent2>
+      <a:srgbClr val="C0504D"/>
+    </a:accent2>
+    <a:accent3>
+      <a:srgbClr val="9BBB59"/>
+    </a:accent3>
+    <a:accent4>
+      <a:srgbClr val="8064A2"/>
+    </a:accent4>
+    <a:accent5>
+      <a:srgbClr val="4BACC6"/>
+    </a:accent5>
+    <a:accent6>
+      <a:srgbClr val="F79646"/>
+    </a:accent6>
+    <a:hlink>
+      <a:srgbClr val="0000FF"/>
+    </a:hlink>
+    <a:folHlink>
+      <a:srgbClr val="800080"/>
+    </a:folHlink>
+  </a:clrScheme>
+  <a:fontScheme name="Office">
+    <a:majorFont>
+      <a:latin typeface="Cambria"/>
+      <a:ea typeface=""/>
+      <a:cs typeface=""/>
+      <a:font script="Jpan" typeface="ＭＳ Ｐゴシック"/>
+      <a:font script="Hang" typeface="맑은 고딕"/>
+      <a:font script="Hans" typeface="宋体"/>
+      <a:font script="Hant" typeface="新細明體"/>
+      <a:font script="Arab" typeface="Times New Roman"/>
+      <a:font script="Hebr" typeface="Times New Roman"/>
+      <a:font script="Thai" typeface="Tahoma"/>
+      <a:font script="Ethi" typeface="Nyala"/>
+      <a:font script="Beng" typeface="Vrinda"/>
+      <a:font script="Gujr" typeface="Shruti"/>
+      <a:font script="Khmr" typeface="MoolBoran"/>
+      <a:font script="Knda" typeface="Tunga"/>
+      <a:font script="Guru" typeface="Raavi"/>
+      <a:font script="Cans" typeface="Euphemia"/>
+      <a:font script="Cher" typeface="Plantagenet Cherokee"/>
+      <a:font script="Yiii" typeface="Microsoft Yi Baiti"/>
+      <a:font script="Tibt" typeface="Microsoft Himalaya"/>
+      <a:font script="Thaa" typeface="MV Boli"/>
+      <a:font script="Deva" typeface="Mangal"/>
+      <a:font script="Telu" typeface="Gautami"/>
+      <a:font script="Taml" typeface="Latha"/>
+      <a:font script="Syrc" typeface="Estrangelo Edessa"/>
+      <a:font script="Orya" typeface="Kalinga"/>
+      <a:font script="Mlym" typeface="Kartika"/>
+      <a:font script="Laoo" typeface="DokChampa"/>
+      <a:font script="Sinh" typeface="Iskoola Pota"/>
+      <a:font script="Mong" typeface="Mongolian Baiti"/>
+      <a:font script="Viet" typeface="Times New Roman"/>
+      <a:font script="Uigh" typeface="Microsoft Uighur"/>
+      <a:font script="Geor" typeface="Sylfaen"/>
+    </a:majorFont>
+    <a:minorFont>
+      <a:latin typeface="Calibri"/>
+      <a:ea typeface=""/>
+      <a:cs typeface=""/>
+      <a:font script="Jpan" typeface="ＭＳ Ｐゴシック"/>
+      <a:font script="Hang" typeface="맑은 고딕"/>
+      <a:font script="Hans" typeface="宋体"/>
+      <a:font script="Hant" typeface="新細明體"/>
+      <a:font script="Arab" typeface="Arial"/>
+      <a:font script="Hebr" typeface="Arial"/>
+      <a:font script="Thai" typeface="Tahoma"/>
+      <a:font script="Ethi" typeface="Nyala"/>
+      <a:font script="Beng" typeface="Vrinda"/>
+      <a:font script="Gujr" typeface="Shruti"/>
+      <a:font script="Khmr" typeface="DaunPenh"/>
+      <a:font script="Knda" typeface="Tunga"/>
+      <a:font script="Guru" typeface="Raavi"/>
+      <a:font script="Cans" typeface="Euphemia"/>
+      <a:font script="Cher" typeface="Plantagenet Cherokee"/>
+      <a:font script="Yiii" typeface="Microsoft Yi Baiti"/>
+      <a:font script="Tibt" typeface="Microsoft Himalaya"/>
+      <a:font script="Thaa" typeface="MV Boli"/>
+      <a:font script="Deva" typeface="Mangal"/>
+      <a:font script="Telu" typeface="Gautami"/>
+      <a:font script="Taml" typeface="Latha"/>
+      <a:font script="Syrc" typeface="Estrangelo Edessa"/>
+      <a:font script="Orya" typeface="Kalinga"/>
+      <a:font script="Mlym" typeface="Kartika"/>
+      <a:font script="Laoo" typeface="DokChampa"/>
+      <a:font script="Sinh" typeface="Iskoola Pota"/>
+      <a:font script="Mong" typeface="Mongolian Baiti"/>
+      <a:font script="Viet" typeface="Arial"/>
+      <a:font script="Uigh" typeface="Microsoft Uighur"/>
+      <a:font script="Geor" typeface="Sylfaen"/>
+    </a:minorFont>
+  </a:fontScheme>
+  <a:fmtScheme name="Office">
+    <a:fillStyleLst>
+      <a:solidFill>
+        <a:schemeClr val="phClr"/>
+      </a:solidFill>
+      <a:gradFill rotWithShape="1">
+        <a:gsLst>
+          <a:gs pos="0">
+            <a:schemeClr val="phClr">
+              <a:tint val="50000"/>
+              <a:satMod val="300000"/>
+            </a:schemeClr>
+          </a:gs>
+          <a:gs pos="35000">
+            <a:schemeClr val="phClr">
+              <a:tint val="37000"/>
+              <a:satMod val="300000"/>
+            </a:schemeClr>
+          </a:gs>
+          <a:gs pos="100000">
+            <a:schemeClr val="phClr">
+              <a:tint val="15000"/>
+              <a:satMod val="350000"/>
+            </a:schemeClr>
+          </a:gs>
+        </a:gsLst>
+        <a:lin ang="16200000" scaled="1"/>
+      </a:gradFill>
+      <a:gradFill rotWithShape="1">
+        <a:gsLst>
+          <a:gs pos="0">
+            <a:schemeClr val="phClr">
+              <a:tint val="100000"/>
+              <a:shade val="100000"/>
+              <a:satMod val="130000"/>
+            </a:schemeClr>
+          </a:gs>
+          <a:gs pos="100000">
+            <a:schemeClr val="phClr">
+              <a:tint val="50000"/>
+              <a:shade val="100000"/>
+              <a:satMod val="350000"/>
+            </a:schemeClr>
+          </a:gs>
+        </a:gsLst>
+        <a:lin ang="16200000" scaled="0"/>
+      </a:gradFill>
+    </a:fillStyleLst>
+    <a:lnStyleLst>
+      <a:ln w="9525" cap="flat" cmpd="sng" algn="ctr">
+        <a:solidFill>
+          <a:schemeClr val="phClr">
+            <a:shade val="95000"/>
+            <a:satMod val="105000"/>
+          </a:schemeClr>
+        </a:solidFill>
+        <a:prstDash val="solid"/>
+      </a:ln>
+      <a:ln w="25400" cap="flat" cmpd="sng" algn="ctr">
+        <a:solidFill>
+          <a:schemeClr val="phClr"/>
+        </a:solidFill>
+        <a:prstDash val="solid"/>
+      </a:ln>
+      <a:ln w="38100" cap="flat" cmpd="sng" algn="ctr">
+        <a:solidFill>
+          <a:schemeClr val="phClr"/>
+        </a:solidFill>
+        <a:prstDash val="solid"/>
+      </a:ln>
+    </a:lnStyleLst>
+    <a:effectStyleLst>
+      <a:effectStyle>
+        <a:effectLst>
+          <a:outerShdw blurRad="40000" dist="20000" dir="5400000" rotWithShape="0">
+            <a:srgbClr val="000000">
+              <a:alpha val="38000"/>
+            </a:srgbClr>
+          </a:outerShdw>
+        </a:effectLst>
+      </a:effectStyle>
+      <a:effectStyle>
+        <a:effectLst>
+          <a:outerShdw blurRad="40000" dist="23000" dir="5400000" rotWithShape="0">
+            <a:srgbClr val="000000">
+              <a:alpha val="35000"/>
+            </a:srgbClr>
+          </a:outerShdw>
+        </a:effectLst>
+      </a:effectStyle>
+      <a:effectStyle>
+        <a:effectLst>
+          <a:outerShdw blurRad="40000" dist="23000" dir="5400000" rotWithShape="0">
+            <a:srgbClr val="000000">
+              <a:alpha val="35000"/>
+            </a:srgbClr>
+          </a:outerShdw>
+        </a:effectLst>
+        <a:scene3d>
+          <a:camera prst="orthographicFront">
+            <a:rot lat="0" lon="0" rev="0"/>
+          </a:camera>
+          <a:lightRig rig="threePt" dir="t">
+            <a:rot lat="0" lon="0" rev="1200000"/>
+          </a:lightRig>
+        </a:scene3d>
+        <a:sp3d>
+          <a:bevelT w="63500" h="25400"/>
+        </a:sp3d>
+      </a:effectStyle>
+    </a:effectStyleLst>
+    <a:bgFillStyleLst>
+      <a:solidFill>
+        <a:schemeClr val="phClr"/>
+      </a:solidFill>
+      <a:gradFill rotWithShape="1">
+        <a:gsLst>
+          <a:gs pos="0">
+            <a:schemeClr val="phClr">
+              <a:tint val="40000"/>
+              <a:satMod val="350000"/>
+            </a:schemeClr>
+          </a:gs>
+          <a:gs pos="40000">
+            <a:schemeClr val="phClr">
+              <a:tint val="45000"/>
+              <a:shade val="99000"/>
+              <a:satMod val="350000"/>
+            </a:schemeClr>
+          </a:gs>
+          <a:gs pos="100000">
+            <a:schemeClr val="phClr">
+              <a:shade val="20000"/>
+              <a:satMod val="255000"/>
+            </a:schemeClr>
+          </a:gs>
+        </a:gsLst>
+        <a:path path="circle">
+          <a:fillToRect l="50000" t="-80000" r="50000" b="180000"/>
+        </a:path>
+      </a:gradFill>
+      <a:gradFill rotWithShape="1">
+        <a:gsLst>
+          <a:gs pos="0">
+            <a:schemeClr val="phClr">
+              <a:tint val="80000"/>
+              <a:satMod val="300000"/>
+            </a:schemeClr>
+          </a:gs>
+          <a:gs pos="100000">
+            <a:schemeClr val="phClr">
+              <a:shade val="30000"/>
+              <a:satMod val="200000"/>
+            </a:schemeClr>
+          </a:gs>
+        </a:gsLst>
+        <a:path path="circle">
+          <a:fillToRect l="50000" t="50000" r="50000" b="50000"/>
+        </a:path>
+      </a:gradFill>
+    </a:bgFillStyleLst>
+  </a:fmtScheme>
+</a:themeOverride>
+</file>
+
+<file path=ppt/theme/themeOverride3.xml><?xml version="1.0" encoding="utf-8"?>
+<a:themeOverride xmlns:a="http://schemas.openxmlformats.org/drawingml/2006/main">
+  <a:clrScheme name="Office">
+    <a:dk1>
+      <a:sysClr val="windowText" lastClr="000000"/>
+    </a:dk1>
+    <a:lt1>
+      <a:sysClr val="window" lastClr="FFFFFF"/>
+    </a:lt1>
+    <a:dk2>
+      <a:srgbClr val="1F497D"/>
+    </a:dk2>
+    <a:lt2>
+      <a:srgbClr val="EEECE1"/>
+    </a:lt2>
+    <a:accent1>
+      <a:srgbClr val="4F81BD"/>
+    </a:accent1>
+    <a:accent2>
+      <a:srgbClr val="C0504D"/>
+    </a:accent2>
+    <a:accent3>
+      <a:srgbClr val="9BBB59"/>
+    </a:accent3>
+    <a:accent4>
+      <a:srgbClr val="8064A2"/>
+    </a:accent4>
+    <a:accent5>
+      <a:srgbClr val="4BACC6"/>
+    </a:accent5>
+    <a:accent6>
+      <a:srgbClr val="F79646"/>
+    </a:accent6>
+    <a:hlink>
+      <a:srgbClr val="0000FF"/>
+    </a:hlink>
+    <a:folHlink>
+      <a:srgbClr val="800080"/>
+    </a:folHlink>
+  </a:clrScheme>
+  <a:fontScheme name="Office">
+    <a:majorFont>
+      <a:latin typeface="Cambria"/>
+      <a:ea typeface=""/>
+      <a:cs typeface=""/>
+      <a:font script="Jpan" typeface="ＭＳ Ｐゴシック"/>
+      <a:font script="Hang" typeface="맑은 고딕"/>
+      <a:font script="Hans" typeface="宋体"/>
+      <a:font script="Hant" typeface="新細明體"/>
+      <a:font script="Arab" typeface="Times New Roman"/>
+      <a:font script="Hebr" typeface="Times New Roman"/>
+      <a:font script="Thai" typeface="Tahoma"/>
+      <a:font script="Ethi" typeface="Nyala"/>
+      <a:font script="Beng" typeface="Vrinda"/>
+      <a:font script="Gujr" typeface="Shruti"/>
+      <a:font script="Khmr" typeface="MoolBoran"/>
+      <a:font script="Knda" typeface="Tunga"/>
+      <a:font script="Guru" typeface="Raavi"/>
+      <a:font script="Cans" typeface="Euphemia"/>
+      <a:font script="Cher" typeface="Plantagenet Cherokee"/>
+      <a:font script="Yiii" typeface="Microsoft Yi Baiti"/>
+      <a:font script="Tibt" typeface="Microsoft Himalaya"/>
+      <a:font script="Thaa" typeface="MV Boli"/>
+      <a:font script="Deva" typeface="Mangal"/>
+      <a:font script="Telu" typeface="Gautami"/>
+      <a:font script="Taml" typeface="Latha"/>
+      <a:font script="Syrc" typeface="Estrangelo Edessa"/>
+      <a:font script="Orya" typeface="Kalinga"/>
+      <a:font script="Mlym" typeface="Kartika"/>
+      <a:font script="Laoo" typeface="DokChampa"/>
+      <a:font script="Sinh" typeface="Iskoola Pota"/>
+      <a:font script="Mong" typeface="Mongolian Baiti"/>
+      <a:font script="Viet" typeface="Times New Roman"/>
+      <a:font script="Uigh" typeface="Microsoft Uighur"/>
+      <a:font script="Geor" typeface="Sylfaen"/>
+    </a:majorFont>
+    <a:minorFont>
+      <a:latin typeface="Calibri"/>
+      <a:ea typeface=""/>
+      <a:cs typeface=""/>
+      <a:font script="Jpan" typeface="ＭＳ Ｐゴシック"/>
+      <a:font script="Hang" typeface="맑은 고딕"/>
+      <a:font script="Hans" typeface="宋体"/>
+      <a:font script="Hant" typeface="新細明體"/>
+      <a:font script="Arab" typeface="Arial"/>
+      <a:font script="Hebr" typeface="Arial"/>
+      <a:font script="Thai" typeface="Tahoma"/>
+      <a:font script="Ethi" typeface="Nyala"/>
+      <a:font script="Beng" typeface="Vrinda"/>
+      <a:font script="Gujr" typeface="Shruti"/>
+      <a:font script="Khmr" typeface="DaunPenh"/>
+      <a:font script="Knda" typeface="Tunga"/>
+      <a:font script="Guru" typeface="Raavi"/>
+      <a:font script="Cans" typeface="Euphemia"/>
+      <a:font script="Cher" typeface="Plantagenet Cherokee"/>
+      <a:font script="Yiii" typeface="Microsoft Yi Baiti"/>
+      <a:font script="Tibt" typeface="Microsoft Himalaya"/>
+      <a:font script="Thaa" typeface="MV Boli"/>
+      <a:font script="Deva" typeface="Mangal"/>
+      <a:font script="Telu" typeface="Gautami"/>
+      <a:font script="Taml" typeface="Latha"/>
+      <a:font script="Syrc" typeface="Estrangelo Edessa"/>
+      <a:font script="Orya" typeface="Kalinga"/>
+      <a:font script="Mlym" typeface="Kartika"/>
+      <a:font script="Laoo" typeface="DokChampa"/>
+      <a:font script="Sinh" typeface="Iskoola Pota"/>
+      <a:font script="Mong" typeface="Mongolian Baiti"/>
+      <a:font script="Viet" typeface="Arial"/>
+      <a:font script="Uigh" typeface="Microsoft Uighur"/>
+      <a:font script="Geor" typeface="Sylfaen"/>
+    </a:minorFont>
+  </a:fontScheme>
+  <a:fmtScheme name="Office">
+    <a:fillStyleLst>
+      <a:solidFill>
+        <a:schemeClr val="phClr"/>
+      </a:solidFill>
+      <a:gradFill rotWithShape="1">
+        <a:gsLst>
+          <a:gs pos="0">
+            <a:schemeClr val="phClr">
+              <a:tint val="50000"/>
+              <a:satMod val="300000"/>
+            </a:schemeClr>
+          </a:gs>
+          <a:gs pos="35000">
+            <a:schemeClr val="phClr">
+              <a:tint val="37000"/>
+              <a:satMod val="300000"/>
+            </a:schemeClr>
+          </a:gs>
+          <a:gs pos="100000">
+            <a:schemeClr val="phClr">
+              <a:tint val="15000"/>
+              <a:satMod val="350000"/>
+            </a:schemeClr>
+          </a:gs>
+        </a:gsLst>
+        <a:lin ang="16200000" scaled="1"/>
+      </a:gradFill>
+      <a:gradFill rotWithShape="1">
+        <a:gsLst>
+          <a:gs pos="0">
+            <a:schemeClr val="phClr">
+              <a:tint val="100000"/>
+              <a:shade val="100000"/>
+              <a:satMod val="130000"/>
+            </a:schemeClr>
+          </a:gs>
+          <a:gs pos="100000">
+            <a:schemeClr val="phClr">
+              <a:tint val="50000"/>
+              <a:shade val="100000"/>
+              <a:satMod val="350000"/>
+            </a:schemeClr>
+          </a:gs>
+        </a:gsLst>
+        <a:lin ang="16200000" scaled="0"/>
+      </a:gradFill>
+    </a:fillStyleLst>
+    <a:lnStyleLst>
+      <a:ln w="9525" cap="flat" cmpd="sng" algn="ctr">
+        <a:solidFill>
+          <a:schemeClr val="phClr">
+            <a:shade val="95000"/>
+            <a:satMod val="105000"/>
+          </a:schemeClr>
+        </a:solidFill>
+        <a:prstDash val="solid"/>
+      </a:ln>
+      <a:ln w="25400" cap="flat" cmpd="sng" algn="ctr">
+        <a:solidFill>
+          <a:schemeClr val="phClr"/>
+        </a:solidFill>
+        <a:prstDash val="solid"/>
+      </a:ln>
+      <a:ln w="38100" cap="flat" cmpd="sng" algn="ctr">
+        <a:solidFill>
+          <a:schemeClr val="phClr"/>
+        </a:solidFill>
+        <a:prstDash val="solid"/>
+      </a:ln>
+    </a:lnStyleLst>
+    <a:effectStyleLst>
+      <a:effectStyle>
+        <a:effectLst>
+          <a:outerShdw blurRad="40000" dist="20000" dir="5400000" rotWithShape="0">
+            <a:srgbClr val="000000">
+              <a:alpha val="38000"/>
+            </a:srgbClr>
+          </a:outerShdw>
+        </a:effectLst>
+      </a:effectStyle>
+      <a:effectStyle>
+        <a:effectLst>
+          <a:outerShdw blurRad="40000" dist="23000" dir="5400000" rotWithShape="0">
+            <a:srgbClr val="000000">
+              <a:alpha val="35000"/>
+            </a:srgbClr>
+          </a:outerShdw>
+        </a:effectLst>
+      </a:effectStyle>
+      <a:effectStyle>
+        <a:effectLst>
+          <a:outerShdw blurRad="40000" dist="23000" dir="5400000" rotWithShape="0">
+            <a:srgbClr val="000000">
+              <a:alpha val="35000"/>
+            </a:srgbClr>
+          </a:outerShdw>
+        </a:effectLst>
+        <a:scene3d>
+          <a:camera prst="orthographicFront">
+            <a:rot lat="0" lon="0" rev="0"/>
+          </a:camera>
+          <a:lightRig rig="threePt" dir="t">
+            <a:rot lat="0" lon="0" rev="1200000"/>
+          </a:lightRig>
+        </a:scene3d>
+        <a:sp3d>
+          <a:bevelT w="63500" h="25400"/>
+        </a:sp3d>
+      </a:effectStyle>
+    </a:effectStyleLst>
+    <a:bgFillStyleLst>
+      <a:solidFill>
+        <a:schemeClr val="phClr"/>
+      </a:solidFill>
+      <a:gradFill rotWithShape="1">
+        <a:gsLst>
+          <a:gs pos="0">
+            <a:schemeClr val="phClr">
+              <a:tint val="40000"/>
+              <a:satMod val="350000"/>
+            </a:schemeClr>
+          </a:gs>
+          <a:gs pos="40000">
+            <a:schemeClr val="phClr">
+              <a:tint val="45000"/>
+              <a:shade val="99000"/>
+              <a:satMod val="350000"/>
+            </a:schemeClr>
+          </a:gs>
+          <a:gs pos="100000">
+            <a:schemeClr val="phClr">
+              <a:shade val="20000"/>
+              <a:satMod val="255000"/>
+            </a:schemeClr>
+          </a:gs>
+        </a:gsLst>
+        <a:path path="circle">
+          <a:fillToRect l="50000" t="-80000" r="50000" b="180000"/>
+        </a:path>
+      </a:gradFill>
+      <a:gradFill rotWithShape="1">
+        <a:gsLst>
+          <a:gs pos="0">
+            <a:schemeClr val="phClr">
+              <a:tint val="80000"/>
+              <a:satMod val="300000"/>
+            </a:schemeClr>
+          </a:gs>
+          <a:gs pos="100000">
+            <a:schemeClr val="phClr">
+              <a:shade val="30000"/>
+              <a:satMod val="200000"/>
+            </a:schemeClr>
+          </a:gs>
+        </a:gsLst>
+        <a:path path="circle">
+          <a:fillToRect l="50000" t="50000" r="50000" b="50000"/>
+        </a:path>
+      </a:gradFill>
+    </a:bgFillStyleLst>
+  </a:fmtScheme>
+</a:themeOverride>
+</file>
+
+<file path=ppt/theme/themeOverride4.xml><?xml version="1.0" encoding="utf-8"?>
+<a:themeOverride xmlns:a="http://schemas.openxmlformats.org/drawingml/2006/main">
+  <a:clrScheme name="Office">
+    <a:dk1>
+      <a:sysClr val="windowText" lastClr="000000"/>
+    </a:dk1>
+    <a:lt1>
+      <a:sysClr val="window" lastClr="FFFFFF"/>
+    </a:lt1>
+    <a:dk2>
+      <a:srgbClr val="1F497D"/>
+    </a:dk2>
+    <a:lt2>
+      <a:srgbClr val="EEECE1"/>
+    </a:lt2>
+    <a:accent1>
+      <a:srgbClr val="4F81BD"/>
+    </a:accent1>
+    <a:accent2>
+      <a:srgbClr val="C0504D"/>
+    </a:accent2>
+    <a:accent3>
+      <a:srgbClr val="9BBB59"/>
+    </a:accent3>
+    <a:accent4>
+      <a:srgbClr val="8064A2"/>
+    </a:accent4>
+    <a:accent5>
+      <a:srgbClr val="4BACC6"/>
+    </a:accent5>
+    <a:accent6>
+      <a:srgbClr val="F79646"/>
+    </a:accent6>
+    <a:hlink>
+      <a:srgbClr val="0000FF"/>
+    </a:hlink>
+    <a:folHlink>
+      <a:srgbClr val="800080"/>
+    </a:folHlink>
+  </a:clrScheme>
+  <a:fontScheme name="Office">
+    <a:majorFont>
+      <a:latin typeface="Cambria"/>
+      <a:ea typeface=""/>
+      <a:cs typeface=""/>
+      <a:font script="Jpan" typeface="ＭＳ Ｐゴシック"/>
+      <a:font script="Hang" typeface="맑은 고딕"/>
+      <a:font script="Hans" typeface="宋体"/>
+      <a:font script="Hant" typeface="新細明體"/>
+      <a:font script="Arab" typeface="Times New Roman"/>
+      <a:font script="Hebr" typeface="Times New Roman"/>
+      <a:font script="Thai" typeface="Tahoma"/>
+      <a:font script="Ethi" typeface="Nyala"/>
+      <a:font script="Beng" typeface="Vrinda"/>
+      <a:font script="Gujr" typeface="Shruti"/>
+      <a:font script="Khmr" typeface="MoolBoran"/>
+      <a:font script="Knda" typeface="Tunga"/>
+      <a:font script="Guru" typeface="Raavi"/>
+      <a:font script="Cans" typeface="Euphemia"/>
+      <a:font script="Cher" typeface="Plantagenet Cherokee"/>
+      <a:font script="Yiii" typeface="Microsoft Yi Baiti"/>
+      <a:font script="Tibt" typeface="Microsoft Himalaya"/>
+      <a:font script="Thaa" typeface="MV Boli"/>
+      <a:font script="Deva" typeface="Mangal"/>
+      <a:font script="Telu" typeface="Gautami"/>
+      <a:font script="Taml" typeface="Latha"/>
+      <a:font script="Syrc" typeface="Estrangelo Edessa"/>
+      <a:font script="Orya" typeface="Kalinga"/>
+      <a:font script="Mlym" typeface="Kartika"/>
+      <a:font script="Laoo" typeface="DokChampa"/>
+      <a:font script="Sinh" typeface="Iskoola Pota"/>
+      <a:font script="Mong" typeface="Mongolian Baiti"/>
+      <a:font script="Viet" typeface="Times New Roman"/>
+      <a:font script="Uigh" typeface="Microsoft Uighur"/>
+      <a:font script="Geor" typeface="Sylfaen"/>
+    </a:majorFont>
+    <a:minorFont>
+      <a:latin typeface="Calibri"/>
+      <a:ea typeface=""/>
+      <a:cs typeface=""/>
+      <a:font script="Jpan" typeface="ＭＳ Ｐゴシック"/>
+      <a:font script="Hang" typeface="맑은 고딕"/>
+      <a:font script="Hans" typeface="宋体"/>
+      <a:font script="Hant" typeface="新細明體"/>
+      <a:font script="Arab" typeface="Arial"/>
+      <a:font script="Hebr" typeface="Arial"/>
+      <a:font script="Thai" typeface="Tahoma"/>
+      <a:font script="Ethi" typeface="Nyala"/>
+      <a:font script="Beng" typeface="Vrinda"/>
+      <a:font script="Gujr" typeface="Shruti"/>
+      <a:font script="Khmr" typeface="DaunPenh"/>
+      <a:font script="Knda" typeface="Tunga"/>
+      <a:font script="Guru" typeface="Raavi"/>
+      <a:font script="Cans" typeface="Euphemia"/>
+      <a:font script="Cher" typeface="Plantagenet Cherokee"/>
+      <a:font script="Yiii" typeface="Microsoft Yi Baiti"/>
+      <a:font script="Tibt" typeface="Microsoft Himalaya"/>
+      <a:font script="Thaa" typeface="MV Boli"/>
+      <a:font script="Deva" typeface="Mangal"/>
+      <a:font script="Telu" typeface="Gautami"/>
+      <a:font script="Taml" typeface="Latha"/>
+      <a:font script="Syrc" typeface="Estrangelo Edessa"/>
+      <a:font script="Orya" typeface="Kalinga"/>
+      <a:font script="Mlym" typeface="Kartika"/>
+      <a:font script="Laoo" typeface="DokChampa"/>
+      <a:font script="Sinh" typeface="Iskoola Pota"/>
+      <a:font script="Mong" typeface="Mongolian Baiti"/>
+      <a:font script="Viet" typeface="Arial"/>
+      <a:font script="Uigh" typeface="Microsoft Uighur"/>
+      <a:font script="Geor" typeface="Sylfaen"/>
+    </a:minorFont>
+  </a:fontScheme>
+  <a:fmtScheme name="Office">
+    <a:fillStyleLst>
+      <a:solidFill>
+        <a:schemeClr val="phClr"/>
+      </a:solidFill>
+      <a:gradFill rotWithShape="1">
+        <a:gsLst>
+          <a:gs pos="0">
+            <a:schemeClr val="phClr">
+              <a:tint val="50000"/>
+              <a:satMod val="300000"/>
+            </a:schemeClr>
+          </a:gs>
+          <a:gs pos="35000">
+            <a:schemeClr val="phClr">
+              <a:tint val="37000"/>
+              <a:satMod val="300000"/>
+            </a:schemeClr>
+          </a:gs>
+          <a:gs pos="100000">
+            <a:schemeClr val="phClr">
+              <a:tint val="15000"/>
+              <a:satMod val="350000"/>
+            </a:schemeClr>
+          </a:gs>
+        </a:gsLst>
+        <a:lin ang="16200000" scaled="1"/>
+      </a:gradFill>
+      <a:gradFill rotWithShape="1">
+        <a:gsLst>
+          <a:gs pos="0">
+            <a:schemeClr val="phClr">
+              <a:tint val="100000"/>
+              <a:shade val="100000"/>
+              <a:satMod val="130000"/>
+            </a:schemeClr>
+          </a:gs>
+          <a:gs pos="100000">
+            <a:schemeClr val="phClr">
+              <a:tint val="50000"/>
+              <a:shade val="100000"/>
+              <a:satMod val="350000"/>
+            </a:schemeClr>
+          </a:gs>
+        </a:gsLst>
+        <a:lin ang="16200000" scaled="0"/>
+      </a:gradFill>
+    </a:fillStyleLst>
+    <a:lnStyleLst>
+      <a:ln w="9525" cap="flat" cmpd="sng" algn="ctr">
+        <a:solidFill>
+          <a:schemeClr val="phClr">
+            <a:shade val="95000"/>
+            <a:satMod val="105000"/>
+          </a:schemeClr>
+        </a:solidFill>
+        <a:prstDash val="solid"/>
+      </a:ln>
+      <a:ln w="25400" cap="flat" cmpd="sng" algn="ctr">
+        <a:solidFill>
+          <a:schemeClr val="phClr"/>
+        </a:solidFill>
+        <a:prstDash val="solid"/>
+      </a:ln>
+      <a:ln w="38100" cap="flat" cmpd="sng" algn="ctr">
+        <a:solidFill>
+          <a:schemeClr val="phClr"/>
+        </a:solidFill>
+        <a:prstDash val="solid"/>
+      </a:ln>
+    </a:lnStyleLst>
+    <a:effectStyleLst>
+      <a:effectStyle>
+        <a:effectLst>
+          <a:outerShdw blurRad="40000" dist="20000" dir="5400000" rotWithShape="0">
+            <a:srgbClr val="000000">
+              <a:alpha val="38000"/>
+            </a:srgbClr>
+          </a:outerShdw>
+        </a:effectLst>
+      </a:effectStyle>
+      <a:effectStyle>
+        <a:effectLst>
+          <a:outerShdw blurRad="40000" dist="23000" dir="5400000" rotWithShape="0">
+            <a:srgbClr val="000000">
+              <a:alpha val="35000"/>
+            </a:srgbClr>
+          </a:outerShdw>
+        </a:effectLst>
+      </a:effectStyle>
+      <a:effectStyle>
+        <a:effectLst>
+          <a:outerShdw blurRad="40000" dist="23000" dir="5400000" rotWithShape="0">
+            <a:srgbClr val="000000">
+              <a:alpha val="35000"/>
+            </a:srgbClr>
+          </a:outerShdw>
+        </a:effectLst>
+        <a:scene3d>
+          <a:camera prst="orthographicFront">
+            <a:rot lat="0" lon="0" rev="0"/>
+          </a:camera>
+          <a:lightRig rig="threePt" dir="t">
+            <a:rot lat="0" lon="0" rev="1200000"/>
+          </a:lightRig>
+        </a:scene3d>
+        <a:sp3d>
+          <a:bevelT w="63500" h="25400"/>
+        </a:sp3d>
+      </a:effectStyle>
+    </a:effectStyleLst>
+    <a:bgFillStyleLst>
+      <a:solidFill>
+        <a:schemeClr val="phClr"/>
+      </a:solidFill>
+      <a:gradFill rotWithShape="1">
+        <a:gsLst>
+          <a:gs pos="0">
+            <a:schemeClr val="phClr">
+              <a:tint val="40000"/>
+              <a:satMod val="350000"/>
+            </a:schemeClr>
+          </a:gs>
+          <a:gs pos="40000">
+            <a:schemeClr val="phClr">
+              <a:tint val="45000"/>
+              <a:shade val="99000"/>
+              <a:satMod val="350000"/>
+            </a:schemeClr>
+          </a:gs>
+          <a:gs pos="100000">
+            <a:schemeClr val="phClr">
+              <a:shade val="20000"/>
+              <a:satMod val="255000"/>
+            </a:schemeClr>
+          </a:gs>
+        </a:gsLst>
+        <a:path path="circle">
+          <a:fillToRect l="50000" t="-80000" r="50000" b="180000"/>
+        </a:path>
+      </a:gradFill>
+      <a:gradFill rotWithShape="1">
+        <a:gsLst>
+          <a:gs pos="0">
+            <a:schemeClr val="phClr">
+              <a:tint val="80000"/>
+              <a:satMod val="300000"/>
+            </a:schemeClr>
+          </a:gs>
+          <a:gs pos="100000">
+            <a:schemeClr val="phClr">
+              <a:shade val="30000"/>
+              <a:satMod val="200000"/>
+            </a:schemeClr>
+          </a:gs>
+        </a:gsLst>
+        <a:path path="circle">
+          <a:fillToRect l="50000" t="50000" r="50000" b="50000"/>
+        </a:path>
+      </a:gradFill>
+    </a:bgFillStyleLst>
+  </a:fmtScheme>
+</a:themeOverride>
+</file>
+
+<file path=ppt/theme/themeOverride5.xml><?xml version="1.0" encoding="utf-8"?>
+<a:themeOverride xmlns:a="http://schemas.openxmlformats.org/drawingml/2006/main">
+  <a:clrScheme name="Office">
+    <a:dk1>
+      <a:sysClr val="windowText" lastClr="000000"/>
+    </a:dk1>
+    <a:lt1>
+      <a:sysClr val="window" lastClr="FFFFFF"/>
+    </a:lt1>
+    <a:dk2>
+      <a:srgbClr val="1F497D"/>
+    </a:dk2>
+    <a:lt2>
+      <a:srgbClr val="EEECE1"/>
+    </a:lt2>
+    <a:accent1>
+      <a:srgbClr val="4F81BD"/>
+    </a:accent1>
+    <a:accent2>
+      <a:srgbClr val="C0504D"/>
+    </a:accent2>
+    <a:accent3>
+      <a:srgbClr val="9BBB59"/>
+    </a:accent3>
+    <a:accent4>
+      <a:srgbClr val="8064A2"/>
+    </a:accent4>
+    <a:accent5>
+      <a:srgbClr val="4BACC6"/>
+    </a:accent5>
+    <a:accent6>
+      <a:srgbClr val="F79646"/>
+    </a:accent6>
+    <a:hlink>
+      <a:srgbClr val="0000FF"/>
+    </a:hlink>
+    <a:folHlink>
+      <a:srgbClr val="800080"/>
+    </a:folHlink>
+  </a:clrScheme>
+  <a:fontScheme name="Office">
+    <a:majorFont>
+      <a:latin typeface="Cambria"/>
+      <a:ea typeface=""/>
+      <a:cs typeface=""/>
+      <a:font script="Jpan" typeface="ＭＳ Ｐゴシック"/>
+      <a:font script="Hang" typeface="맑은 고딕"/>
+      <a:font script="Hans" typeface="宋体"/>
+      <a:font script="Hant" typeface="新細明體"/>
+      <a:font script="Arab" typeface="Times New Roman"/>
+      <a:font script="Hebr" typeface="Times New Roman"/>
+      <a:font script="Thai" typeface="Tahoma"/>
+      <a:font script="Ethi" typeface="Nyala"/>
+      <a:font script="Beng" typeface="Vrinda"/>
+      <a:font script="Gujr" typeface="Shruti"/>
+      <a:font script="Khmr" typeface="MoolBoran"/>
+      <a:font script="Knda" typeface="Tunga"/>
+      <a:font script="Guru" typeface="Raavi"/>
+      <a:font script="Cans" typeface="Euphemia"/>
+      <a:font script="Cher" typeface="Plantagenet Cherokee"/>
+      <a:font script="Yiii" typeface="Microsoft Yi Baiti"/>
+      <a:font script="Tibt" typeface="Microsoft Himalaya"/>
+      <a:font script="Thaa" typeface="MV Boli"/>
+      <a:font script="Deva" typeface="Mangal"/>
+      <a:font script="Telu" typeface="Gautami"/>
+      <a:font script="Taml" typeface="Latha"/>
+      <a:font script="Syrc" typeface="Estrangelo Edessa"/>
+      <a:font script="Orya" typeface="Kalinga"/>
+      <a:font script="Mlym" typeface="Kartika"/>
+      <a:font script="Laoo" typeface="DokChampa"/>
+      <a:font script="Sinh" typeface="Iskoola Pota"/>
+      <a:font script="Mong" typeface="Mongolian Baiti"/>
+      <a:font script="Viet" typeface="Times New Roman"/>
+      <a:font script="Uigh" typeface="Microsoft Uighur"/>
+      <a:font script="Geor" typeface="Sylfaen"/>
+    </a:majorFont>
+    <a:minorFont>
+      <a:latin typeface="Calibri"/>
+      <a:ea typeface=""/>
+      <a:cs typeface=""/>
+      <a:font script="Jpan" typeface="ＭＳ Ｐゴシック"/>
+      <a:font script="Hang" typeface="맑은 고딕"/>
+      <a:font script="Hans" typeface="宋体"/>
+      <a:font script="Hant" typeface="新細明體"/>
+      <a:font script="Arab" typeface="Arial"/>
+      <a:font script="Hebr" typeface="Arial"/>
+      <a:font script="Thai" typeface="Tahoma"/>
+      <a:font script="Ethi" typeface="Nyala"/>
+      <a:font script="Beng" typeface="Vrinda"/>
+      <a:font script="Gujr" typeface="Shruti"/>
+      <a:font script="Khmr" typeface="DaunPenh"/>
+      <a:font script="Knda" typeface="Tunga"/>
+      <a:font script="Guru" typeface="Raavi"/>
+      <a:font script="Cans" typeface="Euphemia"/>
+      <a:font script="Cher" typeface="Plantagenet Cherokee"/>
+      <a:font script="Yiii" typeface="Microsoft Yi Baiti"/>
+      <a:font script="Tibt" typeface="Microsoft Himalaya"/>
+      <a:font script="Thaa" typeface="MV Boli"/>
+      <a:font script="Deva" typeface="Mangal"/>
+      <a:font script="Telu" typeface="Gautami"/>
+      <a:font script="Taml" typeface="Latha"/>
+      <a:font script="Syrc" typeface="Estrangelo Edessa"/>
+      <a:font script="Orya" typeface="Kalinga"/>
+      <a:font script="Mlym" typeface="Kartika"/>
+      <a:font script="Laoo" typeface="DokChampa"/>
+      <a:font script="Sinh" typeface="Iskoola Pota"/>
+      <a:font script="Mong" typeface="Mongolian Baiti"/>
+      <a:font script="Viet" typeface="Arial"/>
+      <a:font script="Uigh" typeface="Microsoft Uighur"/>
+      <a:font script="Geor" typeface="Sylfaen"/>
+    </a:minorFont>
+  </a:fontScheme>
+  <a:fmtScheme name="Office">
+    <a:fillStyleLst>
+      <a:solidFill>
+        <a:schemeClr val="phClr"/>
+      </a:solidFill>
+      <a:gradFill rotWithShape="1">
+        <a:gsLst>
+          <a:gs pos="0">
+            <a:schemeClr val="phClr">
+              <a:tint val="50000"/>
+              <a:satMod val="300000"/>
+            </a:schemeClr>
+          </a:gs>
+          <a:gs pos="35000">
+            <a:schemeClr val="phClr">
+              <a:tint val="37000"/>
+              <a:satMod val="300000"/>
+            </a:schemeClr>
+          </a:gs>
+          <a:gs pos="100000">
+            <a:schemeClr val="phClr">
+              <a:tint val="15000"/>
+              <a:satMod val="350000"/>
+            </a:schemeClr>
+          </a:gs>
+        </a:gsLst>
+        <a:lin ang="16200000" scaled="1"/>
+      </a:gradFill>
+      <a:gradFill rotWithShape="1">
+        <a:gsLst>
+          <a:gs pos="0">
+            <a:schemeClr val="phClr">
+              <a:tint val="100000"/>
+              <a:shade val="100000"/>
+              <a:satMod val="130000"/>
+            </a:schemeClr>
+          </a:gs>
+          <a:gs pos="100000">
+            <a:schemeClr val="phClr">
+              <a:tint val="50000"/>
+              <a:shade val="100000"/>
+              <a:satMod val="350000"/>
+            </a:schemeClr>
+          </a:gs>
+        </a:gsLst>
+        <a:lin ang="16200000" scaled="0"/>
+      </a:gradFill>
+    </a:fillStyleLst>
+    <a:lnStyleLst>
+      <a:ln w="9525" cap="flat" cmpd="sng" algn="ctr">
+        <a:solidFill>
+          <a:schemeClr val="phClr">
+            <a:shade val="95000"/>
+            <a:satMod val="105000"/>
+          </a:schemeClr>
+        </a:solidFill>
+        <a:prstDash val="solid"/>
+      </a:ln>
+      <a:ln w="25400" cap="flat" cmpd="sng" algn="ctr">
+        <a:solidFill>
+          <a:schemeClr val="phClr"/>
+        </a:solidFill>
+        <a:prstDash val="solid"/>
+      </a:ln>
+      <a:ln w="38100" cap="flat" cmpd="sng" algn="ctr">
+        <a:solidFill>
+          <a:schemeClr val="phClr"/>
+        </a:solidFill>
+        <a:prstDash val="solid"/>
+      </a:ln>
+    </a:lnStyleLst>
+    <a:effectStyleLst>
+      <a:effectStyle>
+        <a:effectLst>
+          <a:outerShdw blurRad="40000" dist="20000" dir="5400000" rotWithShape="0">
+            <a:srgbClr val="000000">
+              <a:alpha val="38000"/>
+            </a:srgbClr>
+          </a:outerShdw>
+        </a:effectLst>
+      </a:effectStyle>
+      <a:effectStyle>
+        <a:effectLst>
+          <a:outerShdw blurRad="40000" dist="23000" dir="5400000" rotWithShape="0">
+            <a:srgbClr val="000000">
+              <a:alpha val="35000"/>
+            </a:srgbClr>
+          </a:outerShdw>
+        </a:effectLst>
+      </a:effectStyle>
+      <a:effectStyle>
+        <a:effectLst>
+          <a:outerShdw blurRad="40000" dist="23000" dir="5400000" rotWithShape="0">
+            <a:srgbClr val="000000">
+              <a:alpha val="35000"/>
+            </a:srgbClr>
+          </a:outerShdw>
+        </a:effectLst>
+        <a:scene3d>
+          <a:camera prst="orthographicFront">
+            <a:rot lat="0" lon="0" rev="0"/>
+          </a:camera>
+          <a:lightRig rig="threePt" dir="t">
+            <a:rot lat="0" lon="0" rev="1200000"/>
+          </a:lightRig>
+        </a:scene3d>
+        <a:sp3d>
+          <a:bevelT w="63500" h="25400"/>
+        </a:sp3d>
+      </a:effectStyle>
+    </a:effectStyleLst>
+    <a:bgFillStyleLst>
+      <a:solidFill>
+        <a:schemeClr val="phClr"/>
+      </a:solidFill>
+      <a:gradFill rotWithShape="1">
+        <a:gsLst>
+          <a:gs pos="0">
+            <a:schemeClr val="phClr">
+              <a:tint val="40000"/>
+              <a:satMod val="350000"/>
+            </a:schemeClr>
+          </a:gs>
+          <a:gs pos="40000">
+            <a:schemeClr val="phClr">
+              <a:tint val="45000"/>
+              <a:shade val="99000"/>
+              <a:satMod val="350000"/>
+            </a:schemeClr>
+          </a:gs>
+          <a:gs pos="100000">
+            <a:schemeClr val="phClr">
+              <a:shade val="20000"/>
+              <a:satMod val="255000"/>
+            </a:schemeClr>
+          </a:gs>
+        </a:gsLst>
+        <a:path path="circle">
+          <a:fillToRect l="50000" t="-80000" r="50000" b="180000"/>
+        </a:path>
+      </a:gradFill>
+      <a:gradFill rotWithShape="1">
+        <a:gsLst>
+          <a:gs pos="0">
+            <a:schemeClr val="phClr">
+              <a:tint val="80000"/>
+              <a:satMod val="300000"/>
+            </a:schemeClr>
+          </a:gs>
+          <a:gs pos="100000">
+            <a:schemeClr val="phClr">
+              <a:shade val="30000"/>
+              <a:satMod val="200000"/>
+            </a:schemeClr>
+          </a:gs>
+        </a:gsLst>
+        <a:path path="circle">
+          <a:fillToRect l="50000" t="50000" r="50000" b="50000"/>
+        </a:path>
+      </a:gradFill>
+    </a:bgFillStyleLst>
+  </a:fmtScheme>
+</a:themeOverride>
+</file>
+
+<file path=ppt/theme/themeOverride6.xml><?xml version="1.0" encoding="utf-8"?>
+<a:themeOverride xmlns:a="http://schemas.openxmlformats.org/drawingml/2006/main">
+  <a:clrScheme name="Office">
+    <a:dk1>
+      <a:sysClr val="windowText" lastClr="000000"/>
+    </a:dk1>
+    <a:lt1>
+      <a:sysClr val="window" lastClr="FFFFFF"/>
+    </a:lt1>
+    <a:dk2>
+      <a:srgbClr val="1F497D"/>
+    </a:dk2>
+    <a:lt2>
+      <a:srgbClr val="EEECE1"/>
+    </a:lt2>
+    <a:accent1>
+      <a:srgbClr val="4F81BD"/>
+    </a:accent1>
+    <a:accent2>
+      <a:srgbClr val="C0504D"/>
+    </a:accent2>
+    <a:accent3>
+      <a:srgbClr val="9BBB59"/>
+    </a:accent3>
+    <a:accent4>
+      <a:srgbClr val="8064A2"/>
+    </a:accent4>
+    <a:accent5>
+      <a:srgbClr val="4BACC6"/>
+    </a:accent5>
+    <a:accent6>
+      <a:srgbClr val="F79646"/>
+    </a:accent6>
+    <a:hlink>
+      <a:srgbClr val="0000FF"/>
+    </a:hlink>
+    <a:folHlink>
+      <a:srgbClr val="800080"/>
+    </a:folHlink>
+  </a:clrScheme>
+  <a:fontScheme name="Office">
+    <a:majorFont>
+      <a:latin typeface="Cambria"/>
+      <a:ea typeface=""/>
+      <a:cs typeface=""/>
+      <a:font script="Jpan" typeface="ＭＳ Ｐゴシック"/>
+      <a:font script="Hang" typeface="맑은 고딕"/>
+      <a:font script="Hans" typeface="宋体"/>
+      <a:font script="Hant" typeface="新細明體"/>
+      <a:font script="Arab" typeface="Times New Roman"/>
+      <a:font script="Hebr" typeface="Times New Roman"/>
+      <a:font script="Thai" typeface="Tahoma"/>
+      <a:font script="Ethi" typeface="Nyala"/>
+      <a:font script="Beng" typeface="Vrinda"/>
+      <a:font script="Gujr" typeface="Shruti"/>
+      <a:font script="Khmr" typeface="MoolBoran"/>
+      <a:font script="Knda" typeface="Tunga"/>
+      <a:font script="Guru" typeface="Raavi"/>
+      <a:font script="Cans" typeface="Euphemia"/>
+      <a:font script="Cher" typeface="Plantagenet Cherokee"/>
+      <a:font script="Yiii" typeface="Microsoft Yi Baiti"/>
+      <a:font script="Tibt" typeface="Microsoft Himalaya"/>
+      <a:font script="Thaa" typeface="MV Boli"/>
+      <a:font script="Deva" typeface="Mangal"/>
+      <a:font script="Telu" typeface="Gautami"/>
+      <a:font script="Taml" typeface="Latha"/>
+      <a:font script="Syrc" typeface="Estrangelo Edessa"/>
+      <a:font script="Orya" typeface="Kalinga"/>
+      <a:font script="Mlym" typeface="Kartika"/>
+      <a:font script="Laoo" typeface="DokChampa"/>
+      <a:font script="Sinh" typeface="Iskoola Pota"/>
+      <a:font script="Mong" typeface="Mongolian Baiti"/>
+      <a:font script="Viet" typeface="Times New Roman"/>
+      <a:font script="Uigh" typeface="Microsoft Uighur"/>
+      <a:font script="Geor" typeface="Sylfaen"/>
+    </a:majorFont>
+    <a:minorFont>
+      <a:latin typeface="Calibri"/>
+      <a:ea typeface=""/>
+      <a:cs typeface=""/>
+      <a:font script="Jpan" typeface="ＭＳ Ｐゴシック"/>
+      <a:font script="Hang" typeface="맑은 고딕"/>
+      <a:font script="Hans" typeface="宋体"/>
+      <a:font script="Hant" typeface="新細明體"/>
+      <a:font script="Arab" typeface="Arial"/>
+      <a:font script="Hebr" typeface="Arial"/>
+      <a:font script="Thai" typeface="Tahoma"/>
+      <a:font script="Ethi" typeface="Nyala"/>
+      <a:font script="Beng" typeface="Vrinda"/>
+      <a:font script="Gujr" typeface="Shruti"/>
+      <a:font script="Khmr" typeface="DaunPenh"/>
+      <a:font script="Knda" typeface="Tunga"/>
+      <a:font script="Guru" typeface="Raavi"/>
+      <a:font script="Cans" typeface="Euphemia"/>
+      <a:font script="Cher" typeface="Plantagenet Cherokee"/>
+      <a:font script="Yiii" typeface="Microsoft Yi Baiti"/>
+      <a:font script="Tibt" typeface="Microsoft Himalaya"/>
+      <a:font script="Thaa" typeface="MV Boli"/>
+      <a:font script="Deva" typeface="Mangal"/>
+      <a:font script="Telu" typeface="Gautami"/>
+      <a:font script="Taml" typeface="Latha"/>
+      <a:font script="Syrc" typeface="Estrangelo Edessa"/>
+      <a:font script="Orya" typeface="Kalinga"/>
+      <a:font script="Mlym" typeface="Kartika"/>
+      <a:font script="Laoo" typeface="DokChampa"/>
+      <a:font script="Sinh" typeface="Iskoola Pota"/>
+      <a:font script="Mong" typeface="Mongolian Baiti"/>
+      <a:font script="Viet" typeface="Arial"/>
+      <a:font script="Uigh" typeface="Microsoft Uighur"/>
+      <a:font script="Geor" typeface="Sylfaen"/>
+    </a:minorFont>
+  </a:fontScheme>
+  <a:fmtScheme name="Office">
+    <a:fillStyleLst>
+      <a:solidFill>
+        <a:schemeClr val="phClr"/>
+      </a:solidFill>
+      <a:gradFill rotWithShape="1">
+        <a:gsLst>
+          <a:gs pos="0">
+            <a:schemeClr val="phClr">
+              <a:tint val="50000"/>
+              <a:satMod val="300000"/>
+            </a:schemeClr>
+          </a:gs>
+          <a:gs pos="35000">
+            <a:schemeClr val="phClr">
+              <a:tint val="37000"/>
+              <a:satMod val="300000"/>
+            </a:schemeClr>
+          </a:gs>
+          <a:gs pos="100000">
+            <a:schemeClr val="phClr">
+              <a:tint val="15000"/>
+              <a:satMod val="350000"/>
+            </a:schemeClr>
+          </a:gs>
+        </a:gsLst>
+        <a:lin ang="16200000" scaled="1"/>
+      </a:gradFill>
+      <a:gradFill rotWithShape="1">
+        <a:gsLst>
+          <a:gs pos="0">
+            <a:schemeClr val="phClr">
+              <a:tint val="100000"/>
+              <a:shade val="100000"/>
+              <a:satMod val="130000"/>
+            </a:schemeClr>
+          </a:gs>
+          <a:gs pos="100000">
+            <a:schemeClr val="phClr">
+              <a:tint val="50000"/>
+              <a:shade val="100000"/>
+              <a:satMod val="350000"/>
+            </a:schemeClr>
+          </a:gs>
+        </a:gsLst>
+        <a:lin ang="16200000" scaled="0"/>
+      </a:gradFill>
+    </a:fillStyleLst>
+    <a:lnStyleLst>
+      <a:ln w="9525" cap="flat" cmpd="sng" algn="ctr">
+        <a:solidFill>
+          <a:schemeClr val="phClr">
+            <a:shade val="95000"/>
+            <a:satMod val="105000"/>
+          </a:schemeClr>
+        </a:solidFill>
+        <a:prstDash val="solid"/>
+      </a:ln>
+      <a:ln w="25400" cap="flat" cmpd="sng" algn="ctr">
+        <a:solidFill>
+          <a:schemeClr val="phClr"/>
+        </a:solidFill>
+        <a:prstDash val="solid"/>
+      </a:ln>
+      <a:ln w="38100" cap="flat" cmpd="sng" algn="ctr">
+        <a:solidFill>
+          <a:schemeClr val="phClr"/>
+        </a:solidFill>
+        <a:prstDash val="solid"/>
+      </a:ln>
+    </a:lnStyleLst>
+    <a:effectStyleLst>
+      <a:effectStyle>
+        <a:effectLst>
+          <a:outerShdw blurRad="40000" dist="20000" dir="5400000" rotWithShape="0">
+            <a:srgbClr val="000000">
+              <a:alpha val="38000"/>
+            </a:srgbClr>
+          </a:outerShdw>
+        </a:effectLst>
+      </a:effectStyle>
+      <a:effectStyle>
+        <a:effectLst>
+          <a:outerShdw blurRad="40000" dist="23000" dir="5400000" rotWithShape="0">
+            <a:srgbClr val="000000">
+              <a:alpha val="35000"/>
+            </a:srgbClr>
+          </a:outerShdw>
+        </a:effectLst>
+      </a:effectStyle>
+      <a:effectStyle>
+        <a:effectLst>
+          <a:outerShdw blurRad="40000" dist="23000" dir="5400000" rotWithShape="0">
+            <a:srgbClr val="000000">
+              <a:alpha val="35000"/>
+            </a:srgbClr>
+          </a:outerShdw>
+        </a:effectLst>
+        <a:scene3d>
+          <a:camera prst="orthographicFront">
+            <a:rot lat="0" lon="0" rev="0"/>
+          </a:camera>
+          <a:lightRig rig="threePt" dir="t">
+            <a:rot lat="0" lon="0" rev="1200000"/>
+          </a:lightRig>
+        </a:scene3d>
+        <a:sp3d>
+          <a:bevelT w="63500" h="25400"/>
+        </a:sp3d>
+      </a:effectStyle>
+    </a:effectStyleLst>
+    <a:bgFillStyleLst>
+      <a:solidFill>
+        <a:schemeClr val="phClr"/>
+      </a:solidFill>
+      <a:gradFill rotWithShape="1">
+        <a:gsLst>
+          <a:gs pos="0">
+            <a:schemeClr val="phClr">
+              <a:tint val="40000"/>
+              <a:satMod val="350000"/>
+            </a:schemeClr>
+          </a:gs>
+          <a:gs pos="40000">
+            <a:schemeClr val="phClr">
+              <a:tint val="45000"/>
+              <a:shade val="99000"/>
+              <a:satMod val="350000"/>
+            </a:schemeClr>
+          </a:gs>
+          <a:gs pos="100000">
+            <a:schemeClr val="phClr">
+              <a:shade val="20000"/>
+              <a:satMod val="255000"/>
+            </a:schemeClr>
+          </a:gs>
+        </a:gsLst>
+        <a:path path="circle">
+          <a:fillToRect l="50000" t="-80000" r="50000" b="180000"/>
+        </a:path>
+      </a:gradFill>
+      <a:gradFill rotWithShape="1">
+        <a:gsLst>
+          <a:gs pos="0">
+            <a:schemeClr val="phClr">
+              <a:tint val="80000"/>
+              <a:satMod val="300000"/>
+            </a:schemeClr>
+          </a:gs>
+          <a:gs pos="100000">
+            <a:schemeClr val="phClr">
+              <a:shade val="30000"/>
+              <a:satMod val="200000"/>
+            </a:schemeClr>
+          </a:gs>
+        </a:gsLst>
+        <a:path path="circle">
+          <a:fillToRect l="50000" t="50000" r="50000" b="50000"/>
+        </a:path>
+      </a:gradFill>
+    </a:bgFillStyleLst>
+  </a:fmtScheme>
+</a:themeOverride>
 </file>
--- a/doc/partial presentation/partial_presentation.pptx
+++ b/doc/partial presentation/partial_presentation.pptx
@@ -5,10 +5,10 @@
     <p:sldMasterId id="2147483766" r:id="rId1"/>
   </p:sldMasterIdLst>
   <p:notesMasterIdLst>
-    <p:notesMasterId r:id="rId19"/>
+    <p:notesMasterId r:id="rId23"/>
   </p:notesMasterIdLst>
   <p:handoutMasterIdLst>
-    <p:handoutMasterId r:id="rId20"/>
+    <p:handoutMasterId r:id="rId24"/>
   </p:handoutMasterIdLst>
   <p:sldIdLst>
     <p:sldId id="256" r:id="rId2"/>
@@ -17,17 +17,21 @@
     <p:sldId id="280" r:id="rId5"/>
     <p:sldId id="293" r:id="rId6"/>
     <p:sldId id="292" r:id="rId7"/>
-    <p:sldId id="281" r:id="rId8"/>
-    <p:sldId id="286" r:id="rId9"/>
-    <p:sldId id="287" r:id="rId10"/>
-    <p:sldId id="289" r:id="rId11"/>
-    <p:sldId id="294" r:id="rId12"/>
-    <p:sldId id="295" r:id="rId13"/>
-    <p:sldId id="296" r:id="rId14"/>
-    <p:sldId id="288" r:id="rId15"/>
-    <p:sldId id="291" r:id="rId16"/>
-    <p:sldId id="284" r:id="rId17"/>
-    <p:sldId id="278" r:id="rId18"/>
+    <p:sldId id="297" r:id="rId8"/>
+    <p:sldId id="298" r:id="rId9"/>
+    <p:sldId id="281" r:id="rId10"/>
+    <p:sldId id="286" r:id="rId11"/>
+    <p:sldId id="287" r:id="rId12"/>
+    <p:sldId id="289" r:id="rId13"/>
+    <p:sldId id="294" r:id="rId14"/>
+    <p:sldId id="295" r:id="rId15"/>
+    <p:sldId id="296" r:id="rId16"/>
+    <p:sldId id="300" r:id="rId17"/>
+    <p:sldId id="301" r:id="rId18"/>
+    <p:sldId id="288" r:id="rId19"/>
+    <p:sldId id="291" r:id="rId20"/>
+    <p:sldId id="284" r:id="rId21"/>
+    <p:sldId id="278" r:id="rId22"/>
   </p:sldIdLst>
   <p:sldSz cx="9144000" cy="6858000" type="screen4x3"/>
   <p:notesSz cx="6858000" cy="9144000"/>
@@ -176,9 +180,9 @@
           <c:xMode val="edge"/>
           <c:yMode val="edge"/>
           <c:x val="0.129978611801419"/>
-          <c:y val="0.0449118737092257"/>
+          <c:y val="0.129341553562191"/>
           <c:w val="0.831555947277106"/>
-          <c:h val="0.867521669775043"/>
+          <c:h val="0.783091784703805"/>
         </c:manualLayout>
       </c:layout>
       <c:barChart>
@@ -262,7 +266,7 @@
                   <c:v>2.198381</c:v>
                 </c:pt>
                 <c:pt idx="8">
-                  <c:v>2.405855</c:v>
+                  <c:v>2.405854999999998</c:v>
                 </c:pt>
                 <c:pt idx="9">
                   <c:v>2.64023</c:v>
@@ -453,11 +457,11 @@
         </c:dLbls>
         <c:gapWidth val="150"/>
         <c:overlap val="100"/>
-        <c:axId val="100740104"/>
-        <c:axId val="100743080"/>
+        <c:axId val="2094917976"/>
+        <c:axId val="2094920952"/>
       </c:barChart>
       <c:catAx>
-        <c:axId val="100740104"/>
+        <c:axId val="2094917976"/>
         <c:scaling>
           <c:orientation val="minMax"/>
         </c:scaling>
@@ -467,7 +471,7 @@
         <c:majorTickMark val="out"/>
         <c:minorTickMark val="none"/>
         <c:tickLblPos val="nextTo"/>
-        <c:crossAx val="100743080"/>
+        <c:crossAx val="2094920952"/>
         <c:crosses val="autoZero"/>
         <c:auto val="1"/>
         <c:lblAlgn val="ctr"/>
@@ -475,7 +479,7 @@
         <c:noMultiLvlLbl val="0"/>
       </c:catAx>
       <c:valAx>
-        <c:axId val="100743080"/>
+        <c:axId val="2094920952"/>
         <c:scaling>
           <c:logBase val="2.0"/>
           <c:orientation val="minMax"/>
@@ -498,15 +502,7 @@
                 </a:r>
                 <a:r>
                   <a:rPr lang="en-US" baseline="0" dirty="0" smtClean="0"/>
-                  <a:t> time (</a:t>
-                </a:r>
-                <a:r>
-                  <a:rPr lang="en-US" baseline="0" dirty="0" err="1" smtClean="0"/>
-                  <a:t>secs</a:t>
-                </a:r>
-                <a:r>
-                  <a:rPr lang="en-US" baseline="0" dirty="0" smtClean="0"/>
-                  <a:t>)</a:t>
+                  <a:t> time (sec)</a:t>
                 </a:r>
               </a:p>
             </c:rich>
@@ -525,7 +521,7 @@
         <c:majorTickMark val="out"/>
         <c:minorTickMark val="none"/>
         <c:tickLblPos val="nextTo"/>
-        <c:crossAx val="100740104"/>
+        <c:crossAx val="2094917976"/>
         <c:crosses val="autoZero"/>
         <c:crossBetween val="between"/>
       </c:valAx>
@@ -576,12 +572,29 @@
           </a:p>
         </c:rich>
       </c:tx>
-      <c:layout/>
+      <c:layout>
+        <c:manualLayout>
+          <c:xMode val="edge"/>
+          <c:yMode val="edge"/>
+          <c:x val="0.209376836279358"/>
+          <c:y val="0.0250162445544732"/>
+        </c:manualLayout>
+      </c:layout>
       <c:overlay val="1"/>
     </c:title>
     <c:autoTitleDeleted val="0"/>
     <c:plotArea>
-      <c:layout/>
+      <c:layout>
+        <c:manualLayout>
+          <c:layoutTarget val="inner"/>
+          <c:xMode val="edge"/>
+          <c:yMode val="edge"/>
+          <c:x val="0.0924555702845288"/>
+          <c:y val="0.125081222772366"/>
+          <c:w val="0.660831782016891"/>
+          <c:h val="0.795659139879464"/>
+        </c:manualLayout>
+      </c:layout>
       <c:barChart>
         <c:barDir val="col"/>
         <c:grouping val="percentStacked"/>
@@ -815,11 +828,11 @@
         </c:dLbls>
         <c:gapWidth val="150"/>
         <c:overlap val="100"/>
-        <c:axId val="1871355256"/>
-        <c:axId val="1870566136"/>
+        <c:axId val="2094989768"/>
+        <c:axId val="2094992744"/>
       </c:barChart>
       <c:catAx>
-        <c:axId val="1871355256"/>
+        <c:axId val="2094989768"/>
         <c:scaling>
           <c:orientation val="minMax"/>
         </c:scaling>
@@ -829,7 +842,7 @@
         <c:majorTickMark val="out"/>
         <c:minorTickMark val="none"/>
         <c:tickLblPos val="nextTo"/>
-        <c:crossAx val="1870566136"/>
+        <c:crossAx val="2094992744"/>
         <c:crosses val="autoZero"/>
         <c:auto val="1"/>
         <c:lblAlgn val="ctr"/>
@@ -837,7 +850,7 @@
         <c:noMultiLvlLbl val="0"/>
       </c:catAx>
       <c:valAx>
-        <c:axId val="1870566136"/>
+        <c:axId val="2094992744"/>
         <c:scaling>
           <c:orientation val="minMax"/>
         </c:scaling>
@@ -848,14 +861,23 @@
         <c:majorTickMark val="out"/>
         <c:minorTickMark val="none"/>
         <c:tickLblPos val="nextTo"/>
-        <c:crossAx val="1871355256"/>
+        <c:crossAx val="2094989768"/>
         <c:crosses val="autoZero"/>
         <c:crossBetween val="between"/>
       </c:valAx>
     </c:plotArea>
     <c:legend>
       <c:legendPos val="r"/>
-      <c:layout/>
+      <c:layout>
+        <c:manualLayout>
+          <c:xMode val="edge"/>
+          <c:yMode val="edge"/>
+          <c:x val="0.767647787154987"/>
+          <c:y val="0.395927517493465"/>
+          <c:w val="0.196451125711096"/>
+          <c:h val="0.20814496501307"/>
+        </c:manualLayout>
+      </c:layout>
       <c:overlay val="0"/>
     </c:legend>
     <c:plotVisOnly val="1"/>
@@ -912,12 +934,29 @@
           </a:p>
         </c:rich>
       </c:tx>
-      <c:layout/>
+      <c:layout>
+        <c:manualLayout>
+          <c:xMode val="edge"/>
+          <c:yMode val="edge"/>
+          <c:x val="0.131461504811898"/>
+          <c:y val="0.0307872443840551"/>
+        </c:manualLayout>
+      </c:layout>
       <c:overlay val="1"/>
     </c:title>
     <c:autoTitleDeleted val="0"/>
     <c:plotArea>
-      <c:layout/>
+      <c:layout>
+        <c:manualLayout>
+          <c:layoutTarget val="inner"/>
+          <c:xMode val="edge"/>
+          <c:yMode val="edge"/>
+          <c:x val="0.0733681102362205"/>
+          <c:y val="0.146239410824262"/>
+          <c:w val="0.741947725284339"/>
+          <c:h val="0.756216538568296"/>
+        </c:manualLayout>
+      </c:layout>
       <c:lineChart>
         <c:grouping val="standard"/>
         <c:varyColors val="0"/>
@@ -1187,7 +1226,7 @@
                   <c:v>4.815173452312604</c:v>
                 </c:pt>
                 <c:pt idx="6">
-                  <c:v>5.363101148981613</c:v>
+                  <c:v>5.363101148981611</c:v>
                 </c:pt>
                 <c:pt idx="7">
                   <c:v>5.861726526450464</c:v>
@@ -1275,13 +1314,13 @@
                   <c:v>3.962856561264062</c:v>
                 </c:pt>
                 <c:pt idx="4">
-                  <c:v>5.511917097166895</c:v>
+                  <c:v>5.511917097166894</c:v>
                 </c:pt>
                 <c:pt idx="5">
-                  <c:v>6.862040162496255</c:v>
+                  <c:v>6.862040162496253</c:v>
                 </c:pt>
                 <c:pt idx="6">
-                  <c:v>8.01382079176982</c:v>
+                  <c:v>8.013820791769818</c:v>
                 </c:pt>
                 <c:pt idx="7">
                   <c:v>9.029982309635821</c:v>
@@ -1369,10 +1408,10 @@
                   <c:v>3.730807348525437</c:v>
                 </c:pt>
                 <c:pt idx="4">
-                  <c:v>4.657034017682487</c:v>
+                  <c:v>4.657034017682483</c:v>
                 </c:pt>
                 <c:pt idx="5">
-                  <c:v>5.890220720496759</c:v>
+                  <c:v>5.890220720496758</c:v>
                 </c:pt>
                 <c:pt idx="6">
                   <c:v>7.043998387422507</c:v>
@@ -1384,7 +1423,7 @@
                   <c:v>8.32888157819668</c:v>
                 </c:pt>
                 <c:pt idx="9">
-                  <c:v>9.157154711911572</c:v>
+                  <c:v>9.157154711911568</c:v>
                 </c:pt>
               </c:numCache>
             </c:numRef>
@@ -1457,7 +1496,7 @@
                   <c:v>1.358357708558441</c:v>
                 </c:pt>
                 <c:pt idx="2">
-                  <c:v>2.092398635492765</c:v>
+                  <c:v>2.092398635492763</c:v>
                 </c:pt>
                 <c:pt idx="3">
                   <c:v>2.70532665425352</c:v>
@@ -1466,7 +1505,7 @@
                   <c:v>3.855303453437347</c:v>
                 </c:pt>
                 <c:pt idx="5">
-                  <c:v>4.8471197165151</c:v>
+                  <c:v>4.847119716515097</c:v>
                 </c:pt>
                 <c:pt idx="6">
                   <c:v>5.785744295397386</c:v>
@@ -1475,7 +1514,7 @@
                   <c:v>6.402843774006861</c:v>
                 </c:pt>
                 <c:pt idx="8">
-                  <c:v>6.873221603153063</c:v>
+                  <c:v>6.873221603153066</c:v>
                 </c:pt>
                 <c:pt idx="9">
                   <c:v>7.119409511852735</c:v>
@@ -1563,7 +1602,7 @@
                   <c:v>3.092673831891052</c:v>
                 </c:pt>
                 <c:pt idx="6">
-                  <c:v>4.138835099717416</c:v>
+                  <c:v>4.138835099717414</c:v>
                 </c:pt>
                 <c:pt idx="7">
                   <c:v>5.015130450900855</c:v>
@@ -1572,7 +1611,7 @@
                   <c:v>5.77960757933075</c:v>
                 </c:pt>
                 <c:pt idx="9">
-                  <c:v>6.117294617600056</c:v>
+                  <c:v>6.117294617600054</c:v>
                 </c:pt>
               </c:numCache>
             </c:numRef>
@@ -1589,11 +1628,11 @@
         </c:dLbls>
         <c:marker val="1"/>
         <c:smooth val="0"/>
-        <c:axId val="1867155544"/>
-        <c:axId val="1867160104"/>
+        <c:axId val="2131090168"/>
+        <c:axId val="2131094536"/>
       </c:lineChart>
       <c:catAx>
-        <c:axId val="1867155544"/>
+        <c:axId val="2131090168"/>
         <c:scaling>
           <c:orientation val="minMax"/>
         </c:scaling>
@@ -1603,7 +1642,7 @@
         <c:majorTickMark val="out"/>
         <c:minorTickMark val="none"/>
         <c:tickLblPos val="nextTo"/>
-        <c:crossAx val="1867160104"/>
+        <c:crossAx val="2131094536"/>
         <c:crosses val="autoZero"/>
         <c:auto val="1"/>
         <c:lblAlgn val="ctr"/>
@@ -1611,7 +1650,7 @@
         <c:noMultiLvlLbl val="0"/>
       </c:catAx>
       <c:valAx>
-        <c:axId val="1867160104"/>
+        <c:axId val="2131094536"/>
         <c:scaling>
           <c:logBase val="2.0"/>
           <c:orientation val="minMax"/>
@@ -1624,7 +1663,7 @@
         <c:majorTickMark val="out"/>
         <c:minorTickMark val="none"/>
         <c:tickLblPos val="nextTo"/>
-        <c:crossAx val="1867155544"/>
+        <c:crossAx val="2131090168"/>
         <c:crosses val="autoZero"/>
         <c:crossBetween val="between"/>
       </c:valAx>
@@ -1685,7 +1724,17 @@
     </c:title>
     <c:autoTitleDeleted val="0"/>
     <c:plotArea>
-      <c:layout/>
+      <c:layout>
+        <c:manualLayout>
+          <c:layoutTarget val="inner"/>
+          <c:xMode val="edge"/>
+          <c:yMode val="edge"/>
+          <c:x val="0.0785502444164739"/>
+          <c:y val="0.150087816372269"/>
+          <c:w val="0.882788045546351"/>
+          <c:h val="0.752368133020289"/>
+        </c:manualLayout>
+      </c:layout>
       <c:lineChart>
         <c:grouping val="standard"/>
         <c:varyColors val="0"/>
@@ -1954,7 +2003,7 @@
                   <c:v>1.649207711122983</c:v>
                 </c:pt>
                 <c:pt idx="3">
-                  <c:v>2.179062484408742</c:v>
+                  <c:v>2.17906248440874</c:v>
                 </c:pt>
                 <c:pt idx="4">
                   <c:v>2.666858880715503</c:v>
@@ -2048,25 +2097,25 @@
                   <c:v>1.895099815731934</c:v>
                 </c:pt>
                 <c:pt idx="3">
-                  <c:v>2.685471438086479</c:v>
+                  <c:v>2.68547143808648</c:v>
                 </c:pt>
                 <c:pt idx="4">
                   <c:v>3.704698157539512</c:v>
                 </c:pt>
                 <c:pt idx="5">
-                  <c:v>4.622854116254193</c:v>
+                  <c:v>4.62285411625419</c:v>
                 </c:pt>
                 <c:pt idx="6">
                   <c:v>5.330906511624324</c:v>
                 </c:pt>
                 <c:pt idx="7">
-                  <c:v>5.785629162032154</c:v>
+                  <c:v>5.785629162032156</c:v>
                 </c:pt>
                 <c:pt idx="8">
                   <c:v>6.170757133349244</c:v>
                 </c:pt>
                 <c:pt idx="9">
-                  <c:v>6.369306204083443</c:v>
+                  <c:v>6.369306204083442</c:v>
                 </c:pt>
               </c:numCache>
             </c:numRef>
@@ -2142,7 +2191,7 @@
                   <c:v>2.028308679513573</c:v>
                 </c:pt>
                 <c:pt idx="3">
-                  <c:v>3.083237852637928</c:v>
+                  <c:v>3.08323785263793</c:v>
                 </c:pt>
                 <c:pt idx="4">
                   <c:v>4.770100407837236</c:v>
@@ -2365,11 +2414,11 @@
         </c:dLbls>
         <c:marker val="1"/>
         <c:smooth val="0"/>
-        <c:axId val="1871927784"/>
-        <c:axId val="1871932328"/>
+        <c:axId val="2131145192"/>
+        <c:axId val="2131149592"/>
       </c:lineChart>
       <c:catAx>
-        <c:axId val="1871927784"/>
+        <c:axId val="2131145192"/>
         <c:scaling>
           <c:orientation val="minMax"/>
         </c:scaling>
@@ -2379,7 +2428,7 @@
         <c:majorTickMark val="out"/>
         <c:minorTickMark val="none"/>
         <c:tickLblPos val="nextTo"/>
-        <c:crossAx val="1871932328"/>
+        <c:crossAx val="2131149592"/>
         <c:crosses val="autoZero"/>
         <c:auto val="1"/>
         <c:lblAlgn val="ctr"/>
@@ -2387,7 +2436,7 @@
         <c:noMultiLvlLbl val="0"/>
       </c:catAx>
       <c:valAx>
-        <c:axId val="1871932328"/>
+        <c:axId val="2131149592"/>
         <c:scaling>
           <c:logBase val="2.0"/>
           <c:orientation val="minMax"/>
@@ -2400,16 +2449,11 @@
         <c:majorTickMark val="out"/>
         <c:minorTickMark val="none"/>
         <c:tickLblPos val="nextTo"/>
-        <c:crossAx val="1871927784"/>
+        <c:crossAx val="2131145192"/>
         <c:crosses val="autoZero"/>
         <c:crossBetween val="between"/>
       </c:valAx>
     </c:plotArea>
-    <c:legend>
-      <c:legendPos val="r"/>
-      <c:layout/>
-      <c:overlay val="0"/>
-    </c:legend>
     <c:plotVisOnly val="1"/>
     <c:dispBlanksAs val="gap"/>
     <c:showDLblsOverMax val="0"/>
@@ -2491,8 +2535,8 @@
         <c:manualLayout>
           <c:xMode val="edge"/>
           <c:yMode val="edge"/>
-          <c:x val="0.37966261337586"/>
-          <c:y val="0.169603524229075"/>
+          <c:x val="0.140738562742948"/>
+          <c:y val="0.129492158884039"/>
         </c:manualLayout>
       </c:layout>
       <c:overlay val="0"/>
@@ -2690,7 +2734,7 @@
                 <c:formatCode>0.0</c:formatCode>
                 <c:ptCount val="10"/>
                 <c:pt idx="0">
-                  <c:v>1.166721617982498</c:v>
+                  <c:v>1.166721617982497</c:v>
                 </c:pt>
                 <c:pt idx="1">
                   <c:v>1.830841256470163</c:v>
@@ -2705,19 +2749,19 @@
                   <c:v>4.248968045435006</c:v>
                 </c:pt>
                 <c:pt idx="5">
-                  <c:v>4.610479276870919</c:v>
+                  <c:v>4.610479276870915</c:v>
                 </c:pt>
                 <c:pt idx="6">
                   <c:v>4.815798769220626</c:v>
                 </c:pt>
                 <c:pt idx="7">
-                  <c:v>4.997148836358371</c:v>
+                  <c:v>4.997148836358369</c:v>
                 </c:pt>
                 <c:pt idx="8">
                   <c:v>5.041998353072417</c:v>
                 </c:pt>
                 <c:pt idx="9">
-                  <c:v>5.019847922417959</c:v>
+                  <c:v>5.019847922417958</c:v>
                 </c:pt>
               </c:numCache>
             </c:numRef>
@@ -2785,7 +2829,7 @@
                   <c:v>3.641938675967477</c:v>
                 </c:pt>
                 <c:pt idx="3">
-                  <c:v>5.424076220389017</c:v>
+                  <c:v>5.424076220389015</c:v>
                 </c:pt>
                 <c:pt idx="4">
                   <c:v>7.084079729966697</c:v>
@@ -2794,10 +2838,10 @@
                   <c:v>8.233080969506101</c:v>
                 </c:pt>
                 <c:pt idx="6">
-                  <c:v>9.027228082519676</c:v>
+                  <c:v>9.027228082519668</c:v>
                 </c:pt>
                 <c:pt idx="7">
-                  <c:v>9.478696825442314</c:v>
+                  <c:v>9.478696825442318</c:v>
                 </c:pt>
                 <c:pt idx="8">
                   <c:v>9.673150291870168</c:v>
@@ -2865,13 +2909,13 @@
                   <c:v>1.331719649472053</c:v>
                 </c:pt>
                 <c:pt idx="1">
-                  <c:v>2.426933844912789</c:v>
+                  <c:v>2.42693384491279</c:v>
                 </c:pt>
                 <c:pt idx="2">
-                  <c:v>4.184941209760262</c:v>
+                  <c:v>4.18494120976026</c:v>
                 </c:pt>
                 <c:pt idx="3">
-                  <c:v>6.684618670680801</c:v>
+                  <c:v>6.684618670680799</c:v>
                 </c:pt>
                 <c:pt idx="4">
                   <c:v>9.840932084276392</c:v>
@@ -2972,10 +3016,10 @@
                   <c:v>26.23630689523458</c:v>
                 </c:pt>
                 <c:pt idx="8">
-                  <c:v>28.68324294952206</c:v>
+                  <c:v>28.68324294952204</c:v>
                 </c:pt>
                 <c:pt idx="9">
-                  <c:v>29.9365897929217</c:v>
+                  <c:v>29.93658979292168</c:v>
                 </c:pt>
               </c:numCache>
             </c:numRef>
@@ -3248,13 +3292,13 @@
                   <c:v>0.956052055376289</c:v>
                 </c:pt>
                 <c:pt idx="1">
-                  <c:v>2.023587851307386</c:v>
+                  <c:v>2.023587851307388</c:v>
                 </c:pt>
                 <c:pt idx="2">
                   <c:v>3.18073801755434</c:v>
                 </c:pt>
                 <c:pt idx="3">
-                  <c:v>6.722246807915521</c:v>
+                  <c:v>6.722246807915519</c:v>
                 </c:pt>
                 <c:pt idx="4">
                   <c:v>11.62581609600833</c:v>
@@ -3343,10 +3387,10 @@
                   <c:v>3.180503436973653</c:v>
                 </c:pt>
                 <c:pt idx="4">
-                  <c:v>5.715952834772851</c:v>
+                  <c:v>5.71595283477285</c:v>
                 </c:pt>
                 <c:pt idx="5">
-                  <c:v>9.667210651020836</c:v>
+                  <c:v>9.667210651020833</c:v>
                 </c:pt>
                 <c:pt idx="6">
                   <c:v>15.38596655994941</c:v>
@@ -3374,12 +3418,12 @@
         </c:dLbls>
         <c:gapWidth val="150"/>
         <c:shape val="box"/>
-        <c:axId val="1869891048"/>
-        <c:axId val="1869787160"/>
-        <c:axId val="1871397576"/>
+        <c:axId val="2131248632"/>
+        <c:axId val="2131254376"/>
+        <c:axId val="2131257768"/>
       </c:bar3DChart>
       <c:catAx>
-        <c:axId val="1869891048"/>
+        <c:axId val="2131248632"/>
         <c:scaling>
           <c:orientation val="maxMin"/>
         </c:scaling>
@@ -3410,8 +3454,8 @@
             <c:manualLayout>
               <c:xMode val="edge"/>
               <c:yMode val="edge"/>
-              <c:x val="0.444029079039171"/>
-              <c:y val="0.916877449790142"/>
+              <c:x val="0.162383509418918"/>
+              <c:y val="0.850025047704692"/>
             </c:manualLayout>
           </c:layout>
           <c:overlay val="0"/>
@@ -3434,7 +3478,7 @@
             <a:endParaRPr lang="en-US"/>
           </a:p>
         </c:txPr>
-        <c:crossAx val="1869787160"/>
+        <c:crossAx val="2131254376"/>
         <c:crossesAt val="1.0"/>
         <c:auto val="1"/>
         <c:lblAlgn val="ctr"/>
@@ -3442,7 +3486,7 @@
         <c:noMultiLvlLbl val="0"/>
       </c:catAx>
       <c:valAx>
-        <c:axId val="1869787160"/>
+        <c:axId val="2131254376"/>
         <c:scaling>
           <c:logBase val="2.0"/>
           <c:orientation val="minMax"/>
@@ -3472,12 +3516,12 @@
             <a:endParaRPr lang="en-US"/>
           </a:p>
         </c:txPr>
-        <c:crossAx val="1869891048"/>
+        <c:crossAx val="2131248632"/>
         <c:crosses val="autoZero"/>
         <c:crossBetween val="between"/>
       </c:valAx>
       <c:serAx>
-        <c:axId val="1871397576"/>
+        <c:axId val="2131257768"/>
         <c:scaling>
           <c:orientation val="minMax"/>
         </c:scaling>
@@ -3503,8 +3547,8 @@
             <c:manualLayout>
               <c:xMode val="edge"/>
               <c:yMode val="edge"/>
-              <c:x val="0.850815060301007"/>
-              <c:y val="0.86804571785355"/>
+              <c:x val="0.817587212199741"/>
+              <c:y val="0.845761586208409"/>
             </c:manualLayout>
           </c:layout>
           <c:overlay val="0"/>
@@ -3538,7 +3582,7 @@
             <a:endParaRPr lang="en-US"/>
           </a:p>
         </c:txPr>
-        <c:crossAx val="1869787160"/>
+        <c:crossAx val="2131254376"/>
         <c:crossesAt val="1.0"/>
         <c:tickLblSkip val="1"/>
         <c:tickMarkSkip val="1"/>
@@ -3613,7 +3657,14 @@
           </a:p>
         </c:rich>
       </c:tx>
-      <c:layout/>
+      <c:layout>
+        <c:manualLayout>
+          <c:xMode val="edge"/>
+          <c:yMode val="edge"/>
+          <c:x val="0.286919512915184"/>
+          <c:y val="0.0"/>
+        </c:manualLayout>
+      </c:layout>
       <c:overlay val="1"/>
     </c:title>
     <c:autoTitleDeleted val="0"/>
@@ -3638,10 +3689,10 @@
           <c:layoutTarget val="inner"/>
           <c:xMode val="edge"/>
           <c:yMode val="edge"/>
-          <c:x val="0.0845417862486815"/>
-          <c:y val="0.0367231638418079"/>
-          <c:w val="0.870853754262026"/>
-          <c:h val="0.905800524934383"/>
+          <c:x val="0.0713883763443007"/>
+          <c:y val="0.067345119727247"/>
+          <c:w val="0.894801438483717"/>
+          <c:h val="0.87517852794118"/>
         </c:manualLayout>
       </c:layout>
       <c:bar3DChart>
@@ -3710,7 +3761,7 @@
                   <c:v>1330.404804296247</c:v>
                 </c:pt>
                 <c:pt idx="6">
-                  <c:v>563.9457251872235</c:v>
+                  <c:v>563.9457251872232</c:v>
                 </c:pt>
               </c:numCache>
             </c:numRef>
@@ -3778,7 +3829,7 @@
                   <c:v>1775.183978386872</c:v>
                 </c:pt>
                 <c:pt idx="6">
-                  <c:v>724.8224280359981</c:v>
+                  <c:v>724.8224280359977</c:v>
                 </c:pt>
               </c:numCache>
             </c:numRef>
@@ -3908,7 +3959,7 @@
                   <c:v>4467.103123884381</c:v>
                 </c:pt>
                 <c:pt idx="4">
-                  <c:v>4205.527226020198</c:v>
+                  <c:v>4205.5272260202</c:v>
                 </c:pt>
                 <c:pt idx="5">
                   <c:v>3049.561083404125</c:v>
@@ -3976,7 +4027,7 @@
                   <c:v>5948.148182097983</c:v>
                 </c:pt>
                 <c:pt idx="4">
-                  <c:v>5025.606869247837</c:v>
+                  <c:v>5025.60686924784</c:v>
                 </c:pt>
                 <c:pt idx="5">
                   <c:v>4160.424734941378</c:v>
@@ -4041,7 +4092,7 @@
                   <c:v>5059.94380968789</c:v>
                 </c:pt>
                 <c:pt idx="3">
-                  <c:v>7210.859169647718</c:v>
+                  <c:v>7210.85916964772</c:v>
                 </c:pt>
                 <c:pt idx="4">
                   <c:v>6189.639099721056</c:v>
@@ -4134,7 +4185,7 @@
                   <c:v>2965.427798038787</c:v>
                 </c:pt>
                 <c:pt idx="2">
-                  <c:v>5525.192974617185</c:v>
+                  <c:v>5525.192974617188</c:v>
                 </c:pt>
                 <c:pt idx="3">
                   <c:v>8256.0267107652</c:v>
@@ -4143,7 +4194,7 @@
                   <c:v>7256.892854014498</c:v>
                 </c:pt>
                 <c:pt idx="5">
-                  <c:v>5960.609887048523</c:v>
+                  <c:v>5960.609887048521</c:v>
                 </c:pt>
                 <c:pt idx="6">
                   <c:v>4263.925288897451</c:v>
@@ -4230,7 +4281,7 @@
                   <c:v>3147.841087086032</c:v>
                 </c:pt>
                 <c:pt idx="2">
-                  <c:v>5923.53474673521</c:v>
+                  <c:v>5923.534746735209</c:v>
                 </c:pt>
                 <c:pt idx="3">
                   <c:v>9125.19779491014</c:v>
@@ -4320,7 +4371,7 @@
                 <c:formatCode>0.00E+00</c:formatCode>
                 <c:ptCount val="7"/>
                 <c:pt idx="0">
-                  <c:v>1768.363453967779</c:v>
+                  <c:v>1768.36345396778</c:v>
                 </c:pt>
                 <c:pt idx="1">
                   <c:v>3362.882291142245</c:v>
@@ -4335,10 +4386,10 @@
                   <c:v>8267.390826705623</c:v>
                 </c:pt>
                 <c:pt idx="5">
-                  <c:v>6822.477747861754</c:v>
+                  <c:v>6822.477747861752</c:v>
                 </c:pt>
                 <c:pt idx="6">
-                  <c:v>5736.937695020376</c:v>
+                  <c:v>5736.937695020373</c:v>
                 </c:pt>
               </c:numCache>
             </c:numRef>
@@ -4422,13 +4473,13 @@
                   <c:v>3526.728397583776</c:v>
                 </c:pt>
                 <c:pt idx="2">
-                  <c:v>6421.433035036239</c:v>
+                  <c:v>6421.433035036237</c:v>
                 </c:pt>
                 <c:pt idx="3">
                   <c:v>10041.05809605406</c:v>
                 </c:pt>
                 <c:pt idx="4">
-                  <c:v>8962.715021465552</c:v>
+                  <c:v>8962.715021465548</c:v>
                 </c:pt>
                 <c:pt idx="5">
                   <c:v>6968.238561356246</c:v>
@@ -4450,12 +4501,12 @@
         </c:dLbls>
         <c:gapWidth val="150"/>
         <c:shape val="box"/>
-        <c:axId val="1865267272"/>
-        <c:axId val="1870786856"/>
-        <c:axId val="1873251080"/>
+        <c:axId val="2131345256"/>
+        <c:axId val="2131350984"/>
+        <c:axId val="2131354056"/>
       </c:bar3DChart>
       <c:catAx>
-        <c:axId val="1865267272"/>
+        <c:axId val="2131345256"/>
         <c:scaling>
           <c:orientation val="minMax"/>
         </c:scaling>
@@ -4472,7 +4523,7 @@
                 </a:pPr>
                 <a:r>
                   <a:rPr lang="en-US" sz="1200" dirty="0" smtClean="0"/>
-                  <a:t>threads</a:t>
+                  <a:t># threads</a:t>
                 </a:r>
                 <a:endParaRPr lang="en-US" sz="1200" dirty="0"/>
               </a:p>
@@ -4482,8 +4533,8 @@
             <c:manualLayout>
               <c:xMode val="edge"/>
               <c:yMode val="edge"/>
-              <c:x val="0.412834400372851"/>
-              <c:y val="0.955096534543351"/>
+              <c:x val="0.328687123946254"/>
+              <c:y val="0.891300696108272"/>
             </c:manualLayout>
           </c:layout>
           <c:overlay val="0"/>
@@ -4492,7 +4543,7 @@
         <c:majorTickMark val="out"/>
         <c:minorTickMark val="none"/>
         <c:tickLblPos val="nextTo"/>
-        <c:crossAx val="1870786856"/>
+        <c:crossAx val="2131350984"/>
         <c:crosses val="autoZero"/>
         <c:auto val="1"/>
         <c:lblAlgn val="ctr"/>
@@ -4500,7 +4551,7 @@
         <c:noMultiLvlLbl val="0"/>
       </c:catAx>
       <c:valAx>
-        <c:axId val="1870786856"/>
+        <c:axId val="2131350984"/>
         <c:scaling>
           <c:orientation val="minMax"/>
         </c:scaling>
@@ -4511,12 +4562,12 @@
         <c:majorTickMark val="out"/>
         <c:minorTickMark val="none"/>
         <c:tickLblPos val="nextTo"/>
-        <c:crossAx val="1865267272"/>
+        <c:crossAx val="2131345256"/>
         <c:crosses val="autoZero"/>
         <c:crossBetween val="between"/>
       </c:valAx>
       <c:serAx>
-        <c:axId val="1873251080"/>
+        <c:axId val="2131354056"/>
         <c:scaling>
           <c:orientation val="minMax"/>
         </c:scaling>
@@ -4547,8 +4598,8 @@
             <c:manualLayout>
               <c:xMode val="edge"/>
               <c:yMode val="edge"/>
-              <c:x val="0.856827826428238"/>
-              <c:y val="0.714859869211264"/>
+              <c:x val="0.815956325966205"/>
+              <c:y val="0.732722674676078"/>
             </c:manualLayout>
           </c:layout>
           <c:overlay val="0"/>
@@ -4556,7 +4607,7 @@
         <c:majorTickMark val="out"/>
         <c:minorTickMark val="none"/>
         <c:tickLblPos val="nextTo"/>
-        <c:crossAx val="1870786856"/>
+        <c:crossAx val="2131350984"/>
         <c:crosses val="autoZero"/>
       </c:serAx>
     </c:plotArea>
@@ -4652,7 +4703,7 @@
           <a:p>
             <a:fld id="{6A2E8799-AB43-2B49-B174-EA2922AE8430}" type="datetime1">
               <a:rPr lang="pt-PT" smtClean="0"/>
-              <a:t>06/06/13</a:t>
+              <a:t>03/Jul/13</a:t>
             </a:fld>
             <a:endParaRPr lang="en-US"/>
           </a:p>
@@ -4818,7 +4869,7 @@
           <a:p>
             <a:fld id="{DB45264F-2348-A448-9001-BE25E1EF061F}" type="datetime1">
               <a:rPr lang="pt-PT" smtClean="0"/>
-              <a:t>06/06/13</a:t>
+              <a:t>03/Jul/13</a:t>
             </a:fld>
             <a:endParaRPr lang="en-US"/>
           </a:p>
@@ -5434,8 +5485,29 @@
             </a:r>
             <a:r>
               <a:rPr lang="en-US" baseline="0" dirty="0" smtClean="0"/>
-              <a:t> de Higgs</a:t>
-            </a:r>
+              <a:t> de Higgs </a:t>
+            </a:r>
+            <a:r>
+              <a:rPr lang="en-US" baseline="0" dirty="0" err="1" smtClean="0"/>
+              <a:t>utiliando</a:t>
+            </a:r>
+            <a:r>
+              <a:rPr lang="en-US" baseline="0" dirty="0" smtClean="0"/>
+              <a:t> </a:t>
+            </a:r>
+            <a:r>
+              <a:rPr lang="en-US" baseline="0" dirty="0" err="1" smtClean="0"/>
+              <a:t>código</a:t>
+            </a:r>
+            <a:r>
+              <a:rPr lang="en-US" baseline="0" dirty="0" smtClean="0"/>
+              <a:t> </a:t>
+            </a:r>
+            <a:r>
+              <a:rPr lang="en-US" b="1" u="sng" baseline="0" dirty="0" err="1" smtClean="0"/>
+              <a:t>eficiente</a:t>
+            </a:r>
+            <a:endParaRPr lang="en-US" b="1" u="sng" baseline="0" dirty="0" smtClean="0"/>
           </a:p>
           <a:p>
             <a:pPr marL="228600" indent="-228600">
@@ -5886,7 +5958,7 @@
           <a:p>
             <a:fld id="{A9A0AF8B-7AB8-1E42-BD6E-C06D71D719CD}" type="slidenum">
               <a:rPr lang="en-US" smtClean="0"/>
-              <a:t>10</a:t>
+              <a:t>12</a:t>
             </a:fld>
             <a:endParaRPr lang="en-US"/>
           </a:p>
@@ -5949,7 +6021,39 @@
           <a:bodyPr/>
           <a:lstStyle/>
           <a:p>
-            <a:endParaRPr lang="en-US"/>
+            <a:r>
+              <a:rPr lang="en-US" dirty="0" smtClean="0"/>
+              <a:t>“Independent” of global state</a:t>
+            </a:r>
+          </a:p>
+          <a:p>
+            <a:r>
+              <a:rPr lang="en-US" dirty="0" smtClean="0"/>
+              <a:t>Has 2 nested cycles</a:t>
+            </a:r>
+          </a:p>
+          <a:p>
+            <a:r>
+              <a:rPr lang="en-US" dirty="0" smtClean="0"/>
+              <a:t>Outer cycle (# comb) is event dependent</a:t>
+            </a:r>
+          </a:p>
+          <a:p>
+            <a:r>
+              <a:rPr lang="en-US" dirty="0" smtClean="0"/>
+              <a:t>Inner cycle (#</a:t>
+            </a:r>
+            <a:r>
+              <a:rPr lang="en-US" dirty="0" err="1" smtClean="0"/>
+              <a:t>var</a:t>
+            </a:r>
+            <a:r>
+              <a:rPr lang="en-US" dirty="0" smtClean="0"/>
+              <a:t>) is user defined</a:t>
+            </a:r>
+          </a:p>
+          <a:p>
+            <a:endParaRPr lang="en-US" dirty="0"/>
           </a:p>
         </p:txBody>
       </p:sp>
@@ -5970,7 +6074,207 @@
           <a:p>
             <a:fld id="{A9A0AF8B-7AB8-1E42-BD6E-C06D71D719CD}" type="slidenum">
               <a:rPr lang="en-US" smtClean="0"/>
+              <a:t>16</a:t>
+            </a:fld>
+            <a:endParaRPr lang="en-US"/>
+          </a:p>
+        </p:txBody>
+      </p:sp>
+    </p:spTree>
+    <p:extLst>
+      <p:ext uri="{BB962C8B-B14F-4D97-AF65-F5344CB8AC3E}">
+        <p14:creationId xmlns:p14="http://schemas.microsoft.com/office/powerpoint/2010/main" val="3500966823"/>
+      </p:ext>
+    </p:extLst>
+  </p:cSld>
+  <p:clrMapOvr>
+    <a:masterClrMapping/>
+  </p:clrMapOvr>
+</p:notes>
+</file>
+
+<file path=ppt/notesSlides/notesSlide5.xml><?xml version="1.0" encoding="utf-8"?>
+<p:notes xmlns:a="http://schemas.openxmlformats.org/drawingml/2006/main" xmlns:r="http://schemas.openxmlformats.org/officeDocument/2006/relationships" xmlns:p="http://schemas.openxmlformats.org/presentationml/2006/main">
+  <p:cSld>
+    <p:spTree>
+      <p:nvGrpSpPr>
+        <p:cNvPr id="1" name=""/>
+        <p:cNvGrpSpPr/>
+        <p:nvPr/>
+      </p:nvGrpSpPr>
+      <p:grpSpPr>
+        <a:xfrm>
+          <a:off x="0" y="0"/>
+          <a:ext cx="0" cy="0"/>
+          <a:chOff x="0" y="0"/>
+          <a:chExt cx="0" cy="0"/>
+        </a:xfrm>
+      </p:grpSpPr>
+      <p:sp>
+        <p:nvSpPr>
+          <p:cNvPr id="2" name="Slide Image Placeholder 1"/>
+          <p:cNvSpPr>
+            <a:spLocks noGrp="1" noRot="1" noChangeAspect="1"/>
+          </p:cNvSpPr>
+          <p:nvPr>
+            <p:ph type="sldImg"/>
+          </p:nvPr>
+        </p:nvSpPr>
+        <p:spPr/>
+      </p:sp>
+      <p:sp>
+        <p:nvSpPr>
+          <p:cNvPr id="3" name="Notes Placeholder 2"/>
+          <p:cNvSpPr>
+            <a:spLocks noGrp="1"/>
+          </p:cNvSpPr>
+          <p:nvPr>
+            <p:ph type="body" idx="1"/>
+          </p:nvPr>
+        </p:nvSpPr>
+        <p:spPr/>
+        <p:txBody>
+          <a:bodyPr/>
+          <a:lstStyle/>
+          <a:p>
+            <a:r>
+              <a:rPr lang="en-US" dirty="0" smtClean="0"/>
+              <a:t>“Independent” of global state</a:t>
+            </a:r>
+          </a:p>
+          <a:p>
+            <a:r>
+              <a:rPr lang="en-US" dirty="0" smtClean="0"/>
+              <a:t>Has 2 nested cycles</a:t>
+            </a:r>
+          </a:p>
+          <a:p>
+            <a:r>
+              <a:rPr lang="en-US" dirty="0" smtClean="0"/>
+              <a:t>Outer cycle (# comb) is event dependent</a:t>
+            </a:r>
+          </a:p>
+          <a:p>
+            <a:r>
+              <a:rPr lang="en-US" dirty="0" smtClean="0"/>
+              <a:t>Inner cycle (#</a:t>
+            </a:r>
+            <a:r>
+              <a:rPr lang="en-US" dirty="0" err="1" smtClean="0"/>
+              <a:t>var</a:t>
+            </a:r>
+            <a:r>
+              <a:rPr lang="en-US" dirty="0" smtClean="0"/>
+              <a:t>) is user defined</a:t>
+            </a:r>
+          </a:p>
+          <a:p>
+            <a:endParaRPr lang="en-US" dirty="0"/>
+          </a:p>
+        </p:txBody>
+      </p:sp>
+      <p:sp>
+        <p:nvSpPr>
+          <p:cNvPr id="4" name="Slide Number Placeholder 3"/>
+          <p:cNvSpPr>
+            <a:spLocks noGrp="1"/>
+          </p:cNvSpPr>
+          <p:nvPr>
+            <p:ph type="sldNum" sz="quarter" idx="10"/>
+          </p:nvPr>
+        </p:nvSpPr>
+        <p:spPr/>
+        <p:txBody>
+          <a:bodyPr/>
+          <a:lstStyle/>
+          <a:p>
+            <a:fld id="{A9A0AF8B-7AB8-1E42-BD6E-C06D71D719CD}" type="slidenum">
+              <a:rPr lang="en-US" smtClean="0"/>
               <a:t>17</a:t>
+            </a:fld>
+            <a:endParaRPr lang="en-US"/>
+          </a:p>
+        </p:txBody>
+      </p:sp>
+    </p:spTree>
+    <p:extLst>
+      <p:ext uri="{BB962C8B-B14F-4D97-AF65-F5344CB8AC3E}">
+        <p14:creationId xmlns:p14="http://schemas.microsoft.com/office/powerpoint/2010/main" val="3500966823"/>
+      </p:ext>
+    </p:extLst>
+  </p:cSld>
+  <p:clrMapOvr>
+    <a:masterClrMapping/>
+  </p:clrMapOvr>
+</p:notes>
+</file>
+
+<file path=ppt/notesSlides/notesSlide6.xml><?xml version="1.0" encoding="utf-8"?>
+<p:notes xmlns:a="http://schemas.openxmlformats.org/drawingml/2006/main" xmlns:r="http://schemas.openxmlformats.org/officeDocument/2006/relationships" xmlns:p="http://schemas.openxmlformats.org/presentationml/2006/main">
+  <p:cSld>
+    <p:spTree>
+      <p:nvGrpSpPr>
+        <p:cNvPr id="1" name=""/>
+        <p:cNvGrpSpPr/>
+        <p:nvPr/>
+      </p:nvGrpSpPr>
+      <p:grpSpPr>
+        <a:xfrm>
+          <a:off x="0" y="0"/>
+          <a:ext cx="0" cy="0"/>
+          <a:chOff x="0" y="0"/>
+          <a:chExt cx="0" cy="0"/>
+        </a:xfrm>
+      </p:grpSpPr>
+      <p:sp>
+        <p:nvSpPr>
+          <p:cNvPr id="2" name="Slide Image Placeholder 1"/>
+          <p:cNvSpPr>
+            <a:spLocks noGrp="1" noRot="1" noChangeAspect="1"/>
+          </p:cNvSpPr>
+          <p:nvPr>
+            <p:ph type="sldImg"/>
+          </p:nvPr>
+        </p:nvSpPr>
+        <p:spPr/>
+      </p:sp>
+      <p:sp>
+        <p:nvSpPr>
+          <p:cNvPr id="3" name="Notes Placeholder 2"/>
+          <p:cNvSpPr>
+            <a:spLocks noGrp="1"/>
+          </p:cNvSpPr>
+          <p:nvPr>
+            <p:ph type="body" idx="1"/>
+          </p:nvPr>
+        </p:nvSpPr>
+        <p:spPr/>
+        <p:txBody>
+          <a:bodyPr/>
+          <a:lstStyle/>
+          <a:p>
+            <a:endParaRPr lang="en-US"/>
+          </a:p>
+        </p:txBody>
+      </p:sp>
+      <p:sp>
+        <p:nvSpPr>
+          <p:cNvPr id="4" name="Slide Number Placeholder 3"/>
+          <p:cNvSpPr>
+            <a:spLocks noGrp="1"/>
+          </p:cNvSpPr>
+          <p:nvPr>
+            <p:ph type="sldNum" sz="quarter" idx="10"/>
+          </p:nvPr>
+        </p:nvSpPr>
+        <p:spPr/>
+        <p:txBody>
+          <a:bodyPr/>
+          <a:lstStyle/>
+          <a:p>
+            <a:fld id="{A9A0AF8B-7AB8-1E42-BD6E-C06D71D719CD}" type="slidenum">
+              <a:rPr lang="en-US" smtClean="0"/>
+              <a:t>21</a:t>
             </a:fld>
             <a:endParaRPr lang="en-US"/>
           </a:p>
@@ -6280,7 +6584,7 @@
           <a:p>
             <a:fld id="{698A196A-D1E5-4340-8BE3-B866CF21B8F2}" type="datetime1">
               <a:rPr lang="pt-PT" smtClean="0"/>
-              <a:t>06/06/13</a:t>
+              <a:t>03/Jul/13</a:t>
             </a:fld>
             <a:endParaRPr lang="en-US"/>
           </a:p>
@@ -6471,7 +6775,7 @@
           <a:p>
             <a:fld id="{EA06EC9D-7BE1-BB4B-8BF2-9C3028D32265}" type="datetime1">
               <a:rPr lang="pt-PT" smtClean="0"/>
-              <a:t>06/06/13</a:t>
+              <a:t>03/Jul/13</a:t>
             </a:fld>
             <a:endParaRPr lang="en-US"/>
           </a:p>
@@ -6656,7 +6960,7 @@
           <a:p>
             <a:fld id="{F547368A-8DB1-584C-98BB-A837081FF51B}" type="datetime1">
               <a:rPr lang="pt-PT" smtClean="0"/>
-              <a:t>06/06/13</a:t>
+              <a:t>03/Jul/13</a:t>
             </a:fld>
             <a:endParaRPr lang="en-US"/>
           </a:p>
@@ -6919,7 +7223,7 @@
           <a:p>
             <a:fld id="{6C93BBA0-4CEB-6543-A2C5-55B6B9ACDD71}" type="datetime1">
               <a:rPr lang="pt-PT" smtClean="0"/>
-              <a:t>06/06/13</a:t>
+              <a:t>03/Jul/13</a:t>
             </a:fld>
             <a:endParaRPr lang="en-US"/>
           </a:p>
@@ -7335,7 +7639,7 @@
           <a:p>
             <a:fld id="{AB436747-84A9-2541-AEEB-6D0EB5BA80A6}" type="datetime1">
               <a:rPr lang="pt-PT" smtClean="0"/>
-              <a:t>06/06/13</a:t>
+              <a:t>03/Jul/13</a:t>
             </a:fld>
             <a:endParaRPr lang="en-US"/>
           </a:p>
@@ -7577,7 +7881,7 @@
           <a:p>
             <a:fld id="{94C05F9E-3D3E-4D4C-B397-C26386612109}" type="datetime1">
               <a:rPr lang="pt-PT" smtClean="0"/>
-              <a:t>06/06/13</a:t>
+              <a:t>03/Jul/13</a:t>
             </a:fld>
             <a:endParaRPr lang="en-US"/>
           </a:p>
@@ -7813,7 +8117,7 @@
           <a:p>
             <a:fld id="{8C61650D-5624-F240-8414-01FAD79630CE}" type="datetime1">
               <a:rPr lang="pt-PT" smtClean="0"/>
-              <a:t>06/06/13</a:t>
+              <a:t>03/Jul/13</a:t>
             </a:fld>
             <a:endParaRPr lang="en-US"/>
           </a:p>
@@ -8008,7 +8312,7 @@
           <a:p>
             <a:fld id="{1C769D5D-B1BE-734E-9F7A-7C11301FE3ED}" type="datetime1">
               <a:rPr lang="pt-PT" smtClean="0"/>
-              <a:t>06/06/13</a:t>
+              <a:t>03/Jul/13</a:t>
             </a:fld>
             <a:endParaRPr lang="en-US"/>
           </a:p>
@@ -8106,7 +8410,7 @@
           <a:p>
             <a:fld id="{2C9B0DCB-9A71-4641-9D2C-CD31FD221208}" type="datetime1">
               <a:rPr lang="pt-PT" smtClean="0"/>
-              <a:t>06/06/13</a:t>
+              <a:t>03/Jul/13</a:t>
             </a:fld>
             <a:endParaRPr lang="en-US"/>
           </a:p>
@@ -8242,7 +8546,7 @@
           <a:p>
             <a:fld id="{DA74B8EE-6C65-2D4E-A8C6-BB77A48159F6}" type="datetime1">
               <a:rPr lang="pt-PT" smtClean="0"/>
-              <a:t>06/06/13</a:t>
+              <a:t>03/Jul/13</a:t>
             </a:fld>
             <a:endParaRPr lang="en-US"/>
           </a:p>
@@ -8760,7 +9064,7 @@
           <a:p>
             <a:fld id="{CFB562F7-F8CF-2447-8ED7-A1B5C21E542A}" type="datetime1">
               <a:rPr lang="pt-PT" smtClean="0"/>
-              <a:t>06/06/13</a:t>
+              <a:t>03/Jul/13</a:t>
             </a:fld>
             <a:endParaRPr lang="en-US"/>
           </a:p>
@@ -9021,7 +9325,7 @@
           <a:p>
             <a:fld id="{19F4885C-3C53-1047-BC44-878C9835E565}" type="datetime1">
               <a:rPr lang="pt-PT" smtClean="0"/>
-              <a:t>06/06/13</a:t>
+              <a:t>03/Jul/13</a:t>
             </a:fld>
             <a:endParaRPr lang="en-US"/>
           </a:p>
@@ -9851,21 +10155,13 @@
         <p:spPr/>
         <p:txBody>
           <a:bodyPr>
-            <a:normAutofit/>
+            <a:normAutofit fontScale="90000"/>
           </a:bodyPr>
           <a:lstStyle/>
           <a:p>
             <a:r>
               <a:rPr lang="en-US" dirty="0" smtClean="0"/>
-              <a:t>Alternative 1: parallelize </a:t>
-            </a:r>
-            <a:r>
-              <a:rPr lang="en-US" dirty="0" err="1" smtClean="0"/>
-              <a:t>KinFit</a:t>
-            </a:r>
-            <a:r>
-              <a:rPr lang="en-US" dirty="0" smtClean="0"/>
-              <a:t> </a:t>
+              <a:t>Improving efficiency with parallelism…</a:t>
             </a:r>
             <a:endParaRPr lang="en-US" dirty="0"/>
           </a:p>
@@ -9891,6 +10187,522 @@
             <a:fld id="{9C1F5A0A-F6FC-4FFD-9B49-0DA8697211D9}" type="slidenum">
               <a:rPr lang="en-US" smtClean="0"/>
               <a:t>10</a:t>
+            </a:fld>
+            <a:endParaRPr lang="en-US"/>
+          </a:p>
+        </p:txBody>
+      </p:sp>
+      <p:sp>
+        <p:nvSpPr>
+          <p:cNvPr id="6" name="Footer Placeholder 5"/>
+          <p:cNvSpPr>
+            <a:spLocks noGrp="1"/>
+          </p:cNvSpPr>
+          <p:nvPr>
+            <p:ph type="ftr" sz="quarter" idx="17"/>
+          </p:nvPr>
+        </p:nvSpPr>
+        <p:spPr/>
+        <p:txBody>
+          <a:bodyPr/>
+          <a:lstStyle/>
+          <a:p>
+            <a:endParaRPr lang="en-US"/>
+          </a:p>
+        </p:txBody>
+      </p:sp>
+      <p:sp>
+        <p:nvSpPr>
+          <p:cNvPr id="7" name="Text Placeholder 6"/>
+          <p:cNvSpPr>
+            <a:spLocks noGrp="1"/>
+          </p:cNvSpPr>
+          <p:nvPr>
+            <p:ph type="body" sz="quarter" idx="1"/>
+          </p:nvPr>
+        </p:nvSpPr>
+        <p:spPr>
+          <a:solidFill>
+            <a:schemeClr val="accent1">
+              <a:lumMod val="75000"/>
+            </a:schemeClr>
+          </a:solidFill>
+        </p:spPr>
+        <p:txBody>
+          <a:bodyPr/>
+          <a:lstStyle/>
+          <a:p>
+            <a:r>
+              <a:rPr lang="en-US" dirty="0" smtClean="0"/>
+              <a:t>Sequential</a:t>
+            </a:r>
+            <a:endParaRPr lang="en-US" dirty="0"/>
+          </a:p>
+        </p:txBody>
+      </p:sp>
+      <p:sp>
+        <p:nvSpPr>
+          <p:cNvPr id="8" name="Text Placeholder 7"/>
+          <p:cNvSpPr>
+            <a:spLocks noGrp="1"/>
+          </p:cNvSpPr>
+          <p:nvPr>
+            <p:ph type="body" sz="quarter" idx="3"/>
+          </p:nvPr>
+        </p:nvSpPr>
+        <p:spPr>
+          <a:solidFill>
+            <a:srgbClr val="376092"/>
+          </a:solidFill>
+        </p:spPr>
+        <p:txBody>
+          <a:bodyPr/>
+          <a:lstStyle/>
+          <a:p>
+            <a:r>
+              <a:rPr lang="en-US" dirty="0" smtClean="0"/>
+              <a:t>Parallel</a:t>
+            </a:r>
+            <a:endParaRPr lang="en-US" dirty="0"/>
+          </a:p>
+        </p:txBody>
+      </p:sp>
+      <p:pic>
+        <p:nvPicPr>
+          <p:cNvPr id="12" name="Content Placeholder 11" descr="global_state_seq.png"/>
+          <p:cNvPicPr>
+            <a:picLocks noGrp="1" noChangeAspect="1"/>
+          </p:cNvPicPr>
+          <p:nvPr>
+            <p:ph sz="quarter" idx="2"/>
+          </p:nvPr>
+        </p:nvPicPr>
+        <p:blipFill>
+          <a:blip r:embed="rId2">
+            <a:extLst>
+              <a:ext uri="{28A0092B-C50C-407E-A947-70E740481C1C}">
+                <a14:useLocalDpi xmlns:a14="http://schemas.microsoft.com/office/drawing/2010/main" val="0"/>
+              </a:ext>
+            </a:extLst>
+          </a:blip>
+          <a:srcRect t="-22998" b="-22998"/>
+          <a:stretch>
+            <a:fillRect/>
+          </a:stretch>
+        </p:blipFill>
+        <p:spPr/>
+      </p:pic>
+      <p:pic>
+        <p:nvPicPr>
+          <p:cNvPr id="14" name="Content Placeholder 13" descr="global_state_par.png"/>
+          <p:cNvPicPr>
+            <a:picLocks noGrp="1" noChangeAspect="1"/>
+          </p:cNvPicPr>
+          <p:nvPr>
+            <p:ph sz="quarter" idx="4"/>
+          </p:nvPr>
+        </p:nvPicPr>
+        <p:blipFill>
+          <a:blip r:embed="rId3">
+            <a:extLst>
+              <a:ext uri="{28A0092B-C50C-407E-A947-70E740481C1C}">
+                <a14:useLocalDpi xmlns:a14="http://schemas.microsoft.com/office/drawing/2010/main" val="0"/>
+              </a:ext>
+            </a:extLst>
+          </a:blip>
+          <a:srcRect t="-36821" b="-36821"/>
+          <a:stretch>
+            <a:fillRect/>
+          </a:stretch>
+        </p:blipFill>
+        <p:spPr/>
+      </p:pic>
+    </p:spTree>
+    <p:extLst>
+      <p:ext uri="{BB962C8B-B14F-4D97-AF65-F5344CB8AC3E}">
+        <p14:creationId xmlns:p14="http://schemas.microsoft.com/office/powerpoint/2010/main" val="427413715"/>
+      </p:ext>
+    </p:extLst>
+  </p:cSld>
+  <p:clrMapOvr>
+    <a:masterClrMapping/>
+  </p:clrMapOvr>
+  <p:timing>
+    <p:tnLst>
+      <p:par>
+        <p:cTn xmlns:p14="http://schemas.microsoft.com/office/powerpoint/2010/main" id="1" dur="indefinite" restart="never" nodeType="tmRoot"/>
+      </p:par>
+    </p:tnLst>
+  </p:timing>
+</p:sld>
+</file>
+
+<file path=ppt/slides/slide11.xml><?xml version="1.0" encoding="utf-8"?>
+<p:sld xmlns:a="http://schemas.openxmlformats.org/drawingml/2006/main" xmlns:r="http://schemas.openxmlformats.org/officeDocument/2006/relationships" xmlns:p="http://schemas.openxmlformats.org/presentationml/2006/main">
+  <p:cSld>
+    <p:spTree>
+      <p:nvGrpSpPr>
+        <p:cNvPr id="1" name=""/>
+        <p:cNvGrpSpPr/>
+        <p:nvPr/>
+      </p:nvGrpSpPr>
+      <p:grpSpPr>
+        <a:xfrm>
+          <a:off x="0" y="0"/>
+          <a:ext cx="0" cy="0"/>
+          <a:chOff x="0" y="0"/>
+          <a:chExt cx="0" cy="0"/>
+        </a:xfrm>
+      </p:grpSpPr>
+      <p:sp>
+        <p:nvSpPr>
+          <p:cNvPr id="2" name="Title 1"/>
+          <p:cNvSpPr>
+            <a:spLocks noGrp="1"/>
+          </p:cNvSpPr>
+          <p:nvPr>
+            <p:ph type="title"/>
+          </p:nvPr>
+        </p:nvSpPr>
+        <p:spPr/>
+        <p:txBody>
+          <a:bodyPr>
+            <a:normAutofit/>
+          </a:bodyPr>
+          <a:lstStyle/>
+          <a:p>
+            <a:r>
+              <a:rPr lang="en-US" dirty="0" smtClean="0"/>
+              <a:t>… no way with event global state!</a:t>
+            </a:r>
+            <a:endParaRPr lang="en-US" dirty="0"/>
+          </a:p>
+        </p:txBody>
+      </p:sp>
+      <p:sp>
+        <p:nvSpPr>
+          <p:cNvPr id="5" name="Slide Number Placeholder 4"/>
+          <p:cNvSpPr>
+            <a:spLocks noGrp="1"/>
+          </p:cNvSpPr>
+          <p:nvPr>
+            <p:ph type="sldNum" sz="quarter" idx="16"/>
+          </p:nvPr>
+        </p:nvSpPr>
+        <p:spPr/>
+        <p:txBody>
+          <a:bodyPr>
+            <a:normAutofit fontScale="85000" lnSpcReduction="20000"/>
+          </a:bodyPr>
+          <a:lstStyle/>
+          <a:p>
+            <a:fld id="{9C1F5A0A-F6FC-4FFD-9B49-0DA8697211D9}" type="slidenum">
+              <a:rPr lang="en-US" smtClean="0"/>
+              <a:t>11</a:t>
+            </a:fld>
+            <a:endParaRPr lang="en-US"/>
+          </a:p>
+        </p:txBody>
+      </p:sp>
+      <p:sp>
+        <p:nvSpPr>
+          <p:cNvPr id="6" name="Footer Placeholder 5"/>
+          <p:cNvSpPr>
+            <a:spLocks noGrp="1"/>
+          </p:cNvSpPr>
+          <p:nvPr>
+            <p:ph type="ftr" sz="quarter" idx="17"/>
+          </p:nvPr>
+        </p:nvSpPr>
+        <p:spPr/>
+        <p:txBody>
+          <a:bodyPr/>
+          <a:lstStyle/>
+          <a:p>
+            <a:endParaRPr lang="en-US"/>
+          </a:p>
+        </p:txBody>
+      </p:sp>
+      <p:sp>
+        <p:nvSpPr>
+          <p:cNvPr id="7" name="Text Placeholder 6"/>
+          <p:cNvSpPr>
+            <a:spLocks noGrp="1"/>
+          </p:cNvSpPr>
+          <p:nvPr>
+            <p:ph type="body" sz="quarter" idx="1"/>
+          </p:nvPr>
+        </p:nvSpPr>
+        <p:spPr>
+          <a:solidFill>
+            <a:schemeClr val="accent1">
+              <a:lumMod val="75000"/>
+            </a:schemeClr>
+          </a:solidFill>
+        </p:spPr>
+        <p:txBody>
+          <a:bodyPr/>
+          <a:lstStyle/>
+          <a:p>
+            <a:r>
+              <a:rPr lang="en-US" dirty="0" smtClean="0"/>
+              <a:t>Sequential</a:t>
+            </a:r>
+            <a:endParaRPr lang="en-US" dirty="0"/>
+          </a:p>
+        </p:txBody>
+      </p:sp>
+      <p:sp>
+        <p:nvSpPr>
+          <p:cNvPr id="8" name="Text Placeholder 7"/>
+          <p:cNvSpPr>
+            <a:spLocks noGrp="1"/>
+          </p:cNvSpPr>
+          <p:nvPr>
+            <p:ph type="body" sz="quarter" idx="3"/>
+          </p:nvPr>
+        </p:nvSpPr>
+        <p:spPr>
+          <a:solidFill>
+            <a:srgbClr val="376092"/>
+          </a:solidFill>
+        </p:spPr>
+        <p:txBody>
+          <a:bodyPr/>
+          <a:lstStyle/>
+          <a:p>
+            <a:r>
+              <a:rPr lang="en-US" dirty="0" smtClean="0"/>
+              <a:t>Parallel</a:t>
+            </a:r>
+            <a:endParaRPr lang="en-US" dirty="0"/>
+          </a:p>
+        </p:txBody>
+      </p:sp>
+      <p:pic>
+        <p:nvPicPr>
+          <p:cNvPr id="12" name="Content Placeholder 11" descr="global_state_seq.png"/>
+          <p:cNvPicPr>
+            <a:picLocks noGrp="1" noChangeAspect="1"/>
+          </p:cNvPicPr>
+          <p:nvPr>
+            <p:ph sz="quarter" idx="2"/>
+          </p:nvPr>
+        </p:nvPicPr>
+        <p:blipFill>
+          <a:blip r:embed="rId2">
+            <a:extLst>
+              <a:ext uri="{28A0092B-C50C-407E-A947-70E740481C1C}">
+                <a14:useLocalDpi xmlns:a14="http://schemas.microsoft.com/office/drawing/2010/main" val="0"/>
+              </a:ext>
+            </a:extLst>
+          </a:blip>
+          <a:srcRect t="-22998" b="-22998"/>
+          <a:stretch>
+            <a:fillRect/>
+          </a:stretch>
+        </p:blipFill>
+        <p:spPr/>
+      </p:pic>
+      <p:pic>
+        <p:nvPicPr>
+          <p:cNvPr id="14" name="Content Placeholder 13" descr="global_state_par.png"/>
+          <p:cNvPicPr>
+            <a:picLocks noGrp="1" noChangeAspect="1"/>
+          </p:cNvPicPr>
+          <p:nvPr>
+            <p:ph sz="quarter" idx="4"/>
+          </p:nvPr>
+        </p:nvPicPr>
+        <p:blipFill>
+          <a:blip r:embed="rId3">
+            <a:extLst>
+              <a:ext uri="{28A0092B-C50C-407E-A947-70E740481C1C}">
+                <a14:useLocalDpi xmlns:a14="http://schemas.microsoft.com/office/drawing/2010/main" val="0"/>
+              </a:ext>
+            </a:extLst>
+          </a:blip>
+          <a:srcRect t="-36821" b="-36821"/>
+          <a:stretch>
+            <a:fillRect/>
+          </a:stretch>
+        </p:blipFill>
+        <p:spPr/>
+      </p:pic>
+      <p:sp>
+        <p:nvSpPr>
+          <p:cNvPr id="15" name="&quot;No&quot; Symbol 14"/>
+          <p:cNvSpPr/>
+          <p:nvPr/>
+        </p:nvSpPr>
+        <p:spPr>
+          <a:xfrm>
+            <a:off x="6985467" y="3834253"/>
+            <a:ext cx="793803" cy="805925"/>
+          </a:xfrm>
+          <a:prstGeom prst="noSmoking">
+            <a:avLst/>
+          </a:prstGeom>
+          <a:solidFill>
+            <a:srgbClr val="FF0000"/>
+          </a:solidFill>
+          <a:ln>
+            <a:solidFill>
+              <a:schemeClr val="accent2">
+                <a:lumMod val="75000"/>
+              </a:schemeClr>
+            </a:solidFill>
+          </a:ln>
+        </p:spPr>
+        <p:style>
+          <a:lnRef idx="1">
+            <a:schemeClr val="accent1"/>
+          </a:lnRef>
+          <a:fillRef idx="3">
+            <a:schemeClr val="accent1"/>
+          </a:fillRef>
+          <a:effectRef idx="2">
+            <a:schemeClr val="accent1"/>
+          </a:effectRef>
+          <a:fontRef idx="minor">
+            <a:schemeClr val="lt1"/>
+          </a:fontRef>
+        </p:style>
+        <p:txBody>
+          <a:bodyPr rtlCol="0" anchor="ctr"/>
+          <a:lstStyle/>
+          <a:p>
+            <a:pPr algn="ctr"/>
+            <a:endParaRPr lang="en-US">
+              <a:solidFill>
+                <a:schemeClr val="tx1"/>
+              </a:solidFill>
+            </a:endParaRPr>
+          </a:p>
+        </p:txBody>
+      </p:sp>
+    </p:spTree>
+    <p:extLst>
+      <p:ext uri="{BB962C8B-B14F-4D97-AF65-F5344CB8AC3E}">
+        <p14:creationId xmlns:p14="http://schemas.microsoft.com/office/powerpoint/2010/main" val="3650932000"/>
+      </p:ext>
+    </p:extLst>
+  </p:cSld>
+  <p:clrMapOvr>
+    <a:masterClrMapping/>
+  </p:clrMapOvr>
+  <p:timing>
+    <p:tnLst>
+      <p:par>
+        <p:cTn xmlns:p14="http://schemas.microsoft.com/office/powerpoint/2010/main" id="1" dur="indefinite" restart="never" nodeType="tmRoot"/>
+      </p:par>
+    </p:tnLst>
+  </p:timing>
+</p:sld>
+</file>
+
+<file path=ppt/slides/slide12.xml><?xml version="1.0" encoding="utf-8"?>
+<p:sld xmlns:a="http://schemas.openxmlformats.org/drawingml/2006/main" xmlns:r="http://schemas.openxmlformats.org/officeDocument/2006/relationships" xmlns:p="http://schemas.openxmlformats.org/presentationml/2006/main">
+  <p:cSld>
+    <p:spTree>
+      <p:nvGrpSpPr>
+        <p:cNvPr id="1" name=""/>
+        <p:cNvGrpSpPr/>
+        <p:nvPr/>
+      </p:nvGrpSpPr>
+      <p:grpSpPr>
+        <a:xfrm>
+          <a:off x="0" y="0"/>
+          <a:ext cx="0" cy="0"/>
+          <a:chOff x="0" y="0"/>
+          <a:chExt cx="0" cy="0"/>
+        </a:xfrm>
+      </p:grpSpPr>
+      <p:sp>
+        <p:nvSpPr>
+          <p:cNvPr id="2" name="Title 1"/>
+          <p:cNvSpPr>
+            <a:spLocks noGrp="1"/>
+          </p:cNvSpPr>
+          <p:nvPr>
+            <p:ph type="title"/>
+          </p:nvPr>
+        </p:nvSpPr>
+        <p:spPr/>
+        <p:txBody>
+          <a:bodyPr>
+            <a:normAutofit fontScale="90000"/>
+          </a:bodyPr>
+          <a:lstStyle/>
+          <a:p>
+            <a:pPr>
+              <a:lnSpc>
+                <a:spcPts val="4000"/>
+              </a:lnSpc>
+            </a:pPr>
+            <a:r>
+              <a:rPr lang="en-US" dirty="0" smtClean="0"/>
+              <a:t>Alternative </a:t>
+            </a:r>
+            <a:r>
+              <a:rPr lang="en-US" dirty="0" smtClean="0"/>
+              <a:t>1a: </a:t>
+            </a:r>
+            <a:r>
+              <a:rPr lang="en-US" dirty="0" smtClean="0"/>
+              <a:t>parallelize </a:t>
+            </a:r>
+            <a:r>
+              <a:rPr lang="en-US" dirty="0" err="1" smtClean="0"/>
+              <a:t>KinFit</a:t>
+            </a:r>
+            <a:r>
+              <a:rPr lang="en-US" dirty="0" smtClean="0"/>
+              <a:t>, </a:t>
+            </a:r>
+            <a:br>
+              <a:rPr lang="en-US" dirty="0" smtClean="0"/>
+            </a:br>
+            <a:r>
+              <a:rPr lang="en-US" dirty="0" smtClean="0"/>
+              <a:t>  </a:t>
+            </a:r>
+            <a:r>
+              <a:rPr lang="en-US" sz="4000" dirty="0" smtClean="0"/>
+              <a:t>  	  </a:t>
+            </a:r>
+            <a:r>
+              <a:rPr lang="en-US" sz="4000" dirty="0" smtClean="0"/>
+              <a:t>shared memory, </a:t>
+            </a:r>
+            <a:r>
+              <a:rPr lang="en-US" sz="4000" dirty="0" smtClean="0"/>
+              <a:t>no h/w accelerators </a:t>
+            </a:r>
+            <a:endParaRPr lang="en-US" dirty="0"/>
+          </a:p>
+        </p:txBody>
+      </p:sp>
+      <p:sp>
+        <p:nvSpPr>
+          <p:cNvPr id="5" name="Slide Number Placeholder 4"/>
+          <p:cNvSpPr>
+            <a:spLocks noGrp="1"/>
+          </p:cNvSpPr>
+          <p:nvPr>
+            <p:ph type="sldNum" sz="quarter" idx="16"/>
+          </p:nvPr>
+        </p:nvSpPr>
+        <p:spPr/>
+        <p:txBody>
+          <a:bodyPr>
+            <a:normAutofit fontScale="85000" lnSpcReduction="20000"/>
+          </a:bodyPr>
+          <a:lstStyle/>
+          <a:p>
+            <a:fld id="{9C1F5A0A-F6FC-4FFD-9B49-0DA8697211D9}" type="slidenum">
+              <a:rPr lang="en-US" smtClean="0"/>
+              <a:t>12</a:t>
             </a:fld>
             <a:endParaRPr lang="en-US"/>
           </a:p>
@@ -10032,324 +10844,6 @@
 </p:sld>
 </file>
 
-<file path=ppt/slides/slide11.xml><?xml version="1.0" encoding="utf-8"?>
-<p:sld xmlns:a="http://schemas.openxmlformats.org/drawingml/2006/main" xmlns:r="http://schemas.openxmlformats.org/officeDocument/2006/relationships" xmlns:p="http://schemas.openxmlformats.org/presentationml/2006/main">
-  <p:cSld>
-    <p:spTree>
-      <p:nvGrpSpPr>
-        <p:cNvPr id="1" name=""/>
-        <p:cNvGrpSpPr/>
-        <p:nvPr/>
-      </p:nvGrpSpPr>
-      <p:grpSpPr>
-        <a:xfrm>
-          <a:off x="0" y="0"/>
-          <a:ext cx="0" cy="0"/>
-          <a:chOff x="0" y="0"/>
-          <a:chExt cx="0" cy="0"/>
-        </a:xfrm>
-      </p:grpSpPr>
-      <p:sp>
-        <p:nvSpPr>
-          <p:cNvPr id="2" name="Title 1"/>
-          <p:cNvSpPr>
-            <a:spLocks noGrp="1"/>
-          </p:cNvSpPr>
-          <p:nvPr>
-            <p:ph type="title"/>
-          </p:nvPr>
-        </p:nvSpPr>
-        <p:spPr/>
-        <p:txBody>
-          <a:bodyPr/>
-          <a:lstStyle/>
-          <a:p>
-            <a:r>
-              <a:rPr lang="en-US" dirty="0" smtClean="0"/>
-              <a:t>Some results (</a:t>
-            </a:r>
-            <a:r>
-              <a:rPr lang="en-US" dirty="0" err="1" smtClean="0"/>
-              <a:t>mudar</a:t>
-            </a:r>
-            <a:r>
-              <a:rPr lang="en-US" dirty="0" smtClean="0"/>
-              <a:t> </a:t>
-            </a:r>
-            <a:r>
-              <a:rPr lang="en-US" dirty="0" err="1" smtClean="0"/>
-              <a:t>t</a:t>
-            </a:r>
-            <a:r>
-              <a:rPr lang="en-US" dirty="0" err="1" smtClean="0"/>
-              <a:t>í</a:t>
-            </a:r>
-            <a:r>
-              <a:rPr lang="en-US" dirty="0" err="1" smtClean="0"/>
-              <a:t>tulo</a:t>
-            </a:r>
-            <a:r>
-              <a:rPr lang="en-US" dirty="0" smtClean="0"/>
-              <a:t>)</a:t>
-            </a:r>
-            <a:endParaRPr lang="en-US" dirty="0"/>
-          </a:p>
-        </p:txBody>
-      </p:sp>
-      <p:sp>
-        <p:nvSpPr>
-          <p:cNvPr id="3" name="Footer Placeholder 2"/>
-          <p:cNvSpPr>
-            <a:spLocks noGrp="1"/>
-          </p:cNvSpPr>
-          <p:nvPr>
-            <p:ph type="ftr" sz="quarter" idx="11"/>
-          </p:nvPr>
-        </p:nvSpPr>
-        <p:spPr/>
-        <p:txBody>
-          <a:bodyPr/>
-          <a:lstStyle/>
-          <a:p>
-            <a:endParaRPr lang="en-US"/>
-          </a:p>
-        </p:txBody>
-      </p:sp>
-      <p:sp>
-        <p:nvSpPr>
-          <p:cNvPr id="4" name="Slide Number Placeholder 3"/>
-          <p:cNvSpPr>
-            <a:spLocks noGrp="1"/>
-          </p:cNvSpPr>
-          <p:nvPr>
-            <p:ph type="sldNum" sz="quarter" idx="12"/>
-          </p:nvPr>
-        </p:nvSpPr>
-        <p:spPr/>
-        <p:txBody>
-          <a:bodyPr>
-            <a:normAutofit fontScale="85000" lnSpcReduction="20000"/>
-          </a:bodyPr>
-          <a:lstStyle/>
-          <a:p>
-            <a:fld id="{9C1F5A0A-F6FC-4FFD-9B49-0DA8697211D9}" type="slidenum">
-              <a:rPr lang="en-US" smtClean="0"/>
-              <a:t>11</a:t>
-            </a:fld>
-            <a:endParaRPr lang="en-US"/>
-          </a:p>
-        </p:txBody>
-      </p:sp>
-      <p:graphicFrame>
-        <p:nvGraphicFramePr>
-          <p:cNvPr id="8" name="Chart 7"/>
-          <p:cNvGraphicFramePr>
-            <a:graphicFrameLocks/>
-          </p:cNvGraphicFramePr>
-          <p:nvPr>
-            <p:extLst>
-              <p:ext uri="{D42A27DB-BD31-4B8C-83A1-F6EECF244321}">
-                <p14:modId xmlns:p14="http://schemas.microsoft.com/office/powerpoint/2010/main" val="1547952282"/>
-              </p:ext>
-            </p:extLst>
-          </p:nvPr>
-        </p:nvGraphicFramePr>
-        <p:xfrm>
-          <a:off x="4384340" y="2057745"/>
-          <a:ext cx="4572000" cy="2743200"/>
-        </p:xfrm>
-        <a:graphic>
-          <a:graphicData uri="http://schemas.openxmlformats.org/drawingml/2006/chart">
-            <c:chart xmlns:c="http://schemas.openxmlformats.org/drawingml/2006/chart" xmlns:r="http://schemas.openxmlformats.org/officeDocument/2006/relationships" r:id="rId2"/>
-          </a:graphicData>
-        </a:graphic>
-      </p:graphicFrame>
-      <p:graphicFrame>
-        <p:nvGraphicFramePr>
-          <p:cNvPr id="12" name="Chart 11"/>
-          <p:cNvGraphicFramePr>
-            <a:graphicFrameLocks/>
-          </p:cNvGraphicFramePr>
-          <p:nvPr>
-            <p:extLst>
-              <p:ext uri="{D42A27DB-BD31-4B8C-83A1-F6EECF244321}">
-                <p14:modId xmlns:p14="http://schemas.microsoft.com/office/powerpoint/2010/main" val="1772039425"/>
-              </p:ext>
-            </p:extLst>
-          </p:nvPr>
-        </p:nvGraphicFramePr>
-        <p:xfrm>
-          <a:off x="0" y="2057745"/>
-          <a:ext cx="4572000" cy="2743200"/>
-        </p:xfrm>
-        <a:graphic>
-          <a:graphicData uri="http://schemas.openxmlformats.org/drawingml/2006/chart">
-            <c:chart xmlns:c="http://schemas.openxmlformats.org/drawingml/2006/chart" xmlns:r="http://schemas.openxmlformats.org/officeDocument/2006/relationships" r:id="rId3"/>
-          </a:graphicData>
-        </a:graphic>
-      </p:graphicFrame>
-    </p:spTree>
-    <p:extLst>
-      <p:ext uri="{BB962C8B-B14F-4D97-AF65-F5344CB8AC3E}">
-        <p14:creationId xmlns:p14="http://schemas.microsoft.com/office/powerpoint/2010/main" val="2392598931"/>
-      </p:ext>
-    </p:extLst>
-  </p:cSld>
-  <p:clrMapOvr>
-    <a:masterClrMapping/>
-  </p:clrMapOvr>
-</p:sld>
-</file>
-
-<file path=ppt/slides/slide12.xml><?xml version="1.0" encoding="utf-8"?>
-<p:sld xmlns:a="http://schemas.openxmlformats.org/drawingml/2006/main" xmlns:r="http://schemas.openxmlformats.org/officeDocument/2006/relationships" xmlns:p="http://schemas.openxmlformats.org/presentationml/2006/main">
-  <p:cSld>
-    <p:spTree>
-      <p:nvGrpSpPr>
-        <p:cNvPr id="1" name=""/>
-        <p:cNvGrpSpPr/>
-        <p:nvPr/>
-      </p:nvGrpSpPr>
-      <p:grpSpPr>
-        <a:xfrm>
-          <a:off x="0" y="0"/>
-          <a:ext cx="0" cy="0"/>
-          <a:chOff x="0" y="0"/>
-          <a:chExt cx="0" cy="0"/>
-        </a:xfrm>
-      </p:grpSpPr>
-      <p:sp>
-        <p:nvSpPr>
-          <p:cNvPr id="2" name="Title 1"/>
-          <p:cNvSpPr>
-            <a:spLocks noGrp="1"/>
-          </p:cNvSpPr>
-          <p:nvPr>
-            <p:ph type="title"/>
-          </p:nvPr>
-        </p:nvSpPr>
-        <p:spPr>
-          <a:xfrm>
-            <a:off x="612648" y="228600"/>
-            <a:ext cx="8153400" cy="990600"/>
-          </a:xfrm>
-        </p:spPr>
-        <p:txBody>
-          <a:bodyPr/>
-          <a:lstStyle/>
-          <a:p>
-            <a:r>
-              <a:rPr lang="en-US" dirty="0"/>
-              <a:t>Some results (</a:t>
-            </a:r>
-            <a:r>
-              <a:rPr lang="en-US" dirty="0" err="1"/>
-              <a:t>mudar</a:t>
-            </a:r>
-            <a:r>
-              <a:rPr lang="en-US" dirty="0"/>
-              <a:t> </a:t>
-            </a:r>
-            <a:r>
-              <a:rPr lang="en-US" dirty="0" err="1" smtClean="0"/>
-              <a:t>t</a:t>
-            </a:r>
-            <a:r>
-              <a:rPr lang="en-US" dirty="0" err="1" smtClean="0"/>
-              <a:t>í</a:t>
-            </a:r>
-            <a:r>
-              <a:rPr lang="en-US" dirty="0" err="1" smtClean="0"/>
-              <a:t>tulo</a:t>
-            </a:r>
-            <a:r>
-              <a:rPr lang="en-US" dirty="0"/>
-              <a:t>)</a:t>
-            </a:r>
-          </a:p>
-        </p:txBody>
-      </p:sp>
-      <p:sp>
-        <p:nvSpPr>
-          <p:cNvPr id="3" name="Footer Placeholder 2"/>
-          <p:cNvSpPr>
-            <a:spLocks noGrp="1"/>
-          </p:cNvSpPr>
-          <p:nvPr>
-            <p:ph type="ftr" sz="quarter" idx="11"/>
-          </p:nvPr>
-        </p:nvSpPr>
-        <p:spPr/>
-        <p:txBody>
-          <a:bodyPr/>
-          <a:lstStyle/>
-          <a:p>
-            <a:endParaRPr lang="en-US"/>
-          </a:p>
-        </p:txBody>
-      </p:sp>
-      <p:sp>
-        <p:nvSpPr>
-          <p:cNvPr id="4" name="Slide Number Placeholder 3"/>
-          <p:cNvSpPr>
-            <a:spLocks noGrp="1"/>
-          </p:cNvSpPr>
-          <p:nvPr>
-            <p:ph type="sldNum" sz="quarter" idx="12"/>
-          </p:nvPr>
-        </p:nvSpPr>
-        <p:spPr/>
-        <p:txBody>
-          <a:bodyPr>
-            <a:normAutofit fontScale="85000" lnSpcReduction="20000"/>
-          </a:bodyPr>
-          <a:lstStyle/>
-          <a:p>
-            <a:fld id="{9C1F5A0A-F6FC-4FFD-9B49-0DA8697211D9}" type="slidenum">
-              <a:rPr lang="en-US" smtClean="0"/>
-              <a:t>12</a:t>
-            </a:fld>
-            <a:endParaRPr lang="en-US"/>
-          </a:p>
-        </p:txBody>
-      </p:sp>
-      <p:graphicFrame>
-        <p:nvGraphicFramePr>
-          <p:cNvPr id="7" name="Chart 6"/>
-          <p:cNvGraphicFramePr>
-            <a:graphicFrameLocks/>
-          </p:cNvGraphicFramePr>
-          <p:nvPr>
-            <p:extLst>
-              <p:ext uri="{D42A27DB-BD31-4B8C-83A1-F6EECF244321}">
-                <p14:modId xmlns:p14="http://schemas.microsoft.com/office/powerpoint/2010/main" val="1300751283"/>
-              </p:ext>
-            </p:extLst>
-          </p:nvPr>
-        </p:nvGraphicFramePr>
-        <p:xfrm>
-          <a:off x="558800" y="546100"/>
-          <a:ext cx="8026400" cy="5765800"/>
-        </p:xfrm>
-        <a:graphic>
-          <a:graphicData uri="http://schemas.openxmlformats.org/drawingml/2006/chart">
-            <c:chart xmlns:c="http://schemas.openxmlformats.org/drawingml/2006/chart" xmlns:r="http://schemas.openxmlformats.org/officeDocument/2006/relationships" r:id="rId2"/>
-          </a:graphicData>
-        </a:graphic>
-      </p:graphicFrame>
-    </p:spTree>
-    <p:extLst>
-      <p:ext uri="{BB962C8B-B14F-4D97-AF65-F5344CB8AC3E}">
-        <p14:creationId xmlns:p14="http://schemas.microsoft.com/office/powerpoint/2010/main" val="1227033809"/>
-      </p:ext>
-    </p:extLst>
-  </p:cSld>
-  <p:clrMapOvr>
-    <a:masterClrMapping/>
-  </p:clrMapOvr>
-</p:sld>
-</file>
-
 <file path=ppt/slides/slide13.xml><?xml version="1.0" encoding="utf-8"?>
 <p:sld xmlns:a="http://schemas.openxmlformats.org/drawingml/2006/main" xmlns:r="http://schemas.openxmlformats.org/officeDocument/2006/relationships" xmlns:p="http://schemas.openxmlformats.org/presentationml/2006/main">
   <p:cSld>
@@ -10384,7 +10878,23 @@
           <a:p>
             <a:r>
               <a:rPr lang="en-US" dirty="0" smtClean="0"/>
-              <a:t>Some results</a:t>
+              <a:t>Some results (</a:t>
+            </a:r>
+            <a:r>
+              <a:rPr lang="en-US" dirty="0" err="1" smtClean="0"/>
+              <a:t>mudar</a:t>
+            </a:r>
+            <a:r>
+              <a:rPr lang="en-US" dirty="0" smtClean="0"/>
+              <a:t> </a:t>
+            </a:r>
+            <a:r>
+              <a:rPr lang="en-US" dirty="0" err="1" smtClean="0"/>
+              <a:t>título</a:t>
+            </a:r>
+            <a:r>
+              <a:rPr lang="en-US" dirty="0" smtClean="0"/>
+              <a:t>)</a:t>
             </a:r>
             <a:endParaRPr lang="en-US" dirty="0"/>
           </a:p>
@@ -10405,7 +10915,11 @@
           <a:bodyPr/>
           <a:lstStyle/>
           <a:p>
-            <a:endParaRPr lang="en-US"/>
+            <a:r>
+              <a:rPr lang="en-US" dirty="0" smtClean="0"/>
+              <a:t>System with dual Intel Xeon 8-core with 2x SMT (total: 32 virtual cores)</a:t>
+            </a:r>
+            <a:endParaRPr lang="en-US" dirty="0"/>
           </a:p>
         </p:txBody>
       </p:sp>
@@ -10436,22 +10950,21 @@
       </p:sp>
       <p:graphicFrame>
         <p:nvGraphicFramePr>
-          <p:cNvPr id="7" name="Content Placeholder 6"/>
+          <p:cNvPr id="8" name="Chart 7"/>
           <p:cNvGraphicFramePr>
-            <a:graphicFrameLocks noGrp="1"/>
+            <a:graphicFrameLocks/>
           </p:cNvGraphicFramePr>
           <p:nvPr>
-            <p:ph sz="quarter" idx="1"/>
             <p:extLst>
               <p:ext uri="{D42A27DB-BD31-4B8C-83A1-F6EECF244321}">
-                <p14:modId xmlns:p14="http://schemas.microsoft.com/office/powerpoint/2010/main" val="2156982303"/>
+                <p14:modId xmlns:p14="http://schemas.microsoft.com/office/powerpoint/2010/main" val="1138110177"/>
               </p:ext>
             </p:extLst>
           </p:nvPr>
         </p:nvGraphicFramePr>
         <p:xfrm>
-          <a:off x="612775" y="1600200"/>
-          <a:ext cx="8153400" cy="4495800"/>
+          <a:off x="4384340" y="2057745"/>
+          <a:ext cx="4572000" cy="3300068"/>
         </p:xfrm>
         <a:graphic>
           <a:graphicData uri="http://schemas.openxmlformats.org/drawingml/2006/chart">
@@ -10459,16 +10972,85 @@
           </a:graphicData>
         </a:graphic>
       </p:graphicFrame>
+      <p:graphicFrame>
+        <p:nvGraphicFramePr>
+          <p:cNvPr id="12" name="Chart 11"/>
+          <p:cNvGraphicFramePr>
+            <a:graphicFrameLocks/>
+          </p:cNvGraphicFramePr>
+          <p:nvPr>
+            <p:extLst>
+              <p:ext uri="{D42A27DB-BD31-4B8C-83A1-F6EECF244321}">
+                <p14:modId xmlns:p14="http://schemas.microsoft.com/office/powerpoint/2010/main" val="3976229768"/>
+              </p:ext>
+            </p:extLst>
+          </p:nvPr>
+        </p:nvGraphicFramePr>
+        <p:xfrm>
+          <a:off x="277812" y="2057745"/>
+          <a:ext cx="4270375" cy="3300068"/>
+        </p:xfrm>
+        <a:graphic>
+          <a:graphicData uri="http://schemas.openxmlformats.org/drawingml/2006/chart">
+            <c:chart xmlns:c="http://schemas.openxmlformats.org/drawingml/2006/chart" xmlns:r="http://schemas.openxmlformats.org/officeDocument/2006/relationships" r:id="rId3"/>
+          </a:graphicData>
+        </a:graphic>
+      </p:graphicFrame>
+      <p:sp>
+        <p:nvSpPr>
+          <p:cNvPr id="5" name="TextBox 4"/>
+          <p:cNvSpPr txBox="1"/>
+          <p:nvPr/>
+        </p:nvSpPr>
+        <p:spPr>
+          <a:xfrm>
+            <a:off x="3445715" y="5778501"/>
+            <a:ext cx="1877249" cy="369332"/>
+          </a:xfrm>
+          <a:prstGeom prst="rect">
+            <a:avLst/>
+          </a:prstGeom>
+          <a:noFill/>
+        </p:spPr>
+        <p:txBody>
+          <a:bodyPr wrap="none" rtlCol="0">
+            <a:spAutoFit/>
+          </a:bodyPr>
+          <a:lstStyle/>
+          <a:p>
+            <a:r>
+              <a:rPr lang="en-US" dirty="0" smtClean="0">
+                <a:solidFill>
+                  <a:srgbClr val="FF0000"/>
+                </a:solidFill>
+              </a:rPr>
+              <a:t>Y- axis?    X- axis?</a:t>
+            </a:r>
+            <a:endParaRPr lang="en-US" dirty="0">
+              <a:solidFill>
+                <a:srgbClr val="FF0000"/>
+              </a:solidFill>
+            </a:endParaRPr>
+          </a:p>
+        </p:txBody>
+      </p:sp>
     </p:spTree>
     <p:extLst>
       <p:ext uri="{BB962C8B-B14F-4D97-AF65-F5344CB8AC3E}">
-        <p14:creationId xmlns:p14="http://schemas.microsoft.com/office/powerpoint/2010/main" val="3033069413"/>
+        <p14:creationId xmlns:p14="http://schemas.microsoft.com/office/powerpoint/2010/main" val="2392598931"/>
       </p:ext>
     </p:extLst>
   </p:cSld>
   <p:clrMapOvr>
     <a:masterClrMapping/>
   </p:clrMapOvr>
+  <p:timing>
+    <p:tnLst>
+      <p:par>
+        <p:cTn xmlns:p14="http://schemas.microsoft.com/office/powerpoint/2010/main" id="1" dur="indefinite" restart="never" nodeType="tmRoot"/>
+      </p:par>
+    </p:tnLst>
+  </p:timing>
 </p:sld>
 </file>
 
@@ -10499,29 +11081,66 @@
             <p:ph type="title"/>
           </p:nvPr>
         </p:nvSpPr>
-        <p:spPr/>
-        <p:txBody>
-          <a:bodyPr>
-            <a:normAutofit fontScale="90000"/>
-          </a:bodyPr>
+        <p:spPr>
+          <a:xfrm>
+            <a:off x="612648" y="228600"/>
+            <a:ext cx="8153400" cy="990600"/>
+          </a:xfrm>
+        </p:spPr>
+        <p:txBody>
+          <a:bodyPr/>
           <a:lstStyle/>
           <a:p>
             <a:r>
-              <a:rPr lang="en-US" dirty="0" smtClean="0"/>
-              <a:t>Alternative 2: a global state per event</a:t>
-            </a:r>
-            <a:endParaRPr lang="en-US" dirty="0"/>
-          </a:p>
-        </p:txBody>
-      </p:sp>
-      <p:sp>
-        <p:nvSpPr>
-          <p:cNvPr id="5" name="Slide Number Placeholder 4"/>
+              <a:rPr lang="en-US" dirty="0"/>
+              <a:t>Some results (</a:t>
+            </a:r>
+            <a:r>
+              <a:rPr lang="en-US" dirty="0" err="1"/>
+              <a:t>mudar</a:t>
+            </a:r>
+            <a:r>
+              <a:rPr lang="en-US" dirty="0"/>
+              <a:t> </a:t>
+            </a:r>
+            <a:r>
+              <a:rPr lang="en-US" dirty="0" err="1" smtClean="0"/>
+              <a:t>título</a:t>
+            </a:r>
+            <a:r>
+              <a:rPr lang="en-US" dirty="0"/>
+              <a:t>)</a:t>
+            </a:r>
+          </a:p>
+        </p:txBody>
+      </p:sp>
+      <p:sp>
+        <p:nvSpPr>
+          <p:cNvPr id="3" name="Footer Placeholder 2"/>
           <p:cNvSpPr>
             <a:spLocks noGrp="1"/>
           </p:cNvSpPr>
           <p:nvPr>
-            <p:ph type="sldNum" sz="quarter" idx="16"/>
+            <p:ph type="ftr" sz="quarter" idx="11"/>
+          </p:nvPr>
+        </p:nvSpPr>
+        <p:spPr/>
+        <p:txBody>
+          <a:bodyPr/>
+          <a:lstStyle/>
+          <a:p>
+            <a:endParaRPr lang="en-US"/>
+          </a:p>
+        </p:txBody>
+      </p:sp>
+      <p:sp>
+        <p:nvSpPr>
+          <p:cNvPr id="4" name="Slide Number Placeholder 3"/>
+          <p:cNvSpPr>
+            <a:spLocks noGrp="1"/>
+          </p:cNvSpPr>
+          <p:nvPr>
+            <p:ph type="sldNum" sz="quarter" idx="12"/>
           </p:nvPr>
         </p:nvSpPr>
         <p:spPr/>
@@ -10539,6 +11158,672 @@
           </a:p>
         </p:txBody>
       </p:sp>
+      <p:graphicFrame>
+        <p:nvGraphicFramePr>
+          <p:cNvPr id="7" name="Chart 6"/>
+          <p:cNvGraphicFramePr>
+            <a:graphicFrameLocks/>
+          </p:cNvGraphicFramePr>
+          <p:nvPr>
+            <p:extLst>
+              <p:ext uri="{D42A27DB-BD31-4B8C-83A1-F6EECF244321}">
+                <p14:modId xmlns:p14="http://schemas.microsoft.com/office/powerpoint/2010/main" val="3138609508"/>
+              </p:ext>
+            </p:extLst>
+          </p:nvPr>
+        </p:nvGraphicFramePr>
+        <p:xfrm>
+          <a:off x="558800" y="785812"/>
+          <a:ext cx="8026400" cy="6072188"/>
+        </p:xfrm>
+        <a:graphic>
+          <a:graphicData uri="http://schemas.openxmlformats.org/drawingml/2006/chart">
+            <c:chart xmlns:c="http://schemas.openxmlformats.org/drawingml/2006/chart" xmlns:r="http://schemas.openxmlformats.org/officeDocument/2006/relationships" r:id="rId2"/>
+          </a:graphicData>
+        </a:graphic>
+      </p:graphicFrame>
+    </p:spTree>
+    <p:extLst>
+      <p:ext uri="{BB962C8B-B14F-4D97-AF65-F5344CB8AC3E}">
+        <p14:creationId xmlns:p14="http://schemas.microsoft.com/office/powerpoint/2010/main" val="1227033809"/>
+      </p:ext>
+    </p:extLst>
+  </p:cSld>
+  <p:clrMapOvr>
+    <a:masterClrMapping/>
+  </p:clrMapOvr>
+  <p:timing>
+    <p:tnLst>
+      <p:par>
+        <p:cTn xmlns:p14="http://schemas.microsoft.com/office/powerpoint/2010/main" id="1" dur="indefinite" restart="never" nodeType="tmRoot"/>
+      </p:par>
+    </p:tnLst>
+  </p:timing>
+</p:sld>
+</file>
+
+<file path=ppt/slides/slide15.xml><?xml version="1.0" encoding="utf-8"?>
+<p:sld xmlns:a="http://schemas.openxmlformats.org/drawingml/2006/main" xmlns:r="http://schemas.openxmlformats.org/officeDocument/2006/relationships" xmlns:p="http://schemas.openxmlformats.org/presentationml/2006/main">
+  <p:cSld>
+    <p:spTree>
+      <p:nvGrpSpPr>
+        <p:cNvPr id="1" name=""/>
+        <p:cNvGrpSpPr/>
+        <p:nvPr/>
+      </p:nvGrpSpPr>
+      <p:grpSpPr>
+        <a:xfrm>
+          <a:off x="0" y="0"/>
+          <a:ext cx="0" cy="0"/>
+          <a:chOff x="0" y="0"/>
+          <a:chExt cx="0" cy="0"/>
+        </a:xfrm>
+      </p:grpSpPr>
+      <p:sp>
+        <p:nvSpPr>
+          <p:cNvPr id="2" name="Title 1"/>
+          <p:cNvSpPr>
+            <a:spLocks noGrp="1"/>
+          </p:cNvSpPr>
+          <p:nvPr>
+            <p:ph type="title"/>
+          </p:nvPr>
+        </p:nvSpPr>
+        <p:spPr/>
+        <p:txBody>
+          <a:bodyPr/>
+          <a:lstStyle/>
+          <a:p>
+            <a:r>
+              <a:rPr lang="en-US" dirty="0" smtClean="0"/>
+              <a:t>Some results</a:t>
+            </a:r>
+            <a:endParaRPr lang="en-US" dirty="0"/>
+          </a:p>
+        </p:txBody>
+      </p:sp>
+      <p:sp>
+        <p:nvSpPr>
+          <p:cNvPr id="3" name="Footer Placeholder 2"/>
+          <p:cNvSpPr>
+            <a:spLocks noGrp="1"/>
+          </p:cNvSpPr>
+          <p:nvPr>
+            <p:ph type="ftr" sz="quarter" idx="11"/>
+          </p:nvPr>
+        </p:nvSpPr>
+        <p:spPr/>
+        <p:txBody>
+          <a:bodyPr/>
+          <a:lstStyle/>
+          <a:p>
+            <a:endParaRPr lang="en-US"/>
+          </a:p>
+        </p:txBody>
+      </p:sp>
+      <p:sp>
+        <p:nvSpPr>
+          <p:cNvPr id="4" name="Slide Number Placeholder 3"/>
+          <p:cNvSpPr>
+            <a:spLocks noGrp="1"/>
+          </p:cNvSpPr>
+          <p:nvPr>
+            <p:ph type="sldNum" sz="quarter" idx="12"/>
+          </p:nvPr>
+        </p:nvSpPr>
+        <p:spPr/>
+        <p:txBody>
+          <a:bodyPr>
+            <a:normAutofit fontScale="85000" lnSpcReduction="20000"/>
+          </a:bodyPr>
+          <a:lstStyle/>
+          <a:p>
+            <a:fld id="{9C1F5A0A-F6FC-4FFD-9B49-0DA8697211D9}" type="slidenum">
+              <a:rPr lang="en-US" smtClean="0"/>
+              <a:t>15</a:t>
+            </a:fld>
+            <a:endParaRPr lang="en-US"/>
+          </a:p>
+        </p:txBody>
+      </p:sp>
+      <p:graphicFrame>
+        <p:nvGraphicFramePr>
+          <p:cNvPr id="7" name="Content Placeholder 6"/>
+          <p:cNvGraphicFramePr>
+            <a:graphicFrameLocks noGrp="1"/>
+          </p:cNvGraphicFramePr>
+          <p:nvPr>
+            <p:ph sz="quarter" idx="1"/>
+            <p:extLst>
+              <p:ext uri="{D42A27DB-BD31-4B8C-83A1-F6EECF244321}">
+                <p14:modId xmlns:p14="http://schemas.microsoft.com/office/powerpoint/2010/main" val="1464911804"/>
+              </p:ext>
+            </p:extLst>
+          </p:nvPr>
+        </p:nvGraphicFramePr>
+        <p:xfrm>
+          <a:off x="-992188" y="1516698"/>
+          <a:ext cx="10564813" cy="5341302"/>
+        </p:xfrm>
+        <a:graphic>
+          <a:graphicData uri="http://schemas.openxmlformats.org/drawingml/2006/chart">
+            <c:chart xmlns:c="http://schemas.openxmlformats.org/drawingml/2006/chart" xmlns:r="http://schemas.openxmlformats.org/officeDocument/2006/relationships" r:id="rId2"/>
+          </a:graphicData>
+        </a:graphic>
+      </p:graphicFrame>
+    </p:spTree>
+    <p:extLst>
+      <p:ext uri="{BB962C8B-B14F-4D97-AF65-F5344CB8AC3E}">
+        <p14:creationId xmlns:p14="http://schemas.microsoft.com/office/powerpoint/2010/main" val="3033069413"/>
+      </p:ext>
+    </p:extLst>
+  </p:cSld>
+  <p:clrMapOvr>
+    <a:masterClrMapping/>
+  </p:clrMapOvr>
+  <p:timing>
+    <p:tnLst>
+      <p:par>
+        <p:cTn xmlns:p14="http://schemas.microsoft.com/office/powerpoint/2010/main" id="1" dur="indefinite" restart="never" nodeType="tmRoot"/>
+      </p:par>
+    </p:tnLst>
+  </p:timing>
+</p:sld>
+</file>
+
+<file path=ppt/slides/slide16.xml><?xml version="1.0" encoding="utf-8"?>
+<p:sld xmlns:a="http://schemas.openxmlformats.org/drawingml/2006/main" xmlns:r="http://schemas.openxmlformats.org/officeDocument/2006/relationships" xmlns:p="http://schemas.openxmlformats.org/presentationml/2006/main">
+  <p:cSld>
+    <p:spTree>
+      <p:nvGrpSpPr>
+        <p:cNvPr id="1" name=""/>
+        <p:cNvGrpSpPr/>
+        <p:nvPr/>
+      </p:nvGrpSpPr>
+      <p:grpSpPr>
+        <a:xfrm>
+          <a:off x="0" y="0"/>
+          <a:ext cx="0" cy="0"/>
+          <a:chOff x="0" y="0"/>
+          <a:chExt cx="0" cy="0"/>
+        </a:xfrm>
+      </p:grpSpPr>
+      <p:sp>
+        <p:nvSpPr>
+          <p:cNvPr id="2" name="Title 1"/>
+          <p:cNvSpPr>
+            <a:spLocks noGrp="1"/>
+          </p:cNvSpPr>
+          <p:nvPr>
+            <p:ph type="title"/>
+          </p:nvPr>
+        </p:nvSpPr>
+        <p:spPr/>
+        <p:txBody>
+          <a:bodyPr>
+            <a:normAutofit fontScale="90000"/>
+          </a:bodyPr>
+          <a:lstStyle/>
+          <a:p>
+            <a:pPr>
+              <a:lnSpc>
+                <a:spcPts val="4000"/>
+              </a:lnSpc>
+            </a:pPr>
+            <a:r>
+              <a:rPr lang="en-US" dirty="0" smtClean="0"/>
+              <a:t>Alternative </a:t>
+            </a:r>
+            <a:r>
+              <a:rPr lang="en-US" dirty="0" smtClean="0"/>
+              <a:t>1b: </a:t>
+            </a:r>
+            <a:r>
+              <a:rPr lang="en-US" dirty="0" smtClean="0"/>
+              <a:t>parallelize </a:t>
+            </a:r>
+            <a:r>
+              <a:rPr lang="en-US" dirty="0" err="1" smtClean="0"/>
+              <a:t>KinFit</a:t>
+            </a:r>
+            <a:r>
+              <a:rPr lang="en-US" dirty="0" smtClean="0"/>
+              <a:t>, </a:t>
+            </a:r>
+            <a:br>
+              <a:rPr lang="en-US" dirty="0" smtClean="0"/>
+            </a:br>
+            <a:r>
+              <a:rPr lang="en-US" dirty="0" smtClean="0"/>
+              <a:t>  </a:t>
+            </a:r>
+            <a:r>
+              <a:rPr lang="en-US" sz="4000" dirty="0" smtClean="0"/>
+              <a:t>  	 </a:t>
+            </a:r>
+            <a:r>
+              <a:rPr lang="en-US" sz="4000" dirty="0" smtClean="0"/>
+              <a:t>shared memory, </a:t>
+            </a:r>
+            <a:r>
+              <a:rPr lang="en-US" sz="4000" dirty="0" smtClean="0"/>
+              <a:t>with GPU accelerator </a:t>
+            </a:r>
+            <a:endParaRPr lang="en-US" dirty="0"/>
+          </a:p>
+        </p:txBody>
+      </p:sp>
+      <p:sp>
+        <p:nvSpPr>
+          <p:cNvPr id="5" name="Slide Number Placeholder 4"/>
+          <p:cNvSpPr>
+            <a:spLocks noGrp="1"/>
+          </p:cNvSpPr>
+          <p:nvPr>
+            <p:ph type="sldNum" sz="quarter" idx="16"/>
+          </p:nvPr>
+        </p:nvSpPr>
+        <p:spPr/>
+        <p:txBody>
+          <a:bodyPr>
+            <a:normAutofit fontScale="85000" lnSpcReduction="20000"/>
+          </a:bodyPr>
+          <a:lstStyle/>
+          <a:p>
+            <a:fld id="{9C1F5A0A-F6FC-4FFD-9B49-0DA8697211D9}" type="slidenum">
+              <a:rPr lang="en-US" smtClean="0"/>
+              <a:t>16</a:t>
+            </a:fld>
+            <a:endParaRPr lang="en-US"/>
+          </a:p>
+        </p:txBody>
+      </p:sp>
+      <p:sp>
+        <p:nvSpPr>
+          <p:cNvPr id="7" name="Text Placeholder 6"/>
+          <p:cNvSpPr>
+            <a:spLocks noGrp="1"/>
+          </p:cNvSpPr>
+          <p:nvPr>
+            <p:ph type="body" sz="quarter" idx="1"/>
+          </p:nvPr>
+        </p:nvSpPr>
+        <p:spPr>
+          <a:solidFill>
+            <a:schemeClr val="accent1">
+              <a:lumMod val="75000"/>
+            </a:schemeClr>
+          </a:solidFill>
+        </p:spPr>
+        <p:txBody>
+          <a:bodyPr/>
+          <a:lstStyle/>
+          <a:p>
+            <a:r>
+              <a:rPr lang="en-US" dirty="0" smtClean="0"/>
+              <a:t>Parallel, no accelerator</a:t>
+            </a:r>
+            <a:endParaRPr lang="en-US" dirty="0"/>
+          </a:p>
+        </p:txBody>
+      </p:sp>
+      <p:sp>
+        <p:nvSpPr>
+          <p:cNvPr id="8" name="Text Placeholder 7"/>
+          <p:cNvSpPr>
+            <a:spLocks noGrp="1"/>
+          </p:cNvSpPr>
+          <p:nvPr>
+            <p:ph type="body" sz="quarter" idx="3"/>
+          </p:nvPr>
+        </p:nvSpPr>
+        <p:spPr>
+          <a:solidFill>
+            <a:srgbClr val="376092"/>
+          </a:solidFill>
+        </p:spPr>
+        <p:txBody>
+          <a:bodyPr/>
+          <a:lstStyle/>
+          <a:p>
+            <a:r>
+              <a:rPr lang="en-US" dirty="0" smtClean="0"/>
+              <a:t>Parallel with GPU</a:t>
+            </a:r>
+            <a:endParaRPr lang="en-US" dirty="0"/>
+          </a:p>
+        </p:txBody>
+      </p:sp>
+      <p:pic>
+        <p:nvPicPr>
+          <p:cNvPr id="11" name="Content Placeholder 10" descr="parallel_kinfit.png"/>
+          <p:cNvPicPr>
+            <a:picLocks noGrp="1" noChangeAspect="1"/>
+          </p:cNvPicPr>
+          <p:nvPr>
+            <p:ph sz="quarter" idx="4"/>
+          </p:nvPr>
+        </p:nvPicPr>
+        <p:blipFill>
+          <a:blip r:embed="rId3">
+            <a:extLst>
+              <a:ext uri="{28A0092B-C50C-407E-A947-70E740481C1C}">
+                <a14:useLocalDpi xmlns:a14="http://schemas.microsoft.com/office/drawing/2010/main" val="0"/>
+              </a:ext>
+            </a:extLst>
+          </a:blip>
+          <a:srcRect l="-105443" r="-105443"/>
+          <a:stretch>
+            <a:fillRect/>
+          </a:stretch>
+        </p:blipFill>
+        <p:spPr>
+          <a:xfrm>
+            <a:off x="4864" y="2438400"/>
+            <a:ext cx="4795736" cy="4419600"/>
+          </a:xfrm>
+        </p:spPr>
+      </p:pic>
+    </p:spTree>
+    <p:extLst>
+      <p:ext uri="{BB962C8B-B14F-4D97-AF65-F5344CB8AC3E}">
+        <p14:creationId xmlns:p14="http://schemas.microsoft.com/office/powerpoint/2010/main" val="1117089279"/>
+      </p:ext>
+    </p:extLst>
+  </p:cSld>
+  <p:clrMapOvr>
+    <a:masterClrMapping/>
+  </p:clrMapOvr>
+  <p:timing>
+    <p:tnLst>
+      <p:par>
+        <p:cTn xmlns:p14="http://schemas.microsoft.com/office/powerpoint/2010/main" id="1" dur="indefinite" restart="never" nodeType="tmRoot"/>
+      </p:par>
+    </p:tnLst>
+  </p:timing>
+</p:sld>
+</file>
+
+<file path=ppt/slides/slide17.xml><?xml version="1.0" encoding="utf-8"?>
+<p:sld xmlns:a="http://schemas.openxmlformats.org/drawingml/2006/main" xmlns:r="http://schemas.openxmlformats.org/officeDocument/2006/relationships" xmlns:p="http://schemas.openxmlformats.org/presentationml/2006/main">
+  <p:cSld>
+    <p:spTree>
+      <p:nvGrpSpPr>
+        <p:cNvPr id="1" name=""/>
+        <p:cNvGrpSpPr/>
+        <p:nvPr/>
+      </p:nvGrpSpPr>
+      <p:grpSpPr>
+        <a:xfrm>
+          <a:off x="0" y="0"/>
+          <a:ext cx="0" cy="0"/>
+          <a:chOff x="0" y="0"/>
+          <a:chExt cx="0" cy="0"/>
+        </a:xfrm>
+      </p:grpSpPr>
+      <p:sp>
+        <p:nvSpPr>
+          <p:cNvPr id="2" name="Title 1"/>
+          <p:cNvSpPr>
+            <a:spLocks noGrp="1"/>
+          </p:cNvSpPr>
+          <p:nvPr>
+            <p:ph type="title"/>
+          </p:nvPr>
+        </p:nvSpPr>
+        <p:spPr/>
+        <p:txBody>
+          <a:bodyPr>
+            <a:normAutofit fontScale="90000"/>
+          </a:bodyPr>
+          <a:lstStyle/>
+          <a:p>
+            <a:pPr>
+              <a:lnSpc>
+                <a:spcPts val="4000"/>
+              </a:lnSpc>
+            </a:pPr>
+            <a:r>
+              <a:rPr lang="en-US" dirty="0" smtClean="0"/>
+              <a:t>Alternative </a:t>
+            </a:r>
+            <a:r>
+              <a:rPr lang="en-US" dirty="0" smtClean="0"/>
+              <a:t>1c: </a:t>
+            </a:r>
+            <a:r>
+              <a:rPr lang="en-US" dirty="0" smtClean="0"/>
+              <a:t>parallelize </a:t>
+            </a:r>
+            <a:r>
+              <a:rPr lang="en-US" dirty="0" err="1" smtClean="0"/>
+              <a:t>KinFit</a:t>
+            </a:r>
+            <a:r>
+              <a:rPr lang="en-US" dirty="0" smtClean="0"/>
+              <a:t>, </a:t>
+            </a:r>
+            <a:br>
+              <a:rPr lang="en-US" dirty="0" smtClean="0"/>
+            </a:br>
+            <a:r>
+              <a:rPr lang="en-US" dirty="0" smtClean="0"/>
+              <a:t>  </a:t>
+            </a:r>
+            <a:r>
+              <a:rPr lang="en-US" sz="4000" dirty="0" smtClean="0"/>
+              <a:t>  	 </a:t>
+            </a:r>
+            <a:r>
+              <a:rPr lang="en-US" sz="4000" dirty="0" smtClean="0"/>
+              <a:t>shared memory, </a:t>
+            </a:r>
+            <a:r>
+              <a:rPr lang="en-US" sz="4000" dirty="0" smtClean="0"/>
+              <a:t>with MIC accelerator </a:t>
+            </a:r>
+            <a:endParaRPr lang="en-US" dirty="0"/>
+          </a:p>
+        </p:txBody>
+      </p:sp>
+      <p:sp>
+        <p:nvSpPr>
+          <p:cNvPr id="5" name="Slide Number Placeholder 4"/>
+          <p:cNvSpPr>
+            <a:spLocks noGrp="1"/>
+          </p:cNvSpPr>
+          <p:nvPr>
+            <p:ph type="sldNum" sz="quarter" idx="16"/>
+          </p:nvPr>
+        </p:nvSpPr>
+        <p:spPr/>
+        <p:txBody>
+          <a:bodyPr>
+            <a:normAutofit fontScale="85000" lnSpcReduction="20000"/>
+          </a:bodyPr>
+          <a:lstStyle/>
+          <a:p>
+            <a:fld id="{9C1F5A0A-F6FC-4FFD-9B49-0DA8697211D9}" type="slidenum">
+              <a:rPr lang="en-US" smtClean="0"/>
+              <a:t>17</a:t>
+            </a:fld>
+            <a:endParaRPr lang="en-US"/>
+          </a:p>
+        </p:txBody>
+      </p:sp>
+      <p:sp>
+        <p:nvSpPr>
+          <p:cNvPr id="7" name="Text Placeholder 6"/>
+          <p:cNvSpPr>
+            <a:spLocks noGrp="1"/>
+          </p:cNvSpPr>
+          <p:nvPr>
+            <p:ph type="body" sz="quarter" idx="1"/>
+          </p:nvPr>
+        </p:nvSpPr>
+        <p:spPr>
+          <a:solidFill>
+            <a:schemeClr val="accent1">
+              <a:lumMod val="75000"/>
+            </a:schemeClr>
+          </a:solidFill>
+        </p:spPr>
+        <p:txBody>
+          <a:bodyPr/>
+          <a:lstStyle/>
+          <a:p>
+            <a:r>
+              <a:rPr lang="en-US" dirty="0" smtClean="0"/>
+              <a:t>Parallel, no accelerator</a:t>
+            </a:r>
+            <a:endParaRPr lang="en-US" dirty="0"/>
+          </a:p>
+        </p:txBody>
+      </p:sp>
+      <p:sp>
+        <p:nvSpPr>
+          <p:cNvPr id="8" name="Text Placeholder 7"/>
+          <p:cNvSpPr>
+            <a:spLocks noGrp="1"/>
+          </p:cNvSpPr>
+          <p:nvPr>
+            <p:ph type="body" sz="quarter" idx="3"/>
+          </p:nvPr>
+        </p:nvSpPr>
+        <p:spPr>
+          <a:solidFill>
+            <a:srgbClr val="376092"/>
+          </a:solidFill>
+        </p:spPr>
+        <p:txBody>
+          <a:bodyPr/>
+          <a:lstStyle/>
+          <a:p>
+            <a:r>
+              <a:rPr lang="en-US" dirty="0" smtClean="0"/>
+              <a:t>Parallel with MIC</a:t>
+            </a:r>
+            <a:endParaRPr lang="en-US" dirty="0"/>
+          </a:p>
+        </p:txBody>
+      </p:sp>
+      <p:pic>
+        <p:nvPicPr>
+          <p:cNvPr id="11" name="Content Placeholder 10" descr="parallel_kinfit.png"/>
+          <p:cNvPicPr>
+            <a:picLocks noGrp="1" noChangeAspect="1"/>
+          </p:cNvPicPr>
+          <p:nvPr>
+            <p:ph sz="quarter" idx="4"/>
+          </p:nvPr>
+        </p:nvPicPr>
+        <p:blipFill>
+          <a:blip r:embed="rId3">
+            <a:extLst>
+              <a:ext uri="{28A0092B-C50C-407E-A947-70E740481C1C}">
+                <a14:useLocalDpi xmlns:a14="http://schemas.microsoft.com/office/drawing/2010/main" val="0"/>
+              </a:ext>
+            </a:extLst>
+          </a:blip>
+          <a:srcRect l="-105443" r="-105443"/>
+          <a:stretch>
+            <a:fillRect/>
+          </a:stretch>
+        </p:blipFill>
+        <p:spPr>
+          <a:xfrm>
+            <a:off x="4864" y="2438400"/>
+            <a:ext cx="4795736" cy="4419600"/>
+          </a:xfrm>
+        </p:spPr>
+      </p:pic>
+    </p:spTree>
+    <p:extLst>
+      <p:ext uri="{BB962C8B-B14F-4D97-AF65-F5344CB8AC3E}">
+        <p14:creationId xmlns:p14="http://schemas.microsoft.com/office/powerpoint/2010/main" val="3023287792"/>
+      </p:ext>
+    </p:extLst>
+  </p:cSld>
+  <p:clrMapOvr>
+    <a:masterClrMapping/>
+  </p:clrMapOvr>
+  <p:timing>
+    <p:tnLst>
+      <p:par>
+        <p:cTn xmlns:p14="http://schemas.microsoft.com/office/powerpoint/2010/main" id="1" dur="indefinite" restart="never" nodeType="tmRoot"/>
+      </p:par>
+    </p:tnLst>
+  </p:timing>
+</p:sld>
+</file>
+
+<file path=ppt/slides/slide18.xml><?xml version="1.0" encoding="utf-8"?>
+<p:sld xmlns:a="http://schemas.openxmlformats.org/drawingml/2006/main" xmlns:r="http://schemas.openxmlformats.org/officeDocument/2006/relationships" xmlns:p="http://schemas.openxmlformats.org/presentationml/2006/main">
+  <p:cSld>
+    <p:spTree>
+      <p:nvGrpSpPr>
+        <p:cNvPr id="1" name=""/>
+        <p:cNvGrpSpPr/>
+        <p:nvPr/>
+      </p:nvGrpSpPr>
+      <p:grpSpPr>
+        <a:xfrm>
+          <a:off x="0" y="0"/>
+          <a:ext cx="0" cy="0"/>
+          <a:chOff x="0" y="0"/>
+          <a:chExt cx="0" cy="0"/>
+        </a:xfrm>
+      </p:grpSpPr>
+      <p:sp>
+        <p:nvSpPr>
+          <p:cNvPr id="2" name="Title 1"/>
+          <p:cNvSpPr>
+            <a:spLocks noGrp="1"/>
+          </p:cNvSpPr>
+          <p:nvPr>
+            <p:ph type="title"/>
+          </p:nvPr>
+        </p:nvSpPr>
+        <p:spPr/>
+        <p:txBody>
+          <a:bodyPr>
+            <a:normAutofit fontScale="90000"/>
+          </a:bodyPr>
+          <a:lstStyle/>
+          <a:p>
+            <a:r>
+              <a:rPr lang="en-US" dirty="0" smtClean="0"/>
+              <a:t>Alternative 2: a global state per event</a:t>
+            </a:r>
+            <a:endParaRPr lang="en-US" dirty="0"/>
+          </a:p>
+        </p:txBody>
+      </p:sp>
+      <p:sp>
+        <p:nvSpPr>
+          <p:cNvPr id="5" name="Slide Number Placeholder 4"/>
+          <p:cNvSpPr>
+            <a:spLocks noGrp="1"/>
+          </p:cNvSpPr>
+          <p:nvPr>
+            <p:ph type="sldNum" sz="quarter" idx="16"/>
+          </p:nvPr>
+        </p:nvSpPr>
+        <p:spPr/>
+        <p:txBody>
+          <a:bodyPr>
+            <a:normAutofit fontScale="85000" lnSpcReduction="20000"/>
+          </a:bodyPr>
+          <a:lstStyle/>
+          <a:p>
+            <a:fld id="{9C1F5A0A-F6FC-4FFD-9B49-0DA8697211D9}" type="slidenum">
+              <a:rPr lang="en-US" smtClean="0"/>
+              <a:t>18</a:t>
+            </a:fld>
+            <a:endParaRPr lang="en-US"/>
+          </a:p>
+        </p:txBody>
+      </p:sp>
       <p:sp>
         <p:nvSpPr>
           <p:cNvPr id="6" name="Footer Placeholder 5"/>
@@ -10549,12 +11834,22 @@
             <p:ph type="ftr" sz="quarter" idx="17"/>
           </p:nvPr>
         </p:nvSpPr>
-        <p:spPr/>
+        <p:spPr>
+          <a:xfrm>
+            <a:off x="609600" y="6038976"/>
+            <a:ext cx="5421083" cy="365125"/>
+          </a:xfrm>
+        </p:spPr>
         <p:txBody>
           <a:bodyPr/>
           <a:lstStyle/>
           <a:p>
-            <a:endParaRPr lang="en-US"/>
+            <a:pPr algn="l"/>
+            <a:r>
+              <a:rPr lang="en-US" dirty="0" smtClean="0"/>
+              <a:t>Comments: work under way by Rafael...</a:t>
+            </a:r>
+            <a:endParaRPr lang="en-US" dirty="0"/>
           </a:p>
         </p:txBody>
       </p:sp>
@@ -10684,7 +11979,7 @@
 </p:sld>
 </file>
 
-<file path=ppt/slides/slide15.xml><?xml version="1.0" encoding="utf-8"?>
+<file path=ppt/slides/slide19.xml><?xml version="1.0" encoding="utf-8"?>
 <p:sld xmlns:a="http://schemas.openxmlformats.org/drawingml/2006/main" xmlns:r="http://schemas.openxmlformats.org/officeDocument/2006/relationships" xmlns:p="http://schemas.openxmlformats.org/presentationml/2006/main">
   <p:cSld>
     <p:spTree>
@@ -10714,15 +12009,15 @@
         <p:spPr/>
         <p:txBody>
           <a:bodyPr>
-            <a:normAutofit fontScale="90000"/>
+            <a:normAutofit/>
           </a:bodyPr>
           <a:lstStyle/>
           <a:p>
             <a:r>
-              <a:rPr lang="en-US" dirty="0" smtClean="0"/>
+              <a:rPr lang="en-US" sz="3800" dirty="0" smtClean="0"/>
               <a:t>Alternative 3: events from different files</a:t>
             </a:r>
-            <a:endParaRPr lang="en-US" dirty="0"/>
+            <a:endParaRPr lang="en-US" sz="3800" dirty="0"/>
           </a:p>
         </p:txBody>
       </p:sp>
@@ -10745,7 +12040,7 @@
           <a:p>
             <a:fld id="{9C1F5A0A-F6FC-4FFD-9B49-0DA8697211D9}" type="slidenum">
               <a:rPr lang="en-US" smtClean="0"/>
-              <a:t>15</a:t>
+              <a:t>19</a:t>
             </a:fld>
             <a:endParaRPr lang="en-US"/>
           </a:p>
@@ -10896,7 +12191,7 @@
 </p:sld>
 </file>
 
-<file path=ppt/slides/slide16.xml><?xml version="1.0" encoding="utf-8"?>
+<file path=ppt/slides/slide2.xml><?xml version="1.0" encoding="utf-8"?>
 <p:sld xmlns:a="http://schemas.openxmlformats.org/drawingml/2006/main" xmlns:r="http://schemas.openxmlformats.org/officeDocument/2006/relationships" xmlns:p="http://schemas.openxmlformats.org/presentationml/2006/main">
   <p:cSld>
     <p:spTree>
@@ -10929,6 +12224,188 @@
           <a:lstStyle/>
           <a:p>
             <a:r>
+              <a:rPr lang="en-US" dirty="0" smtClean="0">
+                <a:solidFill>
+                  <a:srgbClr val="1F497D"/>
+                </a:solidFill>
+              </a:rPr>
+              <a:t>Index</a:t>
+            </a:r>
+            <a:endParaRPr lang="en-US" dirty="0">
+              <a:solidFill>
+                <a:srgbClr val="1F497D"/>
+              </a:solidFill>
+            </a:endParaRPr>
+          </a:p>
+        </p:txBody>
+      </p:sp>
+      <p:sp>
+        <p:nvSpPr>
+          <p:cNvPr id="4" name="Footer Placeholder 3"/>
+          <p:cNvSpPr>
+            <a:spLocks noGrp="1"/>
+          </p:cNvSpPr>
+          <p:nvPr>
+            <p:ph type="ftr" sz="quarter" idx="11"/>
+          </p:nvPr>
+        </p:nvSpPr>
+        <p:spPr/>
+        <p:txBody>
+          <a:bodyPr/>
+          <a:lstStyle/>
+          <a:p>
+            <a:endParaRPr lang="en-US"/>
+          </a:p>
+        </p:txBody>
+      </p:sp>
+      <p:sp>
+        <p:nvSpPr>
+          <p:cNvPr id="5" name="Slide Number Placeholder 4"/>
+          <p:cNvSpPr>
+            <a:spLocks noGrp="1"/>
+          </p:cNvSpPr>
+          <p:nvPr>
+            <p:ph type="sldNum" sz="quarter" idx="12"/>
+          </p:nvPr>
+        </p:nvSpPr>
+        <p:spPr/>
+        <p:txBody>
+          <a:bodyPr>
+            <a:normAutofit fontScale="85000" lnSpcReduction="20000"/>
+          </a:bodyPr>
+          <a:lstStyle/>
+          <a:p>
+            <a:fld id="{9C1F5A0A-F6FC-4FFD-9B49-0DA8697211D9}" type="slidenum">
+              <a:rPr lang="en-US" smtClean="0"/>
+              <a:t>2</a:t>
+            </a:fld>
+            <a:endParaRPr lang="en-US"/>
+          </a:p>
+        </p:txBody>
+      </p:sp>
+      <p:sp>
+        <p:nvSpPr>
+          <p:cNvPr id="3" name="Content Placeholder 2"/>
+          <p:cNvSpPr>
+            <a:spLocks noGrp="1"/>
+          </p:cNvSpPr>
+          <p:nvPr>
+            <p:ph sz="quarter" idx="1"/>
+          </p:nvPr>
+        </p:nvSpPr>
+        <p:spPr/>
+        <p:txBody>
+          <a:bodyPr/>
+          <a:lstStyle/>
+          <a:p>
+            <a:r>
+              <a:rPr lang="en-US" dirty="0"/>
+              <a:t>Motivation</a:t>
+            </a:r>
+          </a:p>
+          <a:p>
+            <a:r>
+              <a:rPr lang="en-US" dirty="0"/>
+              <a:t>The </a:t>
+            </a:r>
+            <a:r>
+              <a:rPr lang="en-US" sz="2000" dirty="0" err="1">
+                <a:latin typeface="Lucida Console"/>
+                <a:cs typeface="Lucida Console"/>
+              </a:rPr>
+              <a:t>ttH_dilep</a:t>
+            </a:r>
+            <a:r>
+              <a:rPr lang="en-US" dirty="0"/>
+              <a:t> Analysis </a:t>
+            </a:r>
+            <a:r>
+              <a:rPr lang="en-US" dirty="0" smtClean="0"/>
+              <a:t>Application</a:t>
+            </a:r>
+          </a:p>
+          <a:p>
+            <a:r>
+              <a:rPr lang="en-US" dirty="0" smtClean="0"/>
+              <a:t>State of the Art</a:t>
+            </a:r>
+          </a:p>
+          <a:p>
+            <a:pPr lvl="1"/>
+            <a:r>
+              <a:rPr lang="en-US" dirty="0" smtClean="0"/>
+              <a:t>Heterogeneous Platforms</a:t>
+            </a:r>
+          </a:p>
+          <a:p>
+            <a:pPr lvl="1"/>
+            <a:r>
+              <a:rPr lang="en-US" dirty="0" smtClean="0"/>
+              <a:t>Development Frameworks</a:t>
+            </a:r>
+          </a:p>
+          <a:p>
+            <a:r>
+              <a:rPr lang="en-US" dirty="0" smtClean="0"/>
+              <a:t>Proposed Work</a:t>
+            </a:r>
+            <a:endParaRPr lang="en-US" dirty="0"/>
+          </a:p>
+        </p:txBody>
+      </p:sp>
+    </p:spTree>
+    <p:extLst>
+      <p:ext uri="{BB962C8B-B14F-4D97-AF65-F5344CB8AC3E}">
+        <p14:creationId xmlns:p14="http://schemas.microsoft.com/office/powerpoint/2010/main" val="1359746690"/>
+      </p:ext>
+    </p:extLst>
+  </p:cSld>
+  <p:clrMapOvr>
+    <a:masterClrMapping/>
+  </p:clrMapOvr>
+  <p:timing>
+    <p:tnLst>
+      <p:par>
+        <p:cTn xmlns:p14="http://schemas.microsoft.com/office/powerpoint/2010/main" id="1" dur="indefinite" restart="never" nodeType="tmRoot"/>
+      </p:par>
+    </p:tnLst>
+  </p:timing>
+</p:sld>
+</file>
+
+<file path=ppt/slides/slide20.xml><?xml version="1.0" encoding="utf-8"?>
+<p:sld xmlns:a="http://schemas.openxmlformats.org/drawingml/2006/main" xmlns:r="http://schemas.openxmlformats.org/officeDocument/2006/relationships" xmlns:p="http://schemas.openxmlformats.org/presentationml/2006/main">
+  <p:cSld>
+    <p:spTree>
+      <p:nvGrpSpPr>
+        <p:cNvPr id="1" name=""/>
+        <p:cNvGrpSpPr/>
+        <p:nvPr/>
+      </p:nvGrpSpPr>
+      <p:grpSpPr>
+        <a:xfrm>
+          <a:off x="0" y="0"/>
+          <a:ext cx="0" cy="0"/>
+          <a:chOff x="0" y="0"/>
+          <a:chExt cx="0" cy="0"/>
+        </a:xfrm>
+      </p:grpSpPr>
+      <p:sp>
+        <p:nvSpPr>
+          <p:cNvPr id="2" name="Title 1"/>
+          <p:cNvSpPr>
+            <a:spLocks noGrp="1"/>
+          </p:cNvSpPr>
+          <p:nvPr>
+            <p:ph type="title"/>
+          </p:nvPr>
+        </p:nvSpPr>
+        <p:spPr/>
+        <p:txBody>
+          <a:bodyPr/>
+          <a:lstStyle/>
+          <a:p>
+            <a:r>
               <a:rPr lang="en-US" dirty="0" err="1" smtClean="0"/>
               <a:t>Penalizações</a:t>
             </a:r>
@@ -10974,7 +12451,7 @@
           <a:p>
             <a:fld id="{9C1F5A0A-F6FC-4FFD-9B49-0DA8697211D9}" type="slidenum">
               <a:rPr lang="en-US" smtClean="0"/>
-              <a:t>16</a:t>
+              <a:t>20</a:t>
             </a:fld>
             <a:endParaRPr lang="en-US"/>
           </a:p>
@@ -11045,7 +12522,7 @@
 </p:sld>
 </file>
 
-<file path=ppt/slides/slide17.xml><?xml version="1.0" encoding="utf-8"?>
+<file path=ppt/slides/slide21.xml><?xml version="1.0" encoding="utf-8"?>
 <p:sld xmlns:a="http://schemas.openxmlformats.org/drawingml/2006/main" xmlns:r="http://schemas.openxmlformats.org/officeDocument/2006/relationships" xmlns:p="http://schemas.openxmlformats.org/presentationml/2006/main">
   <p:cSld>
     <p:spTree>
@@ -11322,188 +12799,6 @@
 </p:sld>
 </file>
 
-<file path=ppt/slides/slide2.xml><?xml version="1.0" encoding="utf-8"?>
-<p:sld xmlns:a="http://schemas.openxmlformats.org/drawingml/2006/main" xmlns:r="http://schemas.openxmlformats.org/officeDocument/2006/relationships" xmlns:p="http://schemas.openxmlformats.org/presentationml/2006/main">
-  <p:cSld>
-    <p:spTree>
-      <p:nvGrpSpPr>
-        <p:cNvPr id="1" name=""/>
-        <p:cNvGrpSpPr/>
-        <p:nvPr/>
-      </p:nvGrpSpPr>
-      <p:grpSpPr>
-        <a:xfrm>
-          <a:off x="0" y="0"/>
-          <a:ext cx="0" cy="0"/>
-          <a:chOff x="0" y="0"/>
-          <a:chExt cx="0" cy="0"/>
-        </a:xfrm>
-      </p:grpSpPr>
-      <p:sp>
-        <p:nvSpPr>
-          <p:cNvPr id="2" name="Title 1"/>
-          <p:cNvSpPr>
-            <a:spLocks noGrp="1"/>
-          </p:cNvSpPr>
-          <p:nvPr>
-            <p:ph type="title"/>
-          </p:nvPr>
-        </p:nvSpPr>
-        <p:spPr/>
-        <p:txBody>
-          <a:bodyPr/>
-          <a:lstStyle/>
-          <a:p>
-            <a:r>
-              <a:rPr lang="en-US" dirty="0" smtClean="0">
-                <a:solidFill>
-                  <a:srgbClr val="1F497D"/>
-                </a:solidFill>
-              </a:rPr>
-              <a:t>Index</a:t>
-            </a:r>
-            <a:endParaRPr lang="en-US" dirty="0">
-              <a:solidFill>
-                <a:srgbClr val="1F497D"/>
-              </a:solidFill>
-            </a:endParaRPr>
-          </a:p>
-        </p:txBody>
-      </p:sp>
-      <p:sp>
-        <p:nvSpPr>
-          <p:cNvPr id="4" name="Footer Placeholder 3"/>
-          <p:cNvSpPr>
-            <a:spLocks noGrp="1"/>
-          </p:cNvSpPr>
-          <p:nvPr>
-            <p:ph type="ftr" sz="quarter" idx="11"/>
-          </p:nvPr>
-        </p:nvSpPr>
-        <p:spPr/>
-        <p:txBody>
-          <a:bodyPr/>
-          <a:lstStyle/>
-          <a:p>
-            <a:endParaRPr lang="en-US"/>
-          </a:p>
-        </p:txBody>
-      </p:sp>
-      <p:sp>
-        <p:nvSpPr>
-          <p:cNvPr id="5" name="Slide Number Placeholder 4"/>
-          <p:cNvSpPr>
-            <a:spLocks noGrp="1"/>
-          </p:cNvSpPr>
-          <p:nvPr>
-            <p:ph type="sldNum" sz="quarter" idx="12"/>
-          </p:nvPr>
-        </p:nvSpPr>
-        <p:spPr/>
-        <p:txBody>
-          <a:bodyPr>
-            <a:normAutofit fontScale="85000" lnSpcReduction="20000"/>
-          </a:bodyPr>
-          <a:lstStyle/>
-          <a:p>
-            <a:fld id="{9C1F5A0A-F6FC-4FFD-9B49-0DA8697211D9}" type="slidenum">
-              <a:rPr lang="en-US" smtClean="0"/>
-              <a:t>2</a:t>
-            </a:fld>
-            <a:endParaRPr lang="en-US"/>
-          </a:p>
-        </p:txBody>
-      </p:sp>
-      <p:sp>
-        <p:nvSpPr>
-          <p:cNvPr id="3" name="Content Placeholder 2"/>
-          <p:cNvSpPr>
-            <a:spLocks noGrp="1"/>
-          </p:cNvSpPr>
-          <p:nvPr>
-            <p:ph sz="quarter" idx="1"/>
-          </p:nvPr>
-        </p:nvSpPr>
-        <p:spPr/>
-        <p:txBody>
-          <a:bodyPr/>
-          <a:lstStyle/>
-          <a:p>
-            <a:r>
-              <a:rPr lang="en-US" dirty="0"/>
-              <a:t>Motivation</a:t>
-            </a:r>
-          </a:p>
-          <a:p>
-            <a:r>
-              <a:rPr lang="en-US" dirty="0"/>
-              <a:t>The </a:t>
-            </a:r>
-            <a:r>
-              <a:rPr lang="en-US" sz="2000" dirty="0" err="1">
-                <a:latin typeface="Lucida Console"/>
-                <a:cs typeface="Lucida Console"/>
-              </a:rPr>
-              <a:t>ttH_dilep</a:t>
-            </a:r>
-            <a:r>
-              <a:rPr lang="en-US" dirty="0"/>
-              <a:t> Analysis </a:t>
-            </a:r>
-            <a:r>
-              <a:rPr lang="en-US" dirty="0" smtClean="0"/>
-              <a:t>Application</a:t>
-            </a:r>
-          </a:p>
-          <a:p>
-            <a:r>
-              <a:rPr lang="en-US" dirty="0" smtClean="0"/>
-              <a:t>State of the Art</a:t>
-            </a:r>
-          </a:p>
-          <a:p>
-            <a:pPr lvl="1"/>
-            <a:r>
-              <a:rPr lang="en-US" dirty="0" smtClean="0"/>
-              <a:t>Heterogeneous Platforms</a:t>
-            </a:r>
-          </a:p>
-          <a:p>
-            <a:pPr lvl="1"/>
-            <a:r>
-              <a:rPr lang="en-US" dirty="0" smtClean="0"/>
-              <a:t>Development Frameworks</a:t>
-            </a:r>
-          </a:p>
-          <a:p>
-            <a:r>
-              <a:rPr lang="en-US" dirty="0" smtClean="0"/>
-              <a:t>Proposed Work</a:t>
-            </a:r>
-            <a:endParaRPr lang="en-US" dirty="0"/>
-          </a:p>
-        </p:txBody>
-      </p:sp>
-    </p:spTree>
-    <p:extLst>
-      <p:ext uri="{BB962C8B-B14F-4D97-AF65-F5344CB8AC3E}">
-        <p14:creationId xmlns:p14="http://schemas.microsoft.com/office/powerpoint/2010/main" val="1359746690"/>
-      </p:ext>
-    </p:extLst>
-  </p:cSld>
-  <p:clrMapOvr>
-    <a:masterClrMapping/>
-  </p:clrMapOvr>
-  <p:timing>
-    <p:tnLst>
-      <p:par>
-        <p:cTn xmlns:p14="http://schemas.microsoft.com/office/powerpoint/2010/main" id="1" dur="indefinite" restart="never" nodeType="tmRoot"/>
-      </p:par>
-    </p:tnLst>
-  </p:timing>
-</p:sld>
-</file>
-
 <file path=ppt/slides/slide3.xml><?xml version="1.0" encoding="utf-8"?>
 <p:sld xmlns:a="http://schemas.openxmlformats.org/drawingml/2006/main" xmlns:r="http://schemas.openxmlformats.org/officeDocument/2006/relationships" xmlns:p="http://schemas.openxmlformats.org/presentationml/2006/main">
   <p:cSld>
@@ -11523,90 +12818,6 @@
       </p:grpSpPr>
       <p:sp>
         <p:nvSpPr>
-          <p:cNvPr id="2" name="Title 1"/>
-          <p:cNvSpPr>
-            <a:spLocks noGrp="1"/>
-          </p:cNvSpPr>
-          <p:nvPr>
-            <p:ph type="title"/>
-          </p:nvPr>
-        </p:nvSpPr>
-        <p:spPr/>
-        <p:txBody>
-          <a:bodyPr/>
-          <a:lstStyle/>
-          <a:p>
-            <a:r>
-              <a:rPr lang="en-US" dirty="0" smtClean="0"/>
-              <a:t>Motivation</a:t>
-            </a:r>
-            <a:endParaRPr lang="en-US" dirty="0"/>
-          </a:p>
-        </p:txBody>
-      </p:sp>
-      <p:sp>
-        <p:nvSpPr>
-          <p:cNvPr id="5" name="Slide Number Placeholder 4"/>
-          <p:cNvSpPr>
-            <a:spLocks noGrp="1"/>
-          </p:cNvSpPr>
-          <p:nvPr>
-            <p:ph type="sldNum" sz="quarter" idx="12"/>
-          </p:nvPr>
-        </p:nvSpPr>
-        <p:spPr/>
-        <p:txBody>
-          <a:bodyPr>
-            <a:normAutofit fontScale="85000" lnSpcReduction="20000"/>
-          </a:bodyPr>
-          <a:lstStyle/>
-          <a:p>
-            <a:fld id="{9C1F5A0A-F6FC-4FFD-9B49-0DA8697211D9}" type="slidenum">
-              <a:rPr lang="en-US" smtClean="0"/>
-              <a:t>3</a:t>
-            </a:fld>
-            <a:endParaRPr lang="en-US"/>
-          </a:p>
-        </p:txBody>
-      </p:sp>
-      <p:pic>
-        <p:nvPicPr>
-          <p:cNvPr id="6" name="Content Placeholder 5"/>
-          <p:cNvPicPr>
-            <a:picLocks noGrp="1" noChangeAspect="1"/>
-          </p:cNvPicPr>
-          <p:nvPr>
-            <p:ph sz="quarter" idx="1"/>
-          </p:nvPr>
-        </p:nvPicPr>
-        <p:blipFill>
-          <a:blip r:embed="rId3">
-            <a:extLst>
-              <a:ext uri="{28A0092B-C50C-407E-A947-70E740481C1C}">
-                <a14:useLocalDpi xmlns:a14="http://schemas.microsoft.com/office/drawing/2010/main" val="0"/>
-              </a:ext>
-            </a:extLst>
-          </a:blip>
-          <a:stretch>
-            <a:fillRect/>
-          </a:stretch>
-        </p:blipFill>
-        <p:spPr>
-          <a:xfrm>
-            <a:off x="2747779" y="1732807"/>
-            <a:ext cx="5422286" cy="3560904"/>
-          </a:xfrm>
-          <a:prstGeom prst="rect">
-            <a:avLst/>
-          </a:prstGeom>
-          <a:noFill/>
-          <a:ln>
-            <a:noFill/>
-          </a:ln>
-        </p:spPr>
-      </p:pic>
-      <p:sp>
-        <p:nvSpPr>
           <p:cNvPr id="8" name="Content Placeholder 2"/>
           <p:cNvSpPr txBox="1">
             <a:spLocks/>
@@ -11615,8 +12826,8 @@
         </p:nvSpPr>
         <p:spPr>
           <a:xfrm>
-            <a:off x="612648" y="1355531"/>
-            <a:ext cx="8153400" cy="5257800"/>
+            <a:off x="612648" y="1444625"/>
+            <a:ext cx="8153400" cy="5168705"/>
           </a:xfrm>
           <a:prstGeom prst="rect">
             <a:avLst/>
@@ -11797,38 +13008,38 @@
           </a:lstStyle>
           <a:p>
             <a:r>
-              <a:rPr lang="en-US" dirty="0" smtClean="0"/>
-              <a:t>Target model for an event</a:t>
-            </a:r>
-          </a:p>
-          <a:p>
-            <a:endParaRPr lang="en-US" dirty="0"/>
-          </a:p>
-          <a:p>
-            <a:endParaRPr lang="en-US" dirty="0" smtClean="0"/>
-          </a:p>
-          <a:p>
-            <a:endParaRPr lang="en-US" dirty="0"/>
-          </a:p>
-          <a:p>
-            <a:endParaRPr lang="en-US" dirty="0" smtClean="0"/>
-          </a:p>
-          <a:p>
-            <a:endParaRPr lang="en-US" dirty="0"/>
+              <a:rPr lang="en-US" sz="2400" dirty="0" smtClean="0"/>
+              <a:t>The target model for an event</a:t>
+            </a:r>
+          </a:p>
+          <a:p>
+            <a:endParaRPr lang="en-US" sz="2800" dirty="0"/>
+          </a:p>
+          <a:p>
+            <a:endParaRPr lang="en-US" sz="2800" dirty="0" smtClean="0"/>
+          </a:p>
+          <a:p>
+            <a:endParaRPr lang="en-US" sz="2800" dirty="0"/>
+          </a:p>
+          <a:p>
+            <a:endParaRPr lang="en-US" sz="3200" dirty="0" smtClean="0"/>
+          </a:p>
+          <a:p>
+            <a:endParaRPr lang="en-US" sz="2800" dirty="0"/>
           </a:p>
           <a:p>
             <a:pPr marL="0" indent="0">
               <a:buNone/>
             </a:pPr>
-            <a:endParaRPr lang="en-US" dirty="0" smtClean="0"/>
-          </a:p>
-          <a:p>
-            <a:r>
-              <a:rPr lang="en-US" dirty="0" smtClean="0"/>
-              <a:t>Reconstruct the Top Quarks (</a:t>
-            </a:r>
-            <a:r>
-              <a:rPr lang="en-US" dirty="0" err="1" smtClean="0">
+            <a:endParaRPr lang="en-US" sz="2800" dirty="0" smtClean="0"/>
+          </a:p>
+          <a:p>
+            <a:r>
+              <a:rPr lang="en-US" sz="2400" dirty="0" smtClean="0"/>
+              <a:t>Reconstruction of the Top Quarks (</a:t>
+            </a:r>
+            <a:r>
+              <a:rPr lang="en-US" sz="2400" dirty="0" err="1" smtClean="0">
                 <a:solidFill>
                   <a:srgbClr val="FF0000"/>
                 </a:solidFill>
@@ -11836,11 +13047,11 @@
               <a:t>t</a:t>
             </a:r>
             <a:r>
-              <a:rPr lang="en-US" dirty="0" err="1" smtClean="0"/>
+              <a:rPr lang="en-US" sz="2400" dirty="0" err="1" smtClean="0"/>
               <a:t>&amp;</a:t>
             </a:r>
             <a:r>
-              <a:rPr lang="en-US" dirty="0" err="1" smtClean="0">
+              <a:rPr lang="en-US" sz="2400" dirty="0" err="1" smtClean="0">
                 <a:solidFill>
                   <a:srgbClr val="FF0000"/>
                 </a:solidFill>
@@ -11848,11 +13059,11 @@
               <a:t>t</a:t>
             </a:r>
             <a:r>
-              <a:rPr lang="en-US" dirty="0" smtClean="0"/>
+              <a:rPr lang="en-US" sz="2400" dirty="0" smtClean="0"/>
               <a:t>) system with </a:t>
             </a:r>
             <a:r>
-              <a:rPr lang="en-US" dirty="0" smtClean="0">
+              <a:rPr lang="en-US" sz="2400" dirty="0" smtClean="0">
                 <a:solidFill>
                   <a:srgbClr val="0000FF"/>
                 </a:solidFill>
@@ -11860,14 +13071,17 @@
               <a:t>H</a:t>
             </a:r>
             <a:r>
-              <a:rPr lang="en-US" dirty="0" smtClean="0"/>
+              <a:rPr lang="en-US" sz="2400" dirty="0" smtClean="0"/>
               <a:t>iggs boson </a:t>
             </a:r>
           </a:p>
           <a:p>
-            <a:pPr lvl="1"/>
-            <a:r>
-              <a:rPr lang="en-US" dirty="0" smtClean="0">
+            <a:pPr lvl="1">
+              <a:buFont typeface="Courier New"/>
+              <a:buChar char="o"/>
+            </a:pPr>
+            <a:r>
+              <a:rPr lang="en-US" sz="2400" dirty="0" smtClean="0">
                 <a:solidFill>
                   <a:srgbClr val="000000"/>
                 </a:solidFill>
@@ -11875,7 +13089,7 @@
               <a:t>The analysis and reconstruction code =&gt; </a:t>
             </a:r>
             <a:r>
-              <a:rPr lang="en-US" dirty="0" err="1" smtClean="0">
+              <a:rPr lang="en-US" sz="2400" dirty="0" err="1" smtClean="0">
                 <a:solidFill>
                   <a:srgbClr val="FF0000"/>
                 </a:solidFill>
@@ -11883,7 +13097,7 @@
               <a:t>tt</a:t>
             </a:r>
             <a:r>
-              <a:rPr lang="en-US" dirty="0" err="1" smtClean="0">
+              <a:rPr lang="en-US" sz="2400" dirty="0" err="1" smtClean="0">
                 <a:solidFill>
                   <a:srgbClr val="0000FF"/>
                 </a:solidFill>
@@ -11891,13 +13105,136 @@
               <a:t>H</a:t>
             </a:r>
             <a:r>
-              <a:rPr lang="en-US" dirty="0" err="1" smtClean="0"/>
+              <a:rPr lang="en-US" sz="2400" dirty="0" err="1" smtClean="0"/>
               <a:t>_dilep</a:t>
             </a:r>
-            <a:endParaRPr lang="en-US" dirty="0" smtClean="0"/>
-          </a:p>
-        </p:txBody>
-      </p:sp>
+            <a:endParaRPr lang="en-US" sz="2400" dirty="0" smtClean="0"/>
+          </a:p>
+          <a:p>
+            <a:r>
+              <a:rPr lang="en-US" sz="2400" dirty="0" smtClean="0"/>
+              <a:t>Goal: to develop </a:t>
+            </a:r>
+            <a:r>
+              <a:rPr lang="en-US" sz="2400" u="sng" dirty="0" smtClean="0"/>
+              <a:t>efficient</a:t>
+            </a:r>
+            <a:r>
+              <a:rPr lang="en-US" sz="2400" dirty="0" smtClean="0"/>
+              <a:t> </a:t>
+            </a:r>
+            <a:r>
+              <a:rPr lang="en-US" sz="2400" dirty="0" err="1" smtClean="0">
+                <a:solidFill>
+                  <a:srgbClr val="FF0000"/>
+                </a:solidFill>
+              </a:rPr>
+              <a:t>tt</a:t>
+            </a:r>
+            <a:r>
+              <a:rPr lang="en-US" sz="2400" dirty="0" err="1" smtClean="0">
+                <a:solidFill>
+                  <a:srgbClr val="0000FF"/>
+                </a:solidFill>
+              </a:rPr>
+              <a:t>H</a:t>
+            </a:r>
+            <a:r>
+              <a:rPr lang="en-US" sz="2400" dirty="0" err="1" smtClean="0"/>
+              <a:t>_dilep</a:t>
+            </a:r>
+            <a:r>
+              <a:rPr lang="en-US" sz="2400" dirty="0" smtClean="0"/>
+              <a:t> code</a:t>
+            </a:r>
+            <a:endParaRPr lang="en-US" sz="2700" dirty="0" smtClean="0"/>
+          </a:p>
+        </p:txBody>
+      </p:sp>
+      <p:sp>
+        <p:nvSpPr>
+          <p:cNvPr id="2" name="Title 1"/>
+          <p:cNvSpPr>
+            <a:spLocks noGrp="1"/>
+          </p:cNvSpPr>
+          <p:nvPr>
+            <p:ph type="title"/>
+          </p:nvPr>
+        </p:nvSpPr>
+        <p:spPr/>
+        <p:txBody>
+          <a:bodyPr/>
+          <a:lstStyle/>
+          <a:p>
+            <a:r>
+              <a:rPr lang="en-US" dirty="0" smtClean="0"/>
+              <a:t>Motivation</a:t>
+            </a:r>
+            <a:endParaRPr lang="en-US" dirty="0"/>
+          </a:p>
+        </p:txBody>
+      </p:sp>
+      <p:sp>
+        <p:nvSpPr>
+          <p:cNvPr id="5" name="Slide Number Placeholder 4"/>
+          <p:cNvSpPr>
+            <a:spLocks noGrp="1"/>
+          </p:cNvSpPr>
+          <p:nvPr>
+            <p:ph type="sldNum" sz="quarter" idx="12"/>
+          </p:nvPr>
+        </p:nvSpPr>
+        <p:spPr/>
+        <p:txBody>
+          <a:bodyPr>
+            <a:normAutofit fontScale="85000" lnSpcReduction="20000"/>
+          </a:bodyPr>
+          <a:lstStyle/>
+          <a:p>
+            <a:fld id="{9C1F5A0A-F6FC-4FFD-9B49-0DA8697211D9}" type="slidenum">
+              <a:rPr lang="en-US" smtClean="0"/>
+              <a:t>3</a:t>
+            </a:fld>
+            <a:endParaRPr lang="en-US"/>
+          </a:p>
+        </p:txBody>
+      </p:sp>
+      <p:pic>
+        <p:nvPicPr>
+          <p:cNvPr id="6" name="Content Placeholder 5"/>
+          <p:cNvPicPr>
+            <a:picLocks noGrp="1" noChangeAspect="1"/>
+          </p:cNvPicPr>
+          <p:nvPr>
+            <p:ph sz="quarter" idx="1"/>
+          </p:nvPr>
+        </p:nvPicPr>
+        <p:blipFill>
+          <a:blip r:embed="rId3">
+            <a:extLst>
+              <a:ext uri="{28A0092B-C50C-407E-A947-70E740481C1C}">
+                <a14:useLocalDpi xmlns:a14="http://schemas.microsoft.com/office/drawing/2010/main" val="0"/>
+              </a:ext>
+            </a:extLst>
+          </a:blip>
+          <a:stretch>
+            <a:fillRect/>
+          </a:stretch>
+        </p:blipFill>
+        <p:spPr>
+          <a:xfrm>
+            <a:off x="2747779" y="1817688"/>
+            <a:ext cx="5422286" cy="3309938"/>
+          </a:xfrm>
+          <a:prstGeom prst="rect">
+            <a:avLst/>
+          </a:prstGeom>
+          <a:noFill/>
+          <a:ln>
+            <a:noFill/>
+          </a:ln>
+        </p:spPr>
+      </p:pic>
     </p:spTree>
     <p:extLst>
       <p:ext uri="{BB962C8B-B14F-4D97-AF65-F5344CB8AC3E}">
@@ -12970,32 +14307,13 @@
           <a:p>
             <a:r>
               <a:rPr lang="en-US" dirty="0" smtClean="0"/>
-              <a:t>Critical regions in </a:t>
+              <a:t>Structure of </a:t>
             </a:r>
             <a:r>
               <a:rPr lang="en-US" dirty="0" err="1" smtClean="0"/>
               <a:t>ttH_dilep</a:t>
             </a:r>
             <a:endParaRPr lang="en-US" dirty="0"/>
-          </a:p>
-        </p:txBody>
-      </p:sp>
-      <p:sp>
-        <p:nvSpPr>
-          <p:cNvPr id="3" name="Footer Placeholder 2"/>
-          <p:cNvSpPr>
-            <a:spLocks noGrp="1"/>
-          </p:cNvSpPr>
-          <p:nvPr>
-            <p:ph type="ftr" sz="quarter" idx="11"/>
-          </p:nvPr>
-        </p:nvSpPr>
-        <p:spPr/>
-        <p:txBody>
-          <a:bodyPr/>
-          <a:lstStyle/>
-          <a:p>
-            <a:endParaRPr lang="en-US"/>
           </a:p>
         </p:txBody>
       </p:sp>
@@ -13024,58 +14342,178 @@
           </a:p>
         </p:txBody>
       </p:sp>
-      <p:graphicFrame>
-        <p:nvGraphicFramePr>
-          <p:cNvPr id="6" name="Chart 5"/>
-          <p:cNvGraphicFramePr>
-            <a:graphicFrameLocks/>
-          </p:cNvGraphicFramePr>
-          <p:nvPr>
-            <p:extLst>
-              <p:ext uri="{D42A27DB-BD31-4B8C-83A1-F6EECF244321}">
-                <p14:modId xmlns:p14="http://schemas.microsoft.com/office/powerpoint/2010/main" val="3688376621"/>
-              </p:ext>
-            </p:extLst>
-          </p:nvPr>
-        </p:nvGraphicFramePr>
-        <p:xfrm>
-          <a:off x="13805" y="1860013"/>
-          <a:ext cx="3961998" cy="3676088"/>
-        </p:xfrm>
-        <a:graphic>
-          <a:graphicData uri="http://schemas.openxmlformats.org/drawingml/2006/chart">
-            <c:chart xmlns:c="http://schemas.openxmlformats.org/drawingml/2006/chart" xmlns:r="http://schemas.openxmlformats.org/officeDocument/2006/relationships" r:id="rId2"/>
-          </a:graphicData>
-        </a:graphic>
-      </p:graphicFrame>
-      <p:graphicFrame>
-        <p:nvGraphicFramePr>
-          <p:cNvPr id="8" name="Chart 7"/>
-          <p:cNvGraphicFramePr>
-            <a:graphicFrameLocks/>
-          </p:cNvGraphicFramePr>
-          <p:nvPr>
-            <p:extLst>
-              <p:ext uri="{D42A27DB-BD31-4B8C-83A1-F6EECF244321}">
-                <p14:modId xmlns:p14="http://schemas.microsoft.com/office/powerpoint/2010/main" val="2122598062"/>
-              </p:ext>
-            </p:extLst>
-          </p:nvPr>
-        </p:nvGraphicFramePr>
-        <p:xfrm>
-          <a:off x="3837754" y="1860014"/>
-          <a:ext cx="5306246" cy="3676087"/>
-        </p:xfrm>
-        <a:graphic>
-          <a:graphicData uri="http://schemas.openxmlformats.org/drawingml/2006/chart">
-            <c:chart xmlns:c="http://schemas.openxmlformats.org/drawingml/2006/chart" xmlns:r="http://schemas.openxmlformats.org/officeDocument/2006/relationships" r:id="rId3"/>
-          </a:graphicData>
-        </a:graphic>
-      </p:graphicFrame>
+      <p:pic>
+        <p:nvPicPr>
+          <p:cNvPr id="6" name="Content Placeholder 5" descr="graf_abstract_flow_with_kinfit.png"/>
+          <p:cNvPicPr>
+            <a:picLocks noGrp="1" noChangeAspect="1"/>
+          </p:cNvPicPr>
+          <p:nvPr>
+            <p:ph sz="quarter" idx="1"/>
+          </p:nvPr>
+        </p:nvPicPr>
+        <p:blipFill>
+          <a:blip r:embed="rId2">
+            <a:extLst>
+              <a:ext uri="{28A0092B-C50C-407E-A947-70E740481C1C}">
+                <a14:useLocalDpi xmlns:a14="http://schemas.microsoft.com/office/drawing/2010/main" val="0"/>
+              </a:ext>
+            </a:extLst>
+          </a:blip>
+          <a:srcRect l="-31791" r="-31791"/>
+          <a:stretch>
+            <a:fillRect/>
+          </a:stretch>
+        </p:blipFill>
+        <p:spPr>
+          <a:xfrm>
+            <a:off x="-158465" y="1589505"/>
+            <a:ext cx="5912194" cy="3259995"/>
+          </a:xfrm>
+        </p:spPr>
+      </p:pic>
+      <p:sp>
+        <p:nvSpPr>
+          <p:cNvPr id="3" name="TextBox 2"/>
+          <p:cNvSpPr txBox="1"/>
+          <p:nvPr/>
+        </p:nvSpPr>
+        <p:spPr>
+          <a:xfrm>
+            <a:off x="5031575" y="5606126"/>
+            <a:ext cx="3596953" cy="646331"/>
+          </a:xfrm>
+          <a:prstGeom prst="rect">
+            <a:avLst/>
+          </a:prstGeom>
+          <a:noFill/>
+        </p:spPr>
+        <p:txBody>
+          <a:bodyPr wrap="square" rtlCol="0">
+            <a:spAutoFit/>
+          </a:bodyPr>
+          <a:lstStyle/>
+          <a:p>
+            <a:pPr algn="ctr"/>
+            <a:r>
+              <a:rPr lang="en-US" dirty="0" err="1" smtClean="0"/>
+              <a:t>Callgraph</a:t>
+            </a:r>
+            <a:r>
+              <a:rPr lang="en-US" dirty="0" smtClean="0"/>
+              <a:t> of </a:t>
+            </a:r>
+            <a:r>
+              <a:rPr lang="en-US" dirty="0" err="1" smtClean="0"/>
+              <a:t>ttH_Dilep</a:t>
+            </a:r>
+            <a:r>
+              <a:rPr lang="en-US" dirty="0" smtClean="0"/>
+              <a:t> sequential with no variation</a:t>
+            </a:r>
+            <a:r>
+              <a:rPr lang="en-US" dirty="0" smtClean="0"/>
+              <a:t>s</a:t>
+            </a:r>
+            <a:endParaRPr lang="en-US" dirty="0"/>
+          </a:p>
+        </p:txBody>
+      </p:sp>
+      <p:sp>
+        <p:nvSpPr>
+          <p:cNvPr id="5" name="Rectangle 4"/>
+          <p:cNvSpPr/>
+          <p:nvPr/>
+        </p:nvSpPr>
+        <p:spPr>
+          <a:xfrm>
+            <a:off x="922186" y="1779723"/>
+            <a:ext cx="1189135" cy="2038591"/>
+          </a:xfrm>
+          <a:prstGeom prst="rect">
+            <a:avLst/>
+          </a:prstGeom>
+          <a:solidFill>
+            <a:srgbClr val="12BB00">
+              <a:alpha val="28000"/>
+            </a:srgbClr>
+          </a:solidFill>
+          <a:ln>
+            <a:solidFill>
+              <a:schemeClr val="tx1"/>
+            </a:solidFill>
+          </a:ln>
+        </p:spPr>
+        <p:style>
+          <a:lnRef idx="1">
+            <a:schemeClr val="accent1"/>
+          </a:lnRef>
+          <a:fillRef idx="3">
+            <a:schemeClr val="accent1"/>
+          </a:fillRef>
+          <a:effectRef idx="2">
+            <a:schemeClr val="accent1"/>
+          </a:effectRef>
+          <a:fontRef idx="minor">
+            <a:schemeClr val="lt1"/>
+          </a:fontRef>
+        </p:style>
+        <p:txBody>
+          <a:bodyPr rtlCol="0" anchor="ctr"/>
+          <a:lstStyle/>
+          <a:p>
+            <a:pPr algn="ctr"/>
+            <a:endParaRPr lang="en-US"/>
+          </a:p>
+        </p:txBody>
+      </p:sp>
+      <p:sp>
+        <p:nvSpPr>
+          <p:cNvPr id="7" name="TextBox 6"/>
+          <p:cNvSpPr txBox="1"/>
+          <p:nvPr/>
+        </p:nvSpPr>
+        <p:spPr>
+          <a:xfrm>
+            <a:off x="865561" y="3618259"/>
+            <a:ext cx="1367100" cy="192360"/>
+          </a:xfrm>
+          <a:prstGeom prst="rect">
+            <a:avLst/>
+          </a:prstGeom>
+          <a:noFill/>
+        </p:spPr>
+        <p:txBody>
+          <a:bodyPr wrap="square" rtlCol="0">
+            <a:spAutoFit/>
+          </a:bodyPr>
+          <a:lstStyle/>
+          <a:p>
+            <a:r>
+              <a:rPr lang="en-US" sz="650" b="1" dirty="0" err="1" smtClean="0">
+                <a:latin typeface="Courier New"/>
+                <a:cs typeface="Courier New"/>
+              </a:rPr>
+              <a:t>LipMiniAnalysis</a:t>
+            </a:r>
+            <a:r>
+              <a:rPr lang="en-US" sz="650" b="1" dirty="0" smtClean="0">
+                <a:latin typeface="Courier New"/>
+                <a:cs typeface="Courier New"/>
+              </a:rPr>
+              <a:t>::Loop()</a:t>
+            </a:r>
+            <a:endParaRPr lang="en-US" sz="650" b="1" dirty="0">
+              <a:latin typeface="Courier New"/>
+              <a:cs typeface="Courier New"/>
+            </a:endParaRPr>
+          </a:p>
+        </p:txBody>
+      </p:sp>
     </p:spTree>
     <p:extLst>
       <p:ext uri="{BB962C8B-B14F-4D97-AF65-F5344CB8AC3E}">
-        <p14:creationId xmlns:p14="http://schemas.microsoft.com/office/powerpoint/2010/main" val="302261885"/>
+        <p14:creationId xmlns:p14="http://schemas.microsoft.com/office/powerpoint/2010/main" val="860187275"/>
       </p:ext>
     </p:extLst>
   </p:cSld>
@@ -13121,14 +14559,16 @@
         </p:nvSpPr>
         <p:spPr/>
         <p:txBody>
-          <a:bodyPr>
-            <a:normAutofit fontScale="90000"/>
-          </a:bodyPr>
+          <a:bodyPr/>
           <a:lstStyle/>
           <a:p>
             <a:r>
               <a:rPr lang="en-US" dirty="0" smtClean="0"/>
-              <a:t>Improving efficiency with parallelism…</a:t>
+              <a:t>Structure of </a:t>
+            </a:r>
+            <a:r>
+              <a:rPr lang="en-US" dirty="0" err="1" smtClean="0"/>
+              <a:t>ttH_dilep</a:t>
             </a:r>
             <a:endParaRPr lang="en-US" dirty="0"/>
           </a:p>
@@ -13136,12 +14576,12 @@
       </p:sp>
       <p:sp>
         <p:nvSpPr>
-          <p:cNvPr id="5" name="Slide Number Placeholder 4"/>
+          <p:cNvPr id="4" name="Slide Number Placeholder 3"/>
           <p:cNvSpPr>
             <a:spLocks noGrp="1"/>
           </p:cNvSpPr>
           <p:nvPr>
-            <p:ph type="sldNum" sz="quarter" idx="16"/>
+            <p:ph type="sldNum" sz="quarter" idx="12"/>
           </p:nvPr>
         </p:nvSpPr>
         <p:spPr/>
@@ -13159,89 +14599,14 @@
           </a:p>
         </p:txBody>
       </p:sp>
-      <p:sp>
-        <p:nvSpPr>
-          <p:cNvPr id="6" name="Footer Placeholder 5"/>
-          <p:cNvSpPr>
-            <a:spLocks noGrp="1"/>
-          </p:cNvSpPr>
-          <p:nvPr>
-            <p:ph type="ftr" sz="quarter" idx="17"/>
-          </p:nvPr>
-        </p:nvSpPr>
-        <p:spPr/>
-        <p:txBody>
-          <a:bodyPr/>
-          <a:lstStyle/>
-          <a:p>
-            <a:endParaRPr lang="en-US"/>
-          </a:p>
-        </p:txBody>
-      </p:sp>
-      <p:sp>
-        <p:nvSpPr>
-          <p:cNvPr id="7" name="Text Placeholder 6"/>
-          <p:cNvSpPr>
-            <a:spLocks noGrp="1"/>
-          </p:cNvSpPr>
-          <p:nvPr>
-            <p:ph type="body" sz="quarter" idx="1"/>
-          </p:nvPr>
-        </p:nvSpPr>
-        <p:spPr>
-          <a:solidFill>
-            <a:schemeClr val="accent1">
-              <a:lumMod val="75000"/>
-            </a:schemeClr>
-          </a:solidFill>
-        </p:spPr>
-        <p:txBody>
-          <a:bodyPr/>
-          <a:lstStyle/>
-          <a:p>
-            <a:r>
-              <a:rPr lang="en-US" dirty="0" smtClean="0"/>
-              <a:t>Sequential</a:t>
-            </a:r>
-            <a:endParaRPr lang="en-US" dirty="0"/>
-          </a:p>
-        </p:txBody>
-      </p:sp>
-      <p:sp>
-        <p:nvSpPr>
-          <p:cNvPr id="8" name="Text Placeholder 7"/>
-          <p:cNvSpPr>
-            <a:spLocks noGrp="1"/>
-          </p:cNvSpPr>
-          <p:nvPr>
-            <p:ph type="body" sz="quarter" idx="3"/>
-          </p:nvPr>
-        </p:nvSpPr>
-        <p:spPr>
-          <a:solidFill>
-            <a:srgbClr val="376092"/>
-          </a:solidFill>
-        </p:spPr>
-        <p:txBody>
-          <a:bodyPr/>
-          <a:lstStyle/>
-          <a:p>
-            <a:r>
-              <a:rPr lang="en-US" dirty="0" smtClean="0"/>
-              <a:t>Parallel</a:t>
-            </a:r>
-            <a:endParaRPr lang="en-US" dirty="0"/>
-          </a:p>
-        </p:txBody>
-      </p:sp>
       <p:pic>
         <p:nvPicPr>
-          <p:cNvPr id="12" name="Content Placeholder 11" descr="global_state_seq.png"/>
+          <p:cNvPr id="6" name="Content Placeholder 5" descr="graf_abstract_flow_with_kinfit.png"/>
           <p:cNvPicPr>
             <a:picLocks noGrp="1" noChangeAspect="1"/>
           </p:cNvPicPr>
           <p:nvPr>
-            <p:ph sz="quarter" idx="2"/>
+            <p:ph sz="quarter" idx="1"/>
           </p:nvPr>
         </p:nvPicPr>
         <p:blipFill>
@@ -13252,42 +14617,160 @@
               </a:ext>
             </a:extLst>
           </a:blip>
-          <a:srcRect t="-22998" b="-22998"/>
+          <a:srcRect l="-31791" r="-31791"/>
           <a:stretch>
             <a:fillRect/>
           </a:stretch>
         </p:blipFill>
-        <p:spPr/>
+        <p:spPr>
+          <a:xfrm>
+            <a:off x="-158465" y="1589505"/>
+            <a:ext cx="5912194" cy="3259995"/>
+          </a:xfrm>
+        </p:spPr>
       </p:pic>
-      <p:pic>
-        <p:nvPicPr>
-          <p:cNvPr id="14" name="Content Placeholder 13" descr="global_state_par.png"/>
-          <p:cNvPicPr>
-            <a:picLocks noGrp="1" noChangeAspect="1"/>
-          </p:cNvPicPr>
-          <p:nvPr>
-            <p:ph sz="quarter" idx="4"/>
-          </p:nvPr>
-        </p:nvPicPr>
-        <p:blipFill>
-          <a:blip r:embed="rId3">
-            <a:extLst>
-              <a:ext uri="{28A0092B-C50C-407E-A947-70E740481C1C}">
-                <a14:useLocalDpi xmlns:a14="http://schemas.microsoft.com/office/drawing/2010/main" val="0"/>
-              </a:ext>
-            </a:extLst>
-          </a:blip>
-          <a:srcRect t="-36821" b="-36821"/>
-          <a:stretch>
-            <a:fillRect/>
-          </a:stretch>
-        </p:blipFill>
-        <p:spPr/>
-      </p:pic>
+      <p:sp>
+        <p:nvSpPr>
+          <p:cNvPr id="3" name="TextBox 2"/>
+          <p:cNvSpPr txBox="1"/>
+          <p:nvPr/>
+        </p:nvSpPr>
+        <p:spPr>
+          <a:xfrm>
+            <a:off x="5031575" y="5606126"/>
+            <a:ext cx="3596953" cy="646331"/>
+          </a:xfrm>
+          <a:prstGeom prst="rect">
+            <a:avLst/>
+          </a:prstGeom>
+          <a:noFill/>
+        </p:spPr>
+        <p:txBody>
+          <a:bodyPr wrap="square" rtlCol="0">
+            <a:spAutoFit/>
+          </a:bodyPr>
+          <a:lstStyle/>
+          <a:p>
+            <a:pPr algn="ctr"/>
+            <a:r>
+              <a:rPr lang="en-US" dirty="0" err="1" smtClean="0"/>
+              <a:t>Callgraph</a:t>
+            </a:r>
+            <a:r>
+              <a:rPr lang="en-US" dirty="0" smtClean="0"/>
+              <a:t> of </a:t>
+            </a:r>
+            <a:r>
+              <a:rPr lang="en-US" dirty="0" err="1" smtClean="0"/>
+              <a:t>ttH_Dilep</a:t>
+            </a:r>
+            <a:r>
+              <a:rPr lang="en-US" dirty="0" smtClean="0"/>
+              <a:t> sequential code for 256 variation</a:t>
+            </a:r>
+            <a:r>
+              <a:rPr lang="en-US" dirty="0" smtClean="0"/>
+              <a:t>s</a:t>
+            </a:r>
+            <a:endParaRPr lang="en-US" dirty="0"/>
+          </a:p>
+        </p:txBody>
+      </p:sp>
+      <p:sp>
+        <p:nvSpPr>
+          <p:cNvPr id="5" name="Rectangle 4"/>
+          <p:cNvSpPr/>
+          <p:nvPr/>
+        </p:nvSpPr>
+        <p:spPr>
+          <a:xfrm>
+            <a:off x="922186" y="1779723"/>
+            <a:ext cx="1189135" cy="2038591"/>
+          </a:xfrm>
+          <a:prstGeom prst="rect">
+            <a:avLst/>
+          </a:prstGeom>
+          <a:solidFill>
+            <a:srgbClr val="12BB00">
+              <a:alpha val="28000"/>
+            </a:srgbClr>
+          </a:solidFill>
+          <a:ln>
+            <a:solidFill>
+              <a:schemeClr val="tx1"/>
+            </a:solidFill>
+          </a:ln>
+        </p:spPr>
+        <p:style>
+          <a:lnRef idx="1">
+            <a:schemeClr val="accent1"/>
+          </a:lnRef>
+          <a:fillRef idx="3">
+            <a:schemeClr val="accent1"/>
+          </a:fillRef>
+          <a:effectRef idx="2">
+            <a:schemeClr val="accent1"/>
+          </a:effectRef>
+          <a:fontRef idx="minor">
+            <a:schemeClr val="lt1"/>
+          </a:fontRef>
+        </p:style>
+        <p:txBody>
+          <a:bodyPr rtlCol="0" anchor="ctr"/>
+          <a:lstStyle/>
+          <a:p>
+            <a:pPr algn="ctr"/>
+            <a:endParaRPr lang="en-US"/>
+          </a:p>
+        </p:txBody>
+      </p:sp>
+      <p:sp>
+        <p:nvSpPr>
+          <p:cNvPr id="7" name="TextBox 6"/>
+          <p:cNvSpPr txBox="1"/>
+          <p:nvPr/>
+        </p:nvSpPr>
+        <p:spPr>
+          <a:xfrm>
+            <a:off x="865561" y="3618259"/>
+            <a:ext cx="1367100" cy="192360"/>
+          </a:xfrm>
+          <a:prstGeom prst="rect">
+            <a:avLst/>
+          </a:prstGeom>
+          <a:noFill/>
+        </p:spPr>
+        <p:txBody>
+          <a:bodyPr wrap="square" rtlCol="0">
+            <a:spAutoFit/>
+          </a:bodyPr>
+          <a:lstStyle/>
+          <a:p>
+            <a:r>
+              <a:rPr lang="en-US" sz="650" b="1" dirty="0" err="1" smtClean="0">
+                <a:latin typeface="Courier New"/>
+                <a:cs typeface="Courier New"/>
+              </a:rPr>
+              <a:t>LipMiniAnalysis</a:t>
+            </a:r>
+            <a:r>
+              <a:rPr lang="en-US" sz="650" b="1" dirty="0" smtClean="0">
+                <a:latin typeface="Courier New"/>
+                <a:cs typeface="Courier New"/>
+              </a:rPr>
+              <a:t>::Loop()</a:t>
+            </a:r>
+            <a:endParaRPr lang="en-US" sz="650" b="1" dirty="0">
+              <a:latin typeface="Courier New"/>
+              <a:cs typeface="Courier New"/>
+            </a:endParaRPr>
+          </a:p>
+        </p:txBody>
+      </p:sp>
     </p:spTree>
     <p:extLst>
       <p:ext uri="{BB962C8B-B14F-4D97-AF65-F5344CB8AC3E}">
-        <p14:creationId xmlns:p14="http://schemas.microsoft.com/office/powerpoint/2010/main" val="427413715"/>
+        <p14:creationId xmlns:p14="http://schemas.microsoft.com/office/powerpoint/2010/main" val="2653433998"/>
       </p:ext>
     </p:extLst>
   </p:cSld>
@@ -13333,14 +14816,16 @@
         </p:nvSpPr>
         <p:spPr/>
         <p:txBody>
-          <a:bodyPr>
-            <a:normAutofit/>
-          </a:bodyPr>
+          <a:bodyPr/>
           <a:lstStyle/>
           <a:p>
             <a:r>
               <a:rPr lang="en-US" dirty="0" smtClean="0"/>
-              <a:t>… no way with event global state!</a:t>
+              <a:t>Critical regions in </a:t>
+            </a:r>
+            <a:r>
+              <a:rPr lang="en-US" dirty="0" err="1" smtClean="0"/>
+              <a:t>ttH_dilep</a:t>
             </a:r>
             <a:endParaRPr lang="en-US" dirty="0"/>
           </a:p>
@@ -13348,12 +14833,31 @@
       </p:sp>
       <p:sp>
         <p:nvSpPr>
-          <p:cNvPr id="5" name="Slide Number Placeholder 4"/>
+          <p:cNvPr id="3" name="Footer Placeholder 2"/>
           <p:cNvSpPr>
             <a:spLocks noGrp="1"/>
           </p:cNvSpPr>
           <p:nvPr>
-            <p:ph type="sldNum" sz="quarter" idx="16"/>
+            <p:ph type="ftr" sz="quarter" idx="11"/>
+          </p:nvPr>
+        </p:nvSpPr>
+        <p:spPr/>
+        <p:txBody>
+          <a:bodyPr/>
+          <a:lstStyle/>
+          <a:p>
+            <a:endParaRPr lang="en-US" dirty="0"/>
+          </a:p>
+        </p:txBody>
+      </p:sp>
+      <p:sp>
+        <p:nvSpPr>
+          <p:cNvPr id="4" name="Slide Number Placeholder 3"/>
+          <p:cNvSpPr>
+            <a:spLocks noGrp="1"/>
+          </p:cNvSpPr>
+          <p:nvPr>
+            <p:ph type="sldNum" sz="quarter" idx="12"/>
           </p:nvPr>
         </p:nvSpPr>
         <p:spPr/>
@@ -13371,178 +14875,87 @@
           </a:p>
         </p:txBody>
       </p:sp>
-      <p:sp>
-        <p:nvSpPr>
-          <p:cNvPr id="6" name="Footer Placeholder 5"/>
-          <p:cNvSpPr>
-            <a:spLocks noGrp="1"/>
-          </p:cNvSpPr>
-          <p:nvPr>
-            <p:ph type="ftr" sz="quarter" idx="17"/>
-          </p:nvPr>
-        </p:nvSpPr>
-        <p:spPr/>
-        <p:txBody>
-          <a:bodyPr/>
-          <a:lstStyle/>
-          <a:p>
-            <a:endParaRPr lang="en-US"/>
-          </a:p>
-        </p:txBody>
-      </p:sp>
-      <p:sp>
-        <p:nvSpPr>
-          <p:cNvPr id="7" name="Text Placeholder 6"/>
-          <p:cNvSpPr>
-            <a:spLocks noGrp="1"/>
-          </p:cNvSpPr>
-          <p:nvPr>
-            <p:ph type="body" sz="quarter" idx="1"/>
-          </p:nvPr>
-        </p:nvSpPr>
-        <p:spPr>
-          <a:solidFill>
-            <a:schemeClr val="accent1">
-              <a:lumMod val="75000"/>
-            </a:schemeClr>
-          </a:solidFill>
-        </p:spPr>
-        <p:txBody>
-          <a:bodyPr/>
-          <a:lstStyle/>
-          <a:p>
-            <a:r>
-              <a:rPr lang="en-US" dirty="0" smtClean="0"/>
-              <a:t>Sequential</a:t>
-            </a:r>
-            <a:endParaRPr lang="en-US" dirty="0"/>
-          </a:p>
-        </p:txBody>
-      </p:sp>
-      <p:sp>
-        <p:nvSpPr>
-          <p:cNvPr id="8" name="Text Placeholder 7"/>
-          <p:cNvSpPr>
-            <a:spLocks noGrp="1"/>
-          </p:cNvSpPr>
-          <p:nvPr>
-            <p:ph type="body" sz="quarter" idx="3"/>
-          </p:nvPr>
-        </p:nvSpPr>
-        <p:spPr>
-          <a:solidFill>
-            <a:srgbClr val="376092"/>
-          </a:solidFill>
-        </p:spPr>
-        <p:txBody>
-          <a:bodyPr/>
-          <a:lstStyle/>
-          <a:p>
-            <a:r>
-              <a:rPr lang="en-US" dirty="0" smtClean="0"/>
-              <a:t>Parallel</a:t>
-            </a:r>
-            <a:endParaRPr lang="en-US" dirty="0"/>
-          </a:p>
-        </p:txBody>
-      </p:sp>
-      <p:pic>
-        <p:nvPicPr>
-          <p:cNvPr id="12" name="Content Placeholder 11" descr="global_state_seq.png"/>
-          <p:cNvPicPr>
-            <a:picLocks noGrp="1" noChangeAspect="1"/>
-          </p:cNvPicPr>
-          <p:nvPr>
-            <p:ph sz="quarter" idx="2"/>
-          </p:nvPr>
-        </p:nvPicPr>
-        <p:blipFill>
-          <a:blip r:embed="rId2">
-            <a:extLst>
-              <a:ext uri="{28A0092B-C50C-407E-A947-70E740481C1C}">
-                <a14:useLocalDpi xmlns:a14="http://schemas.microsoft.com/office/drawing/2010/main" val="0"/>
-              </a:ext>
-            </a:extLst>
-          </a:blip>
-          <a:srcRect t="-22998" b="-22998"/>
-          <a:stretch>
-            <a:fillRect/>
-          </a:stretch>
-        </p:blipFill>
-        <p:spPr/>
-      </p:pic>
-      <p:pic>
-        <p:nvPicPr>
-          <p:cNvPr id="14" name="Content Placeholder 13" descr="global_state_par.png"/>
-          <p:cNvPicPr>
-            <a:picLocks noGrp="1" noChangeAspect="1"/>
-          </p:cNvPicPr>
-          <p:nvPr>
-            <p:ph sz="quarter" idx="4"/>
-          </p:nvPr>
-        </p:nvPicPr>
-        <p:blipFill>
-          <a:blip r:embed="rId3">
-            <a:extLst>
-              <a:ext uri="{28A0092B-C50C-407E-A947-70E740481C1C}">
-                <a14:useLocalDpi xmlns:a14="http://schemas.microsoft.com/office/drawing/2010/main" val="0"/>
-              </a:ext>
-            </a:extLst>
-          </a:blip>
-          <a:srcRect t="-36821" b="-36821"/>
-          <a:stretch>
-            <a:fillRect/>
-          </a:stretch>
-        </p:blipFill>
-        <p:spPr/>
-      </p:pic>
-      <p:sp>
-        <p:nvSpPr>
-          <p:cNvPr id="15" name="&quot;No&quot; Symbol 14"/>
-          <p:cNvSpPr/>
+      <p:graphicFrame>
+        <p:nvGraphicFramePr>
+          <p:cNvPr id="6" name="Chart 5"/>
+          <p:cNvGraphicFramePr>
+            <a:graphicFrameLocks/>
+          </p:cNvGraphicFramePr>
+          <p:nvPr>
+            <p:extLst>
+              <p:ext uri="{D42A27DB-BD31-4B8C-83A1-F6EECF244321}">
+                <p14:modId xmlns:p14="http://schemas.microsoft.com/office/powerpoint/2010/main" val="1787001844"/>
+              </p:ext>
+            </p:extLst>
+          </p:nvPr>
+        </p:nvGraphicFramePr>
+        <p:xfrm>
+          <a:off x="85243" y="1860011"/>
+          <a:ext cx="3961998" cy="4061363"/>
+        </p:xfrm>
+        <a:graphic>
+          <a:graphicData uri="http://schemas.openxmlformats.org/drawingml/2006/chart">
+            <c:chart xmlns:c="http://schemas.openxmlformats.org/drawingml/2006/chart" xmlns:r="http://schemas.openxmlformats.org/officeDocument/2006/relationships" r:id="rId2"/>
+          </a:graphicData>
+        </a:graphic>
+      </p:graphicFrame>
+      <p:graphicFrame>
+        <p:nvGraphicFramePr>
+          <p:cNvPr id="8" name="Chart 7"/>
+          <p:cNvGraphicFramePr>
+            <a:graphicFrameLocks/>
+          </p:cNvGraphicFramePr>
+          <p:nvPr>
+            <p:extLst>
+              <p:ext uri="{D42A27DB-BD31-4B8C-83A1-F6EECF244321}">
+                <p14:modId xmlns:p14="http://schemas.microsoft.com/office/powerpoint/2010/main" val="2780402953"/>
+              </p:ext>
+            </p:extLst>
+          </p:nvPr>
+        </p:nvGraphicFramePr>
+        <p:xfrm>
+          <a:off x="3975803" y="1860013"/>
+          <a:ext cx="5306246" cy="4061361"/>
+        </p:xfrm>
+        <a:graphic>
+          <a:graphicData uri="http://schemas.openxmlformats.org/drawingml/2006/chart">
+            <c:chart xmlns:c="http://schemas.openxmlformats.org/drawingml/2006/chart" xmlns:r="http://schemas.openxmlformats.org/officeDocument/2006/relationships" r:id="rId3"/>
+          </a:graphicData>
+        </a:graphic>
+      </p:graphicFrame>
+      <p:sp>
+        <p:nvSpPr>
+          <p:cNvPr id="9" name="TextBox 8"/>
+          <p:cNvSpPr txBox="1"/>
           <p:nvPr/>
         </p:nvSpPr>
         <p:spPr>
           <a:xfrm>
-            <a:off x="6985467" y="3834253"/>
-            <a:ext cx="793803" cy="805925"/>
+            <a:off x="3445715" y="5937250"/>
+            <a:ext cx="911653" cy="369332"/>
           </a:xfrm>
-          <a:prstGeom prst="noSmoking">
+          <a:prstGeom prst="rect">
             <a:avLst/>
           </a:prstGeom>
-          <a:solidFill>
-            <a:srgbClr val="FF0000"/>
-          </a:solidFill>
-          <a:ln>
-            <a:solidFill>
-              <a:schemeClr val="accent2">
-                <a:lumMod val="75000"/>
-              </a:schemeClr>
-            </a:solidFill>
-          </a:ln>
+          <a:noFill/>
         </p:spPr>
-        <p:style>
-          <a:lnRef idx="1">
-            <a:schemeClr val="accent1"/>
-          </a:lnRef>
-          <a:fillRef idx="3">
-            <a:schemeClr val="accent1"/>
-          </a:fillRef>
-          <a:effectRef idx="2">
-            <a:schemeClr val="accent1"/>
-          </a:effectRef>
-          <a:fontRef idx="minor">
-            <a:schemeClr val="lt1"/>
-          </a:fontRef>
-        </p:style>
-        <p:txBody>
-          <a:bodyPr rtlCol="0" anchor="ctr"/>
+        <p:txBody>
+          <a:bodyPr wrap="none" rtlCol="0">
+            <a:spAutoFit/>
+          </a:bodyPr>
           <a:lstStyle/>
           <a:p>
-            <a:pPr algn="ctr"/>
-            <a:endParaRPr lang="en-US">
+            <a:r>
+              <a:rPr lang="en-US" dirty="0" smtClean="0">
+                <a:solidFill>
+                  <a:srgbClr val="FF0000"/>
+                </a:solidFill>
+              </a:rPr>
+              <a:t>X- axis?</a:t>
+            </a:r>
+            <a:endParaRPr lang="en-US" dirty="0">
               <a:solidFill>
-                <a:schemeClr val="tx1"/>
+                <a:srgbClr val="FF0000"/>
               </a:solidFill>
             </a:endParaRPr>
           </a:p>
@@ -13551,7 +14964,7 @@
     </p:spTree>
     <p:extLst>
       <p:ext uri="{BB962C8B-B14F-4D97-AF65-F5344CB8AC3E}">
-        <p14:creationId xmlns:p14="http://schemas.microsoft.com/office/powerpoint/2010/main" val="3650932000"/>
+        <p14:creationId xmlns:p14="http://schemas.microsoft.com/office/powerpoint/2010/main" val="302261885"/>
       </p:ext>
     </p:extLst>
   </p:cSld>

--- a/doc/partial presentation/partial_presentation.pptx
+++ b/doc/partial presentation/partial_presentation.pptx
@@ -18,7 +18,7 @@
     <p:sldId id="293" r:id="rId6"/>
     <p:sldId id="292" r:id="rId7"/>
     <p:sldId id="297" r:id="rId8"/>
-    <p:sldId id="298" r:id="rId9"/>
+    <p:sldId id="302" r:id="rId9"/>
     <p:sldId id="281" r:id="rId10"/>
     <p:sldId id="286" r:id="rId11"/>
     <p:sldId id="287" r:id="rId12"/>
@@ -457,11 +457,11 @@
         </c:dLbls>
         <c:gapWidth val="150"/>
         <c:overlap val="100"/>
-        <c:axId val="2094917976"/>
-        <c:axId val="2094920952"/>
+        <c:axId val="2084855464"/>
+        <c:axId val="2084858440"/>
       </c:barChart>
       <c:catAx>
-        <c:axId val="2094917976"/>
+        <c:axId val="2084855464"/>
         <c:scaling>
           <c:orientation val="minMax"/>
         </c:scaling>
@@ -471,7 +471,7 @@
         <c:majorTickMark val="out"/>
         <c:minorTickMark val="none"/>
         <c:tickLblPos val="nextTo"/>
-        <c:crossAx val="2094920952"/>
+        <c:crossAx val="2084858440"/>
         <c:crosses val="autoZero"/>
         <c:auto val="1"/>
         <c:lblAlgn val="ctr"/>
@@ -479,7 +479,7 @@
         <c:noMultiLvlLbl val="0"/>
       </c:catAx>
       <c:valAx>
-        <c:axId val="2094920952"/>
+        <c:axId val="2084858440"/>
         <c:scaling>
           <c:logBase val="2.0"/>
           <c:orientation val="minMax"/>
@@ -521,7 +521,7 @@
         <c:majorTickMark val="out"/>
         <c:minorTickMark val="none"/>
         <c:tickLblPos val="nextTo"/>
-        <c:crossAx val="2094917976"/>
+        <c:crossAx val="2084855464"/>
         <c:crosses val="autoZero"/>
         <c:crossBetween val="between"/>
       </c:valAx>
@@ -828,11 +828,11 @@
         </c:dLbls>
         <c:gapWidth val="150"/>
         <c:overlap val="100"/>
-        <c:axId val="2094989768"/>
-        <c:axId val="2094992744"/>
+        <c:axId val="2103664808"/>
+        <c:axId val="2103661816"/>
       </c:barChart>
       <c:catAx>
-        <c:axId val="2094989768"/>
+        <c:axId val="2103664808"/>
         <c:scaling>
           <c:orientation val="minMax"/>
         </c:scaling>
@@ -842,7 +842,7 @@
         <c:majorTickMark val="out"/>
         <c:minorTickMark val="none"/>
         <c:tickLblPos val="nextTo"/>
-        <c:crossAx val="2094992744"/>
+        <c:crossAx val="2103661816"/>
         <c:crosses val="autoZero"/>
         <c:auto val="1"/>
         <c:lblAlgn val="ctr"/>
@@ -850,7 +850,7 @@
         <c:noMultiLvlLbl val="0"/>
       </c:catAx>
       <c:valAx>
-        <c:axId val="2094992744"/>
+        <c:axId val="2103661816"/>
         <c:scaling>
           <c:orientation val="minMax"/>
         </c:scaling>
@@ -861,7 +861,7 @@
         <c:majorTickMark val="out"/>
         <c:minorTickMark val="none"/>
         <c:tickLblPos val="nextTo"/>
-        <c:crossAx val="2094989768"/>
+        <c:crossAx val="2103664808"/>
         <c:crosses val="autoZero"/>
         <c:crossBetween val="between"/>
       </c:valAx>
@@ -1226,7 +1226,7 @@
                   <c:v>4.815173452312604</c:v>
                 </c:pt>
                 <c:pt idx="6">
-                  <c:v>5.363101148981611</c:v>
+                  <c:v>5.36310114898161</c:v>
                 </c:pt>
                 <c:pt idx="7">
                   <c:v>5.861726526450464</c:v>
@@ -1317,7 +1317,7 @@
                   <c:v>5.511917097166894</c:v>
                 </c:pt>
                 <c:pt idx="5">
-                  <c:v>6.862040162496253</c:v>
+                  <c:v>6.862040162496251</c:v>
                 </c:pt>
                 <c:pt idx="6">
                   <c:v>8.013820791769818</c:v>
@@ -1408,7 +1408,7 @@
                   <c:v>3.730807348525437</c:v>
                 </c:pt>
                 <c:pt idx="4">
-                  <c:v>4.657034017682483</c:v>
+                  <c:v>4.657034017682481</c:v>
                 </c:pt>
                 <c:pt idx="5">
                   <c:v>5.890220720496758</c:v>
@@ -1505,7 +1505,7 @@
                   <c:v>3.855303453437347</c:v>
                 </c:pt>
                 <c:pt idx="5">
-                  <c:v>4.847119716515097</c:v>
+                  <c:v>4.847119716515095</c:v>
                 </c:pt>
                 <c:pt idx="6">
                   <c:v>5.785744295397386</c:v>
@@ -1514,7 +1514,7 @@
                   <c:v>6.402843774006861</c:v>
                 </c:pt>
                 <c:pt idx="8">
-                  <c:v>6.873221603153066</c:v>
+                  <c:v>6.873221603153067</c:v>
                 </c:pt>
                 <c:pt idx="9">
                   <c:v>7.119409511852735</c:v>
@@ -1602,7 +1602,7 @@
                   <c:v>3.092673831891052</c:v>
                 </c:pt>
                 <c:pt idx="6">
-                  <c:v>4.138835099717414</c:v>
+                  <c:v>4.138835099717413</c:v>
                 </c:pt>
                 <c:pt idx="7">
                   <c:v>5.015130450900855</c:v>
@@ -1611,7 +1611,7 @@
                   <c:v>5.77960757933075</c:v>
                 </c:pt>
                 <c:pt idx="9">
-                  <c:v>6.117294617600054</c:v>
+                  <c:v>6.117294617600053</c:v>
                 </c:pt>
               </c:numCache>
             </c:numRef>
@@ -1628,11 +1628,11 @@
         </c:dLbls>
         <c:marker val="1"/>
         <c:smooth val="0"/>
-        <c:axId val="2131090168"/>
-        <c:axId val="2131094536"/>
+        <c:axId val="2124134968"/>
+        <c:axId val="2124139336"/>
       </c:lineChart>
       <c:catAx>
-        <c:axId val="2131090168"/>
+        <c:axId val="2124134968"/>
         <c:scaling>
           <c:orientation val="minMax"/>
         </c:scaling>
@@ -1642,7 +1642,7 @@
         <c:majorTickMark val="out"/>
         <c:minorTickMark val="none"/>
         <c:tickLblPos val="nextTo"/>
-        <c:crossAx val="2131094536"/>
+        <c:crossAx val="2124139336"/>
         <c:crosses val="autoZero"/>
         <c:auto val="1"/>
         <c:lblAlgn val="ctr"/>
@@ -1650,20 +1650,20 @@
         <c:noMultiLvlLbl val="0"/>
       </c:catAx>
       <c:valAx>
-        <c:axId val="2131094536"/>
+        <c:axId val="2124139336"/>
         <c:scaling>
           <c:logBase val="2.0"/>
           <c:orientation val="minMax"/>
           <c:min val="1.0"/>
         </c:scaling>
-        <c:delete val="0"/>
+        <c:delete val="1"/>
         <c:axPos val="l"/>
         <c:majorGridlines/>
         <c:numFmt formatCode="General" sourceLinked="1"/>
         <c:majorTickMark val="out"/>
         <c:minorTickMark val="none"/>
         <c:tickLblPos val="nextTo"/>
-        <c:crossAx val="2131090168"/>
+        <c:crossAx val="2124134968"/>
         <c:crosses val="autoZero"/>
         <c:crossBetween val="between"/>
       </c:valAx>
@@ -1729,9 +1729,9 @@
           <c:layoutTarget val="inner"/>
           <c:xMode val="edge"/>
           <c:yMode val="edge"/>
-          <c:x val="0.0785502444164739"/>
+          <c:x val="0.092875391829198"/>
           <c:y val="0.150087816372269"/>
-          <c:w val="0.882788045546351"/>
+          <c:w val="0.868462698537133"/>
           <c:h val="0.752368133020289"/>
         </c:manualLayout>
       </c:layout>
@@ -2003,7 +2003,7 @@
                   <c:v>1.649207711122983</c:v>
                 </c:pt>
                 <c:pt idx="3">
-                  <c:v>2.17906248440874</c:v>
+                  <c:v>2.179062484408739</c:v>
                 </c:pt>
                 <c:pt idx="4">
                   <c:v>2.666858880715503</c:v>
@@ -2103,13 +2103,13 @@
                   <c:v>3.704698157539512</c:v>
                 </c:pt>
                 <c:pt idx="5">
-                  <c:v>4.62285411625419</c:v>
+                  <c:v>4.622854116254189</c:v>
                 </c:pt>
                 <c:pt idx="6">
                   <c:v>5.330906511624324</c:v>
                 </c:pt>
                 <c:pt idx="7">
-                  <c:v>5.785629162032156</c:v>
+                  <c:v>5.785629162032157</c:v>
                 </c:pt>
                 <c:pt idx="8">
                   <c:v>6.170757133349244</c:v>
@@ -2414,11 +2414,11 @@
         </c:dLbls>
         <c:marker val="1"/>
         <c:smooth val="0"/>
-        <c:axId val="2131145192"/>
-        <c:axId val="2131149592"/>
+        <c:axId val="2103443672"/>
+        <c:axId val="2124647048"/>
       </c:lineChart>
       <c:catAx>
-        <c:axId val="2131145192"/>
+        <c:axId val="2103443672"/>
         <c:scaling>
           <c:orientation val="minMax"/>
         </c:scaling>
@@ -2428,7 +2428,7 @@
         <c:majorTickMark val="out"/>
         <c:minorTickMark val="none"/>
         <c:tickLblPos val="nextTo"/>
-        <c:crossAx val="2131149592"/>
+        <c:crossAx val="2124647048"/>
         <c:crosses val="autoZero"/>
         <c:auto val="1"/>
         <c:lblAlgn val="ctr"/>
@@ -2436,7 +2436,7 @@
         <c:noMultiLvlLbl val="0"/>
       </c:catAx>
       <c:valAx>
-        <c:axId val="2131149592"/>
+        <c:axId val="2124647048"/>
         <c:scaling>
           <c:logBase val="2.0"/>
           <c:orientation val="minMax"/>
@@ -2445,11 +2445,38 @@
         <c:delete val="0"/>
         <c:axPos val="l"/>
         <c:majorGridlines/>
+        <c:title>
+          <c:tx>
+            <c:rich>
+              <a:bodyPr rot="-5400000" vert="horz"/>
+              <a:lstStyle/>
+              <a:p>
+                <a:pPr>
+                  <a:defRPr sz="1200"/>
+                </a:pPr>
+                <a:r>
+                  <a:rPr lang="en-US" sz="1200" dirty="0" smtClean="0"/>
+                  <a:t>Speedup</a:t>
+                </a:r>
+                <a:endParaRPr lang="en-US" sz="1200" dirty="0"/>
+              </a:p>
+            </c:rich>
+          </c:tx>
+          <c:layout>
+            <c:manualLayout>
+              <c:xMode val="edge"/>
+              <c:yMode val="edge"/>
+              <c:x val="0.0"/>
+              <c:y val="0.430061744182241"/>
+            </c:manualLayout>
+          </c:layout>
+          <c:overlay val="0"/>
+        </c:title>
         <c:numFmt formatCode="General" sourceLinked="1"/>
         <c:majorTickMark val="out"/>
         <c:minorTickMark val="none"/>
         <c:tickLblPos val="nextTo"/>
-        <c:crossAx val="2131145192"/>
+        <c:crossAx val="2103443672"/>
         <c:crosses val="autoZero"/>
         <c:crossBetween val="between"/>
       </c:valAx>
@@ -2749,13 +2776,13 @@
                   <c:v>4.248968045435006</c:v>
                 </c:pt>
                 <c:pt idx="5">
-                  <c:v>4.610479276870915</c:v>
+                  <c:v>4.610479276870913</c:v>
                 </c:pt>
                 <c:pt idx="6">
                   <c:v>4.815798769220626</c:v>
                 </c:pt>
                 <c:pt idx="7">
-                  <c:v>4.997148836358369</c:v>
+                  <c:v>4.997148836358368</c:v>
                 </c:pt>
                 <c:pt idx="8">
                   <c:v>5.041998353072417</c:v>
@@ -2829,7 +2856,7 @@
                   <c:v>3.641938675967477</c:v>
                 </c:pt>
                 <c:pt idx="3">
-                  <c:v>5.424076220389015</c:v>
+                  <c:v>5.424076220389014</c:v>
                 </c:pt>
                 <c:pt idx="4">
                   <c:v>7.084079729966697</c:v>
@@ -2838,10 +2865,10 @@
                   <c:v>8.233080969506101</c:v>
                 </c:pt>
                 <c:pt idx="6">
-                  <c:v>9.027228082519668</c:v>
+                  <c:v>9.027228082519667</c:v>
                 </c:pt>
                 <c:pt idx="7">
-                  <c:v>9.478696825442318</c:v>
+                  <c:v>9.47869682544232</c:v>
                 </c:pt>
                 <c:pt idx="8">
                   <c:v>9.673150291870168</c:v>
@@ -2912,10 +2939,10 @@
                   <c:v>2.42693384491279</c:v>
                 </c:pt>
                 <c:pt idx="2">
-                  <c:v>4.18494120976026</c:v>
+                  <c:v>4.184941209760259</c:v>
                 </c:pt>
                 <c:pt idx="3">
-                  <c:v>6.684618670680799</c:v>
+                  <c:v>6.684618670680797</c:v>
                 </c:pt>
                 <c:pt idx="4">
                   <c:v>9.840932084276392</c:v>
@@ -3016,7 +3043,7 @@
                   <c:v>26.23630689523458</c:v>
                 </c:pt>
                 <c:pt idx="8">
-                  <c:v>28.68324294952204</c:v>
+                  <c:v>28.68324294952203</c:v>
                 </c:pt>
                 <c:pt idx="9">
                   <c:v>29.93658979292168</c:v>
@@ -3292,13 +3319,13 @@
                   <c:v>0.956052055376289</c:v>
                 </c:pt>
                 <c:pt idx="1">
-                  <c:v>2.023587851307388</c:v>
+                  <c:v>2.02358785130739</c:v>
                 </c:pt>
                 <c:pt idx="2">
                   <c:v>3.18073801755434</c:v>
                 </c:pt>
                 <c:pt idx="3">
-                  <c:v>6.722246807915519</c:v>
+                  <c:v>6.722246807915518</c:v>
                 </c:pt>
                 <c:pt idx="4">
                   <c:v>11.62581609600833</c:v>
@@ -3418,12 +3445,12 @@
         </c:dLbls>
         <c:gapWidth val="150"/>
         <c:shape val="box"/>
-        <c:axId val="2131248632"/>
-        <c:axId val="2131254376"/>
-        <c:axId val="2131257768"/>
+        <c:axId val="2124213112"/>
+        <c:axId val="2124218856"/>
+        <c:axId val="2124222248"/>
       </c:bar3DChart>
       <c:catAx>
-        <c:axId val="2131248632"/>
+        <c:axId val="2124213112"/>
         <c:scaling>
           <c:orientation val="maxMin"/>
         </c:scaling>
@@ -3439,14 +3466,18 @@
                   <a:defRPr sz="1600"/>
                 </a:pPr>
                 <a:r>
-                  <a:rPr lang="en-US" sz="1600"/>
+                  <a:rPr lang="en-US" sz="1600" dirty="0"/>
                   <a:t>#</a:t>
                 </a:r>
                 <a:r>
-                  <a:rPr lang="en-US" sz="1600" baseline="0"/>
-                  <a:t> dileps</a:t>
+                  <a:rPr lang="en-US" sz="1600" baseline="0" dirty="0"/>
+                  <a:t> </a:t>
                 </a:r>
-                <a:endParaRPr lang="en-US" sz="1600"/>
+                <a:r>
+                  <a:rPr lang="en-US" sz="1600" baseline="0" dirty="0" smtClean="0"/>
+                  <a:t>variations per event</a:t>
+                </a:r>
+                <a:endParaRPr lang="en-US" sz="1600" dirty="0"/>
               </a:p>
             </c:rich>
           </c:tx>
@@ -3454,8 +3485,8 @@
             <c:manualLayout>
               <c:xMode val="edge"/>
               <c:yMode val="edge"/>
-              <c:x val="0.162383509418918"/>
-              <c:y val="0.850025047704692"/>
+              <c:x val="0.111750598026512"/>
+              <c:y val="0.852116568195846"/>
             </c:manualLayout>
           </c:layout>
           <c:overlay val="0"/>
@@ -3478,7 +3509,7 @@
             <a:endParaRPr lang="en-US"/>
           </a:p>
         </c:txPr>
-        <c:crossAx val="2131254376"/>
+        <c:crossAx val="2124218856"/>
         <c:crossesAt val="1.0"/>
         <c:auto val="1"/>
         <c:lblAlgn val="ctr"/>
@@ -3486,7 +3517,7 @@
         <c:noMultiLvlLbl val="0"/>
       </c:catAx>
       <c:valAx>
-        <c:axId val="2131254376"/>
+        <c:axId val="2124218856"/>
         <c:scaling>
           <c:logBase val="2.0"/>
           <c:orientation val="minMax"/>
@@ -3516,12 +3547,12 @@
             <a:endParaRPr lang="en-US"/>
           </a:p>
         </c:txPr>
-        <c:crossAx val="2131248632"/>
+        <c:crossAx val="2124213112"/>
         <c:crosses val="autoZero"/>
         <c:crossBetween val="between"/>
       </c:valAx>
       <c:serAx>
-        <c:axId val="2131257768"/>
+        <c:axId val="2124222248"/>
         <c:scaling>
           <c:orientation val="minMax"/>
         </c:scaling>
@@ -3582,7 +3613,7 @@
             <a:endParaRPr lang="en-US"/>
           </a:p>
         </c:txPr>
-        <c:crossAx val="2131254376"/>
+        <c:crossAx val="2124218856"/>
         <c:crossesAt val="1.0"/>
         <c:tickLblSkip val="1"/>
         <c:tickMarkSkip val="1"/>
@@ -3761,7 +3792,7 @@
                   <c:v>1330.404804296247</c:v>
                 </c:pt>
                 <c:pt idx="6">
-                  <c:v>563.9457251872232</c:v>
+                  <c:v>563.945725187223</c:v>
                 </c:pt>
               </c:numCache>
             </c:numRef>
@@ -3829,7 +3860,7 @@
                   <c:v>1775.183978386872</c:v>
                 </c:pt>
                 <c:pt idx="6">
-                  <c:v>724.8224280359977</c:v>
+                  <c:v>724.8224280359975</c:v>
                 </c:pt>
               </c:numCache>
             </c:numRef>
@@ -4185,7 +4216,7 @@
                   <c:v>2965.427798038787</c:v>
                 </c:pt>
                 <c:pt idx="2">
-                  <c:v>5525.192974617188</c:v>
+                  <c:v>5525.19297461719</c:v>
                 </c:pt>
                 <c:pt idx="3">
                   <c:v>8256.0267107652</c:v>
@@ -4194,7 +4225,7 @@
                   <c:v>7256.892854014498</c:v>
                 </c:pt>
                 <c:pt idx="5">
-                  <c:v>5960.609887048521</c:v>
+                  <c:v>5960.60988704852</c:v>
                 </c:pt>
                 <c:pt idx="6">
                   <c:v>4263.925288897451</c:v>
@@ -4386,10 +4417,10 @@
                   <c:v>8267.390826705623</c:v>
                 </c:pt>
                 <c:pt idx="5">
-                  <c:v>6822.477747861752</c:v>
+                  <c:v>6822.477747861751</c:v>
                 </c:pt>
                 <c:pt idx="6">
-                  <c:v>5736.937695020373</c:v>
+                  <c:v>5736.937695020371</c:v>
                 </c:pt>
               </c:numCache>
             </c:numRef>
@@ -4473,13 +4504,13 @@
                   <c:v>3526.728397583776</c:v>
                 </c:pt>
                 <c:pt idx="2">
-                  <c:v>6421.433035036237</c:v>
+                  <c:v>6421.433035036236</c:v>
                 </c:pt>
                 <c:pt idx="3">
                   <c:v>10041.05809605406</c:v>
                 </c:pt>
                 <c:pt idx="4">
-                  <c:v>8962.715021465548</c:v>
+                  <c:v>8962.715021465547</c:v>
                 </c:pt>
                 <c:pt idx="5">
                   <c:v>6968.238561356246</c:v>
@@ -4501,12 +4532,12 @@
         </c:dLbls>
         <c:gapWidth val="150"/>
         <c:shape val="box"/>
-        <c:axId val="2131345256"/>
-        <c:axId val="2131350984"/>
-        <c:axId val="2131354056"/>
+        <c:axId val="2124323976"/>
+        <c:axId val="2124329704"/>
+        <c:axId val="2124332808"/>
       </c:bar3DChart>
       <c:catAx>
-        <c:axId val="2131345256"/>
+        <c:axId val="2124323976"/>
         <c:scaling>
           <c:orientation val="minMax"/>
         </c:scaling>
@@ -4543,7 +4574,7 @@
         <c:majorTickMark val="out"/>
         <c:minorTickMark val="none"/>
         <c:tickLblPos val="nextTo"/>
-        <c:crossAx val="2131350984"/>
+        <c:crossAx val="2124329704"/>
         <c:crosses val="autoZero"/>
         <c:auto val="1"/>
         <c:lblAlgn val="ctr"/>
@@ -4551,7 +4582,7 @@
         <c:noMultiLvlLbl val="0"/>
       </c:catAx>
       <c:valAx>
-        <c:axId val="2131350984"/>
+        <c:axId val="2124329704"/>
         <c:scaling>
           <c:orientation val="minMax"/>
         </c:scaling>
@@ -4562,12 +4593,12 @@
         <c:majorTickMark val="out"/>
         <c:minorTickMark val="none"/>
         <c:tickLblPos val="nextTo"/>
-        <c:crossAx val="2131345256"/>
+        <c:crossAx val="2124323976"/>
         <c:crosses val="autoZero"/>
         <c:crossBetween val="between"/>
       </c:valAx>
       <c:serAx>
-        <c:axId val="2131354056"/>
+        <c:axId val="2124332808"/>
         <c:scaling>
           <c:orientation val="minMax"/>
         </c:scaling>
@@ -4607,7 +4638,7 @@
         <c:majorTickMark val="out"/>
         <c:minorTickMark val="none"/>
         <c:tickLblPos val="nextTo"/>
-        <c:crossAx val="2131350984"/>
+        <c:crossAx val="2124329704"/>
         <c:crosses val="autoZero"/>
       </c:serAx>
     </c:plotArea>
@@ -4703,7 +4734,7 @@
           <a:p>
             <a:fld id="{6A2E8799-AB43-2B49-B174-EA2922AE8430}" type="datetime1">
               <a:rPr lang="pt-PT" smtClean="0"/>
-              <a:t>03/Jul/13</a:t>
+              <a:t>08/07/13</a:t>
             </a:fld>
             <a:endParaRPr lang="en-US"/>
           </a:p>
@@ -4869,7 +4900,7 @@
           <a:p>
             <a:fld id="{DB45264F-2348-A448-9001-BE25E1EF061F}" type="datetime1">
               <a:rPr lang="pt-PT" smtClean="0"/>
-              <a:t>03/Jul/13</a:t>
+              <a:t>08/07/13</a:t>
             </a:fld>
             <a:endParaRPr lang="en-US"/>
           </a:p>
@@ -6584,7 +6615,7 @@
           <a:p>
             <a:fld id="{698A196A-D1E5-4340-8BE3-B866CF21B8F2}" type="datetime1">
               <a:rPr lang="pt-PT" smtClean="0"/>
-              <a:t>03/Jul/13</a:t>
+              <a:t>08/07/13</a:t>
             </a:fld>
             <a:endParaRPr lang="en-US"/>
           </a:p>
@@ -6775,7 +6806,7 @@
           <a:p>
             <a:fld id="{EA06EC9D-7BE1-BB4B-8BF2-9C3028D32265}" type="datetime1">
               <a:rPr lang="pt-PT" smtClean="0"/>
-              <a:t>03/Jul/13</a:t>
+              <a:t>08/07/13</a:t>
             </a:fld>
             <a:endParaRPr lang="en-US"/>
           </a:p>
@@ -6960,7 +6991,7 @@
           <a:p>
             <a:fld id="{F547368A-8DB1-584C-98BB-A837081FF51B}" type="datetime1">
               <a:rPr lang="pt-PT" smtClean="0"/>
-              <a:t>03/Jul/13</a:t>
+              <a:t>08/07/13</a:t>
             </a:fld>
             <a:endParaRPr lang="en-US"/>
           </a:p>
@@ -7223,7 +7254,7 @@
           <a:p>
             <a:fld id="{6C93BBA0-4CEB-6543-A2C5-55B6B9ACDD71}" type="datetime1">
               <a:rPr lang="pt-PT" smtClean="0"/>
-              <a:t>03/Jul/13</a:t>
+              <a:t>08/07/13</a:t>
             </a:fld>
             <a:endParaRPr lang="en-US"/>
           </a:p>
@@ -7639,7 +7670,7 @@
           <a:p>
             <a:fld id="{AB436747-84A9-2541-AEEB-6D0EB5BA80A6}" type="datetime1">
               <a:rPr lang="pt-PT" smtClean="0"/>
-              <a:t>03/Jul/13</a:t>
+              <a:t>08/07/13</a:t>
             </a:fld>
             <a:endParaRPr lang="en-US"/>
           </a:p>
@@ -7881,7 +7912,7 @@
           <a:p>
             <a:fld id="{94C05F9E-3D3E-4D4C-B397-C26386612109}" type="datetime1">
               <a:rPr lang="pt-PT" smtClean="0"/>
-              <a:t>03/Jul/13</a:t>
+              <a:t>08/07/13</a:t>
             </a:fld>
             <a:endParaRPr lang="en-US"/>
           </a:p>
@@ -8117,7 +8148,7 @@
           <a:p>
             <a:fld id="{8C61650D-5624-F240-8414-01FAD79630CE}" type="datetime1">
               <a:rPr lang="pt-PT" smtClean="0"/>
-              <a:t>03/Jul/13</a:t>
+              <a:t>08/07/13</a:t>
             </a:fld>
             <a:endParaRPr lang="en-US"/>
           </a:p>
@@ -8312,7 +8343,7 @@
           <a:p>
             <a:fld id="{1C769D5D-B1BE-734E-9F7A-7C11301FE3ED}" type="datetime1">
               <a:rPr lang="pt-PT" smtClean="0"/>
-              <a:t>03/Jul/13</a:t>
+              <a:t>08/07/13</a:t>
             </a:fld>
             <a:endParaRPr lang="en-US"/>
           </a:p>
@@ -8410,7 +8441,7 @@
           <a:p>
             <a:fld id="{2C9B0DCB-9A71-4641-9D2C-CD31FD221208}" type="datetime1">
               <a:rPr lang="pt-PT" smtClean="0"/>
-              <a:t>03/Jul/13</a:t>
+              <a:t>08/07/13</a:t>
             </a:fld>
             <a:endParaRPr lang="en-US"/>
           </a:p>
@@ -8546,7 +8577,7 @@
           <a:p>
             <a:fld id="{DA74B8EE-6C65-2D4E-A8C6-BB77A48159F6}" type="datetime1">
               <a:rPr lang="pt-PT" smtClean="0"/>
-              <a:t>03/Jul/13</a:t>
+              <a:t>08/07/13</a:t>
             </a:fld>
             <a:endParaRPr lang="en-US"/>
           </a:p>
@@ -9064,7 +9095,7 @@
           <a:p>
             <a:fld id="{CFB562F7-F8CF-2447-8ED7-A1B5C21E542A}" type="datetime1">
               <a:rPr lang="pt-PT" smtClean="0"/>
-              <a:t>03/Jul/13</a:t>
+              <a:t>08/07/13</a:t>
             </a:fld>
             <a:endParaRPr lang="en-US"/>
           </a:p>
@@ -9325,7 +9356,7 @@
           <a:p>
             <a:fld id="{19F4885C-3C53-1047-BC44-878C9835E565}" type="datetime1">
               <a:rPr lang="pt-PT" smtClean="0"/>
-              <a:t>03/Jul/13</a:t>
+              <a:t>08/07/13</a:t>
             </a:fld>
             <a:endParaRPr lang="en-US"/>
           </a:p>
@@ -10642,15 +10673,7 @@
             </a:pPr>
             <a:r>
               <a:rPr lang="en-US" dirty="0" smtClean="0"/>
-              <a:t>Alternative </a:t>
-            </a:r>
-            <a:r>
-              <a:rPr lang="en-US" dirty="0" smtClean="0"/>
-              <a:t>1a: </a:t>
-            </a:r>
-            <a:r>
-              <a:rPr lang="en-US" dirty="0" smtClean="0"/>
-              <a:t>parallelize </a:t>
+              <a:t>Alternative 1a: parallelize </a:t>
             </a:r>
             <a:r>
               <a:rPr lang="en-US" dirty="0" err="1" smtClean="0"/>
@@ -10669,15 +10692,7 @@
             </a:r>
             <a:r>
               <a:rPr lang="en-US" sz="4000" dirty="0" smtClean="0"/>
-              <a:t>  	  </a:t>
-            </a:r>
-            <a:r>
-              <a:rPr lang="en-US" sz="4000" dirty="0" smtClean="0"/>
-              <a:t>shared memory, </a:t>
-            </a:r>
-            <a:r>
-              <a:rPr lang="en-US" sz="4000" dirty="0" smtClean="0"/>
-              <a:t>no h/w accelerators </a:t>
+              <a:t>  	  shared memory, no h/w accelerators </a:t>
             </a:r>
             <a:endParaRPr lang="en-US" dirty="0"/>
           </a:p>
@@ -10957,7 +10972,7 @@
           <p:nvPr>
             <p:extLst>
               <p:ext uri="{D42A27DB-BD31-4B8C-83A1-F6EECF244321}">
-                <p14:modId xmlns:p14="http://schemas.microsoft.com/office/powerpoint/2010/main" val="1138110177"/>
+                <p14:modId xmlns:p14="http://schemas.microsoft.com/office/powerpoint/2010/main" val="2555353281"/>
               </p:ext>
             </p:extLst>
           </p:nvPr>
@@ -10981,14 +10996,14 @@
           <p:nvPr>
             <p:extLst>
               <p:ext uri="{D42A27DB-BD31-4B8C-83A1-F6EECF244321}">
-                <p14:modId xmlns:p14="http://schemas.microsoft.com/office/powerpoint/2010/main" val="3976229768"/>
+                <p14:modId xmlns:p14="http://schemas.microsoft.com/office/powerpoint/2010/main" val="2650129645"/>
               </p:ext>
             </p:extLst>
           </p:nvPr>
         </p:nvGraphicFramePr>
         <p:xfrm>
-          <a:off x="277812" y="2057745"/>
-          <a:ext cx="4270375" cy="3300068"/>
+          <a:off x="115452" y="2057745"/>
+          <a:ext cx="4432735" cy="3300068"/>
         </p:xfrm>
         <a:graphic>
           <a:graphicData uri="http://schemas.openxmlformats.org/drawingml/2006/chart">
@@ -10998,14 +11013,14 @@
       </p:graphicFrame>
       <p:sp>
         <p:nvSpPr>
-          <p:cNvPr id="5" name="TextBox 4"/>
+          <p:cNvPr id="6" name="TextBox 5"/>
           <p:cNvSpPr txBox="1"/>
           <p:nvPr/>
         </p:nvSpPr>
         <p:spPr>
           <a:xfrm>
-            <a:off x="3445715" y="5778501"/>
-            <a:ext cx="1877249" cy="369332"/>
+            <a:off x="3654352" y="5357813"/>
+            <a:ext cx="1787669" cy="276999"/>
           </a:xfrm>
           <a:prstGeom prst="rect">
             <a:avLst/>
@@ -11019,18 +11034,10 @@
           <a:lstStyle/>
           <a:p>
             <a:r>
-              <a:rPr lang="en-US" dirty="0" smtClean="0">
-                <a:solidFill>
-                  <a:srgbClr val="FF0000"/>
-                </a:solidFill>
-              </a:rPr>
-              <a:t>Y- axis?    X- axis?</a:t>
-            </a:r>
-            <a:endParaRPr lang="en-US" dirty="0">
-              <a:solidFill>
-                <a:srgbClr val="FF0000"/>
-              </a:solidFill>
-            </a:endParaRPr>
+              <a:rPr lang="en-US" sz="1200" b="1" dirty="0" smtClean="0"/>
+              <a:t># of variations per event</a:t>
+            </a:r>
+            <a:endParaRPr lang="en-US" sz="1200" b="1" dirty="0"/>
           </a:p>
         </p:txBody>
       </p:sp>
@@ -11167,7 +11174,7 @@
           <p:nvPr>
             <p:extLst>
               <p:ext uri="{D42A27DB-BD31-4B8C-83A1-F6EECF244321}">
-                <p14:modId xmlns:p14="http://schemas.microsoft.com/office/powerpoint/2010/main" val="3138609508"/>
+                <p14:modId xmlns:p14="http://schemas.microsoft.com/office/powerpoint/2010/main" val="2268528529"/>
               </p:ext>
             </p:extLst>
           </p:nvPr>
@@ -11372,15 +11379,7 @@
             </a:pPr>
             <a:r>
               <a:rPr lang="en-US" dirty="0" smtClean="0"/>
-              <a:t>Alternative </a:t>
-            </a:r>
-            <a:r>
-              <a:rPr lang="en-US" dirty="0" smtClean="0"/>
-              <a:t>1b: </a:t>
-            </a:r>
-            <a:r>
-              <a:rPr lang="en-US" dirty="0" smtClean="0"/>
-              <a:t>parallelize </a:t>
+              <a:t>Alternative 1b: parallelize </a:t>
             </a:r>
             <a:r>
               <a:rPr lang="en-US" dirty="0" err="1" smtClean="0"/>
@@ -11399,15 +11398,7 @@
             </a:r>
             <a:r>
               <a:rPr lang="en-US" sz="4000" dirty="0" smtClean="0"/>
-              <a:t>  	 </a:t>
-            </a:r>
-            <a:r>
-              <a:rPr lang="en-US" sz="4000" dirty="0" smtClean="0"/>
-              <a:t>shared memory, </a:t>
-            </a:r>
-            <a:r>
-              <a:rPr lang="en-US" sz="4000" dirty="0" smtClean="0"/>
-              <a:t>with GPU accelerator </a:t>
+              <a:t>  	 shared memory, with GPU accelerator </a:t>
             </a:r>
             <a:endParaRPr lang="en-US" dirty="0"/>
           </a:p>
@@ -11522,6 +11513,36 @@
             <a:off x="4864" y="2438400"/>
             <a:ext cx="4795736" cy="4419600"/>
           </a:xfrm>
+        </p:spPr>
+      </p:pic>
+      <p:pic>
+        <p:nvPicPr>
+          <p:cNvPr id="9" name="Picture 8" descr="gpu.png"/>
+          <p:cNvPicPr>
+            <a:picLocks noChangeAspect="1"/>
+          </p:cNvPicPr>
+          <p:nvPr/>
+        </p:nvPicPr>
+        <p:blipFill>
+          <a:blip r:embed="rId4">
+            <a:extLst>
+              <a:ext uri="{28A0092B-C50C-407E-A947-70E740481C1C}">
+                <a14:useLocalDpi xmlns:a14="http://schemas.microsoft.com/office/drawing/2010/main" val="0"/>
+              </a:ext>
+            </a:extLst>
+          </a:blip>
+          <a:stretch>
+            <a:fillRect/>
+          </a:stretch>
+        </p:blipFill>
+        <p:spPr>
+          <a:xfrm>
+            <a:off x="6038238" y="2392680"/>
+            <a:ext cx="1377415" cy="4556064"/>
+          </a:xfrm>
+          <a:prstGeom prst="rect">
+            <a:avLst/>
+          </a:prstGeom>
         </p:spPr>
       </p:pic>
     </p:spTree>
@@ -11585,15 +11606,7 @@
             </a:pPr>
             <a:r>
               <a:rPr lang="en-US" dirty="0" smtClean="0"/>
-              <a:t>Alternative </a:t>
-            </a:r>
-            <a:r>
-              <a:rPr lang="en-US" dirty="0" smtClean="0"/>
-              <a:t>1c: </a:t>
-            </a:r>
-            <a:r>
-              <a:rPr lang="en-US" dirty="0" smtClean="0"/>
-              <a:t>parallelize </a:t>
+              <a:t>Alternative 1c: parallelize </a:t>
             </a:r>
             <a:r>
               <a:rPr lang="en-US" dirty="0" err="1" smtClean="0"/>
@@ -11612,15 +11625,7 @@
             </a:r>
             <a:r>
               <a:rPr lang="en-US" sz="4000" dirty="0" smtClean="0"/>
-              <a:t>  	 </a:t>
-            </a:r>
-            <a:r>
-              <a:rPr lang="en-US" sz="4000" dirty="0" smtClean="0"/>
-              <a:t>shared memory, </a:t>
-            </a:r>
-            <a:r>
-              <a:rPr lang="en-US" sz="4000" dirty="0" smtClean="0"/>
-              <a:t>with MIC accelerator </a:t>
+              <a:t>  	 shared memory, with MIC accelerator </a:t>
             </a:r>
             <a:endParaRPr lang="en-US" dirty="0"/>
           </a:p>
@@ -11836,8 +11841,8 @@
         </p:nvSpPr>
         <p:spPr>
           <a:xfrm>
-            <a:off x="609600" y="6038976"/>
-            <a:ext cx="5421083" cy="365125"/>
+            <a:off x="609600" y="5701310"/>
+            <a:ext cx="5421083" cy="702792"/>
           </a:xfrm>
         </p:spPr>
         <p:txBody>
@@ -11846,10 +11851,26 @@
           <a:p>
             <a:pPr algn="l"/>
             <a:r>
-              <a:rPr lang="en-US" dirty="0" smtClean="0"/>
-              <a:t>Comments: work under way by Rafael...</a:t>
-            </a:r>
-            <a:endParaRPr lang="en-US" dirty="0"/>
+              <a:rPr lang="en-US" sz="1800" dirty="0" smtClean="0">
+                <a:solidFill>
+                  <a:schemeClr val="tx1"/>
+                </a:solidFill>
+              </a:rPr>
+              <a:t>Work </a:t>
+            </a:r>
+            <a:r>
+              <a:rPr lang="en-US" sz="1800" dirty="0" smtClean="0">
+                <a:solidFill>
+                  <a:schemeClr val="tx1"/>
+                </a:solidFill>
+              </a:rPr>
+              <a:t>under way by Rafael...</a:t>
+            </a:r>
+            <a:endParaRPr lang="en-US" sz="1800" dirty="0">
+              <a:solidFill>
+                <a:schemeClr val="tx1"/>
+              </a:solidFill>
+            </a:endParaRPr>
           </a:p>
         </p:txBody>
       </p:sp>
@@ -14342,36 +14363,6 @@
           </a:p>
         </p:txBody>
       </p:sp>
-      <p:pic>
-        <p:nvPicPr>
-          <p:cNvPr id="6" name="Content Placeholder 5" descr="graf_abstract_flow_with_kinfit.png"/>
-          <p:cNvPicPr>
-            <a:picLocks noGrp="1" noChangeAspect="1"/>
-          </p:cNvPicPr>
-          <p:nvPr>
-            <p:ph sz="quarter" idx="1"/>
-          </p:nvPr>
-        </p:nvPicPr>
-        <p:blipFill>
-          <a:blip r:embed="rId2">
-            <a:extLst>
-              <a:ext uri="{28A0092B-C50C-407E-A947-70E740481C1C}">
-                <a14:useLocalDpi xmlns:a14="http://schemas.microsoft.com/office/drawing/2010/main" val="0"/>
-              </a:ext>
-            </a:extLst>
-          </a:blip>
-          <a:srcRect l="-31791" r="-31791"/>
-          <a:stretch>
-            <a:fillRect/>
-          </a:stretch>
-        </p:blipFill>
-        <p:spPr>
-          <a:xfrm>
-            <a:off x="-158465" y="1589505"/>
-            <a:ext cx="5912194" cy="3259995"/>
-          </a:xfrm>
-        </p:spPr>
-      </p:pic>
       <p:sp>
         <p:nvSpPr>
           <p:cNvPr id="3" name="TextBox 2"/>
@@ -14401,115 +14392,92 @@
             </a:r>
             <a:r>
               <a:rPr lang="en-US" dirty="0" smtClean="0"/>
-              <a:t> of </a:t>
+              <a:t> </a:t>
+            </a:r>
+            <a:r>
+              <a:rPr lang="en-US" dirty="0" smtClean="0"/>
+              <a:t>of the original </a:t>
             </a:r>
             <a:r>
               <a:rPr lang="en-US" dirty="0" err="1" smtClean="0"/>
-              <a:t>ttH_Dilep</a:t>
+              <a:t>ttH_dilep</a:t>
             </a:r>
             <a:r>
               <a:rPr lang="en-US" dirty="0" smtClean="0"/>
-              <a:t> sequential with no variation</a:t>
+              <a:t> </a:t>
             </a:r>
             <a:r>
               <a:rPr lang="en-US" dirty="0" smtClean="0"/>
-              <a:t>s</a:t>
+              <a:t>with </a:t>
+            </a:r>
+            <a:r>
+              <a:rPr lang="en-US" dirty="0" smtClean="0"/>
+              <a:t>no variations</a:t>
             </a:r>
             <a:endParaRPr lang="en-US" dirty="0"/>
           </a:p>
         </p:txBody>
       </p:sp>
-      <p:sp>
-        <p:nvSpPr>
-          <p:cNvPr id="5" name="Rectangle 4"/>
-          <p:cNvSpPr/>
+      <p:pic>
+        <p:nvPicPr>
+          <p:cNvPr id="9" name="Picture 8" descr="callgraph_start_1 copy.png"/>
+          <p:cNvPicPr>
+            <a:picLocks noChangeAspect="1"/>
+          </p:cNvPicPr>
           <p:nvPr/>
-        </p:nvSpPr>
+        </p:nvPicPr>
+        <p:blipFill>
+          <a:blip r:embed="rId2">
+            <a:extLst>
+              <a:ext uri="{28A0092B-C50C-407E-A947-70E740481C1C}">
+                <a14:useLocalDpi xmlns:a14="http://schemas.microsoft.com/office/drawing/2010/main" val="0"/>
+              </a:ext>
+            </a:extLst>
+          </a:blip>
+          <a:stretch>
+            <a:fillRect/>
+          </a:stretch>
+        </p:blipFill>
         <p:spPr>
           <a:xfrm>
-            <a:off x="922186" y="1779723"/>
-            <a:ext cx="1189135" cy="2038591"/>
+            <a:off x="4107155" y="1987020"/>
+            <a:ext cx="7225123" cy="3262478"/>
           </a:xfrm>
           <a:prstGeom prst="rect">
             <a:avLst/>
           </a:prstGeom>
-          <a:solidFill>
-            <a:srgbClr val="12BB00">
-              <a:alpha val="28000"/>
-            </a:srgbClr>
-          </a:solidFill>
-          <a:ln>
-            <a:solidFill>
-              <a:schemeClr val="tx1"/>
-            </a:solidFill>
-          </a:ln>
         </p:spPr>
-        <p:style>
-          <a:lnRef idx="1">
-            <a:schemeClr val="accent1"/>
-          </a:lnRef>
-          <a:fillRef idx="3">
-            <a:schemeClr val="accent1"/>
-          </a:fillRef>
-          <a:effectRef idx="2">
-            <a:schemeClr val="accent1"/>
-          </a:effectRef>
-          <a:fontRef idx="minor">
-            <a:schemeClr val="lt1"/>
-          </a:fontRef>
-        </p:style>
-        <p:txBody>
-          <a:bodyPr rtlCol="0" anchor="ctr"/>
-          <a:lstStyle/>
-          <a:p>
-            <a:pPr algn="ctr"/>
-            <a:endParaRPr lang="en-US"/>
-          </a:p>
-        </p:txBody>
-      </p:sp>
-      <p:sp>
-        <p:nvSpPr>
-          <p:cNvPr id="7" name="TextBox 6"/>
-          <p:cNvSpPr txBox="1"/>
+      </p:pic>
+      <p:pic>
+        <p:nvPicPr>
+          <p:cNvPr id="11" name="Picture 10" descr="abstract_flow_colorful.png"/>
+          <p:cNvPicPr>
+            <a:picLocks noChangeAspect="1"/>
+          </p:cNvPicPr>
           <p:nvPr/>
-        </p:nvSpPr>
+        </p:nvPicPr>
+        <p:blipFill>
+          <a:blip r:embed="rId3">
+            <a:extLst>
+              <a:ext uri="{28A0092B-C50C-407E-A947-70E740481C1C}">
+                <a14:useLocalDpi xmlns:a14="http://schemas.microsoft.com/office/drawing/2010/main" val="0"/>
+              </a:ext>
+            </a:extLst>
+          </a:blip>
+          <a:stretch>
+            <a:fillRect/>
+          </a:stretch>
+        </p:blipFill>
         <p:spPr>
           <a:xfrm>
-            <a:off x="865561" y="3618259"/>
-            <a:ext cx="1367100" cy="192360"/>
+            <a:off x="0" y="1775689"/>
+            <a:ext cx="4107155" cy="3706819"/>
           </a:xfrm>
           <a:prstGeom prst="rect">
             <a:avLst/>
           </a:prstGeom>
-          <a:noFill/>
         </p:spPr>
-        <p:txBody>
-          <a:bodyPr wrap="square" rtlCol="0">
-            <a:spAutoFit/>
-          </a:bodyPr>
-          <a:lstStyle/>
-          <a:p>
-            <a:r>
-              <a:rPr lang="en-US" sz="650" b="1" dirty="0" err="1" smtClean="0">
-                <a:latin typeface="Courier New"/>
-                <a:cs typeface="Courier New"/>
-              </a:rPr>
-              <a:t>LipMiniAnalysis</a:t>
-            </a:r>
-            <a:r>
-              <a:rPr lang="en-US" sz="650" b="1" dirty="0" smtClean="0">
-                <a:latin typeface="Courier New"/>
-                <a:cs typeface="Courier New"/>
-              </a:rPr>
-              <a:t>::Loop()</a:t>
-            </a:r>
-            <a:endParaRPr lang="en-US" sz="650" b="1" dirty="0">
-              <a:latin typeface="Courier New"/>
-              <a:cs typeface="Courier New"/>
-            </a:endParaRPr>
-          </a:p>
-        </p:txBody>
-      </p:sp>
+      </p:pic>
     </p:spTree>
     <p:extLst>
       <p:ext uri="{BB962C8B-B14F-4D97-AF65-F5344CB8AC3E}">
@@ -14599,36 +14567,6 @@
           </a:p>
         </p:txBody>
       </p:sp>
-      <p:pic>
-        <p:nvPicPr>
-          <p:cNvPr id="6" name="Content Placeholder 5" descr="graf_abstract_flow_with_kinfit.png"/>
-          <p:cNvPicPr>
-            <a:picLocks noGrp="1" noChangeAspect="1"/>
-          </p:cNvPicPr>
-          <p:nvPr>
-            <p:ph sz="quarter" idx="1"/>
-          </p:nvPr>
-        </p:nvPicPr>
-        <p:blipFill>
-          <a:blip r:embed="rId2">
-            <a:extLst>
-              <a:ext uri="{28A0092B-C50C-407E-A947-70E740481C1C}">
-                <a14:useLocalDpi xmlns:a14="http://schemas.microsoft.com/office/drawing/2010/main" val="0"/>
-              </a:ext>
-            </a:extLst>
-          </a:blip>
-          <a:srcRect l="-31791" r="-31791"/>
-          <a:stretch>
-            <a:fillRect/>
-          </a:stretch>
-        </p:blipFill>
-        <p:spPr>
-          <a:xfrm>
-            <a:off x="-158465" y="1589505"/>
-            <a:ext cx="5912194" cy="3259995"/>
-          </a:xfrm>
-        </p:spPr>
-      </p:pic>
       <p:sp>
         <p:nvSpPr>
           <p:cNvPr id="3" name="TextBox 2"/>
@@ -14658,119 +14596,92 @@
             </a:r>
             <a:r>
               <a:rPr lang="en-US" dirty="0" smtClean="0"/>
-              <a:t> of </a:t>
+              <a:t> </a:t>
+            </a:r>
+            <a:r>
+              <a:rPr lang="en-US" dirty="0" smtClean="0"/>
+              <a:t>of the original </a:t>
             </a:r>
             <a:r>
               <a:rPr lang="en-US" dirty="0" err="1" smtClean="0"/>
-              <a:t>ttH_Dilep</a:t>
+              <a:t>ttH_dilep</a:t>
             </a:r>
             <a:r>
               <a:rPr lang="en-US" dirty="0" smtClean="0"/>
-              <a:t> sequential code for 256 variation</a:t>
+              <a:t> </a:t>
             </a:r>
             <a:r>
               <a:rPr lang="en-US" dirty="0" smtClean="0"/>
-              <a:t>s</a:t>
+              <a:t>for 256 variations per combination</a:t>
             </a:r>
             <a:endParaRPr lang="en-US" dirty="0"/>
           </a:p>
         </p:txBody>
       </p:sp>
-      <p:sp>
-        <p:nvSpPr>
-          <p:cNvPr id="5" name="Rectangle 4"/>
-          <p:cNvSpPr/>
+      <p:pic>
+        <p:nvPicPr>
+          <p:cNvPr id="9" name="Picture 8" descr="callgraph_start_1 copy.png"/>
+          <p:cNvPicPr>
+            <a:picLocks noChangeAspect="1"/>
+          </p:cNvPicPr>
           <p:nvPr/>
-        </p:nvSpPr>
+        </p:nvPicPr>
+        <p:blipFill>
+          <a:blip r:embed="rId2">
+            <a:extLst>
+              <a:ext uri="{28A0092B-C50C-407E-A947-70E740481C1C}">
+                <a14:useLocalDpi xmlns:a14="http://schemas.microsoft.com/office/drawing/2010/main" val="0"/>
+              </a:ext>
+            </a:extLst>
+          </a:blip>
+          <a:stretch>
+            <a:fillRect/>
+          </a:stretch>
+        </p:blipFill>
         <p:spPr>
           <a:xfrm>
-            <a:off x="922186" y="1779723"/>
-            <a:ext cx="1189135" cy="2038591"/>
+            <a:off x="4107155" y="1987020"/>
+            <a:ext cx="7225123" cy="3262478"/>
           </a:xfrm>
           <a:prstGeom prst="rect">
             <a:avLst/>
           </a:prstGeom>
-          <a:solidFill>
-            <a:srgbClr val="12BB00">
-              <a:alpha val="28000"/>
-            </a:srgbClr>
-          </a:solidFill>
-          <a:ln>
-            <a:solidFill>
-              <a:schemeClr val="tx1"/>
-            </a:solidFill>
-          </a:ln>
         </p:spPr>
-        <p:style>
-          <a:lnRef idx="1">
-            <a:schemeClr val="accent1"/>
-          </a:lnRef>
-          <a:fillRef idx="3">
-            <a:schemeClr val="accent1"/>
-          </a:fillRef>
-          <a:effectRef idx="2">
-            <a:schemeClr val="accent1"/>
-          </a:effectRef>
-          <a:fontRef idx="minor">
-            <a:schemeClr val="lt1"/>
-          </a:fontRef>
-        </p:style>
-        <p:txBody>
-          <a:bodyPr rtlCol="0" anchor="ctr"/>
-          <a:lstStyle/>
-          <a:p>
-            <a:pPr algn="ctr"/>
-            <a:endParaRPr lang="en-US"/>
-          </a:p>
-        </p:txBody>
-      </p:sp>
-      <p:sp>
-        <p:nvSpPr>
-          <p:cNvPr id="7" name="TextBox 6"/>
-          <p:cNvSpPr txBox="1"/>
+      </p:pic>
+      <p:pic>
+        <p:nvPicPr>
+          <p:cNvPr id="11" name="Picture 10" descr="abstract_flow_colorful.png"/>
+          <p:cNvPicPr>
+            <a:picLocks noChangeAspect="1"/>
+          </p:cNvPicPr>
           <p:nvPr/>
-        </p:nvSpPr>
+        </p:nvPicPr>
+        <p:blipFill>
+          <a:blip r:embed="rId3">
+            <a:extLst>
+              <a:ext uri="{28A0092B-C50C-407E-A947-70E740481C1C}">
+                <a14:useLocalDpi xmlns:a14="http://schemas.microsoft.com/office/drawing/2010/main" val="0"/>
+              </a:ext>
+            </a:extLst>
+          </a:blip>
+          <a:stretch>
+            <a:fillRect/>
+          </a:stretch>
+        </p:blipFill>
         <p:spPr>
           <a:xfrm>
-            <a:off x="865561" y="3618259"/>
-            <a:ext cx="1367100" cy="192360"/>
+            <a:off x="0" y="1775689"/>
+            <a:ext cx="4107155" cy="3706819"/>
           </a:xfrm>
           <a:prstGeom prst="rect">
             <a:avLst/>
           </a:prstGeom>
-          <a:noFill/>
         </p:spPr>
-        <p:txBody>
-          <a:bodyPr wrap="square" rtlCol="0">
-            <a:spAutoFit/>
-          </a:bodyPr>
-          <a:lstStyle/>
-          <a:p>
-            <a:r>
-              <a:rPr lang="en-US" sz="650" b="1" dirty="0" err="1" smtClean="0">
-                <a:latin typeface="Courier New"/>
-                <a:cs typeface="Courier New"/>
-              </a:rPr>
-              <a:t>LipMiniAnalysis</a:t>
-            </a:r>
-            <a:r>
-              <a:rPr lang="en-US" sz="650" b="1" dirty="0" smtClean="0">
-                <a:latin typeface="Courier New"/>
-                <a:cs typeface="Courier New"/>
-              </a:rPr>
-              <a:t>::Loop()</a:t>
-            </a:r>
-            <a:endParaRPr lang="en-US" sz="650" b="1" dirty="0">
-              <a:latin typeface="Courier New"/>
-              <a:cs typeface="Courier New"/>
-            </a:endParaRPr>
-          </a:p>
-        </p:txBody>
-      </p:sp>
+      </p:pic>
     </p:spTree>
     <p:extLst>
       <p:ext uri="{BB962C8B-B14F-4D97-AF65-F5344CB8AC3E}">
-        <p14:creationId xmlns:p14="http://schemas.microsoft.com/office/powerpoint/2010/main" val="2653433998"/>
+        <p14:creationId xmlns:p14="http://schemas.microsoft.com/office/powerpoint/2010/main" val="1431074100"/>
       </p:ext>
     </p:extLst>
   </p:cSld>

--- a/doc/partial presentation/partial_presentation.pptx
+++ b/doc/partial presentation/partial_presentation.pptx
@@ -5,10 +5,10 @@
     <p:sldMasterId id="2147483766" r:id="rId1"/>
   </p:sldMasterIdLst>
   <p:notesMasterIdLst>
-    <p:notesMasterId r:id="rId23"/>
+    <p:notesMasterId r:id="rId22"/>
   </p:notesMasterIdLst>
   <p:handoutMasterIdLst>
-    <p:handoutMasterId r:id="rId24"/>
+    <p:handoutMasterId r:id="rId23"/>
   </p:handoutMasterIdLst>
   <p:sldIdLst>
     <p:sldId id="256" r:id="rId2"/>
@@ -30,8 +30,7 @@
     <p:sldId id="301" r:id="rId18"/>
     <p:sldId id="288" r:id="rId19"/>
     <p:sldId id="291" r:id="rId20"/>
-    <p:sldId id="284" r:id="rId21"/>
-    <p:sldId id="278" r:id="rId22"/>
+    <p:sldId id="278" r:id="rId21"/>
   </p:sldIdLst>
   <p:sldSz cx="9144000" cy="6858000" type="screen4x3"/>
   <p:notesSz cx="6858000" cy="9144000"/>
@@ -6305,7 +6304,7 @@
           <a:p>
             <a:fld id="{A9A0AF8B-7AB8-1E42-BD6E-C06D71D719CD}" type="slidenum">
               <a:rPr lang="en-US" smtClean="0"/>
-              <a:t>21</a:t>
+              <a:t>20</a:t>
             </a:fld>
             <a:endParaRPr lang="en-US"/>
           </a:p>
@@ -12418,155 +12417,6 @@
             <a:spLocks noGrp="1"/>
           </p:cNvSpPr>
           <p:nvPr>
-            <p:ph type="title"/>
-          </p:nvPr>
-        </p:nvSpPr>
-        <p:spPr/>
-        <p:txBody>
-          <a:bodyPr/>
-          <a:lstStyle/>
-          <a:p>
-            <a:r>
-              <a:rPr lang="en-US" dirty="0" err="1" smtClean="0"/>
-              <a:t>Penalizações</a:t>
-            </a:r>
-            <a:endParaRPr lang="en-US" dirty="0"/>
-          </a:p>
-        </p:txBody>
-      </p:sp>
-      <p:sp>
-        <p:nvSpPr>
-          <p:cNvPr id="3" name="Footer Placeholder 2"/>
-          <p:cNvSpPr>
-            <a:spLocks noGrp="1"/>
-          </p:cNvSpPr>
-          <p:nvPr>
-            <p:ph type="ftr" sz="quarter" idx="11"/>
-          </p:nvPr>
-        </p:nvSpPr>
-        <p:spPr/>
-        <p:txBody>
-          <a:bodyPr/>
-          <a:lstStyle/>
-          <a:p>
-            <a:endParaRPr lang="en-US"/>
-          </a:p>
-        </p:txBody>
-      </p:sp>
-      <p:sp>
-        <p:nvSpPr>
-          <p:cNvPr id="4" name="Slide Number Placeholder 3"/>
-          <p:cNvSpPr>
-            <a:spLocks noGrp="1"/>
-          </p:cNvSpPr>
-          <p:nvPr>
-            <p:ph type="sldNum" sz="quarter" idx="12"/>
-          </p:nvPr>
-        </p:nvSpPr>
-        <p:spPr/>
-        <p:txBody>
-          <a:bodyPr>
-            <a:normAutofit fontScale="85000" lnSpcReduction="20000"/>
-          </a:bodyPr>
-          <a:lstStyle/>
-          <a:p>
-            <a:fld id="{9C1F5A0A-F6FC-4FFD-9B49-0DA8697211D9}" type="slidenum">
-              <a:rPr lang="en-US" smtClean="0"/>
-              <a:t>20</a:t>
-            </a:fld>
-            <a:endParaRPr lang="en-US"/>
-          </a:p>
-        </p:txBody>
-      </p:sp>
-      <p:sp>
-        <p:nvSpPr>
-          <p:cNvPr id="5" name="Content Placeholder 4"/>
-          <p:cNvSpPr>
-            <a:spLocks noGrp="1"/>
-          </p:cNvSpPr>
-          <p:nvPr>
-            <p:ph sz="quarter" idx="1"/>
-          </p:nvPr>
-        </p:nvSpPr>
-        <p:spPr/>
-        <p:txBody>
-          <a:bodyPr/>
-          <a:lstStyle/>
-          <a:p>
-            <a:r>
-              <a:rPr lang="en-US" dirty="0" smtClean="0"/>
-              <a:t>Tempo </a:t>
-            </a:r>
-            <a:r>
-              <a:rPr lang="en-US" dirty="0" err="1" smtClean="0"/>
-              <a:t>gpu</a:t>
-            </a:r>
-            <a:r>
-              <a:rPr lang="en-US" dirty="0" smtClean="0"/>
-              <a:t> idle</a:t>
-            </a:r>
-          </a:p>
-          <a:p>
-            <a:r>
-              <a:rPr lang="en-US" dirty="0" smtClean="0"/>
-              <a:t>Tempo </a:t>
-            </a:r>
-            <a:r>
-              <a:rPr lang="en-US" dirty="0" err="1" smtClean="0"/>
-              <a:t>resto</a:t>
-            </a:r>
-            <a:r>
-              <a:rPr lang="en-US" dirty="0" smtClean="0"/>
-              <a:t> dos cores idle</a:t>
-            </a:r>
-            <a:endParaRPr lang="en-US" dirty="0"/>
-          </a:p>
-        </p:txBody>
-      </p:sp>
-    </p:spTree>
-    <p:extLst>
-      <p:ext uri="{BB962C8B-B14F-4D97-AF65-F5344CB8AC3E}">
-        <p14:creationId xmlns:p14="http://schemas.microsoft.com/office/powerpoint/2010/main" val="3194229103"/>
-      </p:ext>
-    </p:extLst>
-  </p:cSld>
-  <p:clrMapOvr>
-    <a:masterClrMapping/>
-  </p:clrMapOvr>
-  <p:timing>
-    <p:tnLst>
-      <p:par>
-        <p:cTn xmlns:p14="http://schemas.microsoft.com/office/powerpoint/2010/main" id="1" dur="indefinite" restart="never" nodeType="tmRoot"/>
-      </p:par>
-    </p:tnLst>
-  </p:timing>
-</p:sld>
-</file>
-
-<file path=ppt/slides/slide21.xml><?xml version="1.0" encoding="utf-8"?>
-<p:sld xmlns:a="http://schemas.openxmlformats.org/drawingml/2006/main" xmlns:r="http://schemas.openxmlformats.org/officeDocument/2006/relationships" xmlns:p="http://schemas.openxmlformats.org/presentationml/2006/main">
-  <p:cSld>
-    <p:spTree>
-      <p:nvGrpSpPr>
-        <p:cNvPr id="1" name=""/>
-        <p:cNvGrpSpPr/>
-        <p:nvPr/>
-      </p:nvGrpSpPr>
-      <p:grpSpPr>
-        <a:xfrm>
-          <a:off x="0" y="0"/>
-          <a:ext cx="0" cy="0"/>
-          <a:chOff x="0" y="0"/>
-          <a:chExt cx="0" cy="0"/>
-        </a:xfrm>
-      </p:grpSpPr>
-      <p:sp>
-        <p:nvSpPr>
-          <p:cNvPr id="2" name="Title 1"/>
-          <p:cNvSpPr>
-            <a:spLocks noGrp="1"/>
-          </p:cNvSpPr>
-          <p:nvPr>
             <p:ph type="ctrTitle"/>
           </p:nvPr>
         </p:nvSpPr>
@@ -14515,112 +14365,9 @@
           <a:chExt cx="0" cy="0"/>
         </a:xfrm>
       </p:grpSpPr>
-      <p:sp>
-        <p:nvSpPr>
-          <p:cNvPr id="2" name="Title 1"/>
-          <p:cNvSpPr>
-            <a:spLocks noGrp="1"/>
-          </p:cNvSpPr>
-          <p:nvPr>
-            <p:ph type="title"/>
-          </p:nvPr>
-        </p:nvSpPr>
-        <p:spPr/>
-        <p:txBody>
-          <a:bodyPr/>
-          <a:lstStyle/>
-          <a:p>
-            <a:r>
-              <a:rPr lang="en-US" dirty="0" smtClean="0"/>
-              <a:t>Structure of </a:t>
-            </a:r>
-            <a:r>
-              <a:rPr lang="en-US" dirty="0" err="1" smtClean="0"/>
-              <a:t>ttH_dilep</a:t>
-            </a:r>
-            <a:endParaRPr lang="en-US" dirty="0"/>
-          </a:p>
-        </p:txBody>
-      </p:sp>
-      <p:sp>
-        <p:nvSpPr>
-          <p:cNvPr id="4" name="Slide Number Placeholder 3"/>
-          <p:cNvSpPr>
-            <a:spLocks noGrp="1"/>
-          </p:cNvSpPr>
-          <p:nvPr>
-            <p:ph type="sldNum" sz="quarter" idx="12"/>
-          </p:nvPr>
-        </p:nvSpPr>
-        <p:spPr/>
-        <p:txBody>
-          <a:bodyPr>
-            <a:normAutofit fontScale="85000" lnSpcReduction="20000"/>
-          </a:bodyPr>
-          <a:lstStyle/>
-          <a:p>
-            <a:fld id="{9C1F5A0A-F6FC-4FFD-9B49-0DA8697211D9}" type="slidenum">
-              <a:rPr lang="en-US" smtClean="0"/>
-              <a:t>8</a:t>
-            </a:fld>
-            <a:endParaRPr lang="en-US"/>
-          </a:p>
-        </p:txBody>
-      </p:sp>
-      <p:sp>
-        <p:nvSpPr>
-          <p:cNvPr id="3" name="TextBox 2"/>
-          <p:cNvSpPr txBox="1"/>
-          <p:nvPr/>
-        </p:nvSpPr>
-        <p:spPr>
-          <a:xfrm>
-            <a:off x="5031575" y="5606126"/>
-            <a:ext cx="3596953" cy="646331"/>
-          </a:xfrm>
-          <a:prstGeom prst="rect">
-            <a:avLst/>
-          </a:prstGeom>
-          <a:noFill/>
-        </p:spPr>
-        <p:txBody>
-          <a:bodyPr wrap="square" rtlCol="0">
-            <a:spAutoFit/>
-          </a:bodyPr>
-          <a:lstStyle/>
-          <a:p>
-            <a:pPr algn="ctr"/>
-            <a:r>
-              <a:rPr lang="en-US" dirty="0" err="1" smtClean="0"/>
-              <a:t>Callgraph</a:t>
-            </a:r>
-            <a:r>
-              <a:rPr lang="en-US" dirty="0" smtClean="0"/>
-              <a:t> </a:t>
-            </a:r>
-            <a:r>
-              <a:rPr lang="en-US" dirty="0" smtClean="0"/>
-              <a:t>of the original </a:t>
-            </a:r>
-            <a:r>
-              <a:rPr lang="en-US" dirty="0" err="1" smtClean="0"/>
-              <a:t>ttH_dilep</a:t>
-            </a:r>
-            <a:r>
-              <a:rPr lang="en-US" dirty="0" smtClean="0"/>
-              <a:t> </a:t>
-            </a:r>
-            <a:r>
-              <a:rPr lang="en-US" dirty="0" smtClean="0"/>
-              <a:t>for 256 variations per combination</a:t>
-            </a:r>
-            <a:endParaRPr lang="en-US" dirty="0"/>
-          </a:p>
-        </p:txBody>
-      </p:sp>
       <p:pic>
         <p:nvPicPr>
-          <p:cNvPr id="9" name="Picture 8" descr="callgraph_start_1 copy.png"/>
+          <p:cNvPr id="5" name="Picture 4" descr="callgraph_start_256.png"/>
           <p:cNvPicPr>
             <a:picLocks noChangeAspect="1"/>
           </p:cNvPicPr>
@@ -14640,14 +14387,117 @@
         </p:blipFill>
         <p:spPr>
           <a:xfrm>
-            <a:off x="4107155" y="1987020"/>
-            <a:ext cx="7225123" cy="3262478"/>
+            <a:off x="1839935" y="3100521"/>
+            <a:ext cx="7093571" cy="3151936"/>
           </a:xfrm>
           <a:prstGeom prst="rect">
             <a:avLst/>
           </a:prstGeom>
         </p:spPr>
       </p:pic>
+      <p:sp>
+        <p:nvSpPr>
+          <p:cNvPr id="2" name="Title 1"/>
+          <p:cNvSpPr>
+            <a:spLocks noGrp="1"/>
+          </p:cNvSpPr>
+          <p:nvPr>
+            <p:ph type="title"/>
+          </p:nvPr>
+        </p:nvSpPr>
+        <p:spPr/>
+        <p:txBody>
+          <a:bodyPr/>
+          <a:lstStyle/>
+          <a:p>
+            <a:r>
+              <a:rPr lang="en-US" dirty="0" smtClean="0"/>
+              <a:t>Structure of </a:t>
+            </a:r>
+            <a:r>
+              <a:rPr lang="en-US" dirty="0" err="1" smtClean="0"/>
+              <a:t>ttH_dilep</a:t>
+            </a:r>
+            <a:endParaRPr lang="en-US" dirty="0"/>
+          </a:p>
+        </p:txBody>
+      </p:sp>
+      <p:sp>
+        <p:nvSpPr>
+          <p:cNvPr id="4" name="Slide Number Placeholder 3"/>
+          <p:cNvSpPr>
+            <a:spLocks noGrp="1"/>
+          </p:cNvSpPr>
+          <p:nvPr>
+            <p:ph type="sldNum" sz="quarter" idx="12"/>
+          </p:nvPr>
+        </p:nvSpPr>
+        <p:spPr/>
+        <p:txBody>
+          <a:bodyPr>
+            <a:normAutofit fontScale="85000" lnSpcReduction="20000"/>
+          </a:bodyPr>
+          <a:lstStyle/>
+          <a:p>
+            <a:fld id="{9C1F5A0A-F6FC-4FFD-9B49-0DA8697211D9}" type="slidenum">
+              <a:rPr lang="en-US" smtClean="0"/>
+              <a:t>8</a:t>
+            </a:fld>
+            <a:endParaRPr lang="en-US"/>
+          </a:p>
+        </p:txBody>
+      </p:sp>
+      <p:sp>
+        <p:nvSpPr>
+          <p:cNvPr id="3" name="TextBox 2"/>
+          <p:cNvSpPr txBox="1"/>
+          <p:nvPr/>
+        </p:nvSpPr>
+        <p:spPr>
+          <a:xfrm>
+            <a:off x="5547047" y="1775689"/>
+            <a:ext cx="3596953" cy="646331"/>
+          </a:xfrm>
+          <a:prstGeom prst="rect">
+            <a:avLst/>
+          </a:prstGeom>
+          <a:noFill/>
+        </p:spPr>
+        <p:txBody>
+          <a:bodyPr wrap="square" rtlCol="0">
+            <a:spAutoFit/>
+          </a:bodyPr>
+          <a:lstStyle/>
+          <a:p>
+            <a:pPr algn="ctr"/>
+            <a:r>
+              <a:rPr lang="en-US" dirty="0" err="1" smtClean="0"/>
+              <a:t>Callgraph</a:t>
+            </a:r>
+            <a:r>
+              <a:rPr lang="en-US" dirty="0" smtClean="0"/>
+              <a:t> </a:t>
+            </a:r>
+            <a:r>
+              <a:rPr lang="en-US" dirty="0" smtClean="0"/>
+              <a:t>of the original </a:t>
+            </a:r>
+            <a:r>
+              <a:rPr lang="en-US" dirty="0" err="1" smtClean="0"/>
+              <a:t>ttH_dilep</a:t>
+            </a:r>
+            <a:r>
+              <a:rPr lang="en-US" dirty="0" smtClean="0"/>
+              <a:t> </a:t>
+            </a:r>
+            <a:r>
+              <a:rPr lang="en-US" dirty="0" smtClean="0"/>
+              <a:t>for 256 variations per combination</a:t>
+            </a:r>
+            <a:endParaRPr lang="en-US" dirty="0"/>
+          </a:p>
+        </p:txBody>
+      </p:sp>
       <p:pic>
         <p:nvPicPr>
           <p:cNvPr id="11" name="Picture 10" descr="abstract_flow_colorful.png"/>
@@ -14842,8 +14692,8 @@
         </p:nvSpPr>
         <p:spPr>
           <a:xfrm>
-            <a:off x="3445715" y="5937250"/>
-            <a:ext cx="911653" cy="369332"/>
+            <a:off x="3454326" y="5896762"/>
+            <a:ext cx="1998965" cy="338554"/>
           </a:xfrm>
           <a:prstGeom prst="rect">
             <a:avLst/>
@@ -14857,16 +14707,16 @@
           <a:lstStyle/>
           <a:p>
             <a:r>
-              <a:rPr lang="en-US" dirty="0" smtClean="0">
+              <a:rPr lang="en-US" sz="1600" dirty="0" smtClean="0">
                 <a:solidFill>
-                  <a:srgbClr val="FF0000"/>
+                  <a:srgbClr val="000000"/>
                 </a:solidFill>
               </a:rPr>
-              <a:t>X- axis?</a:t>
-            </a:r>
-            <a:endParaRPr lang="en-US" dirty="0">
+              <a:t># variations per event</a:t>
+            </a:r>
+            <a:endParaRPr lang="en-US" sz="1600" dirty="0">
               <a:solidFill>
-                <a:srgbClr val="FF0000"/>
+                <a:srgbClr val="000000"/>
               </a:solidFill>
             </a:endParaRPr>
           </a:p>

--- a/doc/partial presentation/partial_presentation.pptx
+++ b/doc/partial presentation/partial_presentation.pptx
@@ -5,10 +5,10 @@
     <p:sldMasterId id="2147483766" r:id="rId1"/>
   </p:sldMasterIdLst>
   <p:notesMasterIdLst>
-    <p:notesMasterId r:id="rId22"/>
+    <p:notesMasterId r:id="rId27"/>
   </p:notesMasterIdLst>
   <p:handoutMasterIdLst>
-    <p:handoutMasterId r:id="rId23"/>
+    <p:handoutMasterId r:id="rId28"/>
   </p:handoutMasterIdLst>
   <p:sldIdLst>
     <p:sldId id="256" r:id="rId2"/>
@@ -27,10 +27,15 @@
     <p:sldId id="295" r:id="rId15"/>
     <p:sldId id="296" r:id="rId16"/>
     <p:sldId id="300" r:id="rId17"/>
-    <p:sldId id="301" r:id="rId18"/>
-    <p:sldId id="288" r:id="rId19"/>
-    <p:sldId id="291" r:id="rId20"/>
-    <p:sldId id="278" r:id="rId21"/>
+    <p:sldId id="307" r:id="rId18"/>
+    <p:sldId id="308" r:id="rId19"/>
+    <p:sldId id="301" r:id="rId20"/>
+    <p:sldId id="306" r:id="rId21"/>
+    <p:sldId id="288" r:id="rId22"/>
+    <p:sldId id="291" r:id="rId23"/>
+    <p:sldId id="304" r:id="rId24"/>
+    <p:sldId id="305" r:id="rId25"/>
+    <p:sldId id="278" r:id="rId26"/>
   </p:sldIdLst>
   <p:sldSz cx="9144000" cy="6858000" type="screen4x3"/>
   <p:notesSz cx="6858000" cy="9144000"/>
@@ -456,11 +461,11 @@
         </c:dLbls>
         <c:gapWidth val="150"/>
         <c:overlap val="100"/>
-        <c:axId val="2084855464"/>
-        <c:axId val="2084858440"/>
+        <c:axId val="1773053336"/>
+        <c:axId val="1773078840"/>
       </c:barChart>
       <c:catAx>
-        <c:axId val="2084855464"/>
+        <c:axId val="1773053336"/>
         <c:scaling>
           <c:orientation val="minMax"/>
         </c:scaling>
@@ -470,7 +475,7 @@
         <c:majorTickMark val="out"/>
         <c:minorTickMark val="none"/>
         <c:tickLblPos val="nextTo"/>
-        <c:crossAx val="2084858440"/>
+        <c:crossAx val="1773078840"/>
         <c:crosses val="autoZero"/>
         <c:auto val="1"/>
         <c:lblAlgn val="ctr"/>
@@ -478,7 +483,7 @@
         <c:noMultiLvlLbl val="0"/>
       </c:catAx>
       <c:valAx>
-        <c:axId val="2084858440"/>
+        <c:axId val="1773078840"/>
         <c:scaling>
           <c:logBase val="2.0"/>
           <c:orientation val="minMax"/>
@@ -520,7 +525,7 @@
         <c:majorTickMark val="out"/>
         <c:minorTickMark val="none"/>
         <c:tickLblPos val="nextTo"/>
-        <c:crossAx val="2084855464"/>
+        <c:crossAx val="1773053336"/>
         <c:crosses val="autoZero"/>
         <c:crossBetween val="between"/>
       </c:valAx>
@@ -827,11 +832,11 @@
         </c:dLbls>
         <c:gapWidth val="150"/>
         <c:overlap val="100"/>
-        <c:axId val="2103664808"/>
-        <c:axId val="2103661816"/>
+        <c:axId val="1805053240"/>
+        <c:axId val="1805050248"/>
       </c:barChart>
       <c:catAx>
-        <c:axId val="2103664808"/>
+        <c:axId val="1805053240"/>
         <c:scaling>
           <c:orientation val="minMax"/>
         </c:scaling>
@@ -841,7 +846,7 @@
         <c:majorTickMark val="out"/>
         <c:minorTickMark val="none"/>
         <c:tickLblPos val="nextTo"/>
-        <c:crossAx val="2103661816"/>
+        <c:crossAx val="1805050248"/>
         <c:crosses val="autoZero"/>
         <c:auto val="1"/>
         <c:lblAlgn val="ctr"/>
@@ -849,7 +854,7 @@
         <c:noMultiLvlLbl val="0"/>
       </c:catAx>
       <c:valAx>
-        <c:axId val="2103661816"/>
+        <c:axId val="1805050248"/>
         <c:scaling>
           <c:orientation val="minMax"/>
         </c:scaling>
@@ -860,7 +865,7 @@
         <c:majorTickMark val="out"/>
         <c:minorTickMark val="none"/>
         <c:tickLblPos val="nextTo"/>
-        <c:crossAx val="2103664808"/>
+        <c:crossAx val="1805053240"/>
         <c:crosses val="autoZero"/>
         <c:crossBetween val="between"/>
       </c:valAx>
@@ -1316,7 +1321,7 @@
                   <c:v>5.511917097166894</c:v>
                 </c:pt>
                 <c:pt idx="5">
-                  <c:v>6.862040162496251</c:v>
+                  <c:v>6.86204016249625</c:v>
                 </c:pt>
                 <c:pt idx="6">
                   <c:v>8.013820791769818</c:v>
@@ -1407,7 +1412,7 @@
                   <c:v>3.730807348525437</c:v>
                 </c:pt>
                 <c:pt idx="4">
-                  <c:v>4.657034017682481</c:v>
+                  <c:v>4.657034017682479</c:v>
                 </c:pt>
                 <c:pt idx="5">
                   <c:v>5.890220720496758</c:v>
@@ -1504,7 +1509,7 @@
                   <c:v>3.855303453437347</c:v>
                 </c:pt>
                 <c:pt idx="5">
-                  <c:v>4.847119716515095</c:v>
+                  <c:v>4.847119716515094</c:v>
                 </c:pt>
                 <c:pt idx="6">
                   <c:v>5.785744295397386</c:v>
@@ -1513,7 +1518,7 @@
                   <c:v>6.402843774006861</c:v>
                 </c:pt>
                 <c:pt idx="8">
-                  <c:v>6.873221603153067</c:v>
+                  <c:v>6.873221603153068</c:v>
                 </c:pt>
                 <c:pt idx="9">
                   <c:v>7.119409511852735</c:v>
@@ -1601,7 +1606,7 @@
                   <c:v>3.092673831891052</c:v>
                 </c:pt>
                 <c:pt idx="6">
-                  <c:v>4.138835099717413</c:v>
+                  <c:v>4.138835099717411</c:v>
                 </c:pt>
                 <c:pt idx="7">
                   <c:v>5.015130450900855</c:v>
@@ -1610,7 +1615,7 @@
                   <c:v>5.77960757933075</c:v>
                 </c:pt>
                 <c:pt idx="9">
-                  <c:v>6.117294617600053</c:v>
+                  <c:v>6.117294617600051</c:v>
                 </c:pt>
               </c:numCache>
             </c:numRef>
@@ -1627,11 +1632,11 @@
         </c:dLbls>
         <c:marker val="1"/>
         <c:smooth val="0"/>
-        <c:axId val="2124134968"/>
-        <c:axId val="2124139336"/>
+        <c:axId val="1804634552"/>
+        <c:axId val="1804630360"/>
       </c:lineChart>
       <c:catAx>
-        <c:axId val="2124134968"/>
+        <c:axId val="1804634552"/>
         <c:scaling>
           <c:orientation val="minMax"/>
         </c:scaling>
@@ -1641,7 +1646,7 @@
         <c:majorTickMark val="out"/>
         <c:minorTickMark val="none"/>
         <c:tickLblPos val="nextTo"/>
-        <c:crossAx val="2124139336"/>
+        <c:crossAx val="1804630360"/>
         <c:crosses val="autoZero"/>
         <c:auto val="1"/>
         <c:lblAlgn val="ctr"/>
@@ -1649,7 +1654,7 @@
         <c:noMultiLvlLbl val="0"/>
       </c:catAx>
       <c:valAx>
-        <c:axId val="2124139336"/>
+        <c:axId val="1804630360"/>
         <c:scaling>
           <c:logBase val="2.0"/>
           <c:orientation val="minMax"/>
@@ -1662,7 +1667,7 @@
         <c:majorTickMark val="out"/>
         <c:minorTickMark val="none"/>
         <c:tickLblPos val="nextTo"/>
-        <c:crossAx val="2124134968"/>
+        <c:crossAx val="1804634552"/>
         <c:crosses val="autoZero"/>
         <c:crossBetween val="between"/>
       </c:valAx>
@@ -2002,7 +2007,7 @@
                   <c:v>1.649207711122983</c:v>
                 </c:pt>
                 <c:pt idx="3">
-                  <c:v>2.179062484408739</c:v>
+                  <c:v>2.179062484408738</c:v>
                 </c:pt>
                 <c:pt idx="4">
                   <c:v>2.666858880715503</c:v>
@@ -2102,13 +2107,13 @@
                   <c:v>3.704698157539512</c:v>
                 </c:pt>
                 <c:pt idx="5">
-                  <c:v>4.622854116254189</c:v>
+                  <c:v>4.622854116254188</c:v>
                 </c:pt>
                 <c:pt idx="6">
                   <c:v>5.330906511624324</c:v>
                 </c:pt>
                 <c:pt idx="7">
-                  <c:v>5.785629162032157</c:v>
+                  <c:v>5.785629162032158</c:v>
                 </c:pt>
                 <c:pt idx="8">
                   <c:v>6.170757133349244</c:v>
@@ -2413,11 +2418,11 @@
         </c:dLbls>
         <c:marker val="1"/>
         <c:smooth val="0"/>
-        <c:axId val="2103443672"/>
-        <c:axId val="2124647048"/>
+        <c:axId val="1806129416"/>
+        <c:axId val="1806133784"/>
       </c:lineChart>
       <c:catAx>
-        <c:axId val="2103443672"/>
+        <c:axId val="1806129416"/>
         <c:scaling>
           <c:orientation val="minMax"/>
         </c:scaling>
@@ -2427,7 +2432,7 @@
         <c:majorTickMark val="out"/>
         <c:minorTickMark val="none"/>
         <c:tickLblPos val="nextTo"/>
-        <c:crossAx val="2124647048"/>
+        <c:crossAx val="1806133784"/>
         <c:crosses val="autoZero"/>
         <c:auto val="1"/>
         <c:lblAlgn val="ctr"/>
@@ -2435,7 +2440,7 @@
         <c:noMultiLvlLbl val="0"/>
       </c:catAx>
       <c:valAx>
-        <c:axId val="2124647048"/>
+        <c:axId val="1806133784"/>
         <c:scaling>
           <c:logBase val="2.0"/>
           <c:orientation val="minMax"/>
@@ -2475,7 +2480,7 @@
         <c:majorTickMark val="out"/>
         <c:minorTickMark val="none"/>
         <c:tickLblPos val="nextTo"/>
-        <c:crossAx val="2103443672"/>
+        <c:crossAx val="1806129416"/>
         <c:crosses val="autoZero"/>
         <c:crossBetween val="between"/>
       </c:valAx>
@@ -2775,7 +2780,7 @@
                   <c:v>4.248968045435006</c:v>
                 </c:pt>
                 <c:pt idx="5">
-                  <c:v>4.610479276870913</c:v>
+                  <c:v>4.610479276870911</c:v>
                 </c:pt>
                 <c:pt idx="6">
                   <c:v>4.815798769220626</c:v>
@@ -2855,7 +2860,7 @@
                   <c:v>3.641938675967477</c:v>
                 </c:pt>
                 <c:pt idx="3">
-                  <c:v>5.424076220389014</c:v>
+                  <c:v>5.424076220389013</c:v>
                 </c:pt>
                 <c:pt idx="4">
                   <c:v>7.084079729966697</c:v>
@@ -2864,7 +2869,7 @@
                   <c:v>8.233080969506101</c:v>
                 </c:pt>
                 <c:pt idx="6">
-                  <c:v>9.027228082519667</c:v>
+                  <c:v>9.027228082519665</c:v>
                 </c:pt>
                 <c:pt idx="7">
                   <c:v>9.47869682544232</c:v>
@@ -2938,10 +2943,10 @@
                   <c:v>2.42693384491279</c:v>
                 </c:pt>
                 <c:pt idx="2">
-                  <c:v>4.184941209760259</c:v>
+                  <c:v>4.184941209760257</c:v>
                 </c:pt>
                 <c:pt idx="3">
-                  <c:v>6.684618670680797</c:v>
+                  <c:v>6.684618670680796</c:v>
                 </c:pt>
                 <c:pt idx="4">
                   <c:v>9.840932084276392</c:v>
@@ -3042,7 +3047,7 @@
                   <c:v>26.23630689523458</c:v>
                 </c:pt>
                 <c:pt idx="8">
-                  <c:v>28.68324294952203</c:v>
+                  <c:v>28.68324294952202</c:v>
                 </c:pt>
                 <c:pt idx="9">
                   <c:v>29.93658979292168</c:v>
@@ -3324,7 +3329,7 @@
                   <c:v>3.18073801755434</c:v>
                 </c:pt>
                 <c:pt idx="3">
-                  <c:v>6.722246807915518</c:v>
+                  <c:v>6.722246807915517</c:v>
                 </c:pt>
                 <c:pt idx="4">
                   <c:v>11.62581609600833</c:v>
@@ -3444,12 +3449,12 @@
         </c:dLbls>
         <c:gapWidth val="150"/>
         <c:shape val="box"/>
-        <c:axId val="2124213112"/>
-        <c:axId val="2124218856"/>
-        <c:axId val="2124222248"/>
+        <c:axId val="1785377960"/>
+        <c:axId val="1785383832"/>
+        <c:axId val="1785387224"/>
       </c:bar3DChart>
       <c:catAx>
-        <c:axId val="2124213112"/>
+        <c:axId val="1785377960"/>
         <c:scaling>
           <c:orientation val="maxMin"/>
         </c:scaling>
@@ -3508,7 +3513,7 @@
             <a:endParaRPr lang="en-US"/>
           </a:p>
         </c:txPr>
-        <c:crossAx val="2124218856"/>
+        <c:crossAx val="1785383832"/>
         <c:crossesAt val="1.0"/>
         <c:auto val="1"/>
         <c:lblAlgn val="ctr"/>
@@ -3516,7 +3521,7 @@
         <c:noMultiLvlLbl val="0"/>
       </c:catAx>
       <c:valAx>
-        <c:axId val="2124218856"/>
+        <c:axId val="1785383832"/>
         <c:scaling>
           <c:logBase val="2.0"/>
           <c:orientation val="minMax"/>
@@ -3546,12 +3551,12 @@
             <a:endParaRPr lang="en-US"/>
           </a:p>
         </c:txPr>
-        <c:crossAx val="2124213112"/>
+        <c:crossAx val="1785377960"/>
         <c:crosses val="autoZero"/>
         <c:crossBetween val="between"/>
       </c:valAx>
       <c:serAx>
-        <c:axId val="2124222248"/>
+        <c:axId val="1785387224"/>
         <c:scaling>
           <c:orientation val="minMax"/>
         </c:scaling>
@@ -3612,7 +3617,7 @@
             <a:endParaRPr lang="en-US"/>
           </a:p>
         </c:txPr>
-        <c:crossAx val="2124218856"/>
+        <c:crossAx val="1785383832"/>
         <c:crossesAt val="1.0"/>
         <c:tickLblSkip val="1"/>
         <c:tickMarkSkip val="1"/>
@@ -3791,7 +3796,7 @@
                   <c:v>1330.404804296247</c:v>
                 </c:pt>
                 <c:pt idx="6">
-                  <c:v>563.945725187223</c:v>
+                  <c:v>563.9457251872228</c:v>
                 </c:pt>
               </c:numCache>
             </c:numRef>
@@ -3859,7 +3864,7 @@
                   <c:v>1775.183978386872</c:v>
                 </c:pt>
                 <c:pt idx="6">
-                  <c:v>724.8224280359975</c:v>
+                  <c:v>724.8224280359973</c:v>
                 </c:pt>
               </c:numCache>
             </c:numRef>
@@ -4224,7 +4229,7 @@
                   <c:v>7256.892854014498</c:v>
                 </c:pt>
                 <c:pt idx="5">
-                  <c:v>5960.60988704852</c:v>
+                  <c:v>5960.609887048519</c:v>
                 </c:pt>
                 <c:pt idx="6">
                   <c:v>4263.925288897451</c:v>
@@ -4416,10 +4421,10 @@
                   <c:v>8267.390826705623</c:v>
                 </c:pt>
                 <c:pt idx="5">
-                  <c:v>6822.477747861751</c:v>
+                  <c:v>6822.47774786175</c:v>
                 </c:pt>
                 <c:pt idx="6">
-                  <c:v>5736.937695020371</c:v>
+                  <c:v>5736.93769502037</c:v>
                 </c:pt>
               </c:numCache>
             </c:numRef>
@@ -4503,7 +4508,7 @@
                   <c:v>3526.728397583776</c:v>
                 </c:pt>
                 <c:pt idx="2">
-                  <c:v>6421.433035036236</c:v>
+                  <c:v>6421.433035036235</c:v>
                 </c:pt>
                 <c:pt idx="3">
                   <c:v>10041.05809605406</c:v>
@@ -4531,12 +4536,12 @@
         </c:dLbls>
         <c:gapWidth val="150"/>
         <c:shape val="box"/>
-        <c:axId val="2124323976"/>
-        <c:axId val="2124329704"/>
-        <c:axId val="2124332808"/>
+        <c:axId val="1785475432"/>
+        <c:axId val="1785481160"/>
+        <c:axId val="1785484264"/>
       </c:bar3DChart>
       <c:catAx>
-        <c:axId val="2124323976"/>
+        <c:axId val="1785475432"/>
         <c:scaling>
           <c:orientation val="minMax"/>
         </c:scaling>
@@ -4573,7 +4578,7 @@
         <c:majorTickMark val="out"/>
         <c:minorTickMark val="none"/>
         <c:tickLblPos val="nextTo"/>
-        <c:crossAx val="2124329704"/>
+        <c:crossAx val="1785481160"/>
         <c:crosses val="autoZero"/>
         <c:auto val="1"/>
         <c:lblAlgn val="ctr"/>
@@ -4581,7 +4586,7 @@
         <c:noMultiLvlLbl val="0"/>
       </c:catAx>
       <c:valAx>
-        <c:axId val="2124329704"/>
+        <c:axId val="1785481160"/>
         <c:scaling>
           <c:orientation val="minMax"/>
         </c:scaling>
@@ -4592,12 +4597,12 @@
         <c:majorTickMark val="out"/>
         <c:minorTickMark val="none"/>
         <c:tickLblPos val="nextTo"/>
-        <c:crossAx val="2124323976"/>
+        <c:crossAx val="1785475432"/>
         <c:crosses val="autoZero"/>
         <c:crossBetween val="between"/>
       </c:valAx>
       <c:serAx>
-        <c:axId val="2124332808"/>
+        <c:axId val="1785484264"/>
         <c:scaling>
           <c:orientation val="minMax"/>
         </c:scaling>
@@ -4637,10 +4642,1308 @@
         <c:majorTickMark val="out"/>
         <c:minorTickMark val="none"/>
         <c:tickLblPos val="nextTo"/>
-        <c:crossAx val="2124329704"/>
+        <c:crossAx val="1785481160"/>
         <c:crosses val="autoZero"/>
       </c:serAx>
     </c:plotArea>
+    <c:plotVisOnly val="1"/>
+    <c:dispBlanksAs val="gap"/>
+    <c:showDLblsOverMax val="0"/>
+  </c:chart>
+  <c:externalData r:id="rId2">
+    <c:autoUpdate val="0"/>
+  </c:externalData>
+</c:chartSpace>
+</file>
+
+<file path=ppt/charts/chart7.xml><?xml version="1.0" encoding="utf-8"?>
+<c:chartSpace xmlns:c="http://schemas.openxmlformats.org/drawingml/2006/chart" xmlns:a="http://schemas.openxmlformats.org/drawingml/2006/main" xmlns:r="http://schemas.openxmlformats.org/officeDocument/2006/relationships">
+  <c:date1904 val="0"/>
+  <c:lang val="en-US"/>
+  <c:roundedCorners val="0"/>
+  <mc:AlternateContent xmlns:mc="http://schemas.openxmlformats.org/markup-compatibility/2006">
+    <mc:Choice xmlns:c14="http://schemas.microsoft.com/office/drawing/2007/8/2/chart" Requires="c14">
+      <c14:style val="118"/>
+    </mc:Choice>
+    <mc:Fallback>
+      <c:style val="18"/>
+    </mc:Fallback>
+  </mc:AlternateContent>
+  <c:clrMapOvr bg1="lt1" tx1="dk1" bg2="lt2" tx2="dk2" accent1="accent1" accent2="accent2" accent3="accent3" accent4="accent4" accent5="accent5" accent6="accent6" hlink="hlink" folHlink="folHlink"/>
+  <c:chart>
+    <c:title>
+      <c:tx>
+        <c:rich>
+          <a:bodyPr/>
+          <a:lstStyle/>
+          <a:p>
+            <a:pPr>
+              <a:defRPr/>
+            </a:pPr>
+            <a:r>
+              <a:rPr lang="en-US"/>
+              <a:t>Speedup</a:t>
+            </a:r>
+          </a:p>
+        </c:rich>
+      </c:tx>
+      <c:layout/>
+      <c:overlay val="0"/>
+    </c:title>
+    <c:autoTitleDeleted val="0"/>
+    <c:plotArea>
+      <c:layout/>
+      <c:lineChart>
+        <c:grouping val="standard"/>
+        <c:varyColors val="0"/>
+        <c:ser>
+          <c:idx val="0"/>
+          <c:order val="0"/>
+          <c:tx>
+            <c:strRef>
+              <c:f>'speedup 511GPU'!$C$9</c:f>
+              <c:strCache>
+                <c:ptCount val="1"/>
+                <c:pt idx="0">
+                  <c:v>1 per variation per comb</c:v>
+                </c:pt>
+              </c:strCache>
+            </c:strRef>
+          </c:tx>
+          <c:cat>
+            <c:numRef>
+              <c:f>'speedup 511GPU'!$D$8:$M$8</c:f>
+              <c:numCache>
+                <c:formatCode>General</c:formatCode>
+                <c:ptCount val="10"/>
+                <c:pt idx="0">
+                  <c:v>1.0</c:v>
+                </c:pt>
+                <c:pt idx="1">
+                  <c:v>2.0</c:v>
+                </c:pt>
+                <c:pt idx="2">
+                  <c:v>4.0</c:v>
+                </c:pt>
+                <c:pt idx="3">
+                  <c:v>8.0</c:v>
+                </c:pt>
+                <c:pt idx="4">
+                  <c:v>16.0</c:v>
+                </c:pt>
+                <c:pt idx="5">
+                  <c:v>32.0</c:v>
+                </c:pt>
+                <c:pt idx="6">
+                  <c:v>64.0</c:v>
+                </c:pt>
+                <c:pt idx="7">
+                  <c:v>128.0</c:v>
+                </c:pt>
+                <c:pt idx="8">
+                  <c:v>256.0</c:v>
+                </c:pt>
+                <c:pt idx="9">
+                  <c:v>512.0</c:v>
+                </c:pt>
+              </c:numCache>
+            </c:numRef>
+          </c:cat>
+          <c:val>
+            <c:numRef>
+              <c:f>'speedup 511GPU'!$D$9:$M$9</c:f>
+              <c:numCache>
+                <c:formatCode>General</c:formatCode>
+                <c:ptCount val="10"/>
+                <c:pt idx="0">
+                  <c:v>0.727585157873534</c:v>
+                </c:pt>
+                <c:pt idx="1">
+                  <c:v>0.792168147486409</c:v>
+                </c:pt>
+                <c:pt idx="2">
+                  <c:v>0.806330955262986</c:v>
+                </c:pt>
+                <c:pt idx="3">
+                  <c:v>0.864316803219938</c:v>
+                </c:pt>
+                <c:pt idx="4">
+                  <c:v>0.931146381249028</c:v>
+                </c:pt>
+                <c:pt idx="5">
+                  <c:v>0.93697233530223</c:v>
+                </c:pt>
+                <c:pt idx="6">
+                  <c:v>0.928837121216587</c:v>
+                </c:pt>
+                <c:pt idx="7">
+                  <c:v>0.945343803509511</c:v>
+                </c:pt>
+                <c:pt idx="8">
+                  <c:v>0.92674127420348</c:v>
+                </c:pt>
+                <c:pt idx="9">
+                  <c:v>0.931424619800322</c:v>
+                </c:pt>
+              </c:numCache>
+            </c:numRef>
+          </c:val>
+          <c:smooth val="0"/>
+        </c:ser>
+        <c:dLbls>
+          <c:showLegendKey val="0"/>
+          <c:showVal val="0"/>
+          <c:showCatName val="0"/>
+          <c:showSerName val="0"/>
+          <c:showPercent val="0"/>
+          <c:showBubbleSize val="0"/>
+        </c:dLbls>
+        <c:marker val="1"/>
+        <c:smooth val="0"/>
+        <c:axId val="1832078328"/>
+        <c:axId val="1834775224"/>
+      </c:lineChart>
+      <c:catAx>
+        <c:axId val="1832078328"/>
+        <c:scaling>
+          <c:orientation val="minMax"/>
+        </c:scaling>
+        <c:delete val="0"/>
+        <c:axPos val="b"/>
+        <c:title>
+          <c:tx>
+            <c:rich>
+              <a:bodyPr/>
+              <a:lstStyle/>
+              <a:p>
+                <a:pPr>
+                  <a:defRPr sz="1400"/>
+                </a:pPr>
+                <a:r>
+                  <a:rPr lang="en-US" sz="1400"/>
+                  <a:t># of variations</a:t>
+                </a:r>
+              </a:p>
+            </c:rich>
+          </c:tx>
+          <c:layout>
+            <c:manualLayout>
+              <c:xMode val="edge"/>
+              <c:yMode val="edge"/>
+              <c:x val="0.299533902012248"/>
+              <c:y val="0.930555555555556"/>
+            </c:manualLayout>
+          </c:layout>
+          <c:overlay val="0"/>
+        </c:title>
+        <c:numFmt formatCode="General" sourceLinked="1"/>
+        <c:majorTickMark val="out"/>
+        <c:minorTickMark val="none"/>
+        <c:tickLblPos val="nextTo"/>
+        <c:crossAx val="1834775224"/>
+        <c:crossesAt val="0.5"/>
+        <c:auto val="1"/>
+        <c:lblAlgn val="ctr"/>
+        <c:lblOffset val="100"/>
+        <c:noMultiLvlLbl val="0"/>
+      </c:catAx>
+      <c:valAx>
+        <c:axId val="1834775224"/>
+        <c:scaling>
+          <c:logBase val="2.0"/>
+          <c:orientation val="minMax"/>
+        </c:scaling>
+        <c:delete val="0"/>
+        <c:axPos val="l"/>
+        <c:majorGridlines/>
+        <c:title>
+          <c:tx>
+            <c:rich>
+              <a:bodyPr rot="-5400000" vert="horz"/>
+              <a:lstStyle/>
+              <a:p>
+                <a:pPr>
+                  <a:defRPr sz="1400"/>
+                </a:pPr>
+                <a:r>
+                  <a:rPr lang="en-US" sz="1400"/>
+                  <a:t>Speedup</a:t>
+                </a:r>
+              </a:p>
+            </c:rich>
+          </c:tx>
+          <c:layout>
+            <c:manualLayout>
+              <c:xMode val="edge"/>
+              <c:yMode val="edge"/>
+              <c:x val="0.00277777777777778"/>
+              <c:y val="0.444429498396034"/>
+            </c:manualLayout>
+          </c:layout>
+          <c:overlay val="0"/>
+        </c:title>
+        <c:numFmt formatCode="General" sourceLinked="1"/>
+        <c:majorTickMark val="out"/>
+        <c:minorTickMark val="none"/>
+        <c:tickLblPos val="nextTo"/>
+        <c:crossAx val="1832078328"/>
+        <c:crosses val="autoZero"/>
+        <c:crossBetween val="between"/>
+      </c:valAx>
+    </c:plotArea>
+    <c:legend>
+      <c:legendPos val="r"/>
+      <c:layout/>
+      <c:overlay val="0"/>
+    </c:legend>
+    <c:plotVisOnly val="1"/>
+    <c:dispBlanksAs val="gap"/>
+    <c:showDLblsOverMax val="0"/>
+  </c:chart>
+  <c:externalData r:id="rId2">
+    <c:autoUpdate val="0"/>
+  </c:externalData>
+</c:chartSpace>
+</file>
+
+<file path=ppt/charts/chart8.xml><?xml version="1.0" encoding="utf-8"?>
+<c:chartSpace xmlns:c="http://schemas.openxmlformats.org/drawingml/2006/chart" xmlns:a="http://schemas.openxmlformats.org/drawingml/2006/main" xmlns:r="http://schemas.openxmlformats.org/officeDocument/2006/relationships">
+  <c:date1904 val="0"/>
+  <c:lang val="en-US"/>
+  <c:roundedCorners val="0"/>
+  <mc:AlternateContent xmlns:mc="http://schemas.openxmlformats.org/markup-compatibility/2006">
+    <mc:Choice xmlns:c14="http://schemas.microsoft.com/office/drawing/2007/8/2/chart" Requires="c14">
+      <c14:style val="118"/>
+    </mc:Choice>
+    <mc:Fallback>
+      <c:style val="18"/>
+    </mc:Fallback>
+  </mc:AlternateContent>
+  <c:clrMapOvr bg1="lt1" tx1="dk1" bg2="lt2" tx2="dk2" accent1="accent1" accent2="accent2" accent3="accent3" accent4="accent4" accent5="accent5" accent6="accent6" hlink="hlink" folHlink="folHlink"/>
+  <c:chart>
+    <c:title>
+      <c:tx>
+        <c:rich>
+          <a:bodyPr/>
+          <a:lstStyle/>
+          <a:p>
+            <a:pPr>
+              <a:defRPr/>
+            </a:pPr>
+            <a:r>
+              <a:rPr lang="en-US"/>
+              <a:t>Speedup</a:t>
+            </a:r>
+          </a:p>
+        </c:rich>
+      </c:tx>
+      <c:layout/>
+      <c:overlay val="1"/>
+    </c:title>
+    <c:autoTitleDeleted val="0"/>
+    <c:plotArea>
+      <c:layout>
+        <c:manualLayout>
+          <c:layoutTarget val="inner"/>
+          <c:xMode val="edge"/>
+          <c:yMode val="edge"/>
+          <c:x val="0.0582749527804351"/>
+          <c:y val="0.0367231638418079"/>
+          <c:w val="0.780414305688424"/>
+          <c:h val="0.8555182614885"/>
+        </c:manualLayout>
+      </c:layout>
+      <c:lineChart>
+        <c:grouping val="standard"/>
+        <c:varyColors val="0"/>
+        <c:ser>
+          <c:idx val="0"/>
+          <c:order val="0"/>
+          <c:tx>
+            <c:strRef>
+              <c:f>'runtime 711scheduler'!$C$29</c:f>
+              <c:strCache>
+                <c:ptCount val="1"/>
+                <c:pt idx="0">
+                  <c:v>8t vs 8t omp</c:v>
+                </c:pt>
+              </c:strCache>
+            </c:strRef>
+          </c:tx>
+          <c:spPr>
+            <a:ln w="12700" cmpd="sng"/>
+          </c:spPr>
+          <c:marker>
+            <c:spPr>
+              <a:ln w="12700" cmpd="sng"/>
+            </c:spPr>
+          </c:marker>
+          <c:cat>
+            <c:numRef>
+              <c:f>'runtime 711scheduler'!$D$28:$M$28</c:f>
+              <c:numCache>
+                <c:formatCode>General</c:formatCode>
+                <c:ptCount val="10"/>
+                <c:pt idx="0">
+                  <c:v>1.0</c:v>
+                </c:pt>
+                <c:pt idx="1">
+                  <c:v>2.0</c:v>
+                </c:pt>
+                <c:pt idx="2">
+                  <c:v>4.0</c:v>
+                </c:pt>
+                <c:pt idx="3">
+                  <c:v>8.0</c:v>
+                </c:pt>
+                <c:pt idx="4">
+                  <c:v>16.0</c:v>
+                </c:pt>
+                <c:pt idx="5">
+                  <c:v>32.0</c:v>
+                </c:pt>
+                <c:pt idx="6">
+                  <c:v>64.0</c:v>
+                </c:pt>
+                <c:pt idx="7">
+                  <c:v>128.0</c:v>
+                </c:pt>
+                <c:pt idx="8">
+                  <c:v>256.0</c:v>
+                </c:pt>
+                <c:pt idx="9">
+                  <c:v>512.0</c:v>
+                </c:pt>
+              </c:numCache>
+            </c:numRef>
+          </c:cat>
+          <c:val>
+            <c:numRef>
+              <c:f>'runtime 711scheduler'!$D$29:$M$29</c:f>
+              <c:numCache>
+                <c:formatCode>0.00</c:formatCode>
+                <c:ptCount val="10"/>
+                <c:pt idx="0">
+                  <c:v>1.70735515531629</c:v>
+                </c:pt>
+                <c:pt idx="1">
+                  <c:v>1.684805222363645</c:v>
+                </c:pt>
+                <c:pt idx="2">
+                  <c:v>1.80814392368246</c:v>
+                </c:pt>
+                <c:pt idx="3">
+                  <c:v>1.756287165897839</c:v>
+                </c:pt>
+                <c:pt idx="4">
+                  <c:v>1.652505821038046</c:v>
+                </c:pt>
+                <c:pt idx="5">
+                  <c:v>1.741735785109598</c:v>
+                </c:pt>
+                <c:pt idx="6">
+                  <c:v>1.749121003286124</c:v>
+                </c:pt>
+                <c:pt idx="7">
+                  <c:v>1.626350547691715</c:v>
+                </c:pt>
+                <c:pt idx="8">
+                  <c:v>1.755696136355606</c:v>
+                </c:pt>
+                <c:pt idx="9">
+                  <c:v>1.723076310686267</c:v>
+                </c:pt>
+              </c:numCache>
+            </c:numRef>
+          </c:val>
+          <c:smooth val="0"/>
+        </c:ser>
+        <c:ser>
+          <c:idx val="1"/>
+          <c:order val="1"/>
+          <c:tx>
+            <c:strRef>
+              <c:f>'runtime 711scheduler'!$C$30</c:f>
+              <c:strCache>
+                <c:ptCount val="1"/>
+                <c:pt idx="0">
+                  <c:v>4t vs 4t omp</c:v>
+                </c:pt>
+              </c:strCache>
+            </c:strRef>
+          </c:tx>
+          <c:spPr>
+            <a:ln w="12700" cmpd="sng"/>
+          </c:spPr>
+          <c:marker>
+            <c:spPr>
+              <a:ln w="12700" cmpd="sng"/>
+            </c:spPr>
+          </c:marker>
+          <c:cat>
+            <c:numRef>
+              <c:f>'runtime 711scheduler'!$D$28:$M$28</c:f>
+              <c:numCache>
+                <c:formatCode>General</c:formatCode>
+                <c:ptCount val="10"/>
+                <c:pt idx="0">
+                  <c:v>1.0</c:v>
+                </c:pt>
+                <c:pt idx="1">
+                  <c:v>2.0</c:v>
+                </c:pt>
+                <c:pt idx="2">
+                  <c:v>4.0</c:v>
+                </c:pt>
+                <c:pt idx="3">
+                  <c:v>8.0</c:v>
+                </c:pt>
+                <c:pt idx="4">
+                  <c:v>16.0</c:v>
+                </c:pt>
+                <c:pt idx="5">
+                  <c:v>32.0</c:v>
+                </c:pt>
+                <c:pt idx="6">
+                  <c:v>64.0</c:v>
+                </c:pt>
+                <c:pt idx="7">
+                  <c:v>128.0</c:v>
+                </c:pt>
+                <c:pt idx="8">
+                  <c:v>256.0</c:v>
+                </c:pt>
+                <c:pt idx="9">
+                  <c:v>512.0</c:v>
+                </c:pt>
+              </c:numCache>
+            </c:numRef>
+          </c:cat>
+          <c:val>
+            <c:numRef>
+              <c:f>'runtime 711scheduler'!$D$30:$M$30</c:f>
+              <c:numCache>
+                <c:formatCode>0.00</c:formatCode>
+                <c:ptCount val="10"/>
+                <c:pt idx="0">
+                  <c:v>2.845083700328286</c:v>
+                </c:pt>
+                <c:pt idx="1">
+                  <c:v>2.833236934826308</c:v>
+                </c:pt>
+                <c:pt idx="2">
+                  <c:v>2.790528917383994</c:v>
+                </c:pt>
+                <c:pt idx="3">
+                  <c:v>2.849589321953738</c:v>
+                </c:pt>
+                <c:pt idx="4">
+                  <c:v>2.877475754164602</c:v>
+                </c:pt>
+                <c:pt idx="5">
+                  <c:v>3.025398431278343</c:v>
+                </c:pt>
+                <c:pt idx="6">
+                  <c:v>3.085813962510495</c:v>
+                </c:pt>
+                <c:pt idx="7">
+                  <c:v>3.036820306516161</c:v>
+                </c:pt>
+                <c:pt idx="8">
+                  <c:v>2.969978131025587</c:v>
+                </c:pt>
+                <c:pt idx="9">
+                  <c:v>2.881001796225812</c:v>
+                </c:pt>
+              </c:numCache>
+            </c:numRef>
+          </c:val>
+          <c:smooth val="0"/>
+        </c:ser>
+        <c:ser>
+          <c:idx val="2"/>
+          <c:order val="2"/>
+          <c:tx>
+            <c:strRef>
+              <c:f>'runtime 711scheduler'!$C$31</c:f>
+              <c:strCache>
+                <c:ptCount val="1"/>
+                <c:pt idx="0">
+                  <c:v>8t vs seq</c:v>
+                </c:pt>
+              </c:strCache>
+            </c:strRef>
+          </c:tx>
+          <c:spPr>
+            <a:ln w="12700" cmpd="sng"/>
+          </c:spPr>
+          <c:marker>
+            <c:spPr>
+              <a:ln w="12700" cmpd="sng"/>
+            </c:spPr>
+          </c:marker>
+          <c:cat>
+            <c:numRef>
+              <c:f>'runtime 711scheduler'!$D$28:$M$28</c:f>
+              <c:numCache>
+                <c:formatCode>General</c:formatCode>
+                <c:ptCount val="10"/>
+                <c:pt idx="0">
+                  <c:v>1.0</c:v>
+                </c:pt>
+                <c:pt idx="1">
+                  <c:v>2.0</c:v>
+                </c:pt>
+                <c:pt idx="2">
+                  <c:v>4.0</c:v>
+                </c:pt>
+                <c:pt idx="3">
+                  <c:v>8.0</c:v>
+                </c:pt>
+                <c:pt idx="4">
+                  <c:v>16.0</c:v>
+                </c:pt>
+                <c:pt idx="5">
+                  <c:v>32.0</c:v>
+                </c:pt>
+                <c:pt idx="6">
+                  <c:v>64.0</c:v>
+                </c:pt>
+                <c:pt idx="7">
+                  <c:v>128.0</c:v>
+                </c:pt>
+                <c:pt idx="8">
+                  <c:v>256.0</c:v>
+                </c:pt>
+                <c:pt idx="9">
+                  <c:v>512.0</c:v>
+                </c:pt>
+              </c:numCache>
+            </c:numRef>
+          </c:cat>
+          <c:val>
+            <c:numRef>
+              <c:f>'runtime 711scheduler'!$D$31:$M$31</c:f>
+              <c:numCache>
+                <c:formatCode>0.00</c:formatCode>
+                <c:ptCount val="10"/>
+                <c:pt idx="0">
+                  <c:v>2.602603078808111</c:v>
+                </c:pt>
+                <c:pt idx="1">
+                  <c:v>3.460131115638222</c:v>
+                </c:pt>
+                <c:pt idx="2">
+                  <c:v>5.38095424259501</c:v>
+                </c:pt>
+                <c:pt idx="3">
+                  <c:v>7.771350275936588</c:v>
+                </c:pt>
+                <c:pt idx="4">
+                  <c:v>10.49143370101694</c:v>
+                </c:pt>
+                <c:pt idx="5">
+                  <c:v>14.34365581602499</c:v>
+                </c:pt>
+                <c:pt idx="6">
+                  <c:v>17.40947700594435</c:v>
+                </c:pt>
+                <c:pt idx="7">
+                  <c:v>18.43575940755492</c:v>
+                </c:pt>
+                <c:pt idx="8">
+                  <c:v>21.92351215440619</c:v>
+                </c:pt>
+                <c:pt idx="9">
+                  <c:v>23.37709015750016</c:v>
+                </c:pt>
+              </c:numCache>
+            </c:numRef>
+          </c:val>
+          <c:smooth val="0"/>
+        </c:ser>
+        <c:ser>
+          <c:idx val="3"/>
+          <c:order val="3"/>
+          <c:tx>
+            <c:strRef>
+              <c:f>'runtime 711scheduler'!$C$32</c:f>
+              <c:strCache>
+                <c:ptCount val="1"/>
+                <c:pt idx="0">
+                  <c:v>4t vs seq</c:v>
+                </c:pt>
+              </c:strCache>
+            </c:strRef>
+          </c:tx>
+          <c:spPr>
+            <a:ln w="12700" cmpd="sng"/>
+          </c:spPr>
+          <c:marker>
+            <c:spPr>
+              <a:ln w="12700" cmpd="sng"/>
+            </c:spPr>
+          </c:marker>
+          <c:cat>
+            <c:numRef>
+              <c:f>'runtime 711scheduler'!$D$28:$M$28</c:f>
+              <c:numCache>
+                <c:formatCode>General</c:formatCode>
+                <c:ptCount val="10"/>
+                <c:pt idx="0">
+                  <c:v>1.0</c:v>
+                </c:pt>
+                <c:pt idx="1">
+                  <c:v>2.0</c:v>
+                </c:pt>
+                <c:pt idx="2">
+                  <c:v>4.0</c:v>
+                </c:pt>
+                <c:pt idx="3">
+                  <c:v>8.0</c:v>
+                </c:pt>
+                <c:pt idx="4">
+                  <c:v>16.0</c:v>
+                </c:pt>
+                <c:pt idx="5">
+                  <c:v>32.0</c:v>
+                </c:pt>
+                <c:pt idx="6">
+                  <c:v>64.0</c:v>
+                </c:pt>
+                <c:pt idx="7">
+                  <c:v>128.0</c:v>
+                </c:pt>
+                <c:pt idx="8">
+                  <c:v>256.0</c:v>
+                </c:pt>
+                <c:pt idx="9">
+                  <c:v>512.0</c:v>
+                </c:pt>
+              </c:numCache>
+            </c:numRef>
+          </c:cat>
+          <c:val>
+            <c:numRef>
+              <c:f>'runtime 711scheduler'!$D$32:$M$32</c:f>
+              <c:numCache>
+                <c:formatCode>0.00</c:formatCode>
+                <c:ptCount val="10"/>
+                <c:pt idx="0">
+                  <c:v>4.318474031235121</c:v>
+                </c:pt>
+                <c:pt idx="1">
+                  <c:v>5.681339667123071</c:v>
+                </c:pt>
+                <c:pt idx="2">
+                  <c:v>7.560069294940856</c:v>
+                </c:pt>
+                <c:pt idx="3">
+                  <c:v>10.40692799030644</c:v>
+                </c:pt>
+                <c:pt idx="4">
+                  <c:v>13.55065021530477</c:v>
+                </c:pt>
+                <c:pt idx="5">
+                  <c:v>17.40598133166844</c:v>
+                </c:pt>
+                <c:pt idx="6">
+                  <c:v>20.63914294376478</c:v>
+                </c:pt>
+                <c:pt idx="7">
+                  <c:v>22.66968477204786</c:v>
+                </c:pt>
+                <c:pt idx="8">
+                  <c:v>24.7421445021986</c:v>
+                </c:pt>
+                <c:pt idx="9">
+                  <c:v>25.11470187308963</c:v>
+                </c:pt>
+              </c:numCache>
+            </c:numRef>
+          </c:val>
+          <c:smooth val="0"/>
+        </c:ser>
+        <c:dLbls>
+          <c:showLegendKey val="0"/>
+          <c:showVal val="0"/>
+          <c:showCatName val="0"/>
+          <c:showSerName val="0"/>
+          <c:showPercent val="0"/>
+          <c:showBubbleSize val="0"/>
+        </c:dLbls>
+        <c:marker val="1"/>
+        <c:smooth val="0"/>
+        <c:axId val="1828833656"/>
+        <c:axId val="1811921512"/>
+      </c:lineChart>
+      <c:catAx>
+        <c:axId val="1828833656"/>
+        <c:scaling>
+          <c:orientation val="minMax"/>
+        </c:scaling>
+        <c:delete val="0"/>
+        <c:axPos val="b"/>
+        <c:title>
+          <c:tx>
+            <c:rich>
+              <a:bodyPr/>
+              <a:lstStyle/>
+              <a:p>
+                <a:pPr>
+                  <a:defRPr sz="1400"/>
+                </a:pPr>
+                <a:r>
+                  <a:rPr lang="en-US" sz="1400" dirty="0" smtClean="0"/>
+                  <a:t># of variations</a:t>
+                </a:r>
+                <a:endParaRPr lang="en-US" sz="1400" dirty="0"/>
+              </a:p>
+            </c:rich>
+          </c:tx>
+          <c:layout>
+            <c:manualLayout>
+              <c:xMode val="edge"/>
+              <c:yMode val="edge"/>
+              <c:x val="0.365600363038732"/>
+              <c:y val="0.944068019039993"/>
+            </c:manualLayout>
+          </c:layout>
+          <c:overlay val="0"/>
+        </c:title>
+        <c:numFmt formatCode="General" sourceLinked="1"/>
+        <c:majorTickMark val="out"/>
+        <c:minorTickMark val="none"/>
+        <c:tickLblPos val="nextTo"/>
+        <c:crossAx val="1811921512"/>
+        <c:crosses val="autoZero"/>
+        <c:auto val="1"/>
+        <c:lblAlgn val="ctr"/>
+        <c:lblOffset val="100"/>
+        <c:noMultiLvlLbl val="0"/>
+      </c:catAx>
+      <c:valAx>
+        <c:axId val="1811921512"/>
+        <c:scaling>
+          <c:logBase val="2.0"/>
+          <c:orientation val="minMax"/>
+        </c:scaling>
+        <c:delete val="0"/>
+        <c:axPos val="l"/>
+        <c:majorGridlines/>
+        <c:title>
+          <c:tx>
+            <c:rich>
+              <a:bodyPr rot="-5400000" vert="horz"/>
+              <a:lstStyle/>
+              <a:p>
+                <a:pPr>
+                  <a:defRPr sz="1400"/>
+                </a:pPr>
+                <a:r>
+                  <a:rPr lang="en-US" sz="1400" dirty="0" smtClean="0"/>
+                  <a:t>Speedup</a:t>
+                </a:r>
+                <a:endParaRPr lang="en-US" sz="1400" dirty="0"/>
+              </a:p>
+            </c:rich>
+          </c:tx>
+          <c:layout/>
+          <c:overlay val="0"/>
+        </c:title>
+        <c:numFmt formatCode="General" sourceLinked="0"/>
+        <c:majorTickMark val="out"/>
+        <c:minorTickMark val="none"/>
+        <c:tickLblPos val="nextTo"/>
+        <c:crossAx val="1828833656"/>
+        <c:crosses val="autoZero"/>
+        <c:crossBetween val="between"/>
+      </c:valAx>
+    </c:plotArea>
+    <c:legend>
+      <c:legendPos val="r"/>
+      <c:layout/>
+      <c:overlay val="0"/>
+      <c:txPr>
+        <a:bodyPr/>
+        <a:lstStyle/>
+        <a:p>
+          <a:pPr>
+            <a:defRPr sz="1400"/>
+          </a:pPr>
+          <a:endParaRPr lang="en-US"/>
+        </a:p>
+      </c:txPr>
+    </c:legend>
+    <c:plotVisOnly val="1"/>
+    <c:dispBlanksAs val="gap"/>
+    <c:showDLblsOverMax val="0"/>
+  </c:chart>
+  <c:externalData r:id="rId2">
+    <c:autoUpdate val="0"/>
+  </c:externalData>
+</c:chartSpace>
+</file>
+
+<file path=ppt/charts/chart9.xml><?xml version="1.0" encoding="utf-8"?>
+<c:chartSpace xmlns:c="http://schemas.openxmlformats.org/drawingml/2006/chart" xmlns:a="http://schemas.openxmlformats.org/drawingml/2006/main" xmlns:r="http://schemas.openxmlformats.org/officeDocument/2006/relationships">
+  <c:date1904 val="0"/>
+  <c:lang val="en-US"/>
+  <c:roundedCorners val="0"/>
+  <mc:AlternateContent xmlns:mc="http://schemas.openxmlformats.org/markup-compatibility/2006">
+    <mc:Choice xmlns:c14="http://schemas.microsoft.com/office/drawing/2007/8/2/chart" Requires="c14">
+      <c14:style val="118"/>
+    </mc:Choice>
+    <mc:Fallback>
+      <c:style val="18"/>
+    </mc:Fallback>
+  </mc:AlternateContent>
+  <c:clrMapOvr bg1="lt1" tx1="dk1" bg2="lt2" tx2="dk2" accent1="accent1" accent2="accent2" accent3="accent3" accent4="accent4" accent5="accent5" accent6="accent6" hlink="hlink" folHlink="folHlink"/>
+  <c:chart>
+    <c:title>
+      <c:tx>
+        <c:rich>
+          <a:bodyPr/>
+          <a:lstStyle/>
+          <a:p>
+            <a:pPr>
+              <a:defRPr/>
+            </a:pPr>
+            <a:r>
+              <a:rPr lang="en-US"/>
+              <a:t>Event</a:t>
+            </a:r>
+            <a:r>
+              <a:rPr lang="en-US" baseline="0"/>
+              <a:t> throughput</a:t>
+            </a:r>
+          </a:p>
+        </c:rich>
+      </c:tx>
+      <c:layout/>
+      <c:overlay val="1"/>
+    </c:title>
+    <c:autoTitleDeleted val="0"/>
+    <c:view3D>
+      <c:rotX val="15"/>
+      <c:rotY val="20"/>
+      <c:depthPercent val="100"/>
+      <c:rAngAx val="0"/>
+      <c:perspective val="30"/>
+    </c:view3D>
+    <c:floor>
+      <c:thickness val="0"/>
+    </c:floor>
+    <c:sideWall>
+      <c:thickness val="0"/>
+      <c:spPr>
+        <a:noFill/>
+        <a:ln w="25400">
+          <a:noFill/>
+        </a:ln>
+      </c:spPr>
+    </c:sideWall>
+    <c:backWall>
+      <c:thickness val="0"/>
+      <c:spPr>
+        <a:noFill/>
+        <a:ln w="25400">
+          <a:noFill/>
+        </a:ln>
+      </c:spPr>
+    </c:backWall>
+    <c:plotArea>
+      <c:layout>
+        <c:manualLayout>
+          <c:layoutTarget val="inner"/>
+          <c:xMode val="edge"/>
+          <c:yMode val="edge"/>
+          <c:x val="0.119039575332619"/>
+          <c:y val="0.0422765395367924"/>
+          <c:w val="0.701646906053401"/>
+          <c:h val="0.900247119533787"/>
+        </c:manualLayout>
+      </c:layout>
+      <c:bar3DChart>
+        <c:barDir val="col"/>
+        <c:grouping val="standard"/>
+        <c:varyColors val="0"/>
+        <c:ser>
+          <c:idx val="0"/>
+          <c:order val="0"/>
+          <c:tx>
+            <c:strRef>
+              <c:f>'runtime 711scheduler'!$C$40</c:f>
+              <c:strCache>
+                <c:ptCount val="1"/>
+                <c:pt idx="0">
+                  <c:v>8t each x2 apps</c:v>
+                </c:pt>
+              </c:strCache>
+            </c:strRef>
+          </c:tx>
+          <c:invertIfNegative val="0"/>
+          <c:dLbls>
+            <c:dLbl>
+              <c:idx val="8"/>
+              <c:layout/>
+              <c:showLegendKey val="0"/>
+              <c:showVal val="1"/>
+              <c:showCatName val="0"/>
+              <c:showSerName val="0"/>
+              <c:showPercent val="0"/>
+              <c:showBubbleSize val="0"/>
+            </c:dLbl>
+            <c:dLbl>
+              <c:idx val="9"/>
+              <c:layout/>
+              <c:showLegendKey val="0"/>
+              <c:showVal val="1"/>
+              <c:showCatName val="0"/>
+              <c:showSerName val="0"/>
+              <c:showPercent val="0"/>
+              <c:showBubbleSize val="0"/>
+            </c:dLbl>
+            <c:showLegendKey val="0"/>
+            <c:showVal val="0"/>
+            <c:showCatName val="0"/>
+            <c:showSerName val="0"/>
+            <c:showPercent val="0"/>
+            <c:showBubbleSize val="0"/>
+          </c:dLbls>
+          <c:cat>
+            <c:numRef>
+              <c:f>'runtime 711scheduler'!$D$39:$M$39</c:f>
+              <c:numCache>
+                <c:formatCode>General</c:formatCode>
+                <c:ptCount val="10"/>
+                <c:pt idx="0">
+                  <c:v>1.0</c:v>
+                </c:pt>
+                <c:pt idx="1">
+                  <c:v>2.0</c:v>
+                </c:pt>
+                <c:pt idx="2">
+                  <c:v>4.0</c:v>
+                </c:pt>
+                <c:pt idx="3">
+                  <c:v>8.0</c:v>
+                </c:pt>
+                <c:pt idx="4">
+                  <c:v>16.0</c:v>
+                </c:pt>
+                <c:pt idx="5">
+                  <c:v>32.0</c:v>
+                </c:pt>
+                <c:pt idx="6">
+                  <c:v>64.0</c:v>
+                </c:pt>
+                <c:pt idx="7">
+                  <c:v>128.0</c:v>
+                </c:pt>
+                <c:pt idx="8">
+                  <c:v>256.0</c:v>
+                </c:pt>
+                <c:pt idx="9">
+                  <c:v>512.0</c:v>
+                </c:pt>
+              </c:numCache>
+            </c:numRef>
+          </c:cat>
+          <c:val>
+            <c:numRef>
+              <c:f>'runtime 711scheduler'!$D$40:$M$40</c:f>
+              <c:numCache>
+                <c:formatCode>0.00E+00</c:formatCode>
+                <c:ptCount val="10"/>
+                <c:pt idx="0">
+                  <c:v>4117.246966723417</c:v>
+                </c:pt>
+                <c:pt idx="1">
+                  <c:v>5014.85862055186</c:v>
+                </c:pt>
+                <c:pt idx="2">
+                  <c:v>7208.007823984504</c:v>
+                </c:pt>
+                <c:pt idx="3">
+                  <c:v>9762.02146461258</c:v>
+                </c:pt>
+                <c:pt idx="4">
+                  <c:v>12596.83421990512</c:v>
+                </c:pt>
+                <c:pt idx="5">
+                  <c:v>16750.8395365946</c:v>
+                </c:pt>
+                <c:pt idx="6">
+                  <c:v>19935.0383326778</c:v>
+                </c:pt>
+                <c:pt idx="7">
+                  <c:v>20645.14121629566</c:v>
+                </c:pt>
+                <c:pt idx="8">
+                  <c:v>23985.20184684606</c:v>
+                </c:pt>
+                <c:pt idx="9">
+                  <c:v>25827.62352756073</c:v>
+                </c:pt>
+              </c:numCache>
+            </c:numRef>
+          </c:val>
+        </c:ser>
+        <c:ser>
+          <c:idx val="1"/>
+          <c:order val="1"/>
+          <c:tx>
+            <c:strRef>
+              <c:f>'runtime 711scheduler'!$C$41</c:f>
+              <c:strCache>
+                <c:ptCount val="1"/>
+                <c:pt idx="0">
+                  <c:v>4t each x4 apps</c:v>
+                </c:pt>
+              </c:strCache>
+            </c:strRef>
+          </c:tx>
+          <c:invertIfNegative val="0"/>
+          <c:dLbls>
+            <c:dLbl>
+              <c:idx val="8"/>
+              <c:layout/>
+              <c:showLegendKey val="0"/>
+              <c:showVal val="1"/>
+              <c:showCatName val="0"/>
+              <c:showSerName val="0"/>
+              <c:showPercent val="0"/>
+              <c:showBubbleSize val="0"/>
+            </c:dLbl>
+            <c:dLbl>
+              <c:idx val="9"/>
+              <c:layout/>
+              <c:showLegendKey val="0"/>
+              <c:showVal val="1"/>
+              <c:showCatName val="0"/>
+              <c:showSerName val="0"/>
+              <c:showPercent val="0"/>
+              <c:showBubbleSize val="0"/>
+            </c:dLbl>
+            <c:showLegendKey val="0"/>
+            <c:showVal val="0"/>
+            <c:showCatName val="0"/>
+            <c:showSerName val="0"/>
+            <c:showPercent val="0"/>
+            <c:showBubbleSize val="0"/>
+          </c:dLbls>
+          <c:cat>
+            <c:numRef>
+              <c:f>'runtime 711scheduler'!$D$39:$M$39</c:f>
+              <c:numCache>
+                <c:formatCode>General</c:formatCode>
+                <c:ptCount val="10"/>
+                <c:pt idx="0">
+                  <c:v>1.0</c:v>
+                </c:pt>
+                <c:pt idx="1">
+                  <c:v>2.0</c:v>
+                </c:pt>
+                <c:pt idx="2">
+                  <c:v>4.0</c:v>
+                </c:pt>
+                <c:pt idx="3">
+                  <c:v>8.0</c:v>
+                </c:pt>
+                <c:pt idx="4">
+                  <c:v>16.0</c:v>
+                </c:pt>
+                <c:pt idx="5">
+                  <c:v>32.0</c:v>
+                </c:pt>
+                <c:pt idx="6">
+                  <c:v>64.0</c:v>
+                </c:pt>
+                <c:pt idx="7">
+                  <c:v>128.0</c:v>
+                </c:pt>
+                <c:pt idx="8">
+                  <c:v>256.0</c:v>
+                </c:pt>
+                <c:pt idx="9">
+                  <c:v>512.0</c:v>
+                </c:pt>
+              </c:numCache>
+            </c:numRef>
+          </c:cat>
+          <c:val>
+            <c:numRef>
+              <c:f>'runtime 711scheduler'!$D$41:$M$41</c:f>
+              <c:numCache>
+                <c:formatCode>0.00E+00</c:formatCode>
+                <c:ptCount val="10"/>
+                <c:pt idx="0">
+                  <c:v>6831.707935318085</c:v>
+                </c:pt>
+                <c:pt idx="1">
+                  <c:v>8234.11433086696</c:v>
+                </c:pt>
+                <c:pt idx="2">
+                  <c:v>10127.02137409721</c:v>
+                </c:pt>
+                <c:pt idx="3">
+                  <c:v>13072.71591355534</c:v>
+                </c:pt>
+                <c:pt idx="4">
+                  <c:v>16269.96835690533</c:v>
+                </c:pt>
+                <c:pt idx="5">
+                  <c:v>20327.09122440025</c:v>
+                </c:pt>
+                <c:pt idx="6">
+                  <c:v>23633.2260640043</c:v>
+                </c:pt>
+                <c:pt idx="7">
+                  <c:v>25386.46947497279</c:v>
+                </c:pt>
+                <c:pt idx="8">
+                  <c:v>27068.89871611173</c:v>
+                </c:pt>
+                <c:pt idx="9">
+                  <c:v>27747.38261327077</c:v>
+                </c:pt>
+              </c:numCache>
+            </c:numRef>
+          </c:val>
+        </c:ser>
+        <c:dLbls>
+          <c:showLegendKey val="0"/>
+          <c:showVal val="0"/>
+          <c:showCatName val="0"/>
+          <c:showSerName val="0"/>
+          <c:showPercent val="0"/>
+          <c:showBubbleSize val="0"/>
+        </c:dLbls>
+        <c:gapWidth val="150"/>
+        <c:shape val="box"/>
+        <c:axId val="1831391608"/>
+        <c:axId val="1831428536"/>
+        <c:axId val="1829833128"/>
+      </c:bar3DChart>
+      <c:catAx>
+        <c:axId val="1831391608"/>
+        <c:scaling>
+          <c:orientation val="minMax"/>
+        </c:scaling>
+        <c:delete val="0"/>
+        <c:axPos val="b"/>
+        <c:title>
+          <c:tx>
+            <c:rich>
+              <a:bodyPr/>
+              <a:lstStyle/>
+              <a:p>
+                <a:pPr>
+                  <a:defRPr sz="1400"/>
+                </a:pPr>
+                <a:r>
+                  <a:rPr lang="en-US" sz="1400"/>
+                  <a:t>#</a:t>
+                </a:r>
+                <a:r>
+                  <a:rPr lang="en-US" sz="1400" baseline="0"/>
+                  <a:t> of variations</a:t>
+                </a:r>
+              </a:p>
+            </c:rich>
+          </c:tx>
+          <c:layout>
+            <c:manualLayout>
+              <c:xMode val="edge"/>
+              <c:yMode val="edge"/>
+              <c:x val="0.39150391247823"/>
+              <c:y val="0.904604519774011"/>
+            </c:manualLayout>
+          </c:layout>
+          <c:overlay val="0"/>
+        </c:title>
+        <c:numFmt formatCode="General" sourceLinked="1"/>
+        <c:majorTickMark val="out"/>
+        <c:minorTickMark val="none"/>
+        <c:tickLblPos val="nextTo"/>
+        <c:crossAx val="1831428536"/>
+        <c:crosses val="autoZero"/>
+        <c:auto val="1"/>
+        <c:lblAlgn val="ctr"/>
+        <c:lblOffset val="100"/>
+        <c:noMultiLvlLbl val="0"/>
+      </c:catAx>
+      <c:valAx>
+        <c:axId val="1831428536"/>
+        <c:scaling>
+          <c:orientation val="minMax"/>
+        </c:scaling>
+        <c:delete val="0"/>
+        <c:axPos val="l"/>
+        <c:majorGridlines/>
+        <c:title>
+          <c:tx>
+            <c:rich>
+              <a:bodyPr rot="-5400000" vert="horz"/>
+              <a:lstStyle/>
+              <a:p>
+                <a:pPr>
+                  <a:defRPr sz="1400"/>
+                </a:pPr>
+                <a:r>
+                  <a:rPr lang="en-US" sz="1400"/>
+                  <a:t>Events per sec</a:t>
+                </a:r>
+              </a:p>
+            </c:rich>
+          </c:tx>
+          <c:layout>
+            <c:manualLayout>
+              <c:xMode val="edge"/>
+              <c:yMode val="edge"/>
+              <c:x val="0.0"/>
+              <c:y val="0.296558565772499"/>
+            </c:manualLayout>
+          </c:layout>
+          <c:overlay val="0"/>
+        </c:title>
+        <c:numFmt formatCode="0.00E+00" sourceLinked="1"/>
+        <c:majorTickMark val="out"/>
+        <c:minorTickMark val="none"/>
+        <c:tickLblPos val="nextTo"/>
+        <c:crossAx val="1831391608"/>
+        <c:crosses val="autoZero"/>
+        <c:crossBetween val="between"/>
+      </c:valAx>
+      <c:serAx>
+        <c:axId val="1829833128"/>
+        <c:scaling>
+          <c:orientation val="minMax"/>
+        </c:scaling>
+        <c:delete val="1"/>
+        <c:axPos val="b"/>
+        <c:numFmt formatCode="General" sourceLinked="1"/>
+        <c:majorTickMark val="out"/>
+        <c:minorTickMark val="none"/>
+        <c:tickLblPos val="nextTo"/>
+        <c:crossAx val="1831428536"/>
+        <c:crosses val="autoZero"/>
+        <c:tickLblSkip val="2"/>
+        <c:tickMarkSkip val="1"/>
+      </c:serAx>
+      <c:spPr>
+        <a:noFill/>
+        <a:ln w="25400">
+          <a:noFill/>
+        </a:ln>
+      </c:spPr>
+    </c:plotArea>
+    <c:legend>
+      <c:legendPos val="r"/>
+      <c:layout/>
+      <c:overlay val="0"/>
+    </c:legend>
     <c:plotVisOnly val="1"/>
     <c:dispBlanksAs val="gap"/>
     <c:showDLblsOverMax val="0"/>
@@ -4733,7 +6036,7 @@
           <a:p>
             <a:fld id="{6A2E8799-AB43-2B49-B174-EA2922AE8430}" type="datetime1">
               <a:rPr lang="pt-PT" smtClean="0"/>
-              <a:t>08/07/13</a:t>
+              <a:t>15/07/13</a:t>
             </a:fld>
             <a:endParaRPr lang="en-US"/>
           </a:p>
@@ -4899,7 +6202,7 @@
           <a:p>
             <a:fld id="{DB45264F-2348-A448-9001-BE25E1EF061F}" type="datetime1">
               <a:rPr lang="pt-PT" smtClean="0"/>
-              <a:t>08/07/13</a:t>
+              <a:t>15/07/13</a:t>
             </a:fld>
             <a:endParaRPr lang="en-US"/>
           </a:p>
@@ -6220,7 +7523,7 @@
           <a:p>
             <a:fld id="{A9A0AF8B-7AB8-1E42-BD6E-C06D71D719CD}" type="slidenum">
               <a:rPr lang="en-US" smtClean="0"/>
-              <a:t>17</a:t>
+              <a:t>19</a:t>
             </a:fld>
             <a:endParaRPr lang="en-US"/>
           </a:p>
@@ -6283,7 +7586,39 @@
           <a:bodyPr/>
           <a:lstStyle/>
           <a:p>
-            <a:endParaRPr lang="en-US"/>
+            <a:r>
+              <a:rPr lang="en-US" dirty="0" smtClean="0"/>
+              <a:t>“Independent” of global state</a:t>
+            </a:r>
+          </a:p>
+          <a:p>
+            <a:r>
+              <a:rPr lang="en-US" dirty="0" smtClean="0"/>
+              <a:t>Has 2 nested cycles</a:t>
+            </a:r>
+          </a:p>
+          <a:p>
+            <a:r>
+              <a:rPr lang="en-US" dirty="0" smtClean="0"/>
+              <a:t>Outer cycle (# comb) is event dependent</a:t>
+            </a:r>
+          </a:p>
+          <a:p>
+            <a:r>
+              <a:rPr lang="en-US" dirty="0" smtClean="0"/>
+              <a:t>Inner cycle (#</a:t>
+            </a:r>
+            <a:r>
+              <a:rPr lang="en-US" dirty="0" err="1" smtClean="0"/>
+              <a:t>var</a:t>
+            </a:r>
+            <a:r>
+              <a:rPr lang="en-US" dirty="0" smtClean="0"/>
+              <a:t>) is user defined</a:t>
+            </a:r>
+          </a:p>
+          <a:p>
+            <a:endParaRPr lang="en-US" dirty="0"/>
           </a:p>
         </p:txBody>
       </p:sp>
@@ -6305,6 +7640,90 @@
             <a:fld id="{A9A0AF8B-7AB8-1E42-BD6E-C06D71D719CD}" type="slidenum">
               <a:rPr lang="en-US" smtClean="0"/>
               <a:t>20</a:t>
+            </a:fld>
+            <a:endParaRPr lang="en-US"/>
+          </a:p>
+        </p:txBody>
+      </p:sp>
+    </p:spTree>
+    <p:extLst>
+      <p:ext uri="{BB962C8B-B14F-4D97-AF65-F5344CB8AC3E}">
+        <p14:creationId xmlns:p14="http://schemas.microsoft.com/office/powerpoint/2010/main" val="3500966823"/>
+      </p:ext>
+    </p:extLst>
+  </p:cSld>
+  <p:clrMapOvr>
+    <a:masterClrMapping/>
+  </p:clrMapOvr>
+</p:notes>
+</file>
+
+<file path=ppt/notesSlides/notesSlide7.xml><?xml version="1.0" encoding="utf-8"?>
+<p:notes xmlns:a="http://schemas.openxmlformats.org/drawingml/2006/main" xmlns:r="http://schemas.openxmlformats.org/officeDocument/2006/relationships" xmlns:p="http://schemas.openxmlformats.org/presentationml/2006/main">
+  <p:cSld>
+    <p:spTree>
+      <p:nvGrpSpPr>
+        <p:cNvPr id="1" name=""/>
+        <p:cNvGrpSpPr/>
+        <p:nvPr/>
+      </p:nvGrpSpPr>
+      <p:grpSpPr>
+        <a:xfrm>
+          <a:off x="0" y="0"/>
+          <a:ext cx="0" cy="0"/>
+          <a:chOff x="0" y="0"/>
+          <a:chExt cx="0" cy="0"/>
+        </a:xfrm>
+      </p:grpSpPr>
+      <p:sp>
+        <p:nvSpPr>
+          <p:cNvPr id="2" name="Slide Image Placeholder 1"/>
+          <p:cNvSpPr>
+            <a:spLocks noGrp="1" noRot="1" noChangeAspect="1"/>
+          </p:cNvSpPr>
+          <p:nvPr>
+            <p:ph type="sldImg"/>
+          </p:nvPr>
+        </p:nvSpPr>
+        <p:spPr/>
+      </p:sp>
+      <p:sp>
+        <p:nvSpPr>
+          <p:cNvPr id="3" name="Notes Placeholder 2"/>
+          <p:cNvSpPr>
+            <a:spLocks noGrp="1"/>
+          </p:cNvSpPr>
+          <p:nvPr>
+            <p:ph type="body" idx="1"/>
+          </p:nvPr>
+        </p:nvSpPr>
+        <p:spPr/>
+        <p:txBody>
+          <a:bodyPr/>
+          <a:lstStyle/>
+          <a:p>
+            <a:endParaRPr lang="en-US"/>
+          </a:p>
+        </p:txBody>
+      </p:sp>
+      <p:sp>
+        <p:nvSpPr>
+          <p:cNvPr id="4" name="Slide Number Placeholder 3"/>
+          <p:cNvSpPr>
+            <a:spLocks noGrp="1"/>
+          </p:cNvSpPr>
+          <p:nvPr>
+            <p:ph type="sldNum" sz="quarter" idx="10"/>
+          </p:nvPr>
+        </p:nvSpPr>
+        <p:spPr/>
+        <p:txBody>
+          <a:bodyPr/>
+          <a:lstStyle/>
+          <a:p>
+            <a:fld id="{A9A0AF8B-7AB8-1E42-BD6E-C06D71D719CD}" type="slidenum">
+              <a:rPr lang="en-US" smtClean="0"/>
+              <a:t>25</a:t>
             </a:fld>
             <a:endParaRPr lang="en-US"/>
           </a:p>
@@ -6614,7 +8033,7 @@
           <a:p>
             <a:fld id="{698A196A-D1E5-4340-8BE3-B866CF21B8F2}" type="datetime1">
               <a:rPr lang="pt-PT" smtClean="0"/>
-              <a:t>08/07/13</a:t>
+              <a:t>15/07/13</a:t>
             </a:fld>
             <a:endParaRPr lang="en-US"/>
           </a:p>
@@ -6805,7 +8224,7 @@
           <a:p>
             <a:fld id="{EA06EC9D-7BE1-BB4B-8BF2-9C3028D32265}" type="datetime1">
               <a:rPr lang="pt-PT" smtClean="0"/>
-              <a:t>08/07/13</a:t>
+              <a:t>15/07/13</a:t>
             </a:fld>
             <a:endParaRPr lang="en-US"/>
           </a:p>
@@ -6990,7 +8409,7 @@
           <a:p>
             <a:fld id="{F547368A-8DB1-584C-98BB-A837081FF51B}" type="datetime1">
               <a:rPr lang="pt-PT" smtClean="0"/>
-              <a:t>08/07/13</a:t>
+              <a:t>15/07/13</a:t>
             </a:fld>
             <a:endParaRPr lang="en-US"/>
           </a:p>
@@ -7253,7 +8672,7 @@
           <a:p>
             <a:fld id="{6C93BBA0-4CEB-6543-A2C5-55B6B9ACDD71}" type="datetime1">
               <a:rPr lang="pt-PT" smtClean="0"/>
-              <a:t>08/07/13</a:t>
+              <a:t>15/07/13</a:t>
             </a:fld>
             <a:endParaRPr lang="en-US"/>
           </a:p>
@@ -7669,7 +9088,7 @@
           <a:p>
             <a:fld id="{AB436747-84A9-2541-AEEB-6D0EB5BA80A6}" type="datetime1">
               <a:rPr lang="pt-PT" smtClean="0"/>
-              <a:t>08/07/13</a:t>
+              <a:t>15/07/13</a:t>
             </a:fld>
             <a:endParaRPr lang="en-US"/>
           </a:p>
@@ -7911,7 +9330,7 @@
           <a:p>
             <a:fld id="{94C05F9E-3D3E-4D4C-B397-C26386612109}" type="datetime1">
               <a:rPr lang="pt-PT" smtClean="0"/>
-              <a:t>08/07/13</a:t>
+              <a:t>15/07/13</a:t>
             </a:fld>
             <a:endParaRPr lang="en-US"/>
           </a:p>
@@ -8147,7 +9566,7 @@
           <a:p>
             <a:fld id="{8C61650D-5624-F240-8414-01FAD79630CE}" type="datetime1">
               <a:rPr lang="pt-PT" smtClean="0"/>
-              <a:t>08/07/13</a:t>
+              <a:t>15/07/13</a:t>
             </a:fld>
             <a:endParaRPr lang="en-US"/>
           </a:p>
@@ -8342,7 +9761,7 @@
           <a:p>
             <a:fld id="{1C769D5D-B1BE-734E-9F7A-7C11301FE3ED}" type="datetime1">
               <a:rPr lang="pt-PT" smtClean="0"/>
-              <a:t>08/07/13</a:t>
+              <a:t>15/07/13</a:t>
             </a:fld>
             <a:endParaRPr lang="en-US"/>
           </a:p>
@@ -8440,7 +9859,7 @@
           <a:p>
             <a:fld id="{2C9B0DCB-9A71-4641-9D2C-CD31FD221208}" type="datetime1">
               <a:rPr lang="pt-PT" smtClean="0"/>
-              <a:t>08/07/13</a:t>
+              <a:t>15/07/13</a:t>
             </a:fld>
             <a:endParaRPr lang="en-US"/>
           </a:p>
@@ -8576,7 +9995,7 @@
           <a:p>
             <a:fld id="{DA74B8EE-6C65-2D4E-A8C6-BB77A48159F6}" type="datetime1">
               <a:rPr lang="pt-PT" smtClean="0"/>
-              <a:t>08/07/13</a:t>
+              <a:t>15/07/13</a:t>
             </a:fld>
             <a:endParaRPr lang="en-US"/>
           </a:p>
@@ -9094,7 +10513,7 @@
           <a:p>
             <a:fld id="{CFB562F7-F8CF-2447-8ED7-A1B5C21E542A}" type="datetime1">
               <a:rPr lang="pt-PT" smtClean="0"/>
-              <a:t>08/07/13</a:t>
+              <a:t>15/07/13</a:t>
             </a:fld>
             <a:endParaRPr lang="en-US"/>
           </a:p>
@@ -9355,7 +10774,7 @@
           <a:p>
             <a:fld id="{19F4885C-3C53-1047-BC44-878C9835E565}" type="datetime1">
               <a:rPr lang="pt-PT" smtClean="0"/>
-              <a:t>08/07/13</a:t>
+              <a:t>15/07/13</a:t>
             </a:fld>
             <a:endParaRPr lang="en-US"/>
           </a:p>
@@ -11593,6 +13012,308 @@
         </p:nvSpPr>
         <p:spPr/>
         <p:txBody>
+          <a:bodyPr/>
+          <a:lstStyle/>
+          <a:p>
+            <a:r>
+              <a:rPr lang="en-US" dirty="0" smtClean="0"/>
+              <a:t>Some results</a:t>
+            </a:r>
+            <a:endParaRPr lang="en-US" dirty="0"/>
+          </a:p>
+        </p:txBody>
+      </p:sp>
+      <p:sp>
+        <p:nvSpPr>
+          <p:cNvPr id="3" name="Footer Placeholder 2"/>
+          <p:cNvSpPr>
+            <a:spLocks noGrp="1"/>
+          </p:cNvSpPr>
+          <p:nvPr>
+            <p:ph type="ftr" sz="quarter" idx="11"/>
+          </p:nvPr>
+        </p:nvSpPr>
+        <p:spPr/>
+        <p:txBody>
+          <a:bodyPr/>
+          <a:lstStyle/>
+          <a:p>
+            <a:r>
+              <a:rPr lang="en-US" dirty="0" smtClean="0"/>
+              <a:t>System with an AMD Opteron and a NVidia Tesla C2050 GPU</a:t>
+            </a:r>
+            <a:endParaRPr lang="en-US" dirty="0"/>
+          </a:p>
+        </p:txBody>
+      </p:sp>
+      <p:sp>
+        <p:nvSpPr>
+          <p:cNvPr id="4" name="Slide Number Placeholder 3"/>
+          <p:cNvSpPr>
+            <a:spLocks noGrp="1"/>
+          </p:cNvSpPr>
+          <p:nvPr>
+            <p:ph type="sldNum" sz="quarter" idx="12"/>
+          </p:nvPr>
+        </p:nvSpPr>
+        <p:spPr/>
+        <p:txBody>
+          <a:bodyPr>
+            <a:normAutofit fontScale="85000" lnSpcReduction="20000"/>
+          </a:bodyPr>
+          <a:lstStyle/>
+          <a:p>
+            <a:fld id="{9C1F5A0A-F6FC-4FFD-9B49-0DA8697211D9}" type="slidenum">
+              <a:rPr lang="en-US" smtClean="0"/>
+              <a:t>17</a:t>
+            </a:fld>
+            <a:endParaRPr lang="en-US"/>
+          </a:p>
+        </p:txBody>
+      </p:sp>
+      <p:graphicFrame>
+        <p:nvGraphicFramePr>
+          <p:cNvPr id="7" name="Content Placeholder 6"/>
+          <p:cNvGraphicFramePr>
+            <a:graphicFrameLocks noGrp="1"/>
+          </p:cNvGraphicFramePr>
+          <p:nvPr>
+            <p:ph sz="quarter" idx="1"/>
+          </p:nvPr>
+        </p:nvGraphicFramePr>
+        <p:xfrm>
+          <a:off x="612775" y="1600200"/>
+          <a:ext cx="8153400" cy="4495800"/>
+        </p:xfrm>
+        <a:graphic>
+          <a:graphicData uri="http://schemas.openxmlformats.org/drawingml/2006/chart">
+            <c:chart xmlns:c="http://schemas.openxmlformats.org/drawingml/2006/chart" xmlns:r="http://schemas.openxmlformats.org/officeDocument/2006/relationships" r:id="rId2"/>
+          </a:graphicData>
+        </a:graphic>
+      </p:graphicFrame>
+    </p:spTree>
+    <p:extLst>
+      <p:ext uri="{BB962C8B-B14F-4D97-AF65-F5344CB8AC3E}">
+        <p14:creationId xmlns:p14="http://schemas.microsoft.com/office/powerpoint/2010/main" val="980865770"/>
+      </p:ext>
+    </p:extLst>
+  </p:cSld>
+  <p:clrMapOvr>
+    <a:masterClrMapping/>
+  </p:clrMapOvr>
+</p:sld>
+</file>
+
+<file path=ppt/slides/slide18.xml><?xml version="1.0" encoding="utf-8"?>
+<p:sld xmlns:a="http://schemas.openxmlformats.org/drawingml/2006/main" xmlns:r="http://schemas.openxmlformats.org/officeDocument/2006/relationships" xmlns:p="http://schemas.openxmlformats.org/presentationml/2006/main">
+  <p:cSld>
+    <p:spTree>
+      <p:nvGrpSpPr>
+        <p:cNvPr id="1" name=""/>
+        <p:cNvGrpSpPr/>
+        <p:nvPr/>
+      </p:nvGrpSpPr>
+      <p:grpSpPr>
+        <a:xfrm>
+          <a:off x="0" y="0"/>
+          <a:ext cx="0" cy="0"/>
+          <a:chOff x="0" y="0"/>
+          <a:chExt cx="0" cy="0"/>
+        </a:xfrm>
+      </p:grpSpPr>
+      <p:sp>
+        <p:nvSpPr>
+          <p:cNvPr id="2" name="Title 1"/>
+          <p:cNvSpPr>
+            <a:spLocks noGrp="1"/>
+          </p:cNvSpPr>
+          <p:nvPr>
+            <p:ph type="title"/>
+          </p:nvPr>
+        </p:nvSpPr>
+        <p:spPr/>
+        <p:txBody>
+          <a:bodyPr/>
+          <a:lstStyle/>
+          <a:p>
+            <a:r>
+              <a:rPr lang="en-US" dirty="0" smtClean="0"/>
+              <a:t>The problem…</a:t>
+            </a:r>
+            <a:endParaRPr lang="en-US" dirty="0"/>
+          </a:p>
+        </p:txBody>
+      </p:sp>
+      <p:sp>
+        <p:nvSpPr>
+          <p:cNvPr id="7" name="Content Placeholder 6"/>
+          <p:cNvSpPr>
+            <a:spLocks noGrp="1"/>
+          </p:cNvSpPr>
+          <p:nvPr>
+            <p:ph sz="quarter" idx="2"/>
+          </p:nvPr>
+        </p:nvSpPr>
+        <p:spPr/>
+        <p:txBody>
+          <a:bodyPr/>
+          <a:lstStyle/>
+          <a:p>
+            <a:endParaRPr lang="en-US"/>
+          </a:p>
+        </p:txBody>
+      </p:sp>
+      <p:sp>
+        <p:nvSpPr>
+          <p:cNvPr id="9" name="Content Placeholder 8"/>
+          <p:cNvSpPr>
+            <a:spLocks noGrp="1"/>
+          </p:cNvSpPr>
+          <p:nvPr>
+            <p:ph sz="quarter" idx="4"/>
+          </p:nvPr>
+        </p:nvSpPr>
+        <p:spPr/>
+        <p:txBody>
+          <a:bodyPr/>
+          <a:lstStyle/>
+          <a:p>
+            <a:endParaRPr lang="en-US"/>
+          </a:p>
+        </p:txBody>
+      </p:sp>
+      <p:sp>
+        <p:nvSpPr>
+          <p:cNvPr id="4" name="Slide Number Placeholder 3"/>
+          <p:cNvSpPr>
+            <a:spLocks noGrp="1"/>
+          </p:cNvSpPr>
+          <p:nvPr>
+            <p:ph type="sldNum" sz="quarter" idx="16"/>
+          </p:nvPr>
+        </p:nvSpPr>
+        <p:spPr/>
+        <p:txBody>
+          <a:bodyPr>
+            <a:normAutofit fontScale="85000" lnSpcReduction="20000"/>
+          </a:bodyPr>
+          <a:lstStyle/>
+          <a:p>
+            <a:fld id="{9C1F5A0A-F6FC-4FFD-9B49-0DA8697211D9}" type="slidenum">
+              <a:rPr lang="en-US" smtClean="0"/>
+              <a:t>18</a:t>
+            </a:fld>
+            <a:endParaRPr lang="en-US"/>
+          </a:p>
+        </p:txBody>
+      </p:sp>
+      <p:sp>
+        <p:nvSpPr>
+          <p:cNvPr id="3" name="Footer Placeholder 2"/>
+          <p:cNvSpPr>
+            <a:spLocks noGrp="1"/>
+          </p:cNvSpPr>
+          <p:nvPr>
+            <p:ph type="ftr" sz="quarter" idx="17"/>
+          </p:nvPr>
+        </p:nvSpPr>
+        <p:spPr/>
+        <p:txBody>
+          <a:bodyPr/>
+          <a:lstStyle/>
+          <a:p>
+            <a:endParaRPr lang="en-US"/>
+          </a:p>
+        </p:txBody>
+      </p:sp>
+      <p:sp>
+        <p:nvSpPr>
+          <p:cNvPr id="6" name="Text Placeholder 5"/>
+          <p:cNvSpPr>
+            <a:spLocks noGrp="1"/>
+          </p:cNvSpPr>
+          <p:nvPr>
+            <p:ph type="body" sz="quarter" idx="1"/>
+          </p:nvPr>
+        </p:nvSpPr>
+        <p:spPr/>
+        <p:txBody>
+          <a:bodyPr/>
+          <a:lstStyle/>
+          <a:p>
+            <a:r>
+              <a:rPr lang="en-US" dirty="0" smtClean="0"/>
+              <a:t>Optimal layout</a:t>
+            </a:r>
+            <a:endParaRPr lang="en-US" dirty="0"/>
+          </a:p>
+        </p:txBody>
+      </p:sp>
+      <p:sp>
+        <p:nvSpPr>
+          <p:cNvPr id="8" name="Text Placeholder 7"/>
+          <p:cNvSpPr>
+            <a:spLocks noGrp="1"/>
+          </p:cNvSpPr>
+          <p:nvPr>
+            <p:ph type="body" sz="quarter" idx="3"/>
+          </p:nvPr>
+        </p:nvSpPr>
+        <p:spPr/>
+        <p:txBody>
+          <a:bodyPr/>
+          <a:lstStyle/>
+          <a:p>
+            <a:r>
+              <a:rPr lang="en-US" dirty="0" smtClean="0"/>
+              <a:t>Current layout</a:t>
+            </a:r>
+            <a:endParaRPr lang="en-US" dirty="0"/>
+          </a:p>
+        </p:txBody>
+      </p:sp>
+    </p:spTree>
+    <p:extLst>
+      <p:ext uri="{BB962C8B-B14F-4D97-AF65-F5344CB8AC3E}">
+        <p14:creationId xmlns:p14="http://schemas.microsoft.com/office/powerpoint/2010/main" val="1653297871"/>
+      </p:ext>
+    </p:extLst>
+  </p:cSld>
+  <p:clrMapOvr>
+    <a:masterClrMapping/>
+  </p:clrMapOvr>
+</p:sld>
+</file>
+
+<file path=ppt/slides/slide19.xml><?xml version="1.0" encoding="utf-8"?>
+<p:sld xmlns:a="http://schemas.openxmlformats.org/drawingml/2006/main" xmlns:r="http://schemas.openxmlformats.org/officeDocument/2006/relationships" xmlns:p="http://schemas.openxmlformats.org/presentationml/2006/main">
+  <p:cSld>
+    <p:spTree>
+      <p:nvGrpSpPr>
+        <p:cNvPr id="1" name=""/>
+        <p:cNvGrpSpPr/>
+        <p:nvPr/>
+      </p:nvGrpSpPr>
+      <p:grpSpPr>
+        <a:xfrm>
+          <a:off x="0" y="0"/>
+          <a:ext cx="0" cy="0"/>
+          <a:chOff x="0" y="0"/>
+          <a:chExt cx="0" cy="0"/>
+        </a:xfrm>
+      </p:grpSpPr>
+      <p:sp>
+        <p:nvSpPr>
+          <p:cNvPr id="2" name="Title 1"/>
+          <p:cNvSpPr>
+            <a:spLocks noGrp="1"/>
+          </p:cNvSpPr>
+          <p:nvPr>
+            <p:ph type="title"/>
+          </p:nvPr>
+        </p:nvSpPr>
+        <p:spPr/>
+        <p:txBody>
           <a:bodyPr>
             <a:normAutofit fontScale="90000"/>
           </a:bodyPr>
@@ -11649,7 +13370,7 @@
           <a:p>
             <a:fld id="{9C1F5A0A-F6FC-4FFD-9B49-0DA8697211D9}" type="slidenum">
               <a:rPr lang="en-US" smtClean="0"/>
-              <a:t>17</a:t>
+              <a:t>19</a:t>
             </a:fld>
             <a:endParaRPr lang="en-US"/>
           </a:p>
@@ -11678,7 +13399,11 @@
           <a:p>
             <a:r>
               <a:rPr lang="en-US" dirty="0" smtClean="0"/>
-              <a:t>Parallel, no accelerator</a:t>
+              <a:t>Native, similar to Shared </a:t>
+            </a:r>
+            <a:r>
+              <a:rPr lang="en-US" dirty="0" err="1" smtClean="0"/>
+              <a:t>Mem</a:t>
             </a:r>
             <a:endParaRPr lang="en-US" dirty="0"/>
           </a:p>
@@ -11705,7 +13430,7 @@
           <a:p>
             <a:r>
               <a:rPr lang="en-US" dirty="0" smtClean="0"/>
-              <a:t>Parallel with MIC</a:t>
+              <a:t>Offload, similar to GPU</a:t>
             </a:r>
             <a:endParaRPr lang="en-US" dirty="0"/>
           </a:p>
@@ -11741,6 +13466,36 @@
           </a:xfrm>
         </p:spPr>
       </p:pic>
+      <p:pic>
+        <p:nvPicPr>
+          <p:cNvPr id="3" name="Picture 2" descr="mic_offload.png"/>
+          <p:cNvPicPr>
+            <a:picLocks noChangeAspect="1"/>
+          </p:cNvPicPr>
+          <p:nvPr/>
+        </p:nvPicPr>
+        <p:blipFill>
+          <a:blip r:embed="rId4">
+            <a:extLst>
+              <a:ext uri="{28A0092B-C50C-407E-A947-70E740481C1C}">
+                <a14:useLocalDpi xmlns:a14="http://schemas.microsoft.com/office/drawing/2010/main" val="0"/>
+              </a:ext>
+            </a:extLst>
+          </a:blip>
+          <a:stretch>
+            <a:fillRect/>
+          </a:stretch>
+        </p:blipFill>
+        <p:spPr>
+          <a:xfrm>
+            <a:off x="5882874" y="2392681"/>
+            <a:ext cx="1349980" cy="4465320"/>
+          </a:xfrm>
+          <a:prstGeom prst="rect">
+            <a:avLst/>
+          </a:prstGeom>
+        </p:spPr>
+      </p:pic>
     </p:spTree>
     <p:extLst>
       <p:ext uri="{BB962C8B-B14F-4D97-AF65-F5344CB8AC3E}">
@@ -11761,7 +13516,189 @@
 </p:sld>
 </file>
 
-<file path=ppt/slides/slide18.xml><?xml version="1.0" encoding="utf-8"?>
+<file path=ppt/slides/slide2.xml><?xml version="1.0" encoding="utf-8"?>
+<p:sld xmlns:a="http://schemas.openxmlformats.org/drawingml/2006/main" xmlns:r="http://schemas.openxmlformats.org/officeDocument/2006/relationships" xmlns:p="http://schemas.openxmlformats.org/presentationml/2006/main">
+  <p:cSld>
+    <p:spTree>
+      <p:nvGrpSpPr>
+        <p:cNvPr id="1" name=""/>
+        <p:cNvGrpSpPr/>
+        <p:nvPr/>
+      </p:nvGrpSpPr>
+      <p:grpSpPr>
+        <a:xfrm>
+          <a:off x="0" y="0"/>
+          <a:ext cx="0" cy="0"/>
+          <a:chOff x="0" y="0"/>
+          <a:chExt cx="0" cy="0"/>
+        </a:xfrm>
+      </p:grpSpPr>
+      <p:sp>
+        <p:nvSpPr>
+          <p:cNvPr id="2" name="Title 1"/>
+          <p:cNvSpPr>
+            <a:spLocks noGrp="1"/>
+          </p:cNvSpPr>
+          <p:nvPr>
+            <p:ph type="title"/>
+          </p:nvPr>
+        </p:nvSpPr>
+        <p:spPr/>
+        <p:txBody>
+          <a:bodyPr/>
+          <a:lstStyle/>
+          <a:p>
+            <a:r>
+              <a:rPr lang="en-US" dirty="0" smtClean="0">
+                <a:solidFill>
+                  <a:srgbClr val="1F497D"/>
+                </a:solidFill>
+              </a:rPr>
+              <a:t>Index</a:t>
+            </a:r>
+            <a:endParaRPr lang="en-US" dirty="0">
+              <a:solidFill>
+                <a:srgbClr val="1F497D"/>
+              </a:solidFill>
+            </a:endParaRPr>
+          </a:p>
+        </p:txBody>
+      </p:sp>
+      <p:sp>
+        <p:nvSpPr>
+          <p:cNvPr id="4" name="Footer Placeholder 3"/>
+          <p:cNvSpPr>
+            <a:spLocks noGrp="1"/>
+          </p:cNvSpPr>
+          <p:nvPr>
+            <p:ph type="ftr" sz="quarter" idx="11"/>
+          </p:nvPr>
+        </p:nvSpPr>
+        <p:spPr/>
+        <p:txBody>
+          <a:bodyPr/>
+          <a:lstStyle/>
+          <a:p>
+            <a:endParaRPr lang="en-US"/>
+          </a:p>
+        </p:txBody>
+      </p:sp>
+      <p:sp>
+        <p:nvSpPr>
+          <p:cNvPr id="5" name="Slide Number Placeholder 4"/>
+          <p:cNvSpPr>
+            <a:spLocks noGrp="1"/>
+          </p:cNvSpPr>
+          <p:nvPr>
+            <p:ph type="sldNum" sz="quarter" idx="12"/>
+          </p:nvPr>
+        </p:nvSpPr>
+        <p:spPr/>
+        <p:txBody>
+          <a:bodyPr>
+            <a:normAutofit fontScale="85000" lnSpcReduction="20000"/>
+          </a:bodyPr>
+          <a:lstStyle/>
+          <a:p>
+            <a:fld id="{9C1F5A0A-F6FC-4FFD-9B49-0DA8697211D9}" type="slidenum">
+              <a:rPr lang="en-US" smtClean="0"/>
+              <a:t>2</a:t>
+            </a:fld>
+            <a:endParaRPr lang="en-US"/>
+          </a:p>
+        </p:txBody>
+      </p:sp>
+      <p:sp>
+        <p:nvSpPr>
+          <p:cNvPr id="3" name="Content Placeholder 2"/>
+          <p:cNvSpPr>
+            <a:spLocks noGrp="1"/>
+          </p:cNvSpPr>
+          <p:nvPr>
+            <p:ph sz="quarter" idx="1"/>
+          </p:nvPr>
+        </p:nvSpPr>
+        <p:spPr/>
+        <p:txBody>
+          <a:bodyPr/>
+          <a:lstStyle/>
+          <a:p>
+            <a:r>
+              <a:rPr lang="en-US" dirty="0"/>
+              <a:t>Motivation</a:t>
+            </a:r>
+          </a:p>
+          <a:p>
+            <a:r>
+              <a:rPr lang="en-US" dirty="0"/>
+              <a:t>The </a:t>
+            </a:r>
+            <a:r>
+              <a:rPr lang="en-US" sz="2000" dirty="0" err="1">
+                <a:latin typeface="Lucida Console"/>
+                <a:cs typeface="Lucida Console"/>
+              </a:rPr>
+              <a:t>ttH_dilep</a:t>
+            </a:r>
+            <a:r>
+              <a:rPr lang="en-US" dirty="0"/>
+              <a:t> Analysis </a:t>
+            </a:r>
+            <a:r>
+              <a:rPr lang="en-US" dirty="0" smtClean="0"/>
+              <a:t>Application</a:t>
+            </a:r>
+          </a:p>
+          <a:p>
+            <a:r>
+              <a:rPr lang="en-US" dirty="0" smtClean="0"/>
+              <a:t>State of the Art</a:t>
+            </a:r>
+          </a:p>
+          <a:p>
+            <a:pPr lvl="1"/>
+            <a:r>
+              <a:rPr lang="en-US" dirty="0" smtClean="0"/>
+              <a:t>Heterogeneous Platforms</a:t>
+            </a:r>
+          </a:p>
+          <a:p>
+            <a:pPr lvl="1"/>
+            <a:r>
+              <a:rPr lang="en-US" dirty="0" smtClean="0"/>
+              <a:t>Development Frameworks</a:t>
+            </a:r>
+          </a:p>
+          <a:p>
+            <a:r>
+              <a:rPr lang="en-US" dirty="0" smtClean="0"/>
+              <a:t>Proposed Work</a:t>
+            </a:r>
+            <a:endParaRPr lang="en-US" dirty="0"/>
+          </a:p>
+        </p:txBody>
+      </p:sp>
+    </p:spTree>
+    <p:extLst>
+      <p:ext uri="{BB962C8B-B14F-4D97-AF65-F5344CB8AC3E}">
+        <p14:creationId xmlns:p14="http://schemas.microsoft.com/office/powerpoint/2010/main" val="1359746690"/>
+      </p:ext>
+    </p:extLst>
+  </p:cSld>
+  <p:clrMapOvr>
+    <a:masterClrMapping/>
+  </p:clrMapOvr>
+  <p:timing>
+    <p:tnLst>
+      <p:par>
+        <p:cTn xmlns:p14="http://schemas.microsoft.com/office/powerpoint/2010/main" id="1" dur="indefinite" restart="never" nodeType="tmRoot"/>
+      </p:par>
+    </p:tnLst>
+  </p:timing>
+</p:sld>
+</file>
+
+<file path=ppt/slides/slide20.xml><?xml version="1.0" encoding="utf-8"?>
 <p:sld xmlns:a="http://schemas.openxmlformats.org/drawingml/2006/main" xmlns:r="http://schemas.openxmlformats.org/officeDocument/2006/relationships" xmlns:p="http://schemas.openxmlformats.org/presentationml/2006/main">
   <p:cSld>
     <p:spTree>
@@ -11795,9 +13732,33 @@
           </a:bodyPr>
           <a:lstStyle/>
           <a:p>
+            <a:pPr>
+              <a:lnSpc>
+                <a:spcPts val="4000"/>
+              </a:lnSpc>
+            </a:pPr>
             <a:r>
               <a:rPr lang="en-US" dirty="0" smtClean="0"/>
-              <a:t>Alternative 2: a global state per event</a:t>
+              <a:t>Alternative 1c: parallelize </a:t>
+            </a:r>
+            <a:r>
+              <a:rPr lang="en-US" dirty="0" err="1" smtClean="0"/>
+              <a:t>KinFit</a:t>
+            </a:r>
+            <a:r>
+              <a:rPr lang="en-US" dirty="0" smtClean="0"/>
+              <a:t>, </a:t>
+            </a:r>
+            <a:br>
+              <a:rPr lang="en-US" dirty="0" smtClean="0"/>
+            </a:br>
+            <a:r>
+              <a:rPr lang="en-US" dirty="0" smtClean="0"/>
+              <a:t>  </a:t>
+            </a:r>
+            <a:r>
+              <a:rPr lang="en-US" sz="4000" dirty="0" smtClean="0"/>
+              <a:t>  	 shared memory, with MIC accelerator </a:t>
             </a:r>
             <a:endParaRPr lang="en-US" dirty="0"/>
           </a:p>
@@ -11822,7 +13783,266 @@
           <a:p>
             <a:fld id="{9C1F5A0A-F6FC-4FFD-9B49-0DA8697211D9}" type="slidenum">
               <a:rPr lang="en-US" smtClean="0"/>
-              <a:t>18</a:t>
+              <a:t>20</a:t>
+            </a:fld>
+            <a:endParaRPr lang="en-US"/>
+          </a:p>
+        </p:txBody>
+      </p:sp>
+      <p:sp>
+        <p:nvSpPr>
+          <p:cNvPr id="7" name="Text Placeholder 6"/>
+          <p:cNvSpPr>
+            <a:spLocks noGrp="1"/>
+          </p:cNvSpPr>
+          <p:nvPr>
+            <p:ph type="body" sz="quarter" idx="1"/>
+          </p:nvPr>
+        </p:nvSpPr>
+        <p:spPr>
+          <a:solidFill>
+            <a:schemeClr val="accent1">
+              <a:lumMod val="75000"/>
+            </a:schemeClr>
+          </a:solidFill>
+        </p:spPr>
+        <p:txBody>
+          <a:bodyPr/>
+          <a:lstStyle/>
+          <a:p>
+            <a:r>
+              <a:rPr lang="en-US" dirty="0" smtClean="0"/>
+              <a:t>Native, similar to Shared </a:t>
+            </a:r>
+            <a:r>
+              <a:rPr lang="en-US" dirty="0" err="1" smtClean="0"/>
+              <a:t>Mem</a:t>
+            </a:r>
+            <a:endParaRPr lang="en-US" dirty="0"/>
+          </a:p>
+        </p:txBody>
+      </p:sp>
+      <p:sp>
+        <p:nvSpPr>
+          <p:cNvPr id="8" name="Text Placeholder 7"/>
+          <p:cNvSpPr>
+            <a:spLocks noGrp="1"/>
+          </p:cNvSpPr>
+          <p:nvPr>
+            <p:ph type="body" sz="quarter" idx="3"/>
+          </p:nvPr>
+        </p:nvSpPr>
+        <p:spPr>
+          <a:solidFill>
+            <a:srgbClr val="376092"/>
+          </a:solidFill>
+        </p:spPr>
+        <p:txBody>
+          <a:bodyPr/>
+          <a:lstStyle/>
+          <a:p>
+            <a:r>
+              <a:rPr lang="en-US" dirty="0" smtClean="0"/>
+              <a:t>Offload, similar to GPU</a:t>
+            </a:r>
+            <a:endParaRPr lang="en-US" dirty="0"/>
+          </a:p>
+        </p:txBody>
+      </p:sp>
+      <p:pic>
+        <p:nvPicPr>
+          <p:cNvPr id="11" name="Content Placeholder 10" descr="parallel_kinfit.png"/>
+          <p:cNvPicPr>
+            <a:picLocks noGrp="1" noChangeAspect="1"/>
+          </p:cNvPicPr>
+          <p:nvPr>
+            <p:ph sz="quarter" idx="4"/>
+          </p:nvPr>
+        </p:nvPicPr>
+        <p:blipFill>
+          <a:blip r:embed="rId3">
+            <a:extLst>
+              <a:ext uri="{28A0092B-C50C-407E-A947-70E740481C1C}">
+                <a14:useLocalDpi xmlns:a14="http://schemas.microsoft.com/office/drawing/2010/main" val="0"/>
+              </a:ext>
+            </a:extLst>
+          </a:blip>
+          <a:srcRect l="-105443" r="-105443"/>
+          <a:stretch>
+            <a:fillRect/>
+          </a:stretch>
+        </p:blipFill>
+        <p:spPr>
+          <a:xfrm>
+            <a:off x="4864" y="2438400"/>
+            <a:ext cx="4795736" cy="4419600"/>
+          </a:xfrm>
+        </p:spPr>
+      </p:pic>
+      <p:pic>
+        <p:nvPicPr>
+          <p:cNvPr id="3" name="Picture 2" descr="mic_offload.png"/>
+          <p:cNvPicPr>
+            <a:picLocks noChangeAspect="1"/>
+          </p:cNvPicPr>
+          <p:nvPr/>
+        </p:nvPicPr>
+        <p:blipFill>
+          <a:blip r:embed="rId4">
+            <a:extLst>
+              <a:ext uri="{28A0092B-C50C-407E-A947-70E740481C1C}">
+                <a14:useLocalDpi xmlns:a14="http://schemas.microsoft.com/office/drawing/2010/main" val="0"/>
+              </a:ext>
+            </a:extLst>
+          </a:blip>
+          <a:stretch>
+            <a:fillRect/>
+          </a:stretch>
+        </p:blipFill>
+        <p:spPr>
+          <a:xfrm>
+            <a:off x="5882874" y="2392681"/>
+            <a:ext cx="1349980" cy="4465320"/>
+          </a:xfrm>
+          <a:prstGeom prst="rect">
+            <a:avLst/>
+          </a:prstGeom>
+        </p:spPr>
+      </p:pic>
+      <p:sp>
+        <p:nvSpPr>
+          <p:cNvPr id="9" name="&quot;No&quot; Symbol 8"/>
+          <p:cNvSpPr/>
+          <p:nvPr/>
+        </p:nvSpPr>
+        <p:spPr>
+          <a:xfrm>
+            <a:off x="1248615" y="3192152"/>
+            <a:ext cx="2119288" cy="2151651"/>
+          </a:xfrm>
+          <a:prstGeom prst="noSmoking">
+            <a:avLst/>
+          </a:prstGeom>
+          <a:solidFill>
+            <a:srgbClr val="FF0000"/>
+          </a:solidFill>
+          <a:ln>
+            <a:solidFill>
+              <a:schemeClr val="accent2">
+                <a:lumMod val="75000"/>
+              </a:schemeClr>
+            </a:solidFill>
+          </a:ln>
+        </p:spPr>
+        <p:style>
+          <a:lnRef idx="1">
+            <a:schemeClr val="accent1"/>
+          </a:lnRef>
+          <a:fillRef idx="3">
+            <a:schemeClr val="accent1"/>
+          </a:fillRef>
+          <a:effectRef idx="2">
+            <a:schemeClr val="accent1"/>
+          </a:effectRef>
+          <a:fontRef idx="minor">
+            <a:schemeClr val="lt1"/>
+          </a:fontRef>
+        </p:style>
+        <p:txBody>
+          <a:bodyPr rtlCol="0" anchor="ctr"/>
+          <a:lstStyle/>
+          <a:p>
+            <a:pPr algn="ctr"/>
+            <a:endParaRPr lang="en-US">
+              <a:solidFill>
+                <a:schemeClr val="tx1"/>
+              </a:solidFill>
+            </a:endParaRPr>
+          </a:p>
+        </p:txBody>
+      </p:sp>
+    </p:spTree>
+    <p:extLst>
+      <p:ext uri="{BB962C8B-B14F-4D97-AF65-F5344CB8AC3E}">
+        <p14:creationId xmlns:p14="http://schemas.microsoft.com/office/powerpoint/2010/main" val="2436041874"/>
+      </p:ext>
+    </p:extLst>
+  </p:cSld>
+  <p:clrMapOvr>
+    <a:masterClrMapping/>
+  </p:clrMapOvr>
+  <p:timing>
+    <p:tnLst>
+      <p:par>
+        <p:cTn xmlns:p14="http://schemas.microsoft.com/office/powerpoint/2010/main" id="1" dur="indefinite" restart="never" nodeType="tmRoot"/>
+      </p:par>
+    </p:tnLst>
+  </p:timing>
+</p:sld>
+</file>
+
+<file path=ppt/slides/slide21.xml><?xml version="1.0" encoding="utf-8"?>
+<p:sld xmlns:a="http://schemas.openxmlformats.org/drawingml/2006/main" xmlns:r="http://schemas.openxmlformats.org/officeDocument/2006/relationships" xmlns:p="http://schemas.openxmlformats.org/presentationml/2006/main">
+  <p:cSld>
+    <p:spTree>
+      <p:nvGrpSpPr>
+        <p:cNvPr id="1" name=""/>
+        <p:cNvGrpSpPr/>
+        <p:nvPr/>
+      </p:nvGrpSpPr>
+      <p:grpSpPr>
+        <a:xfrm>
+          <a:off x="0" y="0"/>
+          <a:ext cx="0" cy="0"/>
+          <a:chOff x="0" y="0"/>
+          <a:chExt cx="0" cy="0"/>
+        </a:xfrm>
+      </p:grpSpPr>
+      <p:sp>
+        <p:nvSpPr>
+          <p:cNvPr id="2" name="Title 1"/>
+          <p:cNvSpPr>
+            <a:spLocks noGrp="1"/>
+          </p:cNvSpPr>
+          <p:nvPr>
+            <p:ph type="title"/>
+          </p:nvPr>
+        </p:nvSpPr>
+        <p:spPr/>
+        <p:txBody>
+          <a:bodyPr>
+            <a:normAutofit fontScale="90000"/>
+          </a:bodyPr>
+          <a:lstStyle/>
+          <a:p>
+            <a:r>
+              <a:rPr lang="en-US" dirty="0" smtClean="0"/>
+              <a:t>Alternative 2: a global state per event</a:t>
+            </a:r>
+            <a:endParaRPr lang="en-US" dirty="0"/>
+          </a:p>
+        </p:txBody>
+      </p:sp>
+      <p:sp>
+        <p:nvSpPr>
+          <p:cNvPr id="5" name="Slide Number Placeholder 4"/>
+          <p:cNvSpPr>
+            <a:spLocks noGrp="1"/>
+          </p:cNvSpPr>
+          <p:nvPr>
+            <p:ph type="sldNum" sz="quarter" idx="16"/>
+          </p:nvPr>
+        </p:nvSpPr>
+        <p:spPr/>
+        <p:txBody>
+          <a:bodyPr>
+            <a:normAutofit fontScale="85000" lnSpcReduction="20000"/>
+          </a:bodyPr>
+          <a:lstStyle/>
+          <a:p>
+            <a:fld id="{9C1F5A0A-F6FC-4FFD-9B49-0DA8697211D9}" type="slidenum">
+              <a:rPr lang="en-US" smtClean="0"/>
+              <a:t>21</a:t>
             </a:fld>
             <a:endParaRPr lang="en-US"/>
           </a:p>
@@ -11855,15 +14075,7 @@
                   <a:schemeClr val="tx1"/>
                 </a:solidFill>
               </a:rPr>
-              <a:t>Work </a:t>
-            </a:r>
-            <a:r>
-              <a:rPr lang="en-US" sz="1800" dirty="0" smtClean="0">
-                <a:solidFill>
-                  <a:schemeClr val="tx1"/>
-                </a:solidFill>
-              </a:rPr>
-              <a:t>under way by Rafael...</a:t>
+              <a:t>Work under way by Rafael...</a:t>
             </a:r>
             <a:endParaRPr lang="en-US" sz="1800" dirty="0">
               <a:solidFill>
@@ -11999,7 +14211,7 @@
 </p:sld>
 </file>
 
-<file path=ppt/slides/slide19.xml><?xml version="1.0" encoding="utf-8"?>
+<file path=ppt/slides/slide22.xml><?xml version="1.0" encoding="utf-8"?>
 <p:sld xmlns:a="http://schemas.openxmlformats.org/drawingml/2006/main" xmlns:r="http://schemas.openxmlformats.org/officeDocument/2006/relationships" xmlns:p="http://schemas.openxmlformats.org/presentationml/2006/main">
   <p:cSld>
     <p:spTree>
@@ -12060,27 +14272,8 @@
           <a:p>
             <a:fld id="{9C1F5A0A-F6FC-4FFD-9B49-0DA8697211D9}" type="slidenum">
               <a:rPr lang="en-US" smtClean="0"/>
-              <a:t>19</a:t>
+              <a:t>22</a:t>
             </a:fld>
-            <a:endParaRPr lang="en-US"/>
-          </a:p>
-        </p:txBody>
-      </p:sp>
-      <p:sp>
-        <p:nvSpPr>
-          <p:cNvPr id="6" name="Footer Placeholder 5"/>
-          <p:cNvSpPr>
-            <a:spLocks noGrp="1"/>
-          </p:cNvSpPr>
-          <p:nvPr>
-            <p:ph type="ftr" sz="quarter" idx="17"/>
-          </p:nvPr>
-        </p:nvSpPr>
-        <p:spPr/>
-        <p:txBody>
-          <a:bodyPr/>
-          <a:lstStyle/>
-          <a:p>
             <a:endParaRPr lang="en-US"/>
           </a:p>
         </p:txBody>
@@ -12211,7 +14404,7 @@
 </p:sld>
 </file>
 
-<file path=ppt/slides/slide2.xml><?xml version="1.0" encoding="utf-8"?>
+<file path=ppt/slides/slide23.xml><?xml version="1.0" encoding="utf-8"?>
 <p:sld xmlns:a="http://schemas.openxmlformats.org/drawingml/2006/main" xmlns:r="http://schemas.openxmlformats.org/officeDocument/2006/relationships" xmlns:p="http://schemas.openxmlformats.org/presentationml/2006/main">
   <p:cSld>
     <p:spTree>
@@ -12244,24 +14437,16 @@
           <a:lstStyle/>
           <a:p>
             <a:r>
-              <a:rPr lang="en-US" dirty="0" smtClean="0">
-                <a:solidFill>
-                  <a:srgbClr val="1F497D"/>
-                </a:solidFill>
-              </a:rPr>
-              <a:t>Index</a:t>
-            </a:r>
-            <a:endParaRPr lang="en-US" dirty="0">
-              <a:solidFill>
-                <a:srgbClr val="1F497D"/>
-              </a:solidFill>
-            </a:endParaRPr>
+              <a:rPr lang="en-US" dirty="0" smtClean="0"/>
+              <a:t>Some results</a:t>
+            </a:r>
+            <a:endParaRPr lang="en-US" dirty="0"/>
           </a:p>
         </p:txBody>
       </p:sp>
       <p:sp>
         <p:nvSpPr>
-          <p:cNvPr id="4" name="Footer Placeholder 3"/>
+          <p:cNvPr id="3" name="Footer Placeholder 2"/>
           <p:cNvSpPr>
             <a:spLocks noGrp="1"/>
           </p:cNvSpPr>
@@ -12269,18 +14454,31 @@
             <p:ph type="ftr" sz="quarter" idx="11"/>
           </p:nvPr>
         </p:nvSpPr>
-        <p:spPr/>
+        <p:spPr>
+          <a:xfrm>
+            <a:off x="609600" y="6430768"/>
+            <a:ext cx="5421083" cy="365125"/>
+          </a:xfrm>
+        </p:spPr>
         <p:txBody>
           <a:bodyPr/>
           <a:lstStyle/>
           <a:p>
-            <a:endParaRPr lang="en-US"/>
+            <a:r>
+              <a:rPr lang="en-US" dirty="0"/>
+              <a:t>System with dual Intel Xeon 8-core with 2x SMT (total: 32 virtual cores</a:t>
+            </a:r>
+            <a:r>
+              <a:rPr lang="en-US" dirty="0" smtClean="0"/>
+              <a:t>)</a:t>
+            </a:r>
+            <a:endParaRPr lang="en-US" dirty="0"/>
           </a:p>
         </p:txBody>
       </p:sp>
       <p:sp>
         <p:nvSpPr>
-          <p:cNvPr id="5" name="Slide Number Placeholder 4"/>
+          <p:cNvPr id="4" name="Slide Number Placeholder 3"/>
           <p:cNvSpPr>
             <a:spLocks noGrp="1"/>
           </p:cNvSpPr>
@@ -12297,20 +14495,75 @@
           <a:p>
             <a:fld id="{9C1F5A0A-F6FC-4FFD-9B49-0DA8697211D9}" type="slidenum">
               <a:rPr lang="en-US" smtClean="0"/>
-              <a:t>2</a:t>
+              <a:t>23</a:t>
             </a:fld>
             <a:endParaRPr lang="en-US"/>
           </a:p>
         </p:txBody>
       </p:sp>
+      <p:graphicFrame>
+        <p:nvGraphicFramePr>
+          <p:cNvPr id="7" name="Content Placeholder 6"/>
+          <p:cNvGraphicFramePr>
+            <a:graphicFrameLocks noGrp="1"/>
+          </p:cNvGraphicFramePr>
+          <p:nvPr>
+            <p:ph sz="quarter" idx="1"/>
+            <p:extLst>
+              <p:ext uri="{D42A27DB-BD31-4B8C-83A1-F6EECF244321}">
+                <p14:modId xmlns:p14="http://schemas.microsoft.com/office/powerpoint/2010/main" val="1206164334"/>
+              </p:ext>
+            </p:extLst>
+          </p:nvPr>
+        </p:nvGraphicFramePr>
+        <p:xfrm>
+          <a:off x="612775" y="1600200"/>
+          <a:ext cx="8153400" cy="4495800"/>
+        </p:xfrm>
+        <a:graphic>
+          <a:graphicData uri="http://schemas.openxmlformats.org/drawingml/2006/chart">
+            <c:chart xmlns:c="http://schemas.openxmlformats.org/drawingml/2006/chart" xmlns:r="http://schemas.openxmlformats.org/officeDocument/2006/relationships" r:id="rId2"/>
+          </a:graphicData>
+        </a:graphic>
+      </p:graphicFrame>
+    </p:spTree>
+    <p:extLst>
+      <p:ext uri="{BB962C8B-B14F-4D97-AF65-F5344CB8AC3E}">
+        <p14:creationId xmlns:p14="http://schemas.microsoft.com/office/powerpoint/2010/main" val="885070536"/>
+      </p:ext>
+    </p:extLst>
+  </p:cSld>
+  <p:clrMapOvr>
+    <a:masterClrMapping/>
+  </p:clrMapOvr>
+</p:sld>
+</file>
+
+<file path=ppt/slides/slide24.xml><?xml version="1.0" encoding="utf-8"?>
+<p:sld xmlns:a="http://schemas.openxmlformats.org/drawingml/2006/main" xmlns:r="http://schemas.openxmlformats.org/officeDocument/2006/relationships" xmlns:p="http://schemas.openxmlformats.org/presentationml/2006/main">
+  <p:cSld>
+    <p:spTree>
+      <p:nvGrpSpPr>
+        <p:cNvPr id="1" name=""/>
+        <p:cNvGrpSpPr/>
+        <p:nvPr/>
+      </p:nvGrpSpPr>
+      <p:grpSpPr>
+        <a:xfrm>
+          <a:off x="0" y="0"/>
+          <a:ext cx="0" cy="0"/>
+          <a:chOff x="0" y="0"/>
+          <a:chExt cx="0" cy="0"/>
+        </a:xfrm>
+      </p:grpSpPr>
       <p:sp>
         <p:nvSpPr>
-          <p:cNvPr id="3" name="Content Placeholder 2"/>
+          <p:cNvPr id="2" name="Title 1"/>
           <p:cNvSpPr>
             <a:spLocks noGrp="1"/>
           </p:cNvSpPr>
           <p:nvPr>
-            <p:ph sz="quarter" idx="1"/>
+            <p:ph type="title"/>
           </p:nvPr>
         </p:nvSpPr>
         <p:spPr/>
@@ -12319,81 +14572,104 @@
           <a:lstStyle/>
           <a:p>
             <a:r>
-              <a:rPr lang="en-US" dirty="0"/>
-              <a:t>Motivation</a:t>
-            </a:r>
-          </a:p>
-          <a:p>
-            <a:r>
-              <a:rPr lang="en-US" dirty="0"/>
-              <a:t>The </a:t>
-            </a:r>
-            <a:r>
-              <a:rPr lang="en-US" sz="2000" dirty="0" err="1">
-                <a:latin typeface="Lucida Console"/>
-                <a:cs typeface="Lucida Console"/>
-              </a:rPr>
-              <a:t>ttH_dilep</a:t>
-            </a:r>
-            <a:r>
-              <a:rPr lang="en-US" dirty="0"/>
-              <a:t> Analysis </a:t>
-            </a:r>
-            <a:r>
               <a:rPr lang="en-US" dirty="0" smtClean="0"/>
-              <a:t>Application</a:t>
-            </a:r>
-          </a:p>
-          <a:p>
-            <a:r>
-              <a:rPr lang="en-US" dirty="0" smtClean="0"/>
-              <a:t>State of the Art</a:t>
-            </a:r>
-          </a:p>
-          <a:p>
-            <a:pPr lvl="1"/>
-            <a:r>
-              <a:rPr lang="en-US" dirty="0" smtClean="0"/>
-              <a:t>Heterogeneous Platforms</a:t>
-            </a:r>
-          </a:p>
-          <a:p>
-            <a:pPr lvl="1"/>
-            <a:r>
-              <a:rPr lang="en-US" dirty="0" smtClean="0"/>
-              <a:t>Development Frameworks</a:t>
-            </a:r>
-          </a:p>
-          <a:p>
-            <a:r>
-              <a:rPr lang="en-US" dirty="0" smtClean="0"/>
-              <a:t>Proposed Work</a:t>
+              <a:t>Some results</a:t>
             </a:r>
             <a:endParaRPr lang="en-US" dirty="0"/>
           </a:p>
         </p:txBody>
       </p:sp>
+      <p:sp>
+        <p:nvSpPr>
+          <p:cNvPr id="3" name="Footer Placeholder 2"/>
+          <p:cNvSpPr>
+            <a:spLocks noGrp="1"/>
+          </p:cNvSpPr>
+          <p:nvPr>
+            <p:ph type="ftr" sz="quarter" idx="11"/>
+          </p:nvPr>
+        </p:nvSpPr>
+        <p:spPr/>
+        <p:txBody>
+          <a:bodyPr/>
+          <a:lstStyle/>
+          <a:p>
+            <a:r>
+              <a:rPr lang="en-US" dirty="0"/>
+              <a:t>System with dual Intel Xeon 8-core with 2x SMT (total: 32 virtual cores</a:t>
+            </a:r>
+            <a:r>
+              <a:rPr lang="en-US" dirty="0" smtClean="0"/>
+              <a:t>)</a:t>
+            </a:r>
+            <a:endParaRPr lang="en-US" dirty="0"/>
+          </a:p>
+        </p:txBody>
+      </p:sp>
+      <p:sp>
+        <p:nvSpPr>
+          <p:cNvPr id="4" name="Slide Number Placeholder 3"/>
+          <p:cNvSpPr>
+            <a:spLocks noGrp="1"/>
+          </p:cNvSpPr>
+          <p:nvPr>
+            <p:ph type="sldNum" sz="quarter" idx="12"/>
+          </p:nvPr>
+        </p:nvSpPr>
+        <p:spPr/>
+        <p:txBody>
+          <a:bodyPr>
+            <a:normAutofit fontScale="85000" lnSpcReduction="20000"/>
+          </a:bodyPr>
+          <a:lstStyle/>
+          <a:p>
+            <a:fld id="{9C1F5A0A-F6FC-4FFD-9B49-0DA8697211D9}" type="slidenum">
+              <a:rPr lang="en-US" smtClean="0"/>
+              <a:t>24</a:t>
+            </a:fld>
+            <a:endParaRPr lang="en-US"/>
+          </a:p>
+        </p:txBody>
+      </p:sp>
+      <p:graphicFrame>
+        <p:nvGraphicFramePr>
+          <p:cNvPr id="7" name="Content Placeholder 6"/>
+          <p:cNvGraphicFramePr>
+            <a:graphicFrameLocks noGrp="1"/>
+          </p:cNvGraphicFramePr>
+          <p:nvPr>
+            <p:ph sz="quarter" idx="1"/>
+            <p:extLst>
+              <p:ext uri="{D42A27DB-BD31-4B8C-83A1-F6EECF244321}">
+                <p14:modId xmlns:p14="http://schemas.microsoft.com/office/powerpoint/2010/main" val="3620376002"/>
+              </p:ext>
+            </p:extLst>
+          </p:nvPr>
+        </p:nvGraphicFramePr>
+        <p:xfrm>
+          <a:off x="356769" y="1600200"/>
+          <a:ext cx="8409405" cy="4495800"/>
+        </p:xfrm>
+        <a:graphic>
+          <a:graphicData uri="http://schemas.openxmlformats.org/drawingml/2006/chart">
+            <c:chart xmlns:c="http://schemas.openxmlformats.org/drawingml/2006/chart" xmlns:r="http://schemas.openxmlformats.org/officeDocument/2006/relationships" r:id="rId2"/>
+          </a:graphicData>
+        </a:graphic>
+      </p:graphicFrame>
     </p:spTree>
     <p:extLst>
       <p:ext uri="{BB962C8B-B14F-4D97-AF65-F5344CB8AC3E}">
-        <p14:creationId xmlns:p14="http://schemas.microsoft.com/office/powerpoint/2010/main" val="1359746690"/>
+        <p14:creationId xmlns:p14="http://schemas.microsoft.com/office/powerpoint/2010/main" val="857734104"/>
       </p:ext>
     </p:extLst>
   </p:cSld>
   <p:clrMapOvr>
     <a:masterClrMapping/>
   </p:clrMapOvr>
-  <p:timing>
-    <p:tnLst>
-      <p:par>
-        <p:cTn xmlns:p14="http://schemas.microsoft.com/office/powerpoint/2010/main" id="1" dur="indefinite" restart="never" nodeType="tmRoot"/>
-      </p:par>
-    </p:tnLst>
-  </p:timing>
 </p:sld>
 </file>
 
-<file path=ppt/slides/slide20.xml><?xml version="1.0" encoding="utf-8"?>
+<file path=ppt/slides/slide25.xml><?xml version="1.0" encoding="utf-8"?>
 <p:sld xmlns:a="http://schemas.openxmlformats.org/drawingml/2006/main" xmlns:r="http://schemas.openxmlformats.org/officeDocument/2006/relationships" xmlns:p="http://schemas.openxmlformats.org/presentationml/2006/main">
   <p:cSld>
     <p:spTree>
@@ -14242,11 +16518,7 @@
             </a:r>
             <a:r>
               <a:rPr lang="en-US" dirty="0" smtClean="0"/>
-              <a:t> </a:t>
-            </a:r>
-            <a:r>
-              <a:rPr lang="en-US" dirty="0" smtClean="0"/>
-              <a:t>of the original </a:t>
+              <a:t> of the original </a:t>
             </a:r>
             <a:r>
               <a:rPr lang="en-US" dirty="0" err="1" smtClean="0"/>
@@ -14254,15 +16526,7 @@
             </a:r>
             <a:r>
               <a:rPr lang="en-US" dirty="0" smtClean="0"/>
-              <a:t> </a:t>
-            </a:r>
-            <a:r>
-              <a:rPr lang="en-US" dirty="0" smtClean="0"/>
-              <a:t>with </a:t>
-            </a:r>
-            <a:r>
-              <a:rPr lang="en-US" dirty="0" smtClean="0"/>
-              <a:t>no variations</a:t>
+              <a:t> with no variations</a:t>
             </a:r>
             <a:endParaRPr lang="en-US" dirty="0"/>
           </a:p>
@@ -14476,11 +16740,7 @@
             </a:r>
             <a:r>
               <a:rPr lang="en-US" dirty="0" smtClean="0"/>
-              <a:t> </a:t>
-            </a:r>
-            <a:r>
-              <a:rPr lang="en-US" dirty="0" smtClean="0"/>
-              <a:t>of the original </a:t>
+              <a:t> of the original </a:t>
             </a:r>
             <a:r>
               <a:rPr lang="en-US" dirty="0" err="1" smtClean="0"/>
@@ -14488,11 +16748,7 @@
             </a:r>
             <a:r>
               <a:rPr lang="en-US" dirty="0" smtClean="0"/>
-              <a:t> </a:t>
-            </a:r>
-            <a:r>
-              <a:rPr lang="en-US" dirty="0" smtClean="0"/>
-              <a:t>for 256 variations per combination</a:t>
+              <a:t> for 256 variations per combination</a:t>
             </a:r>
             <a:endParaRPr lang="en-US" dirty="0"/>
           </a:p>
@@ -17317,4 +19573,835 @@
     </a:bgFillStyleLst>
   </a:fmtScheme>
 </a:themeOverride>
+</file>
+
+<file path=ppt/theme/themeOverride7.xml><?xml version="1.0" encoding="utf-8"?>
+<a:themeOverride xmlns:a="http://schemas.openxmlformats.org/drawingml/2006/main">
+  <a:clrScheme name="Office">
+    <a:dk1>
+      <a:sysClr val="windowText" lastClr="000000"/>
+    </a:dk1>
+    <a:lt1>
+      <a:sysClr val="window" lastClr="FFFFFF"/>
+    </a:lt1>
+    <a:dk2>
+      <a:srgbClr val="1F497D"/>
+    </a:dk2>
+    <a:lt2>
+      <a:srgbClr val="EEECE1"/>
+    </a:lt2>
+    <a:accent1>
+      <a:srgbClr val="4F81BD"/>
+    </a:accent1>
+    <a:accent2>
+      <a:srgbClr val="C0504D"/>
+    </a:accent2>
+    <a:accent3>
+      <a:srgbClr val="9BBB59"/>
+    </a:accent3>
+    <a:accent4>
+      <a:srgbClr val="8064A2"/>
+    </a:accent4>
+    <a:accent5>
+      <a:srgbClr val="4BACC6"/>
+    </a:accent5>
+    <a:accent6>
+      <a:srgbClr val="F79646"/>
+    </a:accent6>
+    <a:hlink>
+      <a:srgbClr val="0000FF"/>
+    </a:hlink>
+    <a:folHlink>
+      <a:srgbClr val="800080"/>
+    </a:folHlink>
+  </a:clrScheme>
+  <a:fontScheme name="Office">
+    <a:majorFont>
+      <a:latin typeface="Cambria"/>
+      <a:ea typeface=""/>
+      <a:cs typeface=""/>
+      <a:font script="Jpan" typeface="ＭＳ Ｐゴシック"/>
+      <a:font script="Hang" typeface="맑은 고딕"/>
+      <a:font script="Hans" typeface="宋体"/>
+      <a:font script="Hant" typeface="新細明體"/>
+      <a:font script="Arab" typeface="Times New Roman"/>
+      <a:font script="Hebr" typeface="Times New Roman"/>
+      <a:font script="Thai" typeface="Tahoma"/>
+      <a:font script="Ethi" typeface="Nyala"/>
+      <a:font script="Beng" typeface="Vrinda"/>
+      <a:font script="Gujr" typeface="Shruti"/>
+      <a:font script="Khmr" typeface="MoolBoran"/>
+      <a:font script="Knda" typeface="Tunga"/>
+      <a:font script="Guru" typeface="Raavi"/>
+      <a:font script="Cans" typeface="Euphemia"/>
+      <a:font script="Cher" typeface="Plantagenet Cherokee"/>
+      <a:font script="Yiii" typeface="Microsoft Yi Baiti"/>
+      <a:font script="Tibt" typeface="Microsoft Himalaya"/>
+      <a:font script="Thaa" typeface="MV Boli"/>
+      <a:font script="Deva" typeface="Mangal"/>
+      <a:font script="Telu" typeface="Gautami"/>
+      <a:font script="Taml" typeface="Latha"/>
+      <a:font script="Syrc" typeface="Estrangelo Edessa"/>
+      <a:font script="Orya" typeface="Kalinga"/>
+      <a:font script="Mlym" typeface="Kartika"/>
+      <a:font script="Laoo" typeface="DokChampa"/>
+      <a:font script="Sinh" typeface="Iskoola Pota"/>
+      <a:font script="Mong" typeface="Mongolian Baiti"/>
+      <a:font script="Viet" typeface="Times New Roman"/>
+      <a:font script="Uigh" typeface="Microsoft Uighur"/>
+      <a:font script="Geor" typeface="Sylfaen"/>
+    </a:majorFont>
+    <a:minorFont>
+      <a:latin typeface="Calibri"/>
+      <a:ea typeface=""/>
+      <a:cs typeface=""/>
+      <a:font script="Jpan" typeface="ＭＳ Ｐゴシック"/>
+      <a:font script="Hang" typeface="맑은 고딕"/>
+      <a:font script="Hans" typeface="宋体"/>
+      <a:font script="Hant" typeface="新細明體"/>
+      <a:font script="Arab" typeface="Arial"/>
+      <a:font script="Hebr" typeface="Arial"/>
+      <a:font script="Thai" typeface="Tahoma"/>
+      <a:font script="Ethi" typeface="Nyala"/>
+      <a:font script="Beng" typeface="Vrinda"/>
+      <a:font script="Gujr" typeface="Shruti"/>
+      <a:font script="Khmr" typeface="DaunPenh"/>
+      <a:font script="Knda" typeface="Tunga"/>
+      <a:font script="Guru" typeface="Raavi"/>
+      <a:font script="Cans" typeface="Euphemia"/>
+      <a:font script="Cher" typeface="Plantagenet Cherokee"/>
+      <a:font script="Yiii" typeface="Microsoft Yi Baiti"/>
+      <a:font script="Tibt" typeface="Microsoft Himalaya"/>
+      <a:font script="Thaa" typeface="MV Boli"/>
+      <a:font script="Deva" typeface="Mangal"/>
+      <a:font script="Telu" typeface="Gautami"/>
+      <a:font script="Taml" typeface="Latha"/>
+      <a:font script="Syrc" typeface="Estrangelo Edessa"/>
+      <a:font script="Orya" typeface="Kalinga"/>
+      <a:font script="Mlym" typeface="Kartika"/>
+      <a:font script="Laoo" typeface="DokChampa"/>
+      <a:font script="Sinh" typeface="Iskoola Pota"/>
+      <a:font script="Mong" typeface="Mongolian Baiti"/>
+      <a:font script="Viet" typeface="Arial"/>
+      <a:font script="Uigh" typeface="Microsoft Uighur"/>
+      <a:font script="Geor" typeface="Sylfaen"/>
+    </a:minorFont>
+  </a:fontScheme>
+  <a:fmtScheme name="Office">
+    <a:fillStyleLst>
+      <a:solidFill>
+        <a:schemeClr val="phClr"/>
+      </a:solidFill>
+      <a:gradFill rotWithShape="1">
+        <a:gsLst>
+          <a:gs pos="0">
+            <a:schemeClr val="phClr">
+              <a:tint val="50000"/>
+              <a:satMod val="300000"/>
+            </a:schemeClr>
+          </a:gs>
+          <a:gs pos="35000">
+            <a:schemeClr val="phClr">
+              <a:tint val="37000"/>
+              <a:satMod val="300000"/>
+            </a:schemeClr>
+          </a:gs>
+          <a:gs pos="100000">
+            <a:schemeClr val="phClr">
+              <a:tint val="15000"/>
+              <a:satMod val="350000"/>
+            </a:schemeClr>
+          </a:gs>
+        </a:gsLst>
+        <a:lin ang="16200000" scaled="1"/>
+      </a:gradFill>
+      <a:gradFill rotWithShape="1">
+        <a:gsLst>
+          <a:gs pos="0">
+            <a:schemeClr val="phClr">
+              <a:tint val="100000"/>
+              <a:shade val="100000"/>
+              <a:satMod val="130000"/>
+            </a:schemeClr>
+          </a:gs>
+          <a:gs pos="100000">
+            <a:schemeClr val="phClr">
+              <a:tint val="50000"/>
+              <a:shade val="100000"/>
+              <a:satMod val="350000"/>
+            </a:schemeClr>
+          </a:gs>
+        </a:gsLst>
+        <a:lin ang="16200000" scaled="0"/>
+      </a:gradFill>
+    </a:fillStyleLst>
+    <a:lnStyleLst>
+      <a:ln w="9525" cap="flat" cmpd="sng" algn="ctr">
+        <a:solidFill>
+          <a:schemeClr val="phClr">
+            <a:shade val="95000"/>
+            <a:satMod val="105000"/>
+          </a:schemeClr>
+        </a:solidFill>
+        <a:prstDash val="solid"/>
+      </a:ln>
+      <a:ln w="25400" cap="flat" cmpd="sng" algn="ctr">
+        <a:solidFill>
+          <a:schemeClr val="phClr"/>
+        </a:solidFill>
+        <a:prstDash val="solid"/>
+      </a:ln>
+      <a:ln w="38100" cap="flat" cmpd="sng" algn="ctr">
+        <a:solidFill>
+          <a:schemeClr val="phClr"/>
+        </a:solidFill>
+        <a:prstDash val="solid"/>
+      </a:ln>
+    </a:lnStyleLst>
+    <a:effectStyleLst>
+      <a:effectStyle>
+        <a:effectLst>
+          <a:outerShdw blurRad="40000" dist="20000" dir="5400000" rotWithShape="0">
+            <a:srgbClr val="000000">
+              <a:alpha val="38000"/>
+            </a:srgbClr>
+          </a:outerShdw>
+        </a:effectLst>
+      </a:effectStyle>
+      <a:effectStyle>
+        <a:effectLst>
+          <a:outerShdw blurRad="40000" dist="23000" dir="5400000" rotWithShape="0">
+            <a:srgbClr val="000000">
+              <a:alpha val="35000"/>
+            </a:srgbClr>
+          </a:outerShdw>
+        </a:effectLst>
+      </a:effectStyle>
+      <a:effectStyle>
+        <a:effectLst>
+          <a:outerShdw blurRad="40000" dist="23000" dir="5400000" rotWithShape="0">
+            <a:srgbClr val="000000">
+              <a:alpha val="35000"/>
+            </a:srgbClr>
+          </a:outerShdw>
+        </a:effectLst>
+        <a:scene3d>
+          <a:camera prst="orthographicFront">
+            <a:rot lat="0" lon="0" rev="0"/>
+          </a:camera>
+          <a:lightRig rig="threePt" dir="t">
+            <a:rot lat="0" lon="0" rev="1200000"/>
+          </a:lightRig>
+        </a:scene3d>
+        <a:sp3d>
+          <a:bevelT w="63500" h="25400"/>
+        </a:sp3d>
+      </a:effectStyle>
+    </a:effectStyleLst>
+    <a:bgFillStyleLst>
+      <a:solidFill>
+        <a:schemeClr val="phClr"/>
+      </a:solidFill>
+      <a:gradFill rotWithShape="1">
+        <a:gsLst>
+          <a:gs pos="0">
+            <a:schemeClr val="phClr">
+              <a:tint val="40000"/>
+              <a:satMod val="350000"/>
+            </a:schemeClr>
+          </a:gs>
+          <a:gs pos="40000">
+            <a:schemeClr val="phClr">
+              <a:tint val="45000"/>
+              <a:shade val="99000"/>
+              <a:satMod val="350000"/>
+            </a:schemeClr>
+          </a:gs>
+          <a:gs pos="100000">
+            <a:schemeClr val="phClr">
+              <a:shade val="20000"/>
+              <a:satMod val="255000"/>
+            </a:schemeClr>
+          </a:gs>
+        </a:gsLst>
+        <a:path path="circle">
+          <a:fillToRect l="50000" t="-80000" r="50000" b="180000"/>
+        </a:path>
+      </a:gradFill>
+      <a:gradFill rotWithShape="1">
+        <a:gsLst>
+          <a:gs pos="0">
+            <a:schemeClr val="phClr">
+              <a:tint val="80000"/>
+              <a:satMod val="300000"/>
+            </a:schemeClr>
+          </a:gs>
+          <a:gs pos="100000">
+            <a:schemeClr val="phClr">
+              <a:shade val="30000"/>
+              <a:satMod val="200000"/>
+            </a:schemeClr>
+          </a:gs>
+        </a:gsLst>
+        <a:path path="circle">
+          <a:fillToRect l="50000" t="50000" r="50000" b="50000"/>
+        </a:path>
+      </a:gradFill>
+    </a:bgFillStyleLst>
+  </a:fmtScheme>
+</a:themeOverride>
+</file>
+
+<file path=ppt/theme/themeOverride8.xml><?xml version="1.0" encoding="utf-8"?>
+<a:themeOverride xmlns:a="http://schemas.openxmlformats.org/drawingml/2006/main">
+  <a:clrScheme name="Office">
+    <a:dk1>
+      <a:sysClr val="windowText" lastClr="000000"/>
+    </a:dk1>
+    <a:lt1>
+      <a:sysClr val="window" lastClr="FFFFFF"/>
+    </a:lt1>
+    <a:dk2>
+      <a:srgbClr val="1F497D"/>
+    </a:dk2>
+    <a:lt2>
+      <a:srgbClr val="EEECE1"/>
+    </a:lt2>
+    <a:accent1>
+      <a:srgbClr val="4F81BD"/>
+    </a:accent1>
+    <a:accent2>
+      <a:srgbClr val="C0504D"/>
+    </a:accent2>
+    <a:accent3>
+      <a:srgbClr val="9BBB59"/>
+    </a:accent3>
+    <a:accent4>
+      <a:srgbClr val="8064A2"/>
+    </a:accent4>
+    <a:accent5>
+      <a:srgbClr val="4BACC6"/>
+    </a:accent5>
+    <a:accent6>
+      <a:srgbClr val="F79646"/>
+    </a:accent6>
+    <a:hlink>
+      <a:srgbClr val="0000FF"/>
+    </a:hlink>
+    <a:folHlink>
+      <a:srgbClr val="800080"/>
+    </a:folHlink>
+  </a:clrScheme>
+  <a:fontScheme name="Office">
+    <a:majorFont>
+      <a:latin typeface="Cambria"/>
+      <a:ea typeface=""/>
+      <a:cs typeface=""/>
+      <a:font script="Jpan" typeface="ＭＳ Ｐゴシック"/>
+      <a:font script="Hang" typeface="맑은 고딕"/>
+      <a:font script="Hans" typeface="宋体"/>
+      <a:font script="Hant" typeface="新細明體"/>
+      <a:font script="Arab" typeface="Times New Roman"/>
+      <a:font script="Hebr" typeface="Times New Roman"/>
+      <a:font script="Thai" typeface="Tahoma"/>
+      <a:font script="Ethi" typeface="Nyala"/>
+      <a:font script="Beng" typeface="Vrinda"/>
+      <a:font script="Gujr" typeface="Shruti"/>
+      <a:font script="Khmr" typeface="MoolBoran"/>
+      <a:font script="Knda" typeface="Tunga"/>
+      <a:font script="Guru" typeface="Raavi"/>
+      <a:font script="Cans" typeface="Euphemia"/>
+      <a:font script="Cher" typeface="Plantagenet Cherokee"/>
+      <a:font script="Yiii" typeface="Microsoft Yi Baiti"/>
+      <a:font script="Tibt" typeface="Microsoft Himalaya"/>
+      <a:font script="Thaa" typeface="MV Boli"/>
+      <a:font script="Deva" typeface="Mangal"/>
+      <a:font script="Telu" typeface="Gautami"/>
+      <a:font script="Taml" typeface="Latha"/>
+      <a:font script="Syrc" typeface="Estrangelo Edessa"/>
+      <a:font script="Orya" typeface="Kalinga"/>
+      <a:font script="Mlym" typeface="Kartika"/>
+      <a:font script="Laoo" typeface="DokChampa"/>
+      <a:font script="Sinh" typeface="Iskoola Pota"/>
+      <a:font script="Mong" typeface="Mongolian Baiti"/>
+      <a:font script="Viet" typeface="Times New Roman"/>
+      <a:font script="Uigh" typeface="Microsoft Uighur"/>
+      <a:font script="Geor" typeface="Sylfaen"/>
+    </a:majorFont>
+    <a:minorFont>
+      <a:latin typeface="Calibri"/>
+      <a:ea typeface=""/>
+      <a:cs typeface=""/>
+      <a:font script="Jpan" typeface="ＭＳ Ｐゴシック"/>
+      <a:font script="Hang" typeface="맑은 고딕"/>
+      <a:font script="Hans" typeface="宋体"/>
+      <a:font script="Hant" typeface="新細明體"/>
+      <a:font script="Arab" typeface="Arial"/>
+      <a:font script="Hebr" typeface="Arial"/>
+      <a:font script="Thai" typeface="Tahoma"/>
+      <a:font script="Ethi" typeface="Nyala"/>
+      <a:font script="Beng" typeface="Vrinda"/>
+      <a:font script="Gujr" typeface="Shruti"/>
+      <a:font script="Khmr" typeface="DaunPenh"/>
+      <a:font script="Knda" typeface="Tunga"/>
+      <a:font script="Guru" typeface="Raavi"/>
+      <a:font script="Cans" typeface="Euphemia"/>
+      <a:font script="Cher" typeface="Plantagenet Cherokee"/>
+      <a:font script="Yiii" typeface="Microsoft Yi Baiti"/>
+      <a:font script="Tibt" typeface="Microsoft Himalaya"/>
+      <a:font script="Thaa" typeface="MV Boli"/>
+      <a:font script="Deva" typeface="Mangal"/>
+      <a:font script="Telu" typeface="Gautami"/>
+      <a:font script="Taml" typeface="Latha"/>
+      <a:font script="Syrc" typeface="Estrangelo Edessa"/>
+      <a:font script="Orya" typeface="Kalinga"/>
+      <a:font script="Mlym" typeface="Kartika"/>
+      <a:font script="Laoo" typeface="DokChampa"/>
+      <a:font script="Sinh" typeface="Iskoola Pota"/>
+      <a:font script="Mong" typeface="Mongolian Baiti"/>
+      <a:font script="Viet" typeface="Arial"/>
+      <a:font script="Uigh" typeface="Microsoft Uighur"/>
+      <a:font script="Geor" typeface="Sylfaen"/>
+    </a:minorFont>
+  </a:fontScheme>
+  <a:fmtScheme name="Office">
+    <a:fillStyleLst>
+      <a:solidFill>
+        <a:schemeClr val="phClr"/>
+      </a:solidFill>
+      <a:gradFill rotWithShape="1">
+        <a:gsLst>
+          <a:gs pos="0">
+            <a:schemeClr val="phClr">
+              <a:tint val="50000"/>
+              <a:satMod val="300000"/>
+            </a:schemeClr>
+          </a:gs>
+          <a:gs pos="35000">
+            <a:schemeClr val="phClr">
+              <a:tint val="37000"/>
+              <a:satMod val="300000"/>
+            </a:schemeClr>
+          </a:gs>
+          <a:gs pos="100000">
+            <a:schemeClr val="phClr">
+              <a:tint val="15000"/>
+              <a:satMod val="350000"/>
+            </a:schemeClr>
+          </a:gs>
+        </a:gsLst>
+        <a:lin ang="16200000" scaled="1"/>
+      </a:gradFill>
+      <a:gradFill rotWithShape="1">
+        <a:gsLst>
+          <a:gs pos="0">
+            <a:schemeClr val="phClr">
+              <a:tint val="100000"/>
+              <a:shade val="100000"/>
+              <a:satMod val="130000"/>
+            </a:schemeClr>
+          </a:gs>
+          <a:gs pos="100000">
+            <a:schemeClr val="phClr">
+              <a:tint val="50000"/>
+              <a:shade val="100000"/>
+              <a:satMod val="350000"/>
+            </a:schemeClr>
+          </a:gs>
+        </a:gsLst>
+        <a:lin ang="16200000" scaled="0"/>
+      </a:gradFill>
+    </a:fillStyleLst>
+    <a:lnStyleLst>
+      <a:ln w="9525" cap="flat" cmpd="sng" algn="ctr">
+        <a:solidFill>
+          <a:schemeClr val="phClr">
+            <a:shade val="95000"/>
+            <a:satMod val="105000"/>
+          </a:schemeClr>
+        </a:solidFill>
+        <a:prstDash val="solid"/>
+      </a:ln>
+      <a:ln w="25400" cap="flat" cmpd="sng" algn="ctr">
+        <a:solidFill>
+          <a:schemeClr val="phClr"/>
+        </a:solidFill>
+        <a:prstDash val="solid"/>
+      </a:ln>
+      <a:ln w="38100" cap="flat" cmpd="sng" algn="ctr">
+        <a:solidFill>
+          <a:schemeClr val="phClr"/>
+        </a:solidFill>
+        <a:prstDash val="solid"/>
+      </a:ln>
+    </a:lnStyleLst>
+    <a:effectStyleLst>
+      <a:effectStyle>
+        <a:effectLst>
+          <a:outerShdw blurRad="40000" dist="20000" dir="5400000" rotWithShape="0">
+            <a:srgbClr val="000000">
+              <a:alpha val="38000"/>
+            </a:srgbClr>
+          </a:outerShdw>
+        </a:effectLst>
+      </a:effectStyle>
+      <a:effectStyle>
+        <a:effectLst>
+          <a:outerShdw blurRad="40000" dist="23000" dir="5400000" rotWithShape="0">
+            <a:srgbClr val="000000">
+              <a:alpha val="35000"/>
+            </a:srgbClr>
+          </a:outerShdw>
+        </a:effectLst>
+      </a:effectStyle>
+      <a:effectStyle>
+        <a:effectLst>
+          <a:outerShdw blurRad="40000" dist="23000" dir="5400000" rotWithShape="0">
+            <a:srgbClr val="000000">
+              <a:alpha val="35000"/>
+            </a:srgbClr>
+          </a:outerShdw>
+        </a:effectLst>
+        <a:scene3d>
+          <a:camera prst="orthographicFront">
+            <a:rot lat="0" lon="0" rev="0"/>
+          </a:camera>
+          <a:lightRig rig="threePt" dir="t">
+            <a:rot lat="0" lon="0" rev="1200000"/>
+          </a:lightRig>
+        </a:scene3d>
+        <a:sp3d>
+          <a:bevelT w="63500" h="25400"/>
+        </a:sp3d>
+      </a:effectStyle>
+    </a:effectStyleLst>
+    <a:bgFillStyleLst>
+      <a:solidFill>
+        <a:schemeClr val="phClr"/>
+      </a:solidFill>
+      <a:gradFill rotWithShape="1">
+        <a:gsLst>
+          <a:gs pos="0">
+            <a:schemeClr val="phClr">
+              <a:tint val="40000"/>
+              <a:satMod val="350000"/>
+            </a:schemeClr>
+          </a:gs>
+          <a:gs pos="40000">
+            <a:schemeClr val="phClr">
+              <a:tint val="45000"/>
+              <a:shade val="99000"/>
+              <a:satMod val="350000"/>
+            </a:schemeClr>
+          </a:gs>
+          <a:gs pos="100000">
+            <a:schemeClr val="phClr">
+              <a:shade val="20000"/>
+              <a:satMod val="255000"/>
+            </a:schemeClr>
+          </a:gs>
+        </a:gsLst>
+        <a:path path="circle">
+          <a:fillToRect l="50000" t="-80000" r="50000" b="180000"/>
+        </a:path>
+      </a:gradFill>
+      <a:gradFill rotWithShape="1">
+        <a:gsLst>
+          <a:gs pos="0">
+            <a:schemeClr val="phClr">
+              <a:tint val="80000"/>
+              <a:satMod val="300000"/>
+            </a:schemeClr>
+          </a:gs>
+          <a:gs pos="100000">
+            <a:schemeClr val="phClr">
+              <a:shade val="30000"/>
+              <a:satMod val="200000"/>
+            </a:schemeClr>
+          </a:gs>
+        </a:gsLst>
+        <a:path path="circle">
+          <a:fillToRect l="50000" t="50000" r="50000" b="50000"/>
+        </a:path>
+      </a:gradFill>
+    </a:bgFillStyleLst>
+  </a:fmtScheme>
+</a:themeOverride>
+</file>
+
+<file path=ppt/theme/themeOverride9.xml><?xml version="1.0" encoding="utf-8"?>
+<a:themeOverride xmlns:a="http://schemas.openxmlformats.org/drawingml/2006/main">
+  <a:clrScheme name="Office">
+    <a:dk1>
+      <a:sysClr val="windowText" lastClr="000000"/>
+    </a:dk1>
+    <a:lt1>
+      <a:sysClr val="window" lastClr="FFFFFF"/>
+    </a:lt1>
+    <a:dk2>
+      <a:srgbClr val="1F497D"/>
+    </a:dk2>
+    <a:lt2>
+      <a:srgbClr val="EEECE1"/>
+    </a:lt2>
+    <a:accent1>
+      <a:srgbClr val="4F81BD"/>
+    </a:accent1>
+    <a:accent2>
+      <a:srgbClr val="C0504D"/>
+    </a:accent2>
+    <a:accent3>
+      <a:srgbClr val="9BBB59"/>
+    </a:accent3>
+    <a:accent4>
+      <a:srgbClr val="8064A2"/>
+    </a:accent4>
+    <a:accent5>
+      <a:srgbClr val="4BACC6"/>
+    </a:accent5>
+    <a:accent6>
+      <a:srgbClr val="F79646"/>
+    </a:accent6>
+    <a:hlink>
+      <a:srgbClr val="0000FF"/>
+    </a:hlink>
+    <a:folHlink>
+      <a:srgbClr val="800080"/>
+    </a:folHlink>
+  </a:clrScheme>
+  <a:fontScheme name="Office">
+    <a:majorFont>
+      <a:latin typeface="Cambria"/>
+      <a:ea typeface=""/>
+      <a:cs typeface=""/>
+      <a:font script="Jpan" typeface="ＭＳ Ｐゴシック"/>
+      <a:font script="Hang" typeface="맑은 고딕"/>
+      <a:font script="Hans" typeface="宋体"/>
+      <a:font script="Hant" typeface="新細明體"/>
+      <a:font script="Arab" typeface="Times New Roman"/>
+      <a:font script="Hebr" typeface="Times New Roman"/>
+      <a:font script="Thai" typeface="Tahoma"/>
+      <a:font script="Ethi" typeface="Nyala"/>
+      <a:font script="Beng" typeface="Vrinda"/>
+      <a:font script="Gujr" typeface="Shruti"/>
+      <a:font script="Khmr" typeface="MoolBoran"/>
+      <a:font script="Knda" typeface="Tunga"/>
+      <a:font script="Guru" typeface="Raavi"/>
+      <a:font script="Cans" typeface="Euphemia"/>
+      <a:font script="Cher" typeface="Plantagenet Cherokee"/>
+      <a:font script="Yiii" typeface="Microsoft Yi Baiti"/>
+      <a:font script="Tibt" typeface="Microsoft Himalaya"/>
+      <a:font script="Thaa" typeface="MV Boli"/>
+      <a:font script="Deva" typeface="Mangal"/>
+      <a:font script="Telu" typeface="Gautami"/>
+      <a:font script="Taml" typeface="Latha"/>
+      <a:font script="Syrc" typeface="Estrangelo Edessa"/>
+      <a:font script="Orya" typeface="Kalinga"/>
+      <a:font script="Mlym" typeface="Kartika"/>
+      <a:font script="Laoo" typeface="DokChampa"/>
+      <a:font script="Sinh" typeface="Iskoola Pota"/>
+      <a:font script="Mong" typeface="Mongolian Baiti"/>
+      <a:font script="Viet" typeface="Times New Roman"/>
+      <a:font script="Uigh" typeface="Microsoft Uighur"/>
+      <a:font script="Geor" typeface="Sylfaen"/>
+    </a:majorFont>
+    <a:minorFont>
+      <a:latin typeface="Calibri"/>
+      <a:ea typeface=""/>
+      <a:cs typeface=""/>
+      <a:font script="Jpan" typeface="ＭＳ Ｐゴシック"/>
+      <a:font script="Hang" typeface="맑은 고딕"/>
+      <a:font script="Hans" typeface="宋体"/>
+      <a:font script="Hant" typeface="新細明體"/>
+      <a:font script="Arab" typeface="Arial"/>
+      <a:font script="Hebr" typeface="Arial"/>
+      <a:font script="Thai" typeface="Tahoma"/>
+      <a:font script="Ethi" typeface="Nyala"/>
+      <a:font script="Beng" typeface="Vrinda"/>
+      <a:font script="Gujr" typeface="Shruti"/>
+      <a:font script="Khmr" typeface="DaunPenh"/>
+      <a:font script="Knda" typeface="Tunga"/>
+      <a:font script="Guru" typeface="Raavi"/>
+      <a:font script="Cans" typeface="Euphemia"/>
+      <a:font script="Cher" typeface="Plantagenet Cherokee"/>
+      <a:font script="Yiii" typeface="Microsoft Yi Baiti"/>
+      <a:font script="Tibt" typeface="Microsoft Himalaya"/>
+      <a:font script="Thaa" typeface="MV Boli"/>
+      <a:font script="Deva" typeface="Mangal"/>
+      <a:font script="Telu" typeface="Gautami"/>
+      <a:font script="Taml" typeface="Latha"/>
+      <a:font script="Syrc" typeface="Estrangelo Edessa"/>
+      <a:font script="Orya" typeface="Kalinga"/>
+      <a:font script="Mlym" typeface="Kartika"/>
+      <a:font script="Laoo" typeface="DokChampa"/>
+      <a:font script="Sinh" typeface="Iskoola Pota"/>
+      <a:font script="Mong" typeface="Mongolian Baiti"/>
+      <a:font script="Viet" typeface="Arial"/>
+      <a:font script="Uigh" typeface="Microsoft Uighur"/>
+      <a:font script="Geor" typeface="Sylfaen"/>
+    </a:minorFont>
+  </a:fontScheme>
+  <a:fmtScheme name="Office">
+    <a:fillStyleLst>
+      <a:solidFill>
+        <a:schemeClr val="phClr"/>
+      </a:solidFill>
+      <a:gradFill rotWithShape="1">
+        <a:gsLst>
+          <a:gs pos="0">
+            <a:schemeClr val="phClr">
+              <a:tint val="50000"/>
+              <a:satMod val="300000"/>
+            </a:schemeClr>
+          </a:gs>
+          <a:gs pos="35000">
+            <a:schemeClr val="phClr">
+              <a:tint val="37000"/>
+              <a:satMod val="300000"/>
+            </a:schemeClr>
+          </a:gs>
+          <a:gs pos="100000">
+            <a:schemeClr val="phClr">
+              <a:tint val="15000"/>
+              <a:satMod val="350000"/>
+            </a:schemeClr>
+          </a:gs>
+        </a:gsLst>
+        <a:lin ang="16200000" scaled="1"/>
+      </a:gradFill>
+      <a:gradFill rotWithShape="1">
+        <a:gsLst>
+          <a:gs pos="0">
+            <a:schemeClr val="phClr">
+              <a:tint val="100000"/>
+              <a:shade val="100000"/>
+              <a:satMod val="130000"/>
+            </a:schemeClr>
+          </a:gs>
+          <a:gs pos="100000">
+            <a:schemeClr val="phClr">
+              <a:tint val="50000"/>
+              <a:shade val="100000"/>
+              <a:satMod val="350000"/>
+            </a:schemeClr>
+          </a:gs>
+        </a:gsLst>
+        <a:lin ang="16200000" scaled="0"/>
+      </a:gradFill>
+    </a:fillStyleLst>
+    <a:lnStyleLst>
+      <a:ln w="9525" cap="flat" cmpd="sng" algn="ctr">
+        <a:solidFill>
+          <a:schemeClr val="phClr">
+            <a:shade val="95000"/>
+            <a:satMod val="105000"/>
+          </a:schemeClr>
+        </a:solidFill>
+        <a:prstDash val="solid"/>
+      </a:ln>
+      <a:ln w="25400" cap="flat" cmpd="sng" algn="ctr">
+        <a:solidFill>
+          <a:schemeClr val="phClr"/>
+        </a:solidFill>
+        <a:prstDash val="solid"/>
+      </a:ln>
+      <a:ln w="38100" cap="flat" cmpd="sng" algn="ctr">
+        <a:solidFill>
+          <a:schemeClr val="phClr"/>
+        </a:solidFill>
+        <a:prstDash val="solid"/>
+      </a:ln>
+    </a:lnStyleLst>
+    <a:effectStyleLst>
+      <a:effectStyle>
+        <a:effectLst>
+          <a:outerShdw blurRad="40000" dist="20000" dir="5400000" rotWithShape="0">
+            <a:srgbClr val="000000">
+              <a:alpha val="38000"/>
+            </a:srgbClr>
+          </a:outerShdw>
+        </a:effectLst>
+      </a:effectStyle>
+      <a:effectStyle>
+        <a:effectLst>
+          <a:outerShdw blurRad="40000" dist="23000" dir="5400000" rotWithShape="0">
+            <a:srgbClr val="000000">
+              <a:alpha val="35000"/>
+            </a:srgbClr>
+          </a:outerShdw>
+        </a:effectLst>
+      </a:effectStyle>
+      <a:effectStyle>
+        <a:effectLst>
+          <a:outerShdw blurRad="40000" dist="23000" dir="5400000" rotWithShape="0">
+            <a:srgbClr val="000000">
+              <a:alpha val="35000"/>
+            </a:srgbClr>
+          </a:outerShdw>
+        </a:effectLst>
+        <a:scene3d>
+          <a:camera prst="orthographicFront">
+            <a:rot lat="0" lon="0" rev="0"/>
+          </a:camera>
+          <a:lightRig rig="threePt" dir="t">
+            <a:rot lat="0" lon="0" rev="1200000"/>
+          </a:lightRig>
+        </a:scene3d>
+        <a:sp3d>
+          <a:bevelT w="63500" h="25400"/>
+        </a:sp3d>
+      </a:effectStyle>
+    </a:effectStyleLst>
+    <a:bgFillStyleLst>
+      <a:solidFill>
+        <a:schemeClr val="phClr"/>
+      </a:solidFill>
+      <a:gradFill rotWithShape="1">
+        <a:gsLst>
+          <a:gs pos="0">
+            <a:schemeClr val="phClr">
+              <a:tint val="40000"/>
+              <a:satMod val="350000"/>
+            </a:schemeClr>
+          </a:gs>
+          <a:gs pos="40000">
+            <a:schemeClr val="phClr">
+              <a:tint val="45000"/>
+              <a:shade val="99000"/>
+              <a:satMod val="350000"/>
+            </a:schemeClr>
+          </a:gs>
+          <a:gs pos="100000">
+            <a:schemeClr val="phClr">
+              <a:shade val="20000"/>
+              <a:satMod val="255000"/>
+            </a:schemeClr>
+          </a:gs>
+        </a:gsLst>
+        <a:path path="circle">
+          <a:fillToRect l="50000" t="-80000" r="50000" b="180000"/>
+        </a:path>
+      </a:gradFill>
+      <a:gradFill rotWithShape="1">
+        <a:gsLst>
+          <a:gs pos="0">
+            <a:schemeClr val="phClr">
+              <a:tint val="80000"/>
+              <a:satMod val="300000"/>
+            </a:schemeClr>
+          </a:gs>
+          <a:gs pos="100000">
+            <a:schemeClr val="phClr">
+              <a:shade val="30000"/>
+              <a:satMod val="200000"/>
+            </a:schemeClr>
+          </a:gs>
+        </a:gsLst>
+        <a:path path="circle">
+          <a:fillToRect l="50000" t="50000" r="50000" b="50000"/>
+        </a:path>
+      </a:gradFill>
+    </a:bgFillStyleLst>
+  </a:fmtScheme>
+</a:themeOverride>
 </file>